--- a/Platform Technologies/Pre Lim/Week 1/Lecture/Chapter1_Introduction_to_OS.pptx
+++ b/Platform Technologies/Pre Lim/Week 1/Lecture/Chapter1_Introduction_to_OS.pptx
@@ -21382,7 +21382,7 @@
           <a:p>
             <a:fld id="{5D225DAC-D7F7-4CE3-B22F-689EBE1F0F09}" type="datetimeFigureOut">
               <a:rPr lang="en-US" smtClean="0"/>
-              <a:t>7/18/2025</a:t>
+              <a:t>7/19/2025</a:t>
             </a:fld>
             <a:endParaRPr lang="en-US"/>
           </a:p>
@@ -23034,7 +23034,7 @@
           <a:p>
             <a:fld id="{5BCAD085-E8A6-8845-BD4E-CB4CCA059FC4}" type="datetimeFigureOut">
               <a:rPr lang="en-US" smtClean="0"/>
-              <a:t>7/18/2025</a:t>
+              <a:t>7/19/2025</a:t>
             </a:fld>
             <a:endParaRPr lang="en-US"/>
           </a:p>
@@ -23202,7 +23202,7 @@
           <a:p>
             <a:fld id="{5BCAD085-E8A6-8845-BD4E-CB4CCA059FC4}" type="datetimeFigureOut">
               <a:rPr lang="en-US" smtClean="0"/>
-              <a:t>7/18/2025</a:t>
+              <a:t>7/19/2025</a:t>
             </a:fld>
             <a:endParaRPr lang="en-US"/>
           </a:p>
@@ -23380,7 +23380,7 @@
           <a:p>
             <a:fld id="{5BCAD085-E8A6-8845-BD4E-CB4CCA059FC4}" type="datetimeFigureOut">
               <a:rPr lang="en-US" smtClean="0"/>
-              <a:t>7/18/2025</a:t>
+              <a:t>7/19/2025</a:t>
             </a:fld>
             <a:endParaRPr lang="en-US"/>
           </a:p>
@@ -23548,7 +23548,7 @@
           <a:p>
             <a:fld id="{5BCAD085-E8A6-8845-BD4E-CB4CCA059FC4}" type="datetimeFigureOut">
               <a:rPr lang="en-US" smtClean="0"/>
-              <a:t>7/18/2025</a:t>
+              <a:t>7/19/2025</a:t>
             </a:fld>
             <a:endParaRPr lang="en-US"/>
           </a:p>
@@ -23793,7 +23793,7 @@
           <a:p>
             <a:fld id="{5BCAD085-E8A6-8845-BD4E-CB4CCA059FC4}" type="datetimeFigureOut">
               <a:rPr lang="en-US" smtClean="0"/>
-              <a:t>7/18/2025</a:t>
+              <a:t>7/19/2025</a:t>
             </a:fld>
             <a:endParaRPr lang="en-US"/>
           </a:p>
@@ -24078,7 +24078,7 @@
           <a:p>
             <a:fld id="{5BCAD085-E8A6-8845-BD4E-CB4CCA059FC4}" type="datetimeFigureOut">
               <a:rPr lang="en-US" smtClean="0"/>
-              <a:t>7/18/2025</a:t>
+              <a:t>7/19/2025</a:t>
             </a:fld>
             <a:endParaRPr lang="en-US"/>
           </a:p>
@@ -24497,7 +24497,7 @@
           <a:p>
             <a:fld id="{5BCAD085-E8A6-8845-BD4E-CB4CCA059FC4}" type="datetimeFigureOut">
               <a:rPr lang="en-US" smtClean="0"/>
-              <a:t>7/18/2025</a:t>
+              <a:t>7/19/2025</a:t>
             </a:fld>
             <a:endParaRPr lang="en-US"/>
           </a:p>
@@ -24614,7 +24614,7 @@
           <a:p>
             <a:fld id="{5BCAD085-E8A6-8845-BD4E-CB4CCA059FC4}" type="datetimeFigureOut">
               <a:rPr lang="en-US" smtClean="0"/>
-              <a:t>7/18/2025</a:t>
+              <a:t>7/19/2025</a:t>
             </a:fld>
             <a:endParaRPr lang="en-US"/>
           </a:p>
@@ -24709,7 +24709,7 @@
           <a:p>
             <a:fld id="{5BCAD085-E8A6-8845-BD4E-CB4CCA059FC4}" type="datetimeFigureOut">
               <a:rPr lang="en-US" smtClean="0"/>
-              <a:t>7/18/2025</a:t>
+              <a:t>7/19/2025</a:t>
             </a:fld>
             <a:endParaRPr lang="en-US"/>
           </a:p>
@@ -24984,7 +24984,7 @@
           <a:p>
             <a:fld id="{5BCAD085-E8A6-8845-BD4E-CB4CCA059FC4}" type="datetimeFigureOut">
               <a:rPr lang="en-US" smtClean="0"/>
-              <a:t>7/18/2025</a:t>
+              <a:t>7/19/2025</a:t>
             </a:fld>
             <a:endParaRPr lang="en-US"/>
           </a:p>
@@ -25236,7 +25236,7 @@
           <a:p>
             <a:fld id="{5BCAD085-E8A6-8845-BD4E-CB4CCA059FC4}" type="datetimeFigureOut">
               <a:rPr lang="en-US" smtClean="0"/>
-              <a:t>7/18/2025</a:t>
+              <a:t>7/19/2025</a:t>
             </a:fld>
             <a:endParaRPr lang="en-US"/>
           </a:p>
@@ -25447,7 +25447,7 @@
           <a:p>
             <a:fld id="{5BCAD085-E8A6-8845-BD4E-CB4CCA059FC4}" type="datetimeFigureOut">
               <a:rPr lang="en-US" smtClean="0"/>
-              <a:t>7/18/2025</a:t>
+              <a:t>7/19/2025</a:t>
             </a:fld>
             <a:endParaRPr lang="en-US"/>
           </a:p>
@@ -25948,7 +25948,7 @@
               </a:lnSpc>
             </a:pPr>
             <a:r>
-              <a:rPr lang="en-US" sz="2200"/>
+              <a:rPr lang="en-US" sz="2200" dirty="0"/>
               <a:t>Overview, History, Types, and Installation via VirtualBox</a:t>
             </a:r>
           </a:p>
@@ -26199,6 +26199,201 @@
           </a:prstGeom>
         </p:spPr>
       </p:pic>
+      <p:sp>
+        <p:nvSpPr>
+          <p:cNvPr id="4" name="Subtitle 2">
+            <a:extLst>
+              <a:ext uri="{FF2B5EF4-FFF2-40B4-BE49-F238E27FC236}">
+                <a16:creationId xmlns:a16="http://schemas.microsoft.com/office/drawing/2014/main" id="{96DCCB4C-1061-35C6-48DE-6BCB5088E883}"/>
+              </a:ext>
+            </a:extLst>
+          </p:cNvPr>
+          <p:cNvSpPr txBox="1">
+            <a:spLocks/>
+          </p:cNvSpPr>
+          <p:nvPr/>
+        </p:nvSpPr>
+        <p:spPr>
+          <a:xfrm>
+            <a:off x="246888" y="410714"/>
+            <a:ext cx="3128996" cy="1035781"/>
+          </a:xfrm>
+          <a:prstGeom prst="rect">
+            <a:avLst/>
+          </a:prstGeom>
+        </p:spPr>
+        <p:txBody>
+          <a:bodyPr vert="horz" lIns="91440" tIns="45720" rIns="91440" bIns="45720" rtlCol="0">
+            <a:normAutofit/>
+          </a:bodyPr>
+          <a:lstStyle>
+            <a:lvl1pPr marL="0" indent="0" algn="ctr" defTabSz="457200" rtl="0" eaLnBrk="1" latinLnBrk="0" hangingPunct="1">
+              <a:spcBef>
+                <a:spcPct val="20000"/>
+              </a:spcBef>
+              <a:buFont typeface="Arial"/>
+              <a:buNone/>
+              <a:defRPr sz="3200" kern="1200">
+                <a:solidFill>
+                  <a:schemeClr val="tx1">
+                    <a:tint val="75000"/>
+                  </a:schemeClr>
+                </a:solidFill>
+                <a:latin typeface="+mn-lt"/>
+                <a:ea typeface="+mn-ea"/>
+                <a:cs typeface="+mn-cs"/>
+              </a:defRPr>
+            </a:lvl1pPr>
+            <a:lvl2pPr marL="457200" indent="0" algn="ctr" defTabSz="457200" rtl="0" eaLnBrk="1" latinLnBrk="0" hangingPunct="1">
+              <a:spcBef>
+                <a:spcPct val="20000"/>
+              </a:spcBef>
+              <a:buFont typeface="Arial"/>
+              <a:buNone/>
+              <a:defRPr sz="2800" kern="1200">
+                <a:solidFill>
+                  <a:schemeClr val="tx1">
+                    <a:tint val="75000"/>
+                  </a:schemeClr>
+                </a:solidFill>
+                <a:latin typeface="+mn-lt"/>
+                <a:ea typeface="+mn-ea"/>
+                <a:cs typeface="+mn-cs"/>
+              </a:defRPr>
+            </a:lvl2pPr>
+            <a:lvl3pPr marL="914400" indent="0" algn="ctr" defTabSz="457200" rtl="0" eaLnBrk="1" latinLnBrk="0" hangingPunct="1">
+              <a:spcBef>
+                <a:spcPct val="20000"/>
+              </a:spcBef>
+              <a:buFont typeface="Arial"/>
+              <a:buNone/>
+              <a:defRPr sz="2400" kern="1200">
+                <a:solidFill>
+                  <a:schemeClr val="tx1">
+                    <a:tint val="75000"/>
+                  </a:schemeClr>
+                </a:solidFill>
+                <a:latin typeface="+mn-lt"/>
+                <a:ea typeface="+mn-ea"/>
+                <a:cs typeface="+mn-cs"/>
+              </a:defRPr>
+            </a:lvl3pPr>
+            <a:lvl4pPr marL="1371600" indent="0" algn="ctr" defTabSz="457200" rtl="0" eaLnBrk="1" latinLnBrk="0" hangingPunct="1">
+              <a:spcBef>
+                <a:spcPct val="20000"/>
+              </a:spcBef>
+              <a:buFont typeface="Arial"/>
+              <a:buNone/>
+              <a:defRPr sz="2000" kern="1200">
+                <a:solidFill>
+                  <a:schemeClr val="tx1">
+                    <a:tint val="75000"/>
+                  </a:schemeClr>
+                </a:solidFill>
+                <a:latin typeface="+mn-lt"/>
+                <a:ea typeface="+mn-ea"/>
+                <a:cs typeface="+mn-cs"/>
+              </a:defRPr>
+            </a:lvl4pPr>
+            <a:lvl5pPr marL="1828800" indent="0" algn="ctr" defTabSz="457200" rtl="0" eaLnBrk="1" latinLnBrk="0" hangingPunct="1">
+              <a:spcBef>
+                <a:spcPct val="20000"/>
+              </a:spcBef>
+              <a:buFont typeface="Arial"/>
+              <a:buNone/>
+              <a:defRPr sz="2000" kern="1200">
+                <a:solidFill>
+                  <a:schemeClr val="tx1">
+                    <a:tint val="75000"/>
+                  </a:schemeClr>
+                </a:solidFill>
+                <a:latin typeface="+mn-lt"/>
+                <a:ea typeface="+mn-ea"/>
+                <a:cs typeface="+mn-cs"/>
+              </a:defRPr>
+            </a:lvl5pPr>
+            <a:lvl6pPr marL="2286000" indent="0" algn="ctr" defTabSz="457200" rtl="0" eaLnBrk="1" latinLnBrk="0" hangingPunct="1">
+              <a:spcBef>
+                <a:spcPct val="20000"/>
+              </a:spcBef>
+              <a:buFont typeface="Arial"/>
+              <a:buNone/>
+              <a:defRPr sz="2000" kern="1200">
+                <a:solidFill>
+                  <a:schemeClr val="tx1">
+                    <a:tint val="75000"/>
+                  </a:schemeClr>
+                </a:solidFill>
+                <a:latin typeface="+mn-lt"/>
+                <a:ea typeface="+mn-ea"/>
+                <a:cs typeface="+mn-cs"/>
+              </a:defRPr>
+            </a:lvl6pPr>
+            <a:lvl7pPr marL="2743200" indent="0" algn="ctr" defTabSz="457200" rtl="0" eaLnBrk="1" latinLnBrk="0" hangingPunct="1">
+              <a:spcBef>
+                <a:spcPct val="20000"/>
+              </a:spcBef>
+              <a:buFont typeface="Arial"/>
+              <a:buNone/>
+              <a:defRPr sz="2000" kern="1200">
+                <a:solidFill>
+                  <a:schemeClr val="tx1">
+                    <a:tint val="75000"/>
+                  </a:schemeClr>
+                </a:solidFill>
+                <a:latin typeface="+mn-lt"/>
+                <a:ea typeface="+mn-ea"/>
+                <a:cs typeface="+mn-cs"/>
+              </a:defRPr>
+            </a:lvl7pPr>
+            <a:lvl8pPr marL="3200400" indent="0" algn="ctr" defTabSz="457200" rtl="0" eaLnBrk="1" latinLnBrk="0" hangingPunct="1">
+              <a:spcBef>
+                <a:spcPct val="20000"/>
+              </a:spcBef>
+              <a:buFont typeface="Arial"/>
+              <a:buNone/>
+              <a:defRPr sz="2000" kern="1200">
+                <a:solidFill>
+                  <a:schemeClr val="tx1">
+                    <a:tint val="75000"/>
+                  </a:schemeClr>
+                </a:solidFill>
+                <a:latin typeface="+mn-lt"/>
+                <a:ea typeface="+mn-ea"/>
+                <a:cs typeface="+mn-cs"/>
+              </a:defRPr>
+            </a:lvl8pPr>
+            <a:lvl9pPr marL="3657600" indent="0" algn="ctr" defTabSz="457200" rtl="0" eaLnBrk="1" latinLnBrk="0" hangingPunct="1">
+              <a:spcBef>
+                <a:spcPct val="20000"/>
+              </a:spcBef>
+              <a:buFont typeface="Arial"/>
+              <a:buNone/>
+              <a:defRPr sz="2000" kern="1200">
+                <a:solidFill>
+                  <a:schemeClr val="tx1">
+                    <a:tint val="75000"/>
+                  </a:schemeClr>
+                </a:solidFill>
+                <a:latin typeface="+mn-lt"/>
+                <a:ea typeface="+mn-ea"/>
+                <a:cs typeface="+mn-cs"/>
+              </a:defRPr>
+            </a:lvl9pPr>
+          </a:lstStyle>
+          <a:p>
+            <a:pPr algn="l">
+              <a:lnSpc>
+                <a:spcPct val="90000"/>
+              </a:lnSpc>
+            </a:pPr>
+            <a:r>
+              <a:rPr lang="en-US" sz="2200" dirty="0"/>
+              <a:t>Chapter 1</a:t>
+            </a:r>
+          </a:p>
+        </p:txBody>
+      </p:sp>
     </p:spTree>
   </p:cSld>
   <p:clrMapOvr>

--- a/Platform Technologies/Pre Lim/Week 1/Lecture/Chapter1_Introduction_to_OS.pptx
+++ b/Platform Technologies/Pre Lim/Week 1/Lecture/Chapter1_Introduction_to_OS.pptx
@@ -5,7 +5,7 @@
     <p:sldMasterId id="2147483648" r:id="rId1"/>
   </p:sldMasterIdLst>
   <p:notesMasterIdLst>
-    <p:notesMasterId r:id="rId18"/>
+    <p:notesMasterId r:id="rId19"/>
   </p:notesMasterIdLst>
   <p:sldIdLst>
     <p:sldId id="256" r:id="rId2"/>
@@ -15,15 +15,16 @@
     <p:sldId id="259" r:id="rId6"/>
     <p:sldId id="260" r:id="rId7"/>
     <p:sldId id="270" r:id="rId8"/>
-    <p:sldId id="271" r:id="rId9"/>
-    <p:sldId id="272" r:id="rId10"/>
-    <p:sldId id="273" r:id="rId11"/>
-    <p:sldId id="274" r:id="rId12"/>
-    <p:sldId id="275" r:id="rId13"/>
-    <p:sldId id="262" r:id="rId14"/>
-    <p:sldId id="263" r:id="rId15"/>
-    <p:sldId id="264" r:id="rId16"/>
-    <p:sldId id="269" r:id="rId17"/>
+    <p:sldId id="277" r:id="rId9"/>
+    <p:sldId id="278" r:id="rId10"/>
+    <p:sldId id="279" r:id="rId11"/>
+    <p:sldId id="280" r:id="rId12"/>
+    <p:sldId id="281" r:id="rId13"/>
+    <p:sldId id="274" r:id="rId14"/>
+    <p:sldId id="262" r:id="rId15"/>
+    <p:sldId id="263" r:id="rId16"/>
+    <p:sldId id="264" r:id="rId17"/>
+    <p:sldId id="269" r:id="rId18"/>
   </p:sldIdLst>
   <p:sldSz cx="9144000" cy="6858000" type="screen4x3"/>
   <p:notesSz cx="6858000" cy="9144000"/>
@@ -2594,788 +2595,6 @@
 </file>
 
 <file path=ppt/diagrams/colors4.xml><?xml version="1.0" encoding="utf-8"?>
-<dgm:colorsDef xmlns:dgm="http://schemas.openxmlformats.org/drawingml/2006/diagram" xmlns:a="http://schemas.openxmlformats.org/drawingml/2006/main" uniqueId="urn:microsoft.com/office/officeart/2005/8/colors/colorful5">
-  <dgm:title val=""/>
-  <dgm:desc val=""/>
-  <dgm:catLst>
-    <dgm:cat type="colorful" pri="10500"/>
-  </dgm:catLst>
-  <dgm:styleLbl name="node0">
-    <dgm:fillClrLst meth="repeat">
-      <a:schemeClr val="accent4"/>
-    </dgm:fillClrLst>
-    <dgm:linClrLst meth="repeat">
-      <a:schemeClr val="lt1"/>
-    </dgm:linClrLst>
-    <dgm:effectClrLst/>
-    <dgm:txLinClrLst/>
-    <dgm:txFillClrLst/>
-    <dgm:txEffectClrLst/>
-  </dgm:styleLbl>
-  <dgm:styleLbl name="node1">
-    <dgm:fillClrLst>
-      <a:schemeClr val="accent5"/>
-      <a:schemeClr val="accent6"/>
-    </dgm:fillClrLst>
-    <dgm:linClrLst meth="repeat">
-      <a:schemeClr val="lt1"/>
-    </dgm:linClrLst>
-    <dgm:effectClrLst/>
-    <dgm:txLinClrLst/>
-    <dgm:txFillClrLst/>
-    <dgm:txEffectClrLst/>
-  </dgm:styleLbl>
-  <dgm:styleLbl name="alignNode1">
-    <dgm:fillClrLst>
-      <a:schemeClr val="accent5"/>
-      <a:schemeClr val="accent6"/>
-    </dgm:fillClrLst>
-    <dgm:linClrLst>
-      <a:schemeClr val="accent5"/>
-      <a:schemeClr val="accent6"/>
-    </dgm:linClrLst>
-    <dgm:effectClrLst/>
-    <dgm:txLinClrLst/>
-    <dgm:txFillClrLst/>
-    <dgm:txEffectClrLst/>
-  </dgm:styleLbl>
-  <dgm:styleLbl name="lnNode1">
-    <dgm:fillClrLst>
-      <a:schemeClr val="accent5"/>
-      <a:schemeClr val="accent6"/>
-    </dgm:fillClrLst>
-    <dgm:linClrLst meth="repeat">
-      <a:schemeClr val="lt1"/>
-    </dgm:linClrLst>
-    <dgm:effectClrLst/>
-    <dgm:txLinClrLst/>
-    <dgm:txFillClrLst/>
-    <dgm:txEffectClrLst/>
-  </dgm:styleLbl>
-  <dgm:styleLbl name="vennNode1">
-    <dgm:fillClrLst>
-      <a:schemeClr val="accent5">
-        <a:alpha val="50000"/>
-      </a:schemeClr>
-      <a:schemeClr val="accent6">
-        <a:alpha val="50000"/>
-      </a:schemeClr>
-    </dgm:fillClrLst>
-    <dgm:linClrLst meth="repeat">
-      <a:schemeClr val="lt1"/>
-    </dgm:linClrLst>
-    <dgm:effectClrLst/>
-    <dgm:txLinClrLst/>
-    <dgm:txFillClrLst/>
-    <dgm:txEffectClrLst/>
-  </dgm:styleLbl>
-  <dgm:styleLbl name="node2">
-    <dgm:fillClrLst>
-      <a:schemeClr val="accent6"/>
-    </dgm:fillClrLst>
-    <dgm:linClrLst meth="repeat">
-      <a:schemeClr val="lt1"/>
-    </dgm:linClrLst>
-    <dgm:effectClrLst/>
-    <dgm:txLinClrLst/>
-    <dgm:txFillClrLst/>
-    <dgm:txEffectClrLst/>
-  </dgm:styleLbl>
-  <dgm:styleLbl name="node3">
-    <dgm:fillClrLst>
-      <a:schemeClr val="accent1"/>
-    </dgm:fillClrLst>
-    <dgm:linClrLst meth="repeat">
-      <a:schemeClr val="lt1"/>
-    </dgm:linClrLst>
-    <dgm:effectClrLst/>
-    <dgm:txLinClrLst/>
-    <dgm:txFillClrLst/>
-    <dgm:txEffectClrLst/>
-  </dgm:styleLbl>
-  <dgm:styleLbl name="node4">
-    <dgm:fillClrLst>
-      <a:schemeClr val="accent2"/>
-    </dgm:fillClrLst>
-    <dgm:linClrLst meth="repeat">
-      <a:schemeClr val="lt1"/>
-    </dgm:linClrLst>
-    <dgm:effectClrLst/>
-    <dgm:txLinClrLst/>
-    <dgm:txFillClrLst/>
-    <dgm:txEffectClrLst/>
-  </dgm:styleLbl>
-  <dgm:styleLbl name="fgImgPlace1">
-    <dgm:fillClrLst>
-      <a:schemeClr val="accent5">
-        <a:tint val="50000"/>
-      </a:schemeClr>
-      <a:schemeClr val="accent6">
-        <a:tint val="50000"/>
-      </a:schemeClr>
-    </dgm:fillClrLst>
-    <dgm:linClrLst meth="repeat">
-      <a:schemeClr val="lt1"/>
-    </dgm:linClrLst>
-    <dgm:effectClrLst/>
-    <dgm:txLinClrLst/>
-    <dgm:txFillClrLst meth="repeat">
-      <a:schemeClr val="lt1"/>
-    </dgm:txFillClrLst>
-    <dgm:txEffectClrLst/>
-  </dgm:styleLbl>
-  <dgm:styleLbl name="alignImgPlace1">
-    <dgm:fillClrLst>
-      <a:schemeClr val="accent5">
-        <a:tint val="50000"/>
-      </a:schemeClr>
-      <a:schemeClr val="accent6">
-        <a:tint val="20000"/>
-      </a:schemeClr>
-    </dgm:fillClrLst>
-    <dgm:linClrLst meth="repeat">
-      <a:schemeClr val="lt1"/>
-    </dgm:linClrLst>
-    <dgm:effectClrLst/>
-    <dgm:txLinClrLst/>
-    <dgm:txFillClrLst meth="repeat">
-      <a:schemeClr val="lt1"/>
-    </dgm:txFillClrLst>
-    <dgm:txEffectClrLst/>
-  </dgm:styleLbl>
-  <dgm:styleLbl name="bgImgPlace1">
-    <dgm:fillClrLst>
-      <a:schemeClr val="accent5">
-        <a:tint val="50000"/>
-      </a:schemeClr>
-      <a:schemeClr val="accent6">
-        <a:tint val="20000"/>
-      </a:schemeClr>
-    </dgm:fillClrLst>
-    <dgm:linClrLst meth="repeat">
-      <a:schemeClr val="lt1"/>
-    </dgm:linClrLst>
-    <dgm:effectClrLst/>
-    <dgm:txLinClrLst/>
-    <dgm:txFillClrLst meth="repeat">
-      <a:schemeClr val="lt1"/>
-    </dgm:txFillClrLst>
-    <dgm:txEffectClrLst/>
-  </dgm:styleLbl>
-  <dgm:styleLbl name="sibTrans2D1">
-    <dgm:fillClrLst>
-      <a:schemeClr val="accent5"/>
-      <a:schemeClr val="accent6"/>
-    </dgm:fillClrLst>
-    <dgm:linClrLst meth="repeat">
-      <a:schemeClr val="lt1"/>
-    </dgm:linClrLst>
-    <dgm:effectClrLst/>
-    <dgm:txLinClrLst/>
-    <dgm:txFillClrLst/>
-    <dgm:txEffectClrLst/>
-  </dgm:styleLbl>
-  <dgm:styleLbl name="fgSibTrans2D1">
-    <dgm:fillClrLst>
-      <a:schemeClr val="accent5"/>
-      <a:schemeClr val="accent6"/>
-    </dgm:fillClrLst>
-    <dgm:linClrLst meth="repeat">
-      <a:schemeClr val="lt1"/>
-    </dgm:linClrLst>
-    <dgm:effectClrLst/>
-    <dgm:txLinClrLst/>
-    <dgm:txFillClrLst meth="repeat">
-      <a:schemeClr val="lt1"/>
-    </dgm:txFillClrLst>
-    <dgm:txEffectClrLst/>
-  </dgm:styleLbl>
-  <dgm:styleLbl name="bgSibTrans2D1">
-    <dgm:fillClrLst>
-      <a:schemeClr val="accent5"/>
-      <a:schemeClr val="accent6"/>
-    </dgm:fillClrLst>
-    <dgm:linClrLst meth="repeat">
-      <a:schemeClr val="lt1"/>
-    </dgm:linClrLst>
-    <dgm:effectClrLst/>
-    <dgm:txLinClrLst/>
-    <dgm:txFillClrLst meth="repeat">
-      <a:schemeClr val="lt1"/>
-    </dgm:txFillClrLst>
-    <dgm:txEffectClrLst/>
-  </dgm:styleLbl>
-  <dgm:styleLbl name="sibTrans1D1">
-    <dgm:fillClrLst/>
-    <dgm:linClrLst>
-      <a:schemeClr val="accent5"/>
-      <a:schemeClr val="accent6"/>
-    </dgm:linClrLst>
-    <dgm:effectClrLst/>
-    <dgm:txLinClrLst/>
-    <dgm:txFillClrLst meth="repeat">
-      <a:schemeClr val="tx1"/>
-    </dgm:txFillClrLst>
-    <dgm:txEffectClrLst/>
-  </dgm:styleLbl>
-  <dgm:styleLbl name="callout">
-    <dgm:fillClrLst meth="repeat">
-      <a:schemeClr val="accent5"/>
-    </dgm:fillClrLst>
-    <dgm:linClrLst meth="repeat">
-      <a:schemeClr val="accent5">
-        <a:tint val="50000"/>
-      </a:schemeClr>
-    </dgm:linClrLst>
-    <dgm:effectClrLst/>
-    <dgm:txLinClrLst/>
-    <dgm:txFillClrLst meth="repeat">
-      <a:schemeClr val="tx1"/>
-    </dgm:txFillClrLst>
-    <dgm:txEffectClrLst/>
-  </dgm:styleLbl>
-  <dgm:styleLbl name="asst0">
-    <dgm:fillClrLst meth="repeat">
-      <a:schemeClr val="accent5"/>
-    </dgm:fillClrLst>
-    <dgm:linClrLst meth="repeat">
-      <a:schemeClr val="lt1">
-        <a:shade val="80000"/>
-      </a:schemeClr>
-    </dgm:linClrLst>
-    <dgm:effectClrLst/>
-    <dgm:txLinClrLst/>
-    <dgm:txFillClrLst/>
-    <dgm:txEffectClrLst/>
-  </dgm:styleLbl>
-  <dgm:styleLbl name="asst1">
-    <dgm:fillClrLst meth="repeat">
-      <a:schemeClr val="accent6"/>
-    </dgm:fillClrLst>
-    <dgm:linClrLst meth="repeat">
-      <a:schemeClr val="lt1">
-        <a:shade val="80000"/>
-      </a:schemeClr>
-    </dgm:linClrLst>
-    <dgm:effectClrLst/>
-    <dgm:txLinClrLst/>
-    <dgm:txFillClrLst/>
-    <dgm:txEffectClrLst/>
-  </dgm:styleLbl>
-  <dgm:styleLbl name="asst2">
-    <dgm:fillClrLst>
-      <a:schemeClr val="accent1"/>
-    </dgm:fillClrLst>
-    <dgm:linClrLst meth="repeat">
-      <a:schemeClr val="lt1"/>
-    </dgm:linClrLst>
-    <dgm:effectClrLst/>
-    <dgm:txLinClrLst/>
-    <dgm:txFillClrLst/>
-    <dgm:txEffectClrLst/>
-  </dgm:styleLbl>
-  <dgm:styleLbl name="asst3">
-    <dgm:fillClrLst>
-      <a:schemeClr val="accent2"/>
-    </dgm:fillClrLst>
-    <dgm:linClrLst meth="repeat">
-      <a:schemeClr val="lt1"/>
-    </dgm:linClrLst>
-    <dgm:effectClrLst/>
-    <dgm:txLinClrLst/>
-    <dgm:txFillClrLst/>
-    <dgm:txEffectClrLst/>
-  </dgm:styleLbl>
-  <dgm:styleLbl name="asst4">
-    <dgm:fillClrLst>
-      <a:schemeClr val="accent3"/>
-    </dgm:fillClrLst>
-    <dgm:linClrLst meth="repeat">
-      <a:schemeClr val="lt1"/>
-    </dgm:linClrLst>
-    <dgm:effectClrLst/>
-    <dgm:txLinClrLst/>
-    <dgm:txFillClrLst/>
-    <dgm:txEffectClrLst/>
-  </dgm:styleLbl>
-  <dgm:styleLbl name="parChTrans2D1">
-    <dgm:fillClrLst meth="repeat">
-      <a:schemeClr val="accent5"/>
-    </dgm:fillClrLst>
-    <dgm:linClrLst meth="repeat">
-      <a:schemeClr val="lt1"/>
-    </dgm:linClrLst>
-    <dgm:effectClrLst/>
-    <dgm:txLinClrLst/>
-    <dgm:txFillClrLst meth="repeat">
-      <a:schemeClr val="lt1"/>
-    </dgm:txFillClrLst>
-    <dgm:txEffectClrLst/>
-  </dgm:styleLbl>
-  <dgm:styleLbl name="parChTrans2D2">
-    <dgm:fillClrLst meth="repeat">
-      <a:schemeClr val="accent6"/>
-    </dgm:fillClrLst>
-    <dgm:linClrLst meth="repeat">
-      <a:schemeClr val="lt1"/>
-    </dgm:linClrLst>
-    <dgm:effectClrLst/>
-    <dgm:txLinClrLst/>
-    <dgm:txFillClrLst/>
-    <dgm:txEffectClrLst/>
-  </dgm:styleLbl>
-  <dgm:styleLbl name="parChTrans2D3">
-    <dgm:fillClrLst meth="repeat">
-      <a:schemeClr val="accent6"/>
-    </dgm:fillClrLst>
-    <dgm:linClrLst meth="repeat">
-      <a:schemeClr val="lt1"/>
-    </dgm:linClrLst>
-    <dgm:effectClrLst/>
-    <dgm:txLinClrLst/>
-    <dgm:txFillClrLst/>
-    <dgm:txEffectClrLst/>
-  </dgm:styleLbl>
-  <dgm:styleLbl name="parChTrans2D4">
-    <dgm:fillClrLst meth="repeat">
-      <a:schemeClr val="accent1"/>
-    </dgm:fillClrLst>
-    <dgm:linClrLst meth="repeat">
-      <a:schemeClr val="lt1"/>
-    </dgm:linClrLst>
-    <dgm:effectClrLst/>
-    <dgm:txLinClrLst/>
-    <dgm:txFillClrLst meth="repeat">
-      <a:schemeClr val="lt1"/>
-    </dgm:txFillClrLst>
-    <dgm:txEffectClrLst/>
-  </dgm:styleLbl>
-  <dgm:styleLbl name="parChTrans1D1">
-    <dgm:fillClrLst meth="repeat">
-      <a:schemeClr val="accent5"/>
-    </dgm:fillClrLst>
-    <dgm:linClrLst meth="repeat">
-      <a:schemeClr val="accent5"/>
-    </dgm:linClrLst>
-    <dgm:effectClrLst/>
-    <dgm:txLinClrLst/>
-    <dgm:txFillClrLst meth="repeat">
-      <a:schemeClr val="tx1"/>
-    </dgm:txFillClrLst>
-    <dgm:txEffectClrLst/>
-  </dgm:styleLbl>
-  <dgm:styleLbl name="parChTrans1D2">
-    <dgm:fillClrLst meth="repeat">
-      <a:schemeClr val="accent6">
-        <a:tint val="90000"/>
-      </a:schemeClr>
-    </dgm:fillClrLst>
-    <dgm:linClrLst meth="repeat">
-      <a:schemeClr val="accent6"/>
-    </dgm:linClrLst>
-    <dgm:effectClrLst/>
-    <dgm:txLinClrLst/>
-    <dgm:txFillClrLst meth="repeat">
-      <a:schemeClr val="tx1"/>
-    </dgm:txFillClrLst>
-    <dgm:txEffectClrLst/>
-  </dgm:styleLbl>
-  <dgm:styleLbl name="parChTrans1D3">
-    <dgm:fillClrLst meth="repeat">
-      <a:schemeClr val="accent6">
-        <a:tint val="70000"/>
-      </a:schemeClr>
-    </dgm:fillClrLst>
-    <dgm:linClrLst meth="repeat">
-      <a:schemeClr val="accent1"/>
-    </dgm:linClrLst>
-    <dgm:effectClrLst/>
-    <dgm:txLinClrLst/>
-    <dgm:txFillClrLst meth="repeat">
-      <a:schemeClr val="tx1"/>
-    </dgm:txFillClrLst>
-    <dgm:txEffectClrLst/>
-  </dgm:styleLbl>
-  <dgm:styleLbl name="parChTrans1D4">
-    <dgm:fillClrLst meth="repeat">
-      <a:schemeClr val="accent6">
-        <a:tint val="50000"/>
-      </a:schemeClr>
-    </dgm:fillClrLst>
-    <dgm:linClrLst meth="repeat">
-      <a:schemeClr val="accent2"/>
-    </dgm:linClrLst>
-    <dgm:effectClrLst/>
-    <dgm:txLinClrLst/>
-    <dgm:txFillClrLst meth="repeat">
-      <a:schemeClr val="tx1"/>
-    </dgm:txFillClrLst>
-    <dgm:txEffectClrLst/>
-  </dgm:styleLbl>
-  <dgm:styleLbl name="fgAcc1">
-    <dgm:fillClrLst meth="repeat">
-      <a:schemeClr val="lt1">
-        <a:alpha val="90000"/>
-      </a:schemeClr>
-    </dgm:fillClrLst>
-    <dgm:linClrLst>
-      <a:schemeClr val="accent5"/>
-      <a:schemeClr val="accent6"/>
-    </dgm:linClrLst>
-    <dgm:effectClrLst/>
-    <dgm:txLinClrLst/>
-    <dgm:txFillClrLst meth="repeat">
-      <a:schemeClr val="dk1"/>
-    </dgm:txFillClrLst>
-    <dgm:txEffectClrLst/>
-  </dgm:styleLbl>
-  <dgm:styleLbl name="conFgAcc1">
-    <dgm:fillClrLst meth="repeat">
-      <a:schemeClr val="lt1">
-        <a:alpha val="90000"/>
-      </a:schemeClr>
-    </dgm:fillClrLst>
-    <dgm:linClrLst>
-      <a:schemeClr val="accent5"/>
-      <a:schemeClr val="accent6"/>
-    </dgm:linClrLst>
-    <dgm:effectClrLst/>
-    <dgm:txLinClrLst/>
-    <dgm:txFillClrLst meth="repeat">
-      <a:schemeClr val="dk1"/>
-    </dgm:txFillClrLst>
-    <dgm:txEffectClrLst/>
-  </dgm:styleLbl>
-  <dgm:styleLbl name="alignAcc1">
-    <dgm:fillClrLst meth="repeat">
-      <a:schemeClr val="lt1">
-        <a:alpha val="90000"/>
-      </a:schemeClr>
-    </dgm:fillClrLst>
-    <dgm:linClrLst>
-      <a:schemeClr val="accent5"/>
-      <a:schemeClr val="accent6"/>
-    </dgm:linClrLst>
-    <dgm:effectClrLst/>
-    <dgm:txLinClrLst/>
-    <dgm:txFillClrLst meth="repeat">
-      <a:schemeClr val="dk1"/>
-    </dgm:txFillClrLst>
-    <dgm:txEffectClrLst/>
-  </dgm:styleLbl>
-  <dgm:styleLbl name="trAlignAcc1">
-    <dgm:fillClrLst meth="repeat">
-      <a:schemeClr val="lt1">
-        <a:alpha val="40000"/>
-      </a:schemeClr>
-    </dgm:fillClrLst>
-    <dgm:linClrLst meth="repeat">
-      <a:schemeClr val="accent5"/>
-    </dgm:linClrLst>
-    <dgm:effectClrLst/>
-    <dgm:txLinClrLst/>
-    <dgm:txFillClrLst meth="repeat">
-      <a:schemeClr val="dk1"/>
-    </dgm:txFillClrLst>
-    <dgm:txEffectClrLst/>
-  </dgm:styleLbl>
-  <dgm:styleLbl name="bgAcc1">
-    <dgm:fillClrLst meth="repeat">
-      <a:schemeClr val="lt1">
-        <a:alpha val="90000"/>
-      </a:schemeClr>
-    </dgm:fillClrLst>
-    <dgm:linClrLst>
-      <a:schemeClr val="accent5"/>
-      <a:schemeClr val="accent6"/>
-    </dgm:linClrLst>
-    <dgm:effectClrLst/>
-    <dgm:txLinClrLst/>
-    <dgm:txFillClrLst meth="repeat">
-      <a:schemeClr val="dk1"/>
-    </dgm:txFillClrLst>
-    <dgm:txEffectClrLst/>
-  </dgm:styleLbl>
-  <dgm:styleLbl name="solidFgAcc1">
-    <dgm:fillClrLst meth="repeat">
-      <a:schemeClr val="lt1"/>
-    </dgm:fillClrLst>
-    <dgm:linClrLst>
-      <a:schemeClr val="accent5"/>
-      <a:schemeClr val="accent6"/>
-    </dgm:linClrLst>
-    <dgm:effectClrLst/>
-    <dgm:txLinClrLst/>
-    <dgm:txFillClrLst meth="repeat">
-      <a:schemeClr val="dk1"/>
-    </dgm:txFillClrLst>
-    <dgm:txEffectClrLst/>
-  </dgm:styleLbl>
-  <dgm:styleLbl name="solidAlignAcc1">
-    <dgm:fillClrLst meth="repeat">
-      <a:schemeClr val="lt1"/>
-    </dgm:fillClrLst>
-    <dgm:linClrLst>
-      <a:schemeClr val="accent5"/>
-      <a:schemeClr val="accent6"/>
-    </dgm:linClrLst>
-    <dgm:effectClrLst/>
-    <dgm:txLinClrLst/>
-    <dgm:txFillClrLst meth="repeat">
-      <a:schemeClr val="dk1"/>
-    </dgm:txFillClrLst>
-    <dgm:txEffectClrLst/>
-  </dgm:styleLbl>
-  <dgm:styleLbl name="solidBgAcc1">
-    <dgm:fillClrLst meth="repeat">
-      <a:schemeClr val="lt1"/>
-    </dgm:fillClrLst>
-    <dgm:linClrLst>
-      <a:schemeClr val="accent5"/>
-      <a:schemeClr val="accent6"/>
-    </dgm:linClrLst>
-    <dgm:effectClrLst/>
-    <dgm:txLinClrLst/>
-    <dgm:txFillClrLst meth="repeat">
-      <a:schemeClr val="dk1"/>
-    </dgm:txFillClrLst>
-    <dgm:txEffectClrLst/>
-  </dgm:styleLbl>
-  <dgm:styleLbl name="fgAccFollowNode1">
-    <dgm:fillClrLst>
-      <a:schemeClr val="accent5">
-        <a:tint val="40000"/>
-        <a:alpha val="90000"/>
-      </a:schemeClr>
-      <a:schemeClr val="accent6">
-        <a:tint val="40000"/>
-        <a:alpha val="90000"/>
-      </a:schemeClr>
-    </dgm:fillClrLst>
-    <dgm:linClrLst>
-      <a:schemeClr val="accent5">
-        <a:tint val="40000"/>
-        <a:alpha val="90000"/>
-      </a:schemeClr>
-      <a:schemeClr val="accent5">
-        <a:tint val="40000"/>
-        <a:alpha val="90000"/>
-      </a:schemeClr>
-    </dgm:linClrLst>
-    <dgm:effectClrLst/>
-    <dgm:txLinClrLst/>
-    <dgm:txFillClrLst meth="repeat">
-      <a:schemeClr val="dk1"/>
-    </dgm:txFillClrLst>
-    <dgm:txEffectClrLst/>
-  </dgm:styleLbl>
-  <dgm:styleLbl name="alignAccFollowNode1">
-    <dgm:fillClrLst>
-      <a:schemeClr val="accent5">
-        <a:tint val="40000"/>
-        <a:alpha val="90000"/>
-      </a:schemeClr>
-      <a:schemeClr val="accent6">
-        <a:tint val="40000"/>
-        <a:alpha val="90000"/>
-      </a:schemeClr>
-    </dgm:fillClrLst>
-    <dgm:linClrLst>
-      <a:schemeClr val="accent5">
-        <a:tint val="40000"/>
-        <a:alpha val="90000"/>
-      </a:schemeClr>
-      <a:schemeClr val="accent6">
-        <a:tint val="40000"/>
-        <a:alpha val="90000"/>
-      </a:schemeClr>
-    </dgm:linClrLst>
-    <dgm:effectClrLst/>
-    <dgm:txLinClrLst/>
-    <dgm:txFillClrLst meth="repeat">
-      <a:schemeClr val="dk1"/>
-    </dgm:txFillClrLst>
-    <dgm:txEffectClrLst/>
-  </dgm:styleLbl>
-  <dgm:styleLbl name="bgAccFollowNode1">
-    <dgm:fillClrLst>
-      <a:schemeClr val="accent5">
-        <a:tint val="40000"/>
-        <a:alpha val="90000"/>
-      </a:schemeClr>
-      <a:schemeClr val="accent6">
-        <a:tint val="40000"/>
-        <a:alpha val="90000"/>
-      </a:schemeClr>
-    </dgm:fillClrLst>
-    <dgm:linClrLst>
-      <a:schemeClr val="accent5">
-        <a:tint val="40000"/>
-        <a:alpha val="90000"/>
-      </a:schemeClr>
-      <a:schemeClr val="accent6">
-        <a:tint val="40000"/>
-        <a:alpha val="90000"/>
-      </a:schemeClr>
-    </dgm:linClrLst>
-    <dgm:effectClrLst/>
-    <dgm:txLinClrLst/>
-    <dgm:txFillClrLst meth="repeat">
-      <a:schemeClr val="dk1"/>
-    </dgm:txFillClrLst>
-    <dgm:txEffectClrLst/>
-  </dgm:styleLbl>
-  <dgm:styleLbl name="fgAcc0">
-    <dgm:fillClrLst meth="repeat">
-      <a:schemeClr val="lt1">
-        <a:alpha val="90000"/>
-      </a:schemeClr>
-    </dgm:fillClrLst>
-    <dgm:linClrLst>
-      <a:schemeClr val="accent4"/>
-    </dgm:linClrLst>
-    <dgm:effectClrLst/>
-    <dgm:txLinClrLst/>
-    <dgm:txFillClrLst meth="repeat">
-      <a:schemeClr val="dk1"/>
-    </dgm:txFillClrLst>
-    <dgm:txEffectClrLst/>
-  </dgm:styleLbl>
-  <dgm:styleLbl name="fgAcc2">
-    <dgm:fillClrLst meth="repeat">
-      <a:schemeClr val="lt1">
-        <a:alpha val="90000"/>
-      </a:schemeClr>
-    </dgm:fillClrLst>
-    <dgm:linClrLst>
-      <a:schemeClr val="accent6"/>
-    </dgm:linClrLst>
-    <dgm:effectClrLst/>
-    <dgm:txLinClrLst/>
-    <dgm:txFillClrLst meth="repeat">
-      <a:schemeClr val="dk1"/>
-    </dgm:txFillClrLst>
-    <dgm:txEffectClrLst/>
-  </dgm:styleLbl>
-  <dgm:styleLbl name="fgAcc3">
-    <dgm:fillClrLst meth="repeat">
-      <a:schemeClr val="lt1">
-        <a:alpha val="90000"/>
-      </a:schemeClr>
-    </dgm:fillClrLst>
-    <dgm:linClrLst>
-      <a:schemeClr val="accent1"/>
-    </dgm:linClrLst>
-    <dgm:effectClrLst/>
-    <dgm:txLinClrLst/>
-    <dgm:txFillClrLst meth="repeat">
-      <a:schemeClr val="dk1"/>
-    </dgm:txFillClrLst>
-    <dgm:txEffectClrLst/>
-  </dgm:styleLbl>
-  <dgm:styleLbl name="fgAcc4">
-    <dgm:fillClrLst meth="repeat">
-      <a:schemeClr val="lt1">
-        <a:alpha val="90000"/>
-      </a:schemeClr>
-    </dgm:fillClrLst>
-    <dgm:linClrLst>
-      <a:schemeClr val="accent2"/>
-    </dgm:linClrLst>
-    <dgm:effectClrLst/>
-    <dgm:txLinClrLst/>
-    <dgm:txFillClrLst meth="repeat">
-      <a:schemeClr val="dk1"/>
-    </dgm:txFillClrLst>
-    <dgm:txEffectClrLst/>
-  </dgm:styleLbl>
-  <dgm:styleLbl name="bgShp">
-    <dgm:fillClrLst meth="repeat">
-      <a:schemeClr val="accent5">
-        <a:tint val="40000"/>
-      </a:schemeClr>
-    </dgm:fillClrLst>
-    <dgm:linClrLst meth="repeat">
-      <a:schemeClr val="dk1"/>
-    </dgm:linClrLst>
-    <dgm:effectClrLst/>
-    <dgm:txLinClrLst/>
-    <dgm:txFillClrLst meth="repeat">
-      <a:schemeClr val="dk1"/>
-    </dgm:txFillClrLst>
-    <dgm:txEffectClrLst/>
-  </dgm:styleLbl>
-  <dgm:styleLbl name="dkBgShp">
-    <dgm:fillClrLst meth="repeat">
-      <a:schemeClr val="accent5">
-        <a:shade val="90000"/>
-      </a:schemeClr>
-    </dgm:fillClrLst>
-    <dgm:linClrLst meth="repeat">
-      <a:schemeClr val="dk1"/>
-    </dgm:linClrLst>
-    <dgm:effectClrLst/>
-    <dgm:txLinClrLst/>
-    <dgm:txFillClrLst meth="repeat">
-      <a:schemeClr val="lt1"/>
-    </dgm:txFillClrLst>
-    <dgm:txEffectClrLst/>
-  </dgm:styleLbl>
-  <dgm:styleLbl name="trBgShp">
-    <dgm:fillClrLst meth="repeat">
-      <a:schemeClr val="accent5">
-        <a:tint val="50000"/>
-        <a:alpha val="40000"/>
-      </a:schemeClr>
-    </dgm:fillClrLst>
-    <dgm:linClrLst meth="repeat">
-      <a:schemeClr val="accent5"/>
-    </dgm:linClrLst>
-    <dgm:effectClrLst/>
-    <dgm:txLinClrLst/>
-    <dgm:txFillClrLst meth="repeat">
-      <a:schemeClr val="lt1"/>
-    </dgm:txFillClrLst>
-    <dgm:txEffectClrLst/>
-  </dgm:styleLbl>
-  <dgm:styleLbl name="fgShp">
-    <dgm:fillClrLst meth="repeat">
-      <a:schemeClr val="accent5">
-        <a:tint val="40000"/>
-      </a:schemeClr>
-    </dgm:fillClrLst>
-    <dgm:linClrLst meth="repeat">
-      <a:schemeClr val="lt1"/>
-    </dgm:linClrLst>
-    <dgm:effectClrLst/>
-    <dgm:txLinClrLst/>
-    <dgm:txFillClrLst meth="repeat">
-      <a:schemeClr val="dk1"/>
-    </dgm:txFillClrLst>
-    <dgm:txEffectClrLst/>
-  </dgm:styleLbl>
-  <dgm:styleLbl name="revTx">
-    <dgm:fillClrLst meth="repeat">
-      <a:schemeClr val="lt1">
-        <a:alpha val="0"/>
-      </a:schemeClr>
-    </dgm:fillClrLst>
-    <dgm:linClrLst meth="repeat">
-      <a:schemeClr val="dk1">
-        <a:alpha val="0"/>
-      </a:schemeClr>
-    </dgm:linClrLst>
-    <dgm:effectClrLst/>
-    <dgm:txLinClrLst/>
-    <dgm:txFillClrLst meth="repeat">
-      <a:schemeClr val="tx1"/>
-    </dgm:txFillClrLst>
-    <dgm:txEffectClrLst/>
-  </dgm:styleLbl>
-</dgm:colorsDef>
-</file>
-
-<file path=ppt/diagrams/colors5.xml><?xml version="1.0" encoding="utf-8"?>
 <dgm:colorsDef xmlns:dgm="http://schemas.openxmlformats.org/drawingml/2006/diagram" xmlns:a="http://schemas.openxmlformats.org/drawingml/2006/main" uniqueId="urn:microsoft.com/office/officeart/2005/8/colors/colorful2">
   <dgm:title val=""/>
   <dgm:desc val=""/>
@@ -4157,7 +3376,7 @@
 </dgm:colorsDef>
 </file>
 
-<file path=ppt/diagrams/colors6.xml><?xml version="1.0" encoding="utf-8"?>
+<file path=ppt/diagrams/colors5.xml><?xml version="1.0" encoding="utf-8"?>
 <dgm:colorsDef xmlns:dgm="http://schemas.openxmlformats.org/drawingml/2006/diagram" xmlns:a="http://schemas.openxmlformats.org/drawingml/2006/main" uniqueId="urn:microsoft.com/office/officeart/2005/8/colors/colorful5">
   <dgm:title val=""/>
   <dgm:desc val=""/>
@@ -7067,7 +6286,7 @@
         <a:p>
           <a:r>
             <a:rPr lang="en-US" dirty="0"/>
-            <a:t>Microsoft Windows</a:t>
+            <a:t>Server OS</a:t>
           </a:r>
         </a:p>
       </dgm:t>
@@ -7075,33 +6294,24 @@
     <dgm:pt modelId="{D8C59B96-AEED-4F99-B503-BABF5341366C}" type="parTrans" cxnId="{6FD37D6D-0ED2-4F1C-AA8E-07926DBBC752}">
       <dgm:prSet/>
       <dgm:spPr/>
+      <dgm:t>
+        <a:bodyPr/>
+        <a:lstStyle/>
+        <a:p>
+          <a:endParaRPr lang="en-US"/>
+        </a:p>
+      </dgm:t>
     </dgm:pt>
     <dgm:pt modelId="{56ED62B3-981B-483C-907C-1EDB593D33BA}" type="sibTrans" cxnId="{6FD37D6D-0ED2-4F1C-AA8E-07926DBBC752}">
-      <dgm:prSet/>
-      <dgm:spPr/>
-    </dgm:pt>
-    <dgm:pt modelId="{EC9966B9-36AE-4E0C-93F7-0E4B47798D3E}">
       <dgm:prSet/>
       <dgm:spPr/>
       <dgm:t>
         <a:bodyPr/>
         <a:lstStyle/>
         <a:p>
-          <a:r>
-            <a:rPr lang="en-US" dirty="0" err="1"/>
-            <a:t>MacOs</a:t>
-          </a:r>
-          <a:endParaRPr lang="en-US" dirty="0"/>
+          <a:endParaRPr lang="en-US"/>
         </a:p>
       </dgm:t>
-    </dgm:pt>
-    <dgm:pt modelId="{D36BDE41-D438-4759-89CD-1B74D9BE6531}" type="parTrans" cxnId="{858D0FE8-1CEB-4B8D-86E4-03956698931E}">
-      <dgm:prSet/>
-      <dgm:spPr/>
-    </dgm:pt>
-    <dgm:pt modelId="{58F9B02C-88AC-4541-B310-6D430A8BB361}" type="sibTrans" cxnId="{858D0FE8-1CEB-4B8D-86E4-03956698931E}">
-      <dgm:prSet/>
-      <dgm:spPr/>
     </dgm:pt>
     <dgm:pt modelId="{AD6DD354-9193-4840-BA97-CB7FD9B0A134}">
       <dgm:prSet/>
@@ -7114,20 +6324,69 @@
             <a:buNone/>
           </a:pPr>
           <a:r>
-            <a:rPr lang="en-US" b="1" i="0"/>
-            <a:t>Linux</a:t>
+            <a:rPr lang="en-US" dirty="0"/>
+            <a:t>Mobile OS</a:t>
           </a:r>
-          <a:endParaRPr lang="en-US" dirty="0"/>
         </a:p>
       </dgm:t>
     </dgm:pt>
     <dgm:pt modelId="{53F63D1C-F330-420C-9D9E-6891EF807FBF}" type="parTrans" cxnId="{EA3BE5EB-8DE6-478A-9396-C65208A08A69}">
       <dgm:prSet/>
       <dgm:spPr/>
+      <dgm:t>
+        <a:bodyPr/>
+        <a:lstStyle/>
+        <a:p>
+          <a:endParaRPr lang="en-US"/>
+        </a:p>
+      </dgm:t>
     </dgm:pt>
     <dgm:pt modelId="{515B1A3F-5D4B-4ADC-9972-6F950959E74F}" type="sibTrans" cxnId="{EA3BE5EB-8DE6-478A-9396-C65208A08A69}">
       <dgm:prSet/>
       <dgm:spPr/>
+      <dgm:t>
+        <a:bodyPr/>
+        <a:lstStyle/>
+        <a:p>
+          <a:endParaRPr lang="en-US"/>
+        </a:p>
+      </dgm:t>
+    </dgm:pt>
+    <dgm:pt modelId="{EC9966B9-36AE-4E0C-93F7-0E4B47798D3E}">
+      <dgm:prSet/>
+      <dgm:spPr/>
+      <dgm:t>
+        <a:bodyPr/>
+        <a:lstStyle/>
+        <a:p>
+          <a:r>
+            <a:rPr lang="en-US" dirty="0"/>
+            <a:t>Client OS</a:t>
+          </a:r>
+        </a:p>
+      </dgm:t>
+    </dgm:pt>
+    <dgm:pt modelId="{58F9B02C-88AC-4541-B310-6D430A8BB361}" type="sibTrans" cxnId="{858D0FE8-1CEB-4B8D-86E4-03956698931E}">
+      <dgm:prSet/>
+      <dgm:spPr/>
+      <dgm:t>
+        <a:bodyPr/>
+        <a:lstStyle/>
+        <a:p>
+          <a:endParaRPr lang="en-US"/>
+        </a:p>
+      </dgm:t>
+    </dgm:pt>
+    <dgm:pt modelId="{D36BDE41-D438-4759-89CD-1B74D9BE6531}" type="parTrans" cxnId="{858D0FE8-1CEB-4B8D-86E4-03956698931E}">
+      <dgm:prSet/>
+      <dgm:spPr/>
+      <dgm:t>
+        <a:bodyPr/>
+        <a:lstStyle/>
+        <a:p>
+          <a:endParaRPr lang="en-US"/>
+        </a:p>
+      </dgm:t>
     </dgm:pt>
     <dgm:pt modelId="{8DF4B836-09A9-4A80-9CF4-7C98F5A583DC}" type="pres">
       <dgm:prSet presAssocID="{3850FD8E-4B73-4A71-9CBA-10BDF33E9B81}" presName="linear" presStyleCnt="0">
@@ -7199,175 +6458,6 @@
 </file>
 
 <file path=ppt/diagrams/data4.xml><?xml version="1.0" encoding="utf-8"?>
-<dgm:dataModel xmlns:dgm="http://schemas.openxmlformats.org/drawingml/2006/diagram" xmlns:a="http://schemas.openxmlformats.org/drawingml/2006/main">
-  <dgm:ptLst>
-    <dgm:pt modelId="{14BA48C6-3AE3-414C-A627-5DD7F53D05D2}" type="doc">
-      <dgm:prSet loTypeId="urn:microsoft.com/office/officeart/2005/8/layout/vProcess5" loCatId="process" qsTypeId="urn:microsoft.com/office/officeart/2005/8/quickstyle/simple1" qsCatId="simple" csTypeId="urn:microsoft.com/office/officeart/2005/8/colors/colorful5" csCatId="colorful"/>
-      <dgm:spPr/>
-      <dgm:t>
-        <a:bodyPr/>
-        <a:lstStyle/>
-        <a:p>
-          <a:endParaRPr lang="en-US"/>
-        </a:p>
-      </dgm:t>
-    </dgm:pt>
-    <dgm:pt modelId="{72762F2A-9465-4D81-8E12-DA133EC5FFE6}">
-      <dgm:prSet/>
-      <dgm:spPr/>
-      <dgm:t>
-        <a:bodyPr/>
-        <a:lstStyle/>
-        <a:p>
-          <a:r>
-            <a:rPr lang="en-US"/>
-            <a:t>The Windows operating system was first introduced in 1985.</a:t>
-          </a:r>
-        </a:p>
-      </dgm:t>
-    </dgm:pt>
-    <dgm:pt modelId="{FB7316D5-A717-4502-8DD1-6200E4553FF7}" type="parTrans" cxnId="{FA952164-E26C-466B-88F0-C1DC60A9D73D}">
-      <dgm:prSet/>
-      <dgm:spPr/>
-      <dgm:t>
-        <a:bodyPr/>
-        <a:lstStyle/>
-        <a:p>
-          <a:endParaRPr lang="en-US"/>
-        </a:p>
-      </dgm:t>
-    </dgm:pt>
-    <dgm:pt modelId="{55B30EDC-6685-4EB7-8B2B-4C5CF35E6C19}" type="sibTrans" cxnId="{FA952164-E26C-466B-88F0-C1DC60A9D73D}">
-      <dgm:prSet/>
-      <dgm:spPr/>
-      <dgm:t>
-        <a:bodyPr/>
-        <a:lstStyle/>
-        <a:p>
-          <a:endParaRPr lang="en-US"/>
-        </a:p>
-      </dgm:t>
-    </dgm:pt>
-    <dgm:pt modelId="{5FD89DDE-BCF3-4816-BCB6-A30986B4721A}">
-      <dgm:prSet/>
-      <dgm:spPr/>
-      <dgm:t>
-        <a:bodyPr/>
-        <a:lstStyle/>
-        <a:p>
-          <a:r>
-            <a:rPr lang="en-US"/>
-            <a:t>Specifically, the first version, Windows 1.0, was released on November 20, 1985.</a:t>
-          </a:r>
-        </a:p>
-      </dgm:t>
-    </dgm:pt>
-    <dgm:pt modelId="{D5DE9529-1534-4E12-A189-F9648E06F5EE}" type="parTrans" cxnId="{573E3351-DC77-4C5F-9C25-07CF4AACD9A1}">
-      <dgm:prSet/>
-      <dgm:spPr/>
-      <dgm:t>
-        <a:bodyPr/>
-        <a:lstStyle/>
-        <a:p>
-          <a:endParaRPr lang="en-US"/>
-        </a:p>
-      </dgm:t>
-    </dgm:pt>
-    <dgm:pt modelId="{4FEECD76-FD33-4719-9A93-51560E06018C}" type="sibTrans" cxnId="{573E3351-DC77-4C5F-9C25-07CF4AACD9A1}">
-      <dgm:prSet/>
-      <dgm:spPr/>
-      <dgm:t>
-        <a:bodyPr/>
-        <a:lstStyle/>
-        <a:p>
-          <a:endParaRPr lang="en-US"/>
-        </a:p>
-      </dgm:t>
-    </dgm:pt>
-    <dgm:pt modelId="{7FC49AA0-E5FC-4612-BF3F-2C5CDE3DAFA0}" type="pres">
-      <dgm:prSet presAssocID="{14BA48C6-3AE3-414C-A627-5DD7F53D05D2}" presName="outerComposite" presStyleCnt="0">
-        <dgm:presLayoutVars>
-          <dgm:chMax val="5"/>
-          <dgm:dir/>
-          <dgm:resizeHandles val="exact"/>
-        </dgm:presLayoutVars>
-      </dgm:prSet>
-      <dgm:spPr/>
-    </dgm:pt>
-    <dgm:pt modelId="{963ECC86-6E1E-4468-AD4D-013D451C43AB}" type="pres">
-      <dgm:prSet presAssocID="{14BA48C6-3AE3-414C-A627-5DD7F53D05D2}" presName="dummyMaxCanvas" presStyleCnt="0">
-        <dgm:presLayoutVars/>
-      </dgm:prSet>
-      <dgm:spPr/>
-    </dgm:pt>
-    <dgm:pt modelId="{DDCD88EA-60B1-4F34-B911-8EF933C28D6F}" type="pres">
-      <dgm:prSet presAssocID="{14BA48C6-3AE3-414C-A627-5DD7F53D05D2}" presName="TwoNodes_1" presStyleLbl="node1" presStyleIdx="0" presStyleCnt="2">
-        <dgm:presLayoutVars>
-          <dgm:bulletEnabled val="1"/>
-        </dgm:presLayoutVars>
-      </dgm:prSet>
-      <dgm:spPr/>
-    </dgm:pt>
-    <dgm:pt modelId="{14CFC578-163A-4BCF-8EAC-DD5F554D79A5}" type="pres">
-      <dgm:prSet presAssocID="{14BA48C6-3AE3-414C-A627-5DD7F53D05D2}" presName="TwoNodes_2" presStyleLbl="node1" presStyleIdx="1" presStyleCnt="2">
-        <dgm:presLayoutVars>
-          <dgm:bulletEnabled val="1"/>
-        </dgm:presLayoutVars>
-      </dgm:prSet>
-      <dgm:spPr/>
-    </dgm:pt>
-    <dgm:pt modelId="{9250EC3E-9A49-4603-9EFD-854404C968A4}" type="pres">
-      <dgm:prSet presAssocID="{14BA48C6-3AE3-414C-A627-5DD7F53D05D2}" presName="TwoConn_1-2" presStyleLbl="fgAccFollowNode1" presStyleIdx="0" presStyleCnt="1">
-        <dgm:presLayoutVars>
-          <dgm:bulletEnabled val="1"/>
-        </dgm:presLayoutVars>
-      </dgm:prSet>
-      <dgm:spPr/>
-    </dgm:pt>
-    <dgm:pt modelId="{7C3A2B02-11FE-4AFE-9065-07E7BEFA242C}" type="pres">
-      <dgm:prSet presAssocID="{14BA48C6-3AE3-414C-A627-5DD7F53D05D2}" presName="TwoNodes_1_text" presStyleLbl="node1" presStyleIdx="1" presStyleCnt="2">
-        <dgm:presLayoutVars>
-          <dgm:bulletEnabled val="1"/>
-        </dgm:presLayoutVars>
-      </dgm:prSet>
-      <dgm:spPr/>
-    </dgm:pt>
-    <dgm:pt modelId="{329E5F20-5834-49D2-8C78-C5D0DCA4F02C}" type="pres">
-      <dgm:prSet presAssocID="{14BA48C6-3AE3-414C-A627-5DD7F53D05D2}" presName="TwoNodes_2_text" presStyleLbl="node1" presStyleIdx="1" presStyleCnt="2">
-        <dgm:presLayoutVars>
-          <dgm:bulletEnabled val="1"/>
-        </dgm:presLayoutVars>
-      </dgm:prSet>
-      <dgm:spPr/>
-    </dgm:pt>
-  </dgm:ptLst>
-  <dgm:cxnLst>
-    <dgm:cxn modelId="{4F2C6C10-64B3-43BA-8299-E80C3D07EB9D}" type="presOf" srcId="{72762F2A-9465-4D81-8E12-DA133EC5FFE6}" destId="{DDCD88EA-60B1-4F34-B911-8EF933C28D6F}" srcOrd="0" destOrd="0" presId="urn:microsoft.com/office/officeart/2005/8/layout/vProcess5"/>
-    <dgm:cxn modelId="{FA952164-E26C-466B-88F0-C1DC60A9D73D}" srcId="{14BA48C6-3AE3-414C-A627-5DD7F53D05D2}" destId="{72762F2A-9465-4D81-8E12-DA133EC5FFE6}" srcOrd="0" destOrd="0" parTransId="{FB7316D5-A717-4502-8DD1-6200E4553FF7}" sibTransId="{55B30EDC-6685-4EB7-8B2B-4C5CF35E6C19}"/>
-    <dgm:cxn modelId="{68F26C69-4EBD-4B46-AA86-54810B0B332D}" type="presOf" srcId="{55B30EDC-6685-4EB7-8B2B-4C5CF35E6C19}" destId="{9250EC3E-9A49-4603-9EFD-854404C968A4}" srcOrd="0" destOrd="0" presId="urn:microsoft.com/office/officeart/2005/8/layout/vProcess5"/>
-    <dgm:cxn modelId="{573E3351-DC77-4C5F-9C25-07CF4AACD9A1}" srcId="{14BA48C6-3AE3-414C-A627-5DD7F53D05D2}" destId="{5FD89DDE-BCF3-4816-BCB6-A30986B4721A}" srcOrd="1" destOrd="0" parTransId="{D5DE9529-1534-4E12-A189-F9648E06F5EE}" sibTransId="{4FEECD76-FD33-4719-9A93-51560E06018C}"/>
-    <dgm:cxn modelId="{F36C798F-0C3C-403F-9D92-42F043DFE997}" type="presOf" srcId="{5FD89DDE-BCF3-4816-BCB6-A30986B4721A}" destId="{14CFC578-163A-4BCF-8EAC-DD5F554D79A5}" srcOrd="0" destOrd="0" presId="urn:microsoft.com/office/officeart/2005/8/layout/vProcess5"/>
-    <dgm:cxn modelId="{598FA192-433F-4184-8AD3-0DA9AFF8C714}" type="presOf" srcId="{14BA48C6-3AE3-414C-A627-5DD7F53D05D2}" destId="{7FC49AA0-E5FC-4612-BF3F-2C5CDE3DAFA0}" srcOrd="0" destOrd="0" presId="urn:microsoft.com/office/officeart/2005/8/layout/vProcess5"/>
-    <dgm:cxn modelId="{2E573A97-B665-48FD-ACD7-44AE3C24479A}" type="presOf" srcId="{5FD89DDE-BCF3-4816-BCB6-A30986B4721A}" destId="{329E5F20-5834-49D2-8C78-C5D0DCA4F02C}" srcOrd="1" destOrd="0" presId="urn:microsoft.com/office/officeart/2005/8/layout/vProcess5"/>
-    <dgm:cxn modelId="{230850D6-60E3-4CA1-B975-43090E22B159}" type="presOf" srcId="{72762F2A-9465-4D81-8E12-DA133EC5FFE6}" destId="{7C3A2B02-11FE-4AFE-9065-07E7BEFA242C}" srcOrd="1" destOrd="0" presId="urn:microsoft.com/office/officeart/2005/8/layout/vProcess5"/>
-    <dgm:cxn modelId="{4473BD05-F125-4455-8052-A588FAB78F01}" type="presParOf" srcId="{7FC49AA0-E5FC-4612-BF3F-2C5CDE3DAFA0}" destId="{963ECC86-6E1E-4468-AD4D-013D451C43AB}" srcOrd="0" destOrd="0" presId="urn:microsoft.com/office/officeart/2005/8/layout/vProcess5"/>
-    <dgm:cxn modelId="{5D663A27-7CF8-4208-9E77-994921075A34}" type="presParOf" srcId="{7FC49AA0-E5FC-4612-BF3F-2C5CDE3DAFA0}" destId="{DDCD88EA-60B1-4F34-B911-8EF933C28D6F}" srcOrd="1" destOrd="0" presId="urn:microsoft.com/office/officeart/2005/8/layout/vProcess5"/>
-    <dgm:cxn modelId="{AC76CA6E-3A64-4A17-B70A-301A1DDD1E7E}" type="presParOf" srcId="{7FC49AA0-E5FC-4612-BF3F-2C5CDE3DAFA0}" destId="{14CFC578-163A-4BCF-8EAC-DD5F554D79A5}" srcOrd="2" destOrd="0" presId="urn:microsoft.com/office/officeart/2005/8/layout/vProcess5"/>
-    <dgm:cxn modelId="{D191F28A-0389-4F21-8893-CE89ADFE9C91}" type="presParOf" srcId="{7FC49AA0-E5FC-4612-BF3F-2C5CDE3DAFA0}" destId="{9250EC3E-9A49-4603-9EFD-854404C968A4}" srcOrd="3" destOrd="0" presId="urn:microsoft.com/office/officeart/2005/8/layout/vProcess5"/>
-    <dgm:cxn modelId="{EC679503-0AB9-4E21-AD11-0C5210934AF5}" type="presParOf" srcId="{7FC49AA0-E5FC-4612-BF3F-2C5CDE3DAFA0}" destId="{7C3A2B02-11FE-4AFE-9065-07E7BEFA242C}" srcOrd="4" destOrd="0" presId="urn:microsoft.com/office/officeart/2005/8/layout/vProcess5"/>
-    <dgm:cxn modelId="{0E64FC4A-4345-483E-A9B3-FDF041909D6E}" type="presParOf" srcId="{7FC49AA0-E5FC-4612-BF3F-2C5CDE3DAFA0}" destId="{329E5F20-5834-49D2-8C78-C5D0DCA4F02C}" srcOrd="5" destOrd="0" presId="urn:microsoft.com/office/officeart/2005/8/layout/vProcess5"/>
-  </dgm:cxnLst>
-  <dgm:bg/>
-  <dgm:whole/>
-  <dgm:extLst>
-    <a:ext uri="http://schemas.microsoft.com/office/drawing/2008/diagram">
-      <dsp:dataModelExt xmlns:dsp="http://schemas.microsoft.com/office/drawing/2008/diagram" relId="rId8" minVer="http://schemas.openxmlformats.org/drawingml/2006/diagram"/>
-    </a:ext>
-  </dgm:extLst>
-</dgm:dataModel>
-</file>
-
-<file path=ppt/diagrams/data5.xml><?xml version="1.0" encoding="utf-8"?>
 <dgm:dataModel xmlns:dgm="http://schemas.openxmlformats.org/drawingml/2006/diagram" xmlns:a="http://schemas.openxmlformats.org/drawingml/2006/main">
   <dgm:ptLst>
     <dgm:pt modelId="{437A3A41-665D-43E0-93A5-958AD733B532}" type="doc">
@@ -7664,7 +6754,7 @@
 </dgm:dataModel>
 </file>
 
-<file path=ppt/diagrams/data6.xml><?xml version="1.0" encoding="utf-8"?>
+<file path=ppt/diagrams/data5.xml><?xml version="1.0" encoding="utf-8"?>
 <dgm:dataModel xmlns:dgm="http://schemas.openxmlformats.org/drawingml/2006/diagram" xmlns:a="http://schemas.openxmlformats.org/drawingml/2006/main">
   <dgm:ptLst>
     <dgm:pt modelId="{586E7594-C786-46DD-B4CB-E89C6D4962E8}" type="doc">
@@ -10666,8 +9756,8 @@
       </dsp:nvSpPr>
       <dsp:spPr>
         <a:xfrm>
-          <a:off x="0" y="980625"/>
-          <a:ext cx="5175384" cy="1103310"/>
+          <a:off x="0" y="242332"/>
+          <a:ext cx="5175384" cy="1559025"/>
         </a:xfrm>
         <a:prstGeom prst="roundRect">
           <a:avLst/>
@@ -10708,12 +9798,12 @@
         </a:fontRef>
       </dsp:style>
       <dsp:txBody>
-        <a:bodyPr spcFirstLastPara="0" vert="horz" wrap="square" lIns="175260" tIns="175260" rIns="175260" bIns="175260" numCol="1" spcCol="1270" anchor="ctr" anchorCtr="0">
+        <a:bodyPr spcFirstLastPara="0" vert="horz" wrap="square" lIns="247650" tIns="247650" rIns="247650" bIns="247650" numCol="1" spcCol="1270" anchor="ctr" anchorCtr="0">
           <a:noAutofit/>
         </a:bodyPr>
         <a:lstStyle/>
         <a:p>
-          <a:pPr marL="0" lvl="0" indent="0" algn="l" defTabSz="2044700">
+          <a:pPr marL="0" lvl="0" indent="0" algn="l" defTabSz="2889250">
             <a:lnSpc>
               <a:spcPct val="90000"/>
             </a:lnSpc>
@@ -10726,14 +9816,14 @@
             <a:buNone/>
           </a:pPr>
           <a:r>
-            <a:rPr lang="en-US" sz="4600" kern="1200" dirty="0"/>
-            <a:t>Microsoft Windows</a:t>
+            <a:rPr lang="en-US" sz="6500" kern="1200" dirty="0"/>
+            <a:t>Server OS</a:t>
           </a:r>
         </a:p>
       </dsp:txBody>
       <dsp:txXfrm>
-        <a:off x="53859" y="1034484"/>
-        <a:ext cx="5067666" cy="995592"/>
+        <a:off x="76105" y="318437"/>
+        <a:ext cx="5023174" cy="1406815"/>
       </dsp:txXfrm>
     </dsp:sp>
     <dsp:sp modelId="{25B87ADE-8A7C-44EB-A5F4-9B75937DB58D}">
@@ -10743,8 +9833,8 @@
       </dsp:nvSpPr>
       <dsp:spPr>
         <a:xfrm>
-          <a:off x="0" y="2216415"/>
-          <a:ext cx="5175384" cy="1103310"/>
+          <a:off x="0" y="1988558"/>
+          <a:ext cx="5175384" cy="1559025"/>
         </a:xfrm>
         <a:prstGeom prst="roundRect">
           <a:avLst/>
@@ -10785,12 +9875,12 @@
         </a:fontRef>
       </dsp:style>
       <dsp:txBody>
-        <a:bodyPr spcFirstLastPara="0" vert="horz" wrap="square" lIns="175260" tIns="175260" rIns="175260" bIns="175260" numCol="1" spcCol="1270" anchor="ctr" anchorCtr="0">
+        <a:bodyPr spcFirstLastPara="0" vert="horz" wrap="square" lIns="247650" tIns="247650" rIns="247650" bIns="247650" numCol="1" spcCol="1270" anchor="ctr" anchorCtr="0">
           <a:noAutofit/>
         </a:bodyPr>
         <a:lstStyle/>
         <a:p>
-          <a:pPr marL="0" lvl="0" indent="0" algn="l" defTabSz="2044700">
+          <a:pPr marL="0" lvl="0" indent="0" algn="l" defTabSz="2889250">
             <a:lnSpc>
               <a:spcPct val="90000"/>
             </a:lnSpc>
@@ -10803,15 +9893,14 @@
             <a:buNone/>
           </a:pPr>
           <a:r>
-            <a:rPr lang="en-US" sz="4600" kern="1200" dirty="0" err="1"/>
-            <a:t>MacOs</a:t>
+            <a:rPr lang="en-US" sz="6500" kern="1200" dirty="0"/>
+            <a:t>Client OS</a:t>
           </a:r>
-          <a:endParaRPr lang="en-US" sz="4600" kern="1200" dirty="0"/>
         </a:p>
       </dsp:txBody>
       <dsp:txXfrm>
-        <a:off x="53859" y="2270274"/>
-        <a:ext cx="5067666" cy="995592"/>
+        <a:off x="76105" y="2064663"/>
+        <a:ext cx="5023174" cy="1406815"/>
       </dsp:txXfrm>
     </dsp:sp>
     <dsp:sp modelId="{4A3CC41A-1C8D-4CD1-93E1-15627A7B9DE2}">
@@ -10821,8 +9910,8 @@
       </dsp:nvSpPr>
       <dsp:spPr>
         <a:xfrm>
-          <a:off x="0" y="3452205"/>
-          <a:ext cx="5175384" cy="1103310"/>
+          <a:off x="0" y="3734783"/>
+          <a:ext cx="5175384" cy="1559025"/>
         </a:xfrm>
         <a:prstGeom prst="roundRect">
           <a:avLst/>
@@ -10863,12 +9952,12 @@
         </a:fontRef>
       </dsp:style>
       <dsp:txBody>
-        <a:bodyPr spcFirstLastPara="0" vert="horz" wrap="square" lIns="175260" tIns="175260" rIns="175260" bIns="175260" numCol="1" spcCol="1270" anchor="ctr" anchorCtr="0">
+        <a:bodyPr spcFirstLastPara="0" vert="horz" wrap="square" lIns="247650" tIns="247650" rIns="247650" bIns="247650" numCol="1" spcCol="1270" anchor="ctr" anchorCtr="0">
           <a:noAutofit/>
         </a:bodyPr>
         <a:lstStyle/>
         <a:p>
-          <a:pPr marL="0" lvl="0" indent="0" algn="l" defTabSz="2044700">
+          <a:pPr marL="0" lvl="0" indent="0" algn="l" defTabSz="2889250">
             <a:lnSpc>
               <a:spcPct val="90000"/>
             </a:lnSpc>
@@ -10881,15 +9970,14 @@
             <a:buNone/>
           </a:pPr>
           <a:r>
-            <a:rPr lang="en-US" sz="4600" b="1" i="0" kern="1200"/>
-            <a:t>Linux</a:t>
+            <a:rPr lang="en-US" sz="6500" kern="1200" dirty="0"/>
+            <a:t>Mobile OS</a:t>
           </a:r>
-          <a:endParaRPr lang="en-US" sz="4600" kern="1200" dirty="0"/>
         </a:p>
       </dsp:txBody>
       <dsp:txXfrm>
-        <a:off x="53859" y="3506064"/>
-        <a:ext cx="5067666" cy="995592"/>
+        <a:off x="76105" y="3810888"/>
+        <a:ext cx="5023174" cy="1406815"/>
       </dsp:txXfrm>
     </dsp:sp>
   </dsp:spTree>
@@ -10897,255 +9985,6 @@
 </file>
 
 <file path=ppt/diagrams/drawing4.xml><?xml version="1.0" encoding="utf-8"?>
-<dsp:drawing xmlns:dgm="http://schemas.openxmlformats.org/drawingml/2006/diagram" xmlns:dsp="http://schemas.microsoft.com/office/drawing/2008/diagram" xmlns:a="http://schemas.openxmlformats.org/drawingml/2006/main">
-  <dsp:spTree>
-    <dsp:nvGrpSpPr>
-      <dsp:cNvPr id="0" name=""/>
-      <dsp:cNvGrpSpPr/>
-    </dsp:nvGrpSpPr>
-    <dsp:grpSpPr/>
-    <dsp:sp modelId="{DDCD88EA-60B1-4F34-B911-8EF933C28D6F}">
-      <dsp:nvSpPr>
-        <dsp:cNvPr id="0" name=""/>
-        <dsp:cNvSpPr/>
-      </dsp:nvSpPr>
-      <dsp:spPr>
-        <a:xfrm>
-          <a:off x="0" y="0"/>
-          <a:ext cx="6703695" cy="1958102"/>
-        </a:xfrm>
-        <a:prstGeom prst="roundRect">
-          <a:avLst>
-            <a:gd name="adj" fmla="val 10000"/>
-          </a:avLst>
-        </a:prstGeom>
-        <a:solidFill>
-          <a:schemeClr val="accent5">
-            <a:hueOff val="0"/>
-            <a:satOff val="0"/>
-            <a:lumOff val="0"/>
-            <a:alphaOff val="0"/>
-          </a:schemeClr>
-        </a:solidFill>
-        <a:ln w="25400" cap="flat" cmpd="sng" algn="ctr">
-          <a:solidFill>
-            <a:schemeClr val="lt1">
-              <a:hueOff val="0"/>
-              <a:satOff val="0"/>
-              <a:lumOff val="0"/>
-              <a:alphaOff val="0"/>
-            </a:schemeClr>
-          </a:solidFill>
-          <a:prstDash val="solid"/>
-        </a:ln>
-        <a:effectLst/>
-      </dsp:spPr>
-      <dsp:style>
-        <a:lnRef idx="2">
-          <a:scrgbClr r="0" g="0" b="0"/>
-        </a:lnRef>
-        <a:fillRef idx="1">
-          <a:scrgbClr r="0" g="0" b="0"/>
-        </a:fillRef>
-        <a:effectRef idx="0">
-          <a:scrgbClr r="0" g="0" b="0"/>
-        </a:effectRef>
-        <a:fontRef idx="minor">
-          <a:schemeClr val="lt1"/>
-        </a:fontRef>
-      </dsp:style>
-      <dsp:txBody>
-        <a:bodyPr spcFirstLastPara="0" vert="horz" wrap="square" lIns="110490" tIns="110490" rIns="110490" bIns="110490" numCol="1" spcCol="1270" anchor="ctr" anchorCtr="0">
-          <a:noAutofit/>
-        </a:bodyPr>
-        <a:lstStyle/>
-        <a:p>
-          <a:pPr marL="0" lvl="0" indent="0" algn="l" defTabSz="1289050">
-            <a:lnSpc>
-              <a:spcPct val="90000"/>
-            </a:lnSpc>
-            <a:spcBef>
-              <a:spcPct val="0"/>
-            </a:spcBef>
-            <a:spcAft>
-              <a:spcPct val="35000"/>
-            </a:spcAft>
-            <a:buNone/>
-          </a:pPr>
-          <a:r>
-            <a:rPr lang="en-US" sz="2900" kern="1200"/>
-            <a:t>The Windows operating system was first introduced in 1985.</a:t>
-          </a:r>
-        </a:p>
-      </dsp:txBody>
-      <dsp:txXfrm>
-        <a:off x="57351" y="57351"/>
-        <a:ext cx="4679843" cy="1843400"/>
-      </dsp:txXfrm>
-    </dsp:sp>
-    <dsp:sp modelId="{14CFC578-163A-4BCF-8EAC-DD5F554D79A5}">
-      <dsp:nvSpPr>
-        <dsp:cNvPr id="0" name=""/>
-        <dsp:cNvSpPr/>
-      </dsp:nvSpPr>
-      <dsp:spPr>
-        <a:xfrm>
-          <a:off x="1183004" y="2393235"/>
-          <a:ext cx="6703695" cy="1958102"/>
-        </a:xfrm>
-        <a:prstGeom prst="roundRect">
-          <a:avLst>
-            <a:gd name="adj" fmla="val 10000"/>
-          </a:avLst>
-        </a:prstGeom>
-        <a:solidFill>
-          <a:schemeClr val="accent5">
-            <a:hueOff val="-9933876"/>
-            <a:satOff val="39811"/>
-            <a:lumOff val="8628"/>
-            <a:alphaOff val="0"/>
-          </a:schemeClr>
-        </a:solidFill>
-        <a:ln w="25400" cap="flat" cmpd="sng" algn="ctr">
-          <a:solidFill>
-            <a:schemeClr val="lt1">
-              <a:hueOff val="0"/>
-              <a:satOff val="0"/>
-              <a:lumOff val="0"/>
-              <a:alphaOff val="0"/>
-            </a:schemeClr>
-          </a:solidFill>
-          <a:prstDash val="solid"/>
-        </a:ln>
-        <a:effectLst/>
-      </dsp:spPr>
-      <dsp:style>
-        <a:lnRef idx="2">
-          <a:scrgbClr r="0" g="0" b="0"/>
-        </a:lnRef>
-        <a:fillRef idx="1">
-          <a:scrgbClr r="0" g="0" b="0"/>
-        </a:fillRef>
-        <a:effectRef idx="0">
-          <a:scrgbClr r="0" g="0" b="0"/>
-        </a:effectRef>
-        <a:fontRef idx="minor">
-          <a:schemeClr val="lt1"/>
-        </a:fontRef>
-      </dsp:style>
-      <dsp:txBody>
-        <a:bodyPr spcFirstLastPara="0" vert="horz" wrap="square" lIns="110490" tIns="110490" rIns="110490" bIns="110490" numCol="1" spcCol="1270" anchor="ctr" anchorCtr="0">
-          <a:noAutofit/>
-        </a:bodyPr>
-        <a:lstStyle/>
-        <a:p>
-          <a:pPr marL="0" lvl="0" indent="0" algn="l" defTabSz="1289050">
-            <a:lnSpc>
-              <a:spcPct val="90000"/>
-            </a:lnSpc>
-            <a:spcBef>
-              <a:spcPct val="0"/>
-            </a:spcBef>
-            <a:spcAft>
-              <a:spcPct val="35000"/>
-            </a:spcAft>
-            <a:buNone/>
-          </a:pPr>
-          <a:r>
-            <a:rPr lang="en-US" sz="2900" kern="1200"/>
-            <a:t>Specifically, the first version, Windows 1.0, was released on November 20, 1985.</a:t>
-          </a:r>
-        </a:p>
-      </dsp:txBody>
-      <dsp:txXfrm>
-        <a:off x="1240355" y="2450586"/>
-        <a:ext cx="4133221" cy="1843400"/>
-      </dsp:txXfrm>
-    </dsp:sp>
-    <dsp:sp modelId="{9250EC3E-9A49-4603-9EFD-854404C968A4}">
-      <dsp:nvSpPr>
-        <dsp:cNvPr id="0" name=""/>
-        <dsp:cNvSpPr/>
-      </dsp:nvSpPr>
-      <dsp:spPr>
-        <a:xfrm>
-          <a:off x="5430928" y="1539285"/>
-          <a:ext cx="1272766" cy="1272766"/>
-        </a:xfrm>
-        <a:prstGeom prst="downArrow">
-          <a:avLst>
-            <a:gd name="adj1" fmla="val 55000"/>
-            <a:gd name="adj2" fmla="val 45000"/>
-          </a:avLst>
-        </a:prstGeom>
-        <a:solidFill>
-          <a:schemeClr val="accent5">
-            <a:tint val="40000"/>
-            <a:alpha val="90000"/>
-            <a:hueOff val="0"/>
-            <a:satOff val="0"/>
-            <a:lumOff val="0"/>
-            <a:alphaOff val="0"/>
-          </a:schemeClr>
-        </a:solidFill>
-        <a:ln w="25400" cap="flat" cmpd="sng" algn="ctr">
-          <a:solidFill>
-            <a:schemeClr val="accent5">
-              <a:tint val="40000"/>
-              <a:alpha val="90000"/>
-              <a:hueOff val="0"/>
-              <a:satOff val="0"/>
-              <a:lumOff val="0"/>
-              <a:alphaOff val="0"/>
-            </a:schemeClr>
-          </a:solidFill>
-          <a:prstDash val="solid"/>
-        </a:ln>
-        <a:effectLst/>
-      </dsp:spPr>
-      <dsp:style>
-        <a:lnRef idx="2">
-          <a:scrgbClr r="0" g="0" b="0"/>
-        </a:lnRef>
-        <a:fillRef idx="1">
-          <a:scrgbClr r="0" g="0" b="0"/>
-        </a:fillRef>
-        <a:effectRef idx="0">
-          <a:scrgbClr r="0" g="0" b="0"/>
-        </a:effectRef>
-        <a:fontRef idx="minor"/>
-      </dsp:style>
-      <dsp:txBody>
-        <a:bodyPr spcFirstLastPara="0" vert="horz" wrap="square" lIns="45720" tIns="45720" rIns="45720" bIns="45720" numCol="1" spcCol="1270" anchor="ctr" anchorCtr="0">
-          <a:noAutofit/>
-        </a:bodyPr>
-        <a:lstStyle/>
-        <a:p>
-          <a:pPr marL="0" lvl="0" indent="0" algn="ctr" defTabSz="1600200">
-            <a:lnSpc>
-              <a:spcPct val="90000"/>
-            </a:lnSpc>
-            <a:spcBef>
-              <a:spcPct val="0"/>
-            </a:spcBef>
-            <a:spcAft>
-              <a:spcPct val="35000"/>
-            </a:spcAft>
-            <a:buNone/>
-          </a:pPr>
-          <a:endParaRPr lang="en-US" sz="3600" kern="1200"/>
-        </a:p>
-      </dsp:txBody>
-      <dsp:txXfrm>
-        <a:off x="5717300" y="1539285"/>
-        <a:ext cx="700022" cy="957756"/>
-      </dsp:txXfrm>
-    </dsp:sp>
-  </dsp:spTree>
-</dsp:drawing>
-</file>
-
-<file path=ppt/diagrams/drawing5.xml><?xml version="1.0" encoding="utf-8"?>
 <dsp:drawing xmlns:dgm="http://schemas.openxmlformats.org/drawingml/2006/diagram" xmlns:dsp="http://schemas.microsoft.com/office/drawing/2008/diagram" xmlns:a="http://schemas.openxmlformats.org/drawingml/2006/main">
   <dsp:spTree>
     <dsp:nvGrpSpPr>
@@ -11542,7 +10381,7 @@
 </dsp:drawing>
 </file>
 
-<file path=ppt/diagrams/drawing6.xml><?xml version="1.0" encoding="utf-8"?>
+<file path=ppt/diagrams/drawing5.xml><?xml version="1.0" encoding="utf-8"?>
 <dsp:drawing xmlns:dgm="http://schemas.openxmlformats.org/drawingml/2006/diagram" xmlns:dsp="http://schemas.microsoft.com/office/drawing/2008/diagram" xmlns:a="http://schemas.openxmlformats.org/drawingml/2006/main">
   <dsp:spTree>
     <dsp:nvGrpSpPr>
@@ -13141,1232 +11980,6 @@
 </file>
 
 <file path=ppt/diagrams/layout4.xml><?xml version="1.0" encoding="utf-8"?>
-<dgm:layoutDef xmlns:dgm="http://schemas.openxmlformats.org/drawingml/2006/diagram" xmlns:a="http://schemas.openxmlformats.org/drawingml/2006/main" uniqueId="urn:microsoft.com/office/officeart/2005/8/layout/vProcess5">
-  <dgm:title val=""/>
-  <dgm:desc val=""/>
-  <dgm:catLst>
-    <dgm:cat type="process" pri="14000"/>
-  </dgm:catLst>
-  <dgm:sampData>
-    <dgm:dataModel>
-      <dgm:ptLst>
-        <dgm:pt modelId="0" type="doc"/>
-        <dgm:pt modelId="1">
-          <dgm:prSet phldr="1"/>
-        </dgm:pt>
-        <dgm:pt modelId="2">
-          <dgm:prSet phldr="1"/>
-        </dgm:pt>
-        <dgm:pt modelId="3">
-          <dgm:prSet phldr="1"/>
-        </dgm:pt>
-      </dgm:ptLst>
-      <dgm:cxnLst>
-        <dgm:cxn modelId="5" srcId="0" destId="1" srcOrd="0" destOrd="0"/>
-        <dgm:cxn modelId="6" srcId="0" destId="2" srcOrd="1" destOrd="0"/>
-        <dgm:cxn modelId="7" srcId="0" destId="3" srcOrd="2" destOrd="0"/>
-      </dgm:cxnLst>
-      <dgm:bg/>
-      <dgm:whole/>
-    </dgm:dataModel>
-  </dgm:sampData>
-  <dgm:styleData>
-    <dgm:dataModel>
-      <dgm:ptLst>
-        <dgm:pt modelId="0" type="doc"/>
-        <dgm:pt modelId="1"/>
-        <dgm:pt modelId="2"/>
-      </dgm:ptLst>
-      <dgm:cxnLst>
-        <dgm:cxn modelId="3" srcId="0" destId="1" srcOrd="0" destOrd="0"/>
-        <dgm:cxn modelId="4" srcId="0" destId="2" srcOrd="1" destOrd="0"/>
-      </dgm:cxnLst>
-      <dgm:bg/>
-      <dgm:whole/>
-    </dgm:dataModel>
-  </dgm:styleData>
-  <dgm:clrData>
-    <dgm:dataModel>
-      <dgm:ptLst>
-        <dgm:pt modelId="0" type="doc"/>
-        <dgm:pt modelId="1"/>
-        <dgm:pt modelId="2"/>
-        <dgm:pt modelId="3"/>
-        <dgm:pt modelId="4"/>
-      </dgm:ptLst>
-      <dgm:cxnLst>
-        <dgm:cxn modelId="6" srcId="0" destId="1" srcOrd="0" destOrd="0"/>
-        <dgm:cxn modelId="7" srcId="0" destId="2" srcOrd="1" destOrd="0"/>
-        <dgm:cxn modelId="8" srcId="0" destId="3" srcOrd="2" destOrd="0"/>
-        <dgm:cxn modelId="9" srcId="0" destId="4" srcOrd="3" destOrd="0"/>
-      </dgm:cxnLst>
-      <dgm:bg/>
-      <dgm:whole/>
-    </dgm:dataModel>
-  </dgm:clrData>
-  <dgm:layoutNode name="outerComposite">
-    <dgm:varLst>
-      <dgm:chMax val="5"/>
-      <dgm:dir/>
-      <dgm:resizeHandles val="exact"/>
-    </dgm:varLst>
-    <dgm:alg type="composite"/>
-    <dgm:shape xmlns:r="http://schemas.openxmlformats.org/officeDocument/2006/relationships" r:blip="">
-      <dgm:adjLst/>
-    </dgm:shape>
-    <dgm:presOf/>
-    <dgm:choose name="Name0">
-      <dgm:if name="Name1" func="var" arg="dir" op="equ" val="norm">
-        <dgm:constrLst>
-          <dgm:constr type="primFontSz" for="ch" ptType="node" op="equ" val="65"/>
-          <dgm:constr type="w" for="ch" forName="dummyMaxCanvas" refType="w"/>
-          <dgm:constr type="h" for="ch" forName="dummyMaxCanvas" refType="h"/>
-          <dgm:constr type="w" for="ch" forName="OneNode_1" refType="w"/>
-          <dgm:constr type="h" for="ch" forName="OneNode_1" refType="h" fact="0.5"/>
-          <dgm:constr type="ctrY" for="ch" forName="OneNode_1" refType="h" fact="0.5"/>
-          <dgm:constr type="w" for="ch" forName="TwoNodes_1" refType="w" fact="0.85"/>
-          <dgm:constr type="h" for="ch" forName="TwoNodes_1" refType="h" fact="0.45"/>
-          <dgm:constr type="t" for="ch" forName="TwoNodes_1"/>
-          <dgm:constr type="l" for="ch" forName="TwoNodes_1"/>
-          <dgm:constr type="w" for="ch" forName="TwoNodes_2" refType="w" fact="0.85"/>
-          <dgm:constr type="h" for="ch" forName="TwoNodes_2" refType="h" fact="0.45"/>
-          <dgm:constr type="b" for="ch" forName="TwoNodes_2" refType="h"/>
-          <dgm:constr type="r" for="ch" forName="TwoNodes_2" refType="w"/>
-          <dgm:constr type="w" for="ch" forName="TwoConn_1-2" refType="h" refFor="ch" refForName="TwoNodes_1" fact="0.65"/>
-          <dgm:constr type="h" for="ch" forName="TwoConn_1-2" refType="h" refFor="ch" refForName="TwoNodes_1" fact="0.65"/>
-          <dgm:constr type="ctrY" for="ch" forName="TwoConn_1-2" refType="h" fact="0.5"/>
-          <dgm:constr type="r" for="ch" forName="TwoConn_1-2" refType="r" refFor="ch" refForName="TwoNodes_1"/>
-          <dgm:constr type="r" for="ch" forName="TwoNodes_1_text" refType="l" refFor="ch" refForName="TwoConn_1-2"/>
-          <dgm:constr type="rOff" for="ch" forName="TwoNodes_1_text" refType="w" refFor="ch" refForName="TwoConn_1-2" fact="-0.5"/>
-          <dgm:constr type="t" for="ch" forName="TwoNodes_1_text" refType="t" refFor="ch" refForName="TwoNodes_1"/>
-          <dgm:constr type="b" for="ch" forName="TwoNodes_1_text" refType="b" refFor="ch" refForName="TwoNodes_1"/>
-          <dgm:constr type="l" for="ch" forName="TwoNodes_1_text" refType="l" refFor="ch" refForName="TwoNodes_1"/>
-          <dgm:constr type="r" for="ch" forName="TwoNodes_2_text" refType="l" refFor="ch" refForName="TwoConn_1-2"/>
-          <dgm:constr type="t" for="ch" forName="TwoNodes_2_text" refType="t" refFor="ch" refForName="TwoNodes_2"/>
-          <dgm:constr type="b" for="ch" forName="TwoNodes_2_text" refType="b" refFor="ch" refForName="TwoNodes_2"/>
-          <dgm:constr type="l" for="ch" forName="TwoNodes_2_text" refType="l" refFor="ch" refForName="TwoNodes_2"/>
-          <dgm:constr type="w" for="ch" forName="ThreeNodes_1" refType="w" fact="0.85"/>
-          <dgm:constr type="h" for="ch" forName="ThreeNodes_1" refType="h" fact="0.3"/>
-          <dgm:constr type="t" for="ch" forName="ThreeNodes_1"/>
-          <dgm:constr type="l" for="ch" forName="ThreeNodes_1"/>
-          <dgm:constr type="w" for="ch" forName="ThreeNodes_2" refType="w" fact="0.85"/>
-          <dgm:constr type="h" for="ch" forName="ThreeNodes_2" refType="h" fact="0.3"/>
-          <dgm:constr type="ctrY" for="ch" forName="ThreeNodes_2" refType="h" fact="0.5"/>
-          <dgm:constr type="ctrX" for="ch" forName="ThreeNodes_2" refType="w" fact="0.5"/>
-          <dgm:constr type="w" for="ch" forName="ThreeNodes_3" refType="w" fact="0.85"/>
-          <dgm:constr type="h" for="ch" forName="ThreeNodes_3" refType="h" fact="0.3"/>
-          <dgm:constr type="b" for="ch" forName="ThreeNodes_3" refType="h"/>
-          <dgm:constr type="r" for="ch" forName="ThreeNodes_3" refType="w"/>
-          <dgm:constr type="w" for="ch" forName="ThreeConn_1-2" refType="h" refFor="ch" refForName="ThreeNodes_1" fact="0.65"/>
-          <dgm:constr type="h" for="ch" forName="ThreeConn_1-2" refType="h" refFor="ch" refForName="ThreeNodes_1" fact="0.65"/>
-          <dgm:constr type="ctrY" for="ch" forName="ThreeConn_1-2" refType="h" fact="0.325"/>
-          <dgm:constr type="r" for="ch" forName="ThreeConn_1-2" refType="r" refFor="ch" refForName="ThreeNodes_1"/>
-          <dgm:constr type="w" for="ch" forName="ThreeConn_2-3" refType="h" refFor="ch" refForName="ThreeNodes_2" fact="0.65"/>
-          <dgm:constr type="h" for="ch" forName="ThreeConn_2-3" refType="h" refFor="ch" refForName="ThreeNodes_2" fact="0.65"/>
-          <dgm:constr type="ctrY" for="ch" forName="ThreeConn_2-3" refType="h" fact="0.673"/>
-          <dgm:constr type="r" for="ch" forName="ThreeConn_2-3" refType="r" refFor="ch" refForName="ThreeNodes_2"/>
-          <dgm:constr type="r" for="ch" forName="ThreeNodes_1_text" refType="l" refFor="ch" refForName="ThreeConn_1-2"/>
-          <dgm:constr type="rOff" for="ch" forName="ThreeNodes_1_text" refType="w" refFor="ch" refForName="ThreeConn_1-2" fact="-0.57"/>
-          <dgm:constr type="t" for="ch" forName="ThreeNodes_1_text" refType="t" refFor="ch" refForName="ThreeNodes_1"/>
-          <dgm:constr type="b" for="ch" forName="ThreeNodes_1_text" refType="b" refFor="ch" refForName="ThreeNodes_1"/>
-          <dgm:constr type="l" for="ch" forName="ThreeNodes_1_text" refType="l" refFor="ch" refForName="ThreeNodes_1"/>
-          <dgm:constr type="r" for="ch" forName="ThreeNodes_2_text" refType="l" refFor="ch" refForName="ThreeConn_1-2"/>
-          <dgm:constr type="t" for="ch" forName="ThreeNodes_2_text" refType="t" refFor="ch" refForName="ThreeNodes_2"/>
-          <dgm:constr type="b" for="ch" forName="ThreeNodes_2_text" refType="b" refFor="ch" refForName="ThreeNodes_2"/>
-          <dgm:constr type="l" for="ch" forName="ThreeNodes_2_text" refType="l" refFor="ch" refForName="ThreeNodes_2"/>
-          <dgm:constr type="r" for="ch" forName="ThreeNodes_3_text" refType="l" refFor="ch" refForName="ThreeConn_2-3"/>
-          <dgm:constr type="t" for="ch" forName="ThreeNodes_3_text" refType="t" refFor="ch" refForName="ThreeNodes_3"/>
-          <dgm:constr type="b" for="ch" forName="ThreeNodes_3_text" refType="b" refFor="ch" refForName="ThreeNodes_3"/>
-          <dgm:constr type="l" for="ch" forName="ThreeNodes_3_text" refType="l" refFor="ch" refForName="ThreeNodes_3"/>
-          <dgm:constr type="w" for="ch" forName="FourNodes_1" refType="w" fact="0.8"/>
-          <dgm:constr type="h" for="ch" forName="FourNodes_1" refType="h" fact="0.22"/>
-          <dgm:constr type="t" for="ch" forName="FourNodes_1"/>
-          <dgm:constr type="l" for="ch" forName="FourNodes_1"/>
-          <dgm:constr type="w" for="ch" forName="FourNodes_2" refType="w" fact="0.8"/>
-          <dgm:constr type="h" for="ch" forName="FourNodes_2" refType="h" fact="0.22"/>
-          <dgm:constr type="ctrY" for="ch" forName="FourNodes_2" refType="h" fact="0.37"/>
-          <dgm:constr type="ctrX" for="ch" forName="FourNodes_2" refType="w" fact="0.467"/>
-          <dgm:constr type="w" for="ch" forName="FourNodes_3" refType="w" fact="0.8"/>
-          <dgm:constr type="h" for="ch" forName="FourNodes_3" refType="h" fact="0.22"/>
-          <dgm:constr type="ctrY" for="ch" forName="FourNodes_3" refType="h" fact="0.63"/>
-          <dgm:constr type="ctrX" for="ch" forName="FourNodes_3" refType="w" fact="0.533"/>
-          <dgm:constr type="w" for="ch" forName="FourNodes_4" refType="w" fact="0.8"/>
-          <dgm:constr type="h" for="ch" forName="FourNodes_4" refType="h" fact="0.22"/>
-          <dgm:constr type="b" for="ch" forName="FourNodes_4" refType="h"/>
-          <dgm:constr type="r" for="ch" forName="FourNodes_4" refType="w"/>
-          <dgm:constr type="w" for="ch" forName="FourConn_1-2" refType="h" refFor="ch" refForName="FourNodes_1" fact="0.65"/>
-          <dgm:constr type="h" for="ch" forName="FourConn_1-2" refType="h" refFor="ch" refForName="FourNodes_1" fact="0.65"/>
-          <dgm:constr type="ctrY" for="ch" forName="FourConn_1-2" refType="h" fact="0.24"/>
-          <dgm:constr type="r" for="ch" forName="FourConn_1-2" refType="r" refFor="ch" refForName="FourNodes_1"/>
-          <dgm:constr type="w" for="ch" forName="FourConn_2-3" refType="h" refFor="ch" refForName="FourNodes_2" fact="0.65"/>
-          <dgm:constr type="h" for="ch" forName="FourConn_2-3" refType="h" refFor="ch" refForName="FourNodes_2" fact="0.65"/>
-          <dgm:constr type="ctrY" for="ch" forName="FourConn_2-3" refType="h" fact="0.5"/>
-          <dgm:constr type="r" for="ch" forName="FourConn_2-3" refType="r" refFor="ch" refForName="FourNodes_2"/>
-          <dgm:constr type="w" for="ch" forName="FourConn_3-4" refType="h" refFor="ch" refForName="FourNodes_3" fact="0.65"/>
-          <dgm:constr type="h" for="ch" forName="FourConn_3-4" refType="h" refFor="ch" refForName="FourNodes_3" fact="0.65"/>
-          <dgm:constr type="ctrY" for="ch" forName="FourConn_3-4" refType="h" fact="0.76"/>
-          <dgm:constr type="r" for="ch" forName="FourConn_3-4" refType="r" refFor="ch" refForName="FourNodes_3"/>
-          <dgm:constr type="r" for="ch" forName="FourNodes_1_text" refType="l" refFor="ch" refForName="FourConn_1-2"/>
-          <dgm:constr type="rOff" for="ch" forName="FourNodes_1_text" refType="w" refFor="ch" refForName="FourConn_1-2" fact="-0.7"/>
-          <dgm:constr type="t" for="ch" forName="FourNodes_1_text" refType="t" refFor="ch" refForName="FourNodes_1"/>
-          <dgm:constr type="b" for="ch" forName="FourNodes_1_text" refType="b" refFor="ch" refForName="FourNodes_1"/>
-          <dgm:constr type="l" for="ch" forName="FourNodes_1_text" refType="l" refFor="ch" refForName="FourNodes_1"/>
-          <dgm:constr type="r" for="ch" forName="FourNodes_2_text" refType="l" refFor="ch" refForName="FourConn_1-2"/>
-          <dgm:constr type="t" for="ch" forName="FourNodes_2_text" refType="t" refFor="ch" refForName="FourNodes_2"/>
-          <dgm:constr type="b" for="ch" forName="FourNodes_2_text" refType="b" refFor="ch" refForName="FourNodes_2"/>
-          <dgm:constr type="l" for="ch" forName="FourNodes_2_text" refType="l" refFor="ch" refForName="FourNodes_2"/>
-          <dgm:constr type="r" for="ch" forName="FourNodes_3_text" refType="l" refFor="ch" refForName="FourConn_2-3"/>
-          <dgm:constr type="t" for="ch" forName="FourNodes_3_text" refType="t" refFor="ch" refForName="FourNodes_3"/>
-          <dgm:constr type="b" for="ch" forName="FourNodes_3_text" refType="b" refFor="ch" refForName="FourNodes_3"/>
-          <dgm:constr type="l" for="ch" forName="FourNodes_3_text" refType="l" refFor="ch" refForName="FourNodes_3"/>
-          <dgm:constr type="r" for="ch" forName="FourNodes_4_text" refType="l" refFor="ch" refForName="FourConn_3-4"/>
-          <dgm:constr type="t" for="ch" forName="FourNodes_4_text" refType="t" refFor="ch" refForName="FourNodes_4"/>
-          <dgm:constr type="b" for="ch" forName="FourNodes_4_text" refType="b" refFor="ch" refForName="FourNodes_4"/>
-          <dgm:constr type="l" for="ch" forName="FourNodes_4_text" refType="l" refFor="ch" refForName="FourNodes_4"/>
-          <dgm:constr type="w" for="ch" forName="FiveNodes_1" refType="w" fact="0.77"/>
-          <dgm:constr type="h" for="ch" forName="FiveNodes_1" refType="h" fact="0.18"/>
-          <dgm:constr type="t" for="ch" forName="FiveNodes_1"/>
-          <dgm:constr type="l" for="ch" forName="FiveNodes_1"/>
-          <dgm:constr type="w" for="ch" forName="FiveNodes_2" refType="w" fact="0.77"/>
-          <dgm:constr type="h" for="ch" forName="FiveNodes_2" refType="h" fact="0.18"/>
-          <dgm:constr type="ctrY" for="ch" forName="FiveNodes_2" refType="h" fact="0.295"/>
-          <dgm:constr type="ctrX" for="ch" forName="FiveNodes_2" refType="w" fact="0.4425"/>
-          <dgm:constr type="w" for="ch" forName="FiveNodes_3" refType="w" fact="0.77"/>
-          <dgm:constr type="h" for="ch" forName="FiveNodes_3" refType="h" fact="0.18"/>
-          <dgm:constr type="ctrY" for="ch" forName="FiveNodes_3" refType="h" fact="0.5"/>
-          <dgm:constr type="ctrX" for="ch" forName="FiveNodes_3" refType="w" fact="0.5"/>
-          <dgm:constr type="w" for="ch" forName="FiveNodes_4" refType="w" fact="0.77"/>
-          <dgm:constr type="h" for="ch" forName="FiveNodes_4" refType="h" fact="0.18"/>
-          <dgm:constr type="ctrY" for="ch" forName="FiveNodes_4" refType="h" fact="0.705"/>
-          <dgm:constr type="ctrX" for="ch" forName="FiveNodes_4" refType="w" fact="0.5575"/>
-          <dgm:constr type="w" for="ch" forName="FiveNodes_5" refType="w" fact="0.77"/>
-          <dgm:constr type="h" for="ch" forName="FiveNodes_5" refType="h" fact="0.18"/>
-          <dgm:constr type="b" for="ch" forName="FiveNodes_5" refType="h"/>
-          <dgm:constr type="r" for="ch" forName="FiveNodes_5" refType="w"/>
-          <dgm:constr type="w" for="ch" forName="FiveConn_1-2" refType="h" refFor="ch" refForName="FiveNodes_1" fact="0.65"/>
-          <dgm:constr type="h" for="ch" forName="FiveConn_1-2" refType="h" refFor="ch" refForName="FiveNodes_1" fact="0.65"/>
-          <dgm:constr type="ctrY" for="ch" forName="FiveConn_1-2" refType="h" fact="0.19"/>
-          <dgm:constr type="r" for="ch" forName="FiveConn_1-2" refType="r" refFor="ch" refForName="FiveNodes_1"/>
-          <dgm:constr type="w" for="ch" forName="FiveConn_2-3" refType="h" refFor="ch" refForName="FiveNodes_2" fact="0.65"/>
-          <dgm:constr type="h" for="ch" forName="FiveConn_2-3" refType="h" refFor="ch" refForName="FiveNodes_2" fact="0.65"/>
-          <dgm:constr type="ctrY" for="ch" forName="FiveConn_2-3" refType="h" fact="0.395"/>
-          <dgm:constr type="r" for="ch" forName="FiveConn_2-3" refType="r" refFor="ch" refForName="FiveNodes_2"/>
-          <dgm:constr type="w" for="ch" forName="FiveConn_3-4" refType="h" refFor="ch" refForName="FiveNodes_3" fact="0.65"/>
-          <dgm:constr type="h" for="ch" forName="FiveConn_3-4" refType="h" refFor="ch" refForName="FiveNodes_3" fact="0.65"/>
-          <dgm:constr type="ctrY" for="ch" forName="FiveConn_3-4" refType="h" fact="0.597"/>
-          <dgm:constr type="r" for="ch" forName="FiveConn_3-4" refType="r" refFor="ch" refForName="FiveNodes_3"/>
-          <dgm:constr type="w" for="ch" forName="FiveConn_4-5" refType="h" refFor="ch" refForName="FiveNodes_4" fact="0.65"/>
-          <dgm:constr type="h" for="ch" forName="FiveConn_4-5" refType="h" refFor="ch" refForName="FiveNodes_4" fact="0.65"/>
-          <dgm:constr type="ctrY" for="ch" forName="FiveConn_4-5" refType="h" fact="0.804"/>
-          <dgm:constr type="r" for="ch" forName="FiveConn_4-5" refType="r" refFor="ch" refForName="FiveNodes_4"/>
-          <dgm:constr type="r" for="ch" forName="FiveNodes_1_text" refType="l" refFor="ch" refForName="FiveConn_1-2"/>
-          <dgm:constr type="rOff" for="ch" forName="FiveNodes_1_text" refType="w" refFor="ch" refForName="FiveConn_1-2" fact="-0.75"/>
-          <dgm:constr type="t" for="ch" forName="FiveNodes_1_text" refType="t" refFor="ch" refForName="FiveNodes_1"/>
-          <dgm:constr type="b" for="ch" forName="FiveNodes_1_text" refType="b" refFor="ch" refForName="FiveNodes_1"/>
-          <dgm:constr type="l" for="ch" forName="FiveNodes_1_text" refType="l" refFor="ch" refForName="FiveNodes_1"/>
-          <dgm:constr type="r" for="ch" forName="FiveNodes_2_text" refType="l" refFor="ch" refForName="FiveConn_1-2"/>
-          <dgm:constr type="t" for="ch" forName="FiveNodes_2_text" refType="t" refFor="ch" refForName="FiveNodes_2"/>
-          <dgm:constr type="b" for="ch" forName="FiveNodes_2_text" refType="b" refFor="ch" refForName="FiveNodes_2"/>
-          <dgm:constr type="l" for="ch" forName="FiveNodes_2_text" refType="l" refFor="ch" refForName="FiveNodes_2"/>
-          <dgm:constr type="r" for="ch" forName="FiveNodes_3_text" refType="l" refFor="ch" refForName="FiveConn_2-3"/>
-          <dgm:constr type="t" for="ch" forName="FiveNodes_3_text" refType="t" refFor="ch" refForName="FiveNodes_3"/>
-          <dgm:constr type="b" for="ch" forName="FiveNodes_3_text" refType="b" refFor="ch" refForName="FiveNodes_3"/>
-          <dgm:constr type="l" for="ch" forName="FiveNodes_3_text" refType="l" refFor="ch" refForName="FiveNodes_3"/>
-          <dgm:constr type="r" for="ch" forName="FiveNodes_4_text" refType="l" refFor="ch" refForName="FiveConn_3-4"/>
-          <dgm:constr type="t" for="ch" forName="FiveNodes_4_text" refType="t" refFor="ch" refForName="FiveNodes_4"/>
-          <dgm:constr type="b" for="ch" forName="FiveNodes_4_text" refType="b" refFor="ch" refForName="FiveNodes_4"/>
-          <dgm:constr type="l" for="ch" forName="FiveNodes_4_text" refType="l" refFor="ch" refForName="FiveNodes_4"/>
-          <dgm:constr type="r" for="ch" forName="FiveNodes_5_text" refType="l" refFor="ch" refForName="FiveConn_4-5"/>
-          <dgm:constr type="t" for="ch" forName="FiveNodes_5_text" refType="t" refFor="ch" refForName="FiveNodes_5"/>
-          <dgm:constr type="b" for="ch" forName="FiveNodes_5_text" refType="b" refFor="ch" refForName="FiveNodes_5"/>
-          <dgm:constr type="l" for="ch" forName="FiveNodes_5_text" refType="l" refFor="ch" refForName="FiveNodes_5"/>
-        </dgm:constrLst>
-      </dgm:if>
-      <dgm:else name="Name2">
-        <dgm:constrLst>
-          <dgm:constr type="primFontSz" for="ch" ptType="node" op="equ" val="65"/>
-          <dgm:constr type="w" for="ch" forName="dummyMaxCanvas" refType="w"/>
-          <dgm:constr type="h" for="ch" forName="dummyMaxCanvas" refType="h"/>
-          <dgm:constr type="w" for="ch" forName="OneNode_1" refType="w"/>
-          <dgm:constr type="h" for="ch" forName="OneNode_1" refType="h" fact="0.5"/>
-          <dgm:constr type="ctrY" for="ch" forName="OneNode_1" refType="h" fact="0.5"/>
-          <dgm:constr type="w" for="ch" forName="TwoNodes_1" refType="w" fact="0.85"/>
-          <dgm:constr type="h" for="ch" forName="TwoNodes_1" refType="h" fact="0.45"/>
-          <dgm:constr type="t" for="ch" forName="TwoNodes_1"/>
-          <dgm:constr type="r" for="ch" forName="TwoNodes_1" refType="w"/>
-          <dgm:constr type="w" for="ch" forName="TwoNodes_2" refType="w" fact="0.85"/>
-          <dgm:constr type="h" for="ch" forName="TwoNodes_2" refType="h" fact="0.45"/>
-          <dgm:constr type="b" for="ch" forName="TwoNodes_2" refType="h"/>
-          <dgm:constr type="l" for="ch" forName="TwoNodes_2"/>
-          <dgm:constr type="w" for="ch" forName="TwoConn_1-2" refType="h" refFor="ch" refForName="TwoNodes_1" fact="0.65"/>
-          <dgm:constr type="h" for="ch" forName="TwoConn_1-2" refType="h" refFor="ch" refForName="TwoNodes_1" fact="0.65"/>
-          <dgm:constr type="ctrY" for="ch" forName="TwoConn_1-2" refType="h" fact="0.5"/>
-          <dgm:constr type="l" for="ch" forName="TwoConn_1-2" refType="l" refFor="ch" refForName="TwoNodes_1"/>
-          <dgm:constr type="l" for="ch" forName="TwoNodes_1_text" refType="r" refFor="ch" refForName="TwoConn_1-2"/>
-          <dgm:constr type="lOff" for="ch" forName="TwoNodes_1_text" refType="w" refFor="ch" refForName="TwoConn_1-2" fact="0.5"/>
-          <dgm:constr type="t" for="ch" forName="TwoNodes_1_text" refType="t" refFor="ch" refForName="TwoNodes_1"/>
-          <dgm:constr type="b" for="ch" forName="TwoNodes_1_text" refType="b" refFor="ch" refForName="TwoNodes_1"/>
-          <dgm:constr type="r" for="ch" forName="TwoNodes_1_text" refType="r" refFor="ch" refForName="TwoNodes_1"/>
-          <dgm:constr type="l" for="ch" forName="TwoNodes_2_text" refType="r" refFor="ch" refForName="TwoConn_1-2"/>
-          <dgm:constr type="t" for="ch" forName="TwoNodes_2_text" refType="t" refFor="ch" refForName="TwoNodes_2"/>
-          <dgm:constr type="b" for="ch" forName="TwoNodes_2_text" refType="b" refFor="ch" refForName="TwoNodes_2"/>
-          <dgm:constr type="r" for="ch" forName="TwoNodes_2_text" refType="r" refFor="ch" refForName="TwoNodes_2"/>
-          <dgm:constr type="w" for="ch" forName="ThreeNodes_1" refType="w" fact="0.85"/>
-          <dgm:constr type="h" for="ch" forName="ThreeNodes_1" refType="h" fact="0.3"/>
-          <dgm:constr type="t" for="ch" forName="ThreeNodes_1"/>
-          <dgm:constr type="r" for="ch" forName="ThreeNodes_1" refType="w"/>
-          <dgm:constr type="w" for="ch" forName="ThreeNodes_2" refType="w" fact="0.85"/>
-          <dgm:constr type="h" for="ch" forName="ThreeNodes_2" refType="h" fact="0.3"/>
-          <dgm:constr type="ctrY" for="ch" forName="ThreeNodes_2" refType="h" fact="0.5"/>
-          <dgm:constr type="ctrX" for="ch" forName="ThreeNodes_2" refType="w" fact="0.5"/>
-          <dgm:constr type="w" for="ch" forName="ThreeNodes_3" refType="w" fact="0.85"/>
-          <dgm:constr type="h" for="ch" forName="ThreeNodes_3" refType="h" fact="0.3"/>
-          <dgm:constr type="b" for="ch" forName="ThreeNodes_3" refType="h"/>
-          <dgm:constr type="l" for="ch" forName="ThreeNodes_3"/>
-          <dgm:constr type="w" for="ch" forName="ThreeConn_1-2" refType="h" refFor="ch" refForName="ThreeNodes_1" fact="0.65"/>
-          <dgm:constr type="h" for="ch" forName="ThreeConn_1-2" refType="h" refFor="ch" refForName="ThreeNodes_1" fact="0.65"/>
-          <dgm:constr type="ctrY" for="ch" forName="ThreeConn_1-2" refType="h" fact="0.325"/>
-          <dgm:constr type="l" for="ch" forName="ThreeConn_1-2" refType="l" refFor="ch" refForName="ThreeNodes_1"/>
-          <dgm:constr type="w" for="ch" forName="ThreeConn_2-3" refType="h" refFor="ch" refForName="ThreeNodes_2" fact="0.65"/>
-          <dgm:constr type="h" for="ch" forName="ThreeConn_2-3" refType="h" refFor="ch" refForName="ThreeNodes_2" fact="0.65"/>
-          <dgm:constr type="ctrY" for="ch" forName="ThreeConn_2-3" refType="h" fact="0.673"/>
-          <dgm:constr type="l" for="ch" forName="ThreeConn_2-3" refType="l" refFor="ch" refForName="ThreeNodes_2"/>
-          <dgm:constr type="l" for="ch" forName="ThreeNodes_1_text" refType="r" refFor="ch" refForName="ThreeConn_1-2"/>
-          <dgm:constr type="lOff" for="ch" forName="ThreeNodes_1_text" refType="w" refFor="ch" refForName="ThreeConn_1-2" fact="0.55"/>
-          <dgm:constr type="t" for="ch" forName="ThreeNodes_1_text" refType="t" refFor="ch" refForName="ThreeNodes_1"/>
-          <dgm:constr type="b" for="ch" forName="ThreeNodes_1_text" refType="b" refFor="ch" refForName="ThreeNodes_1"/>
-          <dgm:constr type="r" for="ch" forName="ThreeNodes_1_text" refType="r" refFor="ch" refForName="ThreeNodes_1"/>
-          <dgm:constr type="l" for="ch" forName="ThreeNodes_2_text" refType="r" refFor="ch" refForName="ThreeConn_1-2"/>
-          <dgm:constr type="t" for="ch" forName="ThreeNodes_2_text" refType="t" refFor="ch" refForName="ThreeNodes_2"/>
-          <dgm:constr type="b" for="ch" forName="ThreeNodes_2_text" refType="b" refFor="ch" refForName="ThreeNodes_2"/>
-          <dgm:constr type="r" for="ch" forName="ThreeNodes_2_text" refType="r" refFor="ch" refForName="ThreeNodes_2"/>
-          <dgm:constr type="l" for="ch" forName="ThreeNodes_3_text" refType="r" refFor="ch" refForName="ThreeConn_2-3"/>
-          <dgm:constr type="t" for="ch" forName="ThreeNodes_3_text" refType="t" refFor="ch" refForName="ThreeNodes_3"/>
-          <dgm:constr type="b" for="ch" forName="ThreeNodes_3_text" refType="b" refFor="ch" refForName="ThreeNodes_3"/>
-          <dgm:constr type="r" for="ch" forName="ThreeNodes_3_text" refType="r" refFor="ch" refForName="ThreeNodes_3"/>
-          <dgm:constr type="w" for="ch" forName="FourNodes_1" refType="w" fact="0.8"/>
-          <dgm:constr type="h" for="ch" forName="FourNodes_1" refType="h" fact="0.22"/>
-          <dgm:constr type="t" for="ch" forName="FourNodes_1"/>
-          <dgm:constr type="r" for="ch" forName="FourNodes_1" refType="w"/>
-          <dgm:constr type="w" for="ch" forName="FourNodes_2" refType="w" fact="0.8"/>
-          <dgm:constr type="h" for="ch" forName="FourNodes_2" refType="h" fact="0.22"/>
-          <dgm:constr type="ctrY" for="ch" forName="FourNodes_2" refType="h" fact="0.37"/>
-          <dgm:constr type="ctrX" for="ch" forName="FourNodes_2" refType="w" fact="0.533"/>
-          <dgm:constr type="w" for="ch" forName="FourNodes_3" refType="w" fact="0.8"/>
-          <dgm:constr type="h" for="ch" forName="FourNodes_3" refType="h" fact="0.22"/>
-          <dgm:constr type="ctrY" for="ch" forName="FourNodes_3" refType="h" fact="0.63"/>
-          <dgm:constr type="ctrX" for="ch" forName="FourNodes_3" refType="w" fact="0.467"/>
-          <dgm:constr type="w" for="ch" forName="FourNodes_4" refType="w" fact="0.8"/>
-          <dgm:constr type="h" for="ch" forName="FourNodes_4" refType="h" fact="0.22"/>
-          <dgm:constr type="b" for="ch" forName="FourNodes_4" refType="h"/>
-          <dgm:constr type="l" for="ch" forName="FourNodes_4"/>
-          <dgm:constr type="w" for="ch" forName="FourConn_1-2" refType="h" refFor="ch" refForName="FourNodes_1" fact="0.65"/>
-          <dgm:constr type="h" for="ch" forName="FourConn_1-2" refType="h" refFor="ch" refForName="FourNodes_1" fact="0.65"/>
-          <dgm:constr type="ctrY" for="ch" forName="FourConn_1-2" refType="h" fact="0.24"/>
-          <dgm:constr type="l" for="ch" forName="FourConn_1-2" refType="l" refFor="ch" refForName="FourNodes_1"/>
-          <dgm:constr type="w" for="ch" forName="FourConn_2-3" refType="h" refFor="ch" refForName="FourNodes_2" fact="0.65"/>
-          <dgm:constr type="h" for="ch" forName="FourConn_2-3" refType="h" refFor="ch" refForName="FourNodes_2" fact="0.65"/>
-          <dgm:constr type="ctrY" for="ch" forName="FourConn_2-3" refType="h" fact="0.5"/>
-          <dgm:constr type="l" for="ch" forName="FourConn_2-3" refType="l" refFor="ch" refForName="FourNodes_2"/>
-          <dgm:constr type="w" for="ch" forName="FourConn_3-4" refType="h" refFor="ch" refForName="FourNodes_3" fact="0.65"/>
-          <dgm:constr type="h" for="ch" forName="FourConn_3-4" refType="h" refFor="ch" refForName="FourNodes_3" fact="0.65"/>
-          <dgm:constr type="ctrY" for="ch" forName="FourConn_3-4" refType="h" fact="0.76"/>
-          <dgm:constr type="l" for="ch" forName="FourConn_3-4" refType="l" refFor="ch" refForName="FourNodes_3"/>
-          <dgm:constr type="l" for="ch" forName="FourNodes_1_text" refType="r" refFor="ch" refForName="FourConn_1-2"/>
-          <dgm:constr type="lOff" for="ch" forName="FourNodes_1_text" refType="w" refFor="ch" refForName="FourConn_1-2" fact="0.69"/>
-          <dgm:constr type="t" for="ch" forName="FourNodes_1_text" refType="t" refFor="ch" refForName="FourNodes_1"/>
-          <dgm:constr type="b" for="ch" forName="FourNodes_1_text" refType="b" refFor="ch" refForName="FourNodes_1"/>
-          <dgm:constr type="r" for="ch" forName="FourNodes_1_text" refType="r" refFor="ch" refForName="FourNodes_1"/>
-          <dgm:constr type="l" for="ch" forName="FourNodes_2_text" refType="r" refFor="ch" refForName="FourConn_1-2"/>
-          <dgm:constr type="t" for="ch" forName="FourNodes_2_text" refType="t" refFor="ch" refForName="FourNodes_2"/>
-          <dgm:constr type="b" for="ch" forName="FourNodes_2_text" refType="b" refFor="ch" refForName="FourNodes_2"/>
-          <dgm:constr type="r" for="ch" forName="FourNodes_2_text" refType="r" refFor="ch" refForName="FourNodes_2"/>
-          <dgm:constr type="l" for="ch" forName="FourNodes_3_text" refType="r" refFor="ch" refForName="FourConn_2-3"/>
-          <dgm:constr type="t" for="ch" forName="FourNodes_3_text" refType="t" refFor="ch" refForName="FourNodes_3"/>
-          <dgm:constr type="b" for="ch" forName="FourNodes_3_text" refType="b" refFor="ch" refForName="FourNodes_3"/>
-          <dgm:constr type="r" for="ch" forName="FourNodes_3_text" refType="r" refFor="ch" refForName="FourNodes_3"/>
-          <dgm:constr type="l" for="ch" forName="FourNodes_4_text" refType="r" refFor="ch" refForName="FourConn_3-4"/>
-          <dgm:constr type="t" for="ch" forName="FourNodes_4_text" refType="t" refFor="ch" refForName="FourNodes_4"/>
-          <dgm:constr type="b" for="ch" forName="FourNodes_4_text" refType="b" refFor="ch" refForName="FourNodes_4"/>
-          <dgm:constr type="r" for="ch" forName="FourNodes_4_text" refType="r" refFor="ch" refForName="FourNodes_4"/>
-          <dgm:constr type="w" for="ch" forName="FiveNodes_1" refType="w" fact="0.77"/>
-          <dgm:constr type="h" for="ch" forName="FiveNodes_1" refType="h" fact="0.18"/>
-          <dgm:constr type="t" for="ch" forName="FiveNodes_1"/>
-          <dgm:constr type="r" for="ch" forName="FiveNodes_1" refType="w"/>
-          <dgm:constr type="w" for="ch" forName="FiveNodes_2" refType="w" fact="0.77"/>
-          <dgm:constr type="h" for="ch" forName="FiveNodes_2" refType="h" fact="0.18"/>
-          <dgm:constr type="ctrY" for="ch" forName="FiveNodes_2" refType="h" fact="0.295"/>
-          <dgm:constr type="ctrX" for="ch" forName="FiveNodes_2" refType="w" fact="0.5575"/>
-          <dgm:constr type="w" for="ch" forName="FiveNodes_3" refType="w" fact="0.77"/>
-          <dgm:constr type="h" for="ch" forName="FiveNodes_3" refType="h" fact="0.18"/>
-          <dgm:constr type="ctrY" for="ch" forName="FiveNodes_3" refType="h" fact="0.5"/>
-          <dgm:constr type="ctrX" for="ch" forName="FiveNodes_3" refType="w" fact="0.5"/>
-          <dgm:constr type="w" for="ch" forName="FiveNodes_4" refType="w" fact="0.77"/>
-          <dgm:constr type="h" for="ch" forName="FiveNodes_4" refType="h" fact="0.18"/>
-          <dgm:constr type="ctrY" for="ch" forName="FiveNodes_4" refType="h" fact="0.705"/>
-          <dgm:constr type="ctrX" for="ch" forName="FiveNodes_4" refType="w" fact="0.4425"/>
-          <dgm:constr type="w" for="ch" forName="FiveNodes_5" refType="w" fact="0.77"/>
-          <dgm:constr type="h" for="ch" forName="FiveNodes_5" refType="h" fact="0.18"/>
-          <dgm:constr type="b" for="ch" forName="FiveNodes_5" refType="h"/>
-          <dgm:constr type="l" for="ch" forName="FiveNodes_5"/>
-          <dgm:constr type="w" for="ch" forName="FiveConn_1-2" refType="h" refFor="ch" refForName="FiveNodes_1" fact="0.65"/>
-          <dgm:constr type="h" for="ch" forName="FiveConn_1-2" refType="h" refFor="ch" refForName="FiveNodes_1" fact="0.65"/>
-          <dgm:constr type="ctrY" for="ch" forName="FiveConn_1-2" refType="h" fact="0.19"/>
-          <dgm:constr type="l" for="ch" forName="FiveConn_1-2" refType="l" refFor="ch" refForName="FiveNodes_1"/>
-          <dgm:constr type="w" for="ch" forName="FiveConn_2-3" refType="h" refFor="ch" refForName="FiveNodes_2" fact="0.65"/>
-          <dgm:constr type="h" for="ch" forName="FiveConn_2-3" refType="h" refFor="ch" refForName="FiveNodes_2" fact="0.65"/>
-          <dgm:constr type="ctrY" for="ch" forName="FiveConn_2-3" refType="h" fact="0.395"/>
-          <dgm:constr type="l" for="ch" forName="FiveConn_2-3" refType="l" refFor="ch" refForName="FiveNodes_2"/>
-          <dgm:constr type="w" for="ch" forName="FiveConn_3-4" refType="h" refFor="ch" refForName="FiveNodes_3" fact="0.65"/>
-          <dgm:constr type="h" for="ch" forName="FiveConn_3-4" refType="h" refFor="ch" refForName="FiveNodes_3" fact="0.65"/>
-          <dgm:constr type="ctrY" for="ch" forName="FiveConn_3-4" refType="h" fact="0.597"/>
-          <dgm:constr type="l" for="ch" forName="FiveConn_3-4" refType="l" refFor="ch" refForName="FiveNodes_3"/>
-          <dgm:constr type="w" for="ch" forName="FiveConn_4-5" refType="h" refFor="ch" refForName="FiveNodes_4" fact="0.65"/>
-          <dgm:constr type="h" for="ch" forName="FiveConn_4-5" refType="h" refFor="ch" refForName="FiveNodes_4" fact="0.65"/>
-          <dgm:constr type="ctrY" for="ch" forName="FiveConn_4-5" refType="h" fact="0.804"/>
-          <dgm:constr type="l" for="ch" forName="FiveConn_4-5" refType="l" refFor="ch" refForName="FiveNodes_4"/>
-          <dgm:constr type="l" for="ch" forName="FiveNodes_1_text" refType="r" refFor="ch" refForName="FiveConn_1-2"/>
-          <dgm:constr type="lOff" for="ch" forName="FiveNodes_1_text" refType="w" refFor="ch" refForName="FiveConn_1-2" fact="0.73"/>
-          <dgm:constr type="t" for="ch" forName="FiveNodes_1_text" refType="t" refFor="ch" refForName="FiveNodes_1"/>
-          <dgm:constr type="b" for="ch" forName="FiveNodes_1_text" refType="b" refFor="ch" refForName="FiveNodes_1"/>
-          <dgm:constr type="r" for="ch" forName="FiveNodes_1_text" refType="r" refFor="ch" refForName="FiveNodes_1"/>
-          <dgm:constr type="l" for="ch" forName="FiveNodes_2_text" refType="r" refFor="ch" refForName="FiveConn_1-2"/>
-          <dgm:constr type="t" for="ch" forName="FiveNodes_2_text" refType="t" refFor="ch" refForName="FiveNodes_2"/>
-          <dgm:constr type="b" for="ch" forName="FiveNodes_2_text" refType="b" refFor="ch" refForName="FiveNodes_2"/>
-          <dgm:constr type="r" for="ch" forName="FiveNodes_2_text" refType="r" refFor="ch" refForName="FiveNodes_2"/>
-          <dgm:constr type="l" for="ch" forName="FiveNodes_3_text" refType="r" refFor="ch" refForName="FiveConn_2-3"/>
-          <dgm:constr type="t" for="ch" forName="FiveNodes_3_text" refType="t" refFor="ch" refForName="FiveNodes_3"/>
-          <dgm:constr type="b" for="ch" forName="FiveNodes_3_text" refType="b" refFor="ch" refForName="FiveNodes_3"/>
-          <dgm:constr type="r" for="ch" forName="FiveNodes_3_text" refType="r" refFor="ch" refForName="FiveNodes_3"/>
-          <dgm:constr type="l" for="ch" forName="FiveNodes_4_text" refType="r" refFor="ch" refForName="FiveConn_3-4"/>
-          <dgm:constr type="t" for="ch" forName="FiveNodes_4_text" refType="t" refFor="ch" refForName="FiveNodes_4"/>
-          <dgm:constr type="b" for="ch" forName="FiveNodes_4_text" refType="b" refFor="ch" refForName="FiveNodes_4"/>
-          <dgm:constr type="r" for="ch" forName="FiveNodes_4_text" refType="r" refFor="ch" refForName="FiveNodes_4"/>
-          <dgm:constr type="l" for="ch" forName="FiveNodes_5_text" refType="r" refFor="ch" refForName="FiveConn_4-5"/>
-          <dgm:constr type="t" for="ch" forName="FiveNodes_5_text" refType="t" refFor="ch" refForName="FiveNodes_5"/>
-          <dgm:constr type="b" for="ch" forName="FiveNodes_5_text" refType="b" refFor="ch" refForName="FiveNodes_5"/>
-          <dgm:constr type="r" for="ch" forName="FiveNodes_5_text" refType="r" refFor="ch" refForName="FiveNodes_5"/>
-        </dgm:constrLst>
-      </dgm:else>
-    </dgm:choose>
-    <dgm:ruleLst/>
-    <dgm:layoutNode name="dummyMaxCanvas">
-      <dgm:varLst/>
-      <dgm:alg type="sp"/>
-      <dgm:shape xmlns:r="http://schemas.openxmlformats.org/officeDocument/2006/relationships" r:blip="">
-        <dgm:adjLst/>
-      </dgm:shape>
-      <dgm:presOf/>
-      <dgm:constrLst/>
-      <dgm:ruleLst/>
-    </dgm:layoutNode>
-    <dgm:choose name="Name3">
-      <dgm:if name="Name4" axis="ch" ptType="node" func="cnt" op="equ" val="1">
-        <dgm:layoutNode name="OneNode_1">
-          <dgm:varLst>
-            <dgm:bulletEnabled val="1"/>
-          </dgm:varLst>
-          <dgm:alg type="tx"/>
-          <dgm:shape xmlns:r="http://schemas.openxmlformats.org/officeDocument/2006/relationships" type="roundRect" r:blip="">
-            <dgm:adjLst>
-              <dgm:adj idx="1" val="0.1"/>
-            </dgm:adjLst>
-          </dgm:shape>
-          <dgm:presOf axis="ch desOrSelf" ptType="node node" st="1 1" cnt="1 0"/>
-          <dgm:constrLst>
-            <dgm:constr type="lMarg" refType="primFontSz" fact="0.3"/>
-            <dgm:constr type="rMarg" refType="primFontSz" fact="0.3"/>
-            <dgm:constr type="tMarg" refType="primFontSz" fact="0.3"/>
-            <dgm:constr type="bMarg" refType="primFontSz" fact="0.3"/>
-          </dgm:constrLst>
-          <dgm:ruleLst>
-            <dgm:rule type="primFontSz" val="5" fact="NaN" max="NaN"/>
-          </dgm:ruleLst>
-        </dgm:layoutNode>
-      </dgm:if>
-      <dgm:else name="Name5">
-        <dgm:choose name="Name6">
-          <dgm:if name="Name7" axis="ch" ptType="node" func="cnt" op="equ" val="2">
-            <dgm:layoutNode name="TwoNodes_1">
-              <dgm:varLst>
-                <dgm:bulletEnabled val="1"/>
-              </dgm:varLst>
-              <dgm:alg type="sp"/>
-              <dgm:shape xmlns:r="http://schemas.openxmlformats.org/officeDocument/2006/relationships" type="roundRect" r:blip="">
-                <dgm:adjLst>
-                  <dgm:adj idx="1" val="0.1"/>
-                </dgm:adjLst>
-              </dgm:shape>
-              <dgm:presOf axis="ch desOrSelf" ptType="node node" st="1 1" cnt="1 0"/>
-              <dgm:constrLst/>
-              <dgm:ruleLst/>
-            </dgm:layoutNode>
-            <dgm:layoutNode name="TwoNodes_2">
-              <dgm:varLst>
-                <dgm:bulletEnabled val="1"/>
-              </dgm:varLst>
-              <dgm:alg type="sp"/>
-              <dgm:shape xmlns:r="http://schemas.openxmlformats.org/officeDocument/2006/relationships" type="roundRect" r:blip="">
-                <dgm:adjLst>
-                  <dgm:adj idx="1" val="0.1"/>
-                </dgm:adjLst>
-              </dgm:shape>
-              <dgm:presOf axis="ch desOrSelf" ptType="node node" st="2 1" cnt="1 0"/>
-              <dgm:constrLst/>
-              <dgm:ruleLst/>
-            </dgm:layoutNode>
-            <dgm:layoutNode name="TwoConn_1-2" styleLbl="fgAccFollowNode1">
-              <dgm:varLst>
-                <dgm:bulletEnabled val="1"/>
-              </dgm:varLst>
-              <dgm:alg type="tx"/>
-              <dgm:shape xmlns:r="http://schemas.openxmlformats.org/officeDocument/2006/relationships" type="downArrow" r:blip="">
-                <dgm:adjLst>
-                  <dgm:adj idx="1" val="0.55"/>
-                  <dgm:adj idx="2" val="0.45"/>
-                </dgm:adjLst>
-              </dgm:shape>
-              <dgm:presOf axis="ch" ptType="sibTrans" cnt="1"/>
-              <dgm:constrLst>
-                <dgm:constr type="lMarg" refType="primFontSz" fact="0.1"/>
-                <dgm:constr type="rMarg" refType="primFontSz" fact="0.1"/>
-                <dgm:constr type="tMarg" refType="primFontSz" fact="0.1"/>
-                <dgm:constr type="bMarg" refType="primFontSz" fact="0.1"/>
-              </dgm:constrLst>
-              <dgm:ruleLst>
-                <dgm:rule type="primFontSz" val="5" fact="NaN" max="NaN"/>
-              </dgm:ruleLst>
-            </dgm:layoutNode>
-            <dgm:layoutNode name="TwoNodes_1_text">
-              <dgm:varLst>
-                <dgm:bulletEnabled val="1"/>
-              </dgm:varLst>
-              <dgm:alg type="tx">
-                <dgm:param type="parTxLTRAlign" val="l"/>
-                <dgm:param type="txAnchorVertCh" val="mid"/>
-              </dgm:alg>
-              <dgm:shape xmlns:r="http://schemas.openxmlformats.org/officeDocument/2006/relationships" type="roundRect" r:blip="" hideGeom="1">
-                <dgm:adjLst>
-                  <dgm:adj idx="1" val="0.1"/>
-                </dgm:adjLst>
-              </dgm:shape>
-              <dgm:presOf axis="ch desOrSelf" ptType="node node" st="1 1" cnt="1 0"/>
-              <dgm:constrLst>
-                <dgm:constr type="lMarg" refType="primFontSz" fact="0.3"/>
-                <dgm:constr type="rMarg" refType="primFontSz" fact="0.3"/>
-                <dgm:constr type="tMarg" refType="primFontSz" fact="0.3"/>
-                <dgm:constr type="bMarg" refType="primFontSz" fact="0.3"/>
-              </dgm:constrLst>
-              <dgm:ruleLst>
-                <dgm:rule type="primFontSz" val="5" fact="NaN" max="NaN"/>
-              </dgm:ruleLst>
-            </dgm:layoutNode>
-            <dgm:layoutNode name="TwoNodes_2_text">
-              <dgm:varLst>
-                <dgm:bulletEnabled val="1"/>
-              </dgm:varLst>
-              <dgm:alg type="tx">
-                <dgm:param type="parTxLTRAlign" val="l"/>
-                <dgm:param type="txAnchorVertCh" val="mid"/>
-              </dgm:alg>
-              <dgm:shape xmlns:r="http://schemas.openxmlformats.org/officeDocument/2006/relationships" type="roundRect" r:blip="" hideGeom="1">
-                <dgm:adjLst>
-                  <dgm:adj idx="1" val="0.1"/>
-                </dgm:adjLst>
-              </dgm:shape>
-              <dgm:presOf axis="ch desOrSelf" ptType="node node" st="2 1" cnt="1 0"/>
-              <dgm:constrLst>
-                <dgm:constr type="lMarg" refType="primFontSz" fact="0.3"/>
-                <dgm:constr type="rMarg" refType="primFontSz" fact="0.3"/>
-                <dgm:constr type="tMarg" refType="primFontSz" fact="0.3"/>
-                <dgm:constr type="bMarg" refType="primFontSz" fact="0.3"/>
-              </dgm:constrLst>
-              <dgm:ruleLst>
-                <dgm:rule type="primFontSz" val="5" fact="NaN" max="NaN"/>
-              </dgm:ruleLst>
-            </dgm:layoutNode>
-          </dgm:if>
-          <dgm:else name="Name8">
-            <dgm:choose name="Name9">
-              <dgm:if name="Name10" axis="ch" ptType="node" func="cnt" op="equ" val="3">
-                <dgm:layoutNode name="ThreeNodes_1">
-                  <dgm:varLst>
-                    <dgm:bulletEnabled val="1"/>
-                  </dgm:varLst>
-                  <dgm:alg type="sp"/>
-                  <dgm:shape xmlns:r="http://schemas.openxmlformats.org/officeDocument/2006/relationships" type="roundRect" r:blip="">
-                    <dgm:adjLst>
-                      <dgm:adj idx="1" val="0.1"/>
-                    </dgm:adjLst>
-                  </dgm:shape>
-                  <dgm:presOf axis="ch desOrSelf" ptType="node node" st="1 1" cnt="1 0"/>
-                  <dgm:constrLst/>
-                  <dgm:ruleLst/>
-                </dgm:layoutNode>
-                <dgm:layoutNode name="ThreeNodes_2">
-                  <dgm:varLst>
-                    <dgm:bulletEnabled val="1"/>
-                  </dgm:varLst>
-                  <dgm:alg type="sp"/>
-                  <dgm:shape xmlns:r="http://schemas.openxmlformats.org/officeDocument/2006/relationships" type="roundRect" r:blip="">
-                    <dgm:adjLst>
-                      <dgm:adj idx="1" val="0.1"/>
-                    </dgm:adjLst>
-                  </dgm:shape>
-                  <dgm:presOf axis="ch desOrSelf" ptType="node node" st="2 1" cnt="1 0"/>
-                  <dgm:constrLst/>
-                  <dgm:ruleLst/>
-                </dgm:layoutNode>
-                <dgm:layoutNode name="ThreeNodes_3">
-                  <dgm:varLst>
-                    <dgm:bulletEnabled val="1"/>
-                  </dgm:varLst>
-                  <dgm:alg type="sp"/>
-                  <dgm:shape xmlns:r="http://schemas.openxmlformats.org/officeDocument/2006/relationships" type="roundRect" r:blip="">
-                    <dgm:adjLst>
-                      <dgm:adj idx="1" val="0.1"/>
-                    </dgm:adjLst>
-                  </dgm:shape>
-                  <dgm:presOf axis="ch desOrSelf" ptType="node node" st="3 1" cnt="1 0"/>
-                  <dgm:constrLst/>
-                  <dgm:ruleLst/>
-                </dgm:layoutNode>
-                <dgm:layoutNode name="ThreeConn_1-2" styleLbl="fgAccFollowNode1">
-                  <dgm:varLst>
-                    <dgm:bulletEnabled val="1"/>
-                  </dgm:varLst>
-                  <dgm:alg type="tx"/>
-                  <dgm:shape xmlns:r="http://schemas.openxmlformats.org/officeDocument/2006/relationships" type="downArrow" r:blip="">
-                    <dgm:adjLst>
-                      <dgm:adj idx="1" val="0.55"/>
-                      <dgm:adj idx="2" val="0.45"/>
-                    </dgm:adjLst>
-                  </dgm:shape>
-                  <dgm:presOf axis="ch" ptType="sibTrans" cnt="1"/>
-                  <dgm:constrLst>
-                    <dgm:constr type="lMarg" refType="primFontSz" fact="0.1"/>
-                    <dgm:constr type="rMarg" refType="primFontSz" fact="0.1"/>
-                    <dgm:constr type="tMarg" refType="primFontSz" fact="0.1"/>
-                    <dgm:constr type="bMarg" refType="primFontSz" fact="0.1"/>
-                  </dgm:constrLst>
-                  <dgm:ruleLst>
-                    <dgm:rule type="primFontSz" val="5" fact="NaN" max="NaN"/>
-                  </dgm:ruleLst>
-                </dgm:layoutNode>
-                <dgm:layoutNode name="ThreeConn_2-3" styleLbl="fgAccFollowNode1">
-                  <dgm:varLst>
-                    <dgm:bulletEnabled val="1"/>
-                  </dgm:varLst>
-                  <dgm:alg type="tx"/>
-                  <dgm:shape xmlns:r="http://schemas.openxmlformats.org/officeDocument/2006/relationships" type="downArrow" r:blip="">
-                    <dgm:adjLst>
-                      <dgm:adj idx="1" val="0.55"/>
-                      <dgm:adj idx="2" val="0.45"/>
-                    </dgm:adjLst>
-                  </dgm:shape>
-                  <dgm:presOf axis="ch" ptType="sibTrans" st="2" cnt="1"/>
-                  <dgm:constrLst>
-                    <dgm:constr type="lMarg" refType="primFontSz" fact="0.1"/>
-                    <dgm:constr type="rMarg" refType="primFontSz" fact="0.1"/>
-                    <dgm:constr type="tMarg" refType="primFontSz" fact="0.1"/>
-                    <dgm:constr type="bMarg" refType="primFontSz" fact="0.1"/>
-                  </dgm:constrLst>
-                  <dgm:ruleLst>
-                    <dgm:rule type="primFontSz" val="5" fact="NaN" max="NaN"/>
-                  </dgm:ruleLst>
-                </dgm:layoutNode>
-                <dgm:layoutNode name="ThreeNodes_1_text">
-                  <dgm:varLst>
-                    <dgm:bulletEnabled val="1"/>
-                  </dgm:varLst>
-                  <dgm:alg type="tx">
-                    <dgm:param type="parTxLTRAlign" val="l"/>
-                    <dgm:param type="txAnchorVertCh" val="mid"/>
-                  </dgm:alg>
-                  <dgm:shape xmlns:r="http://schemas.openxmlformats.org/officeDocument/2006/relationships" type="roundRect" r:blip="" hideGeom="1">
-                    <dgm:adjLst>
-                      <dgm:adj idx="1" val="0.1"/>
-                    </dgm:adjLst>
-                  </dgm:shape>
-                  <dgm:presOf axis="ch desOrSelf" ptType="node node" st="1 1" cnt="1 0"/>
-                  <dgm:constrLst>
-                    <dgm:constr type="lMarg" refType="primFontSz" fact="0.3"/>
-                    <dgm:constr type="rMarg" refType="primFontSz" fact="0.3"/>
-                    <dgm:constr type="tMarg" refType="primFontSz" fact="0.3"/>
-                    <dgm:constr type="bMarg" refType="primFontSz" fact="0.3"/>
-                  </dgm:constrLst>
-                  <dgm:ruleLst>
-                    <dgm:rule type="primFontSz" val="5" fact="NaN" max="NaN"/>
-                  </dgm:ruleLst>
-                </dgm:layoutNode>
-                <dgm:layoutNode name="ThreeNodes_2_text">
-                  <dgm:varLst>
-                    <dgm:bulletEnabled val="1"/>
-                  </dgm:varLst>
-                  <dgm:alg type="tx">
-                    <dgm:param type="parTxLTRAlign" val="l"/>
-                    <dgm:param type="txAnchorVertCh" val="mid"/>
-                  </dgm:alg>
-                  <dgm:shape xmlns:r="http://schemas.openxmlformats.org/officeDocument/2006/relationships" type="roundRect" r:blip="" hideGeom="1">
-                    <dgm:adjLst>
-                      <dgm:adj idx="1" val="0.1"/>
-                    </dgm:adjLst>
-                  </dgm:shape>
-                  <dgm:presOf axis="ch desOrSelf" ptType="node node" st="2 1" cnt="1 0"/>
-                  <dgm:constrLst>
-                    <dgm:constr type="lMarg" refType="primFontSz" fact="0.3"/>
-                    <dgm:constr type="rMarg" refType="primFontSz" fact="0.3"/>
-                    <dgm:constr type="tMarg" refType="primFontSz" fact="0.3"/>
-                    <dgm:constr type="bMarg" refType="primFontSz" fact="0.3"/>
-                  </dgm:constrLst>
-                  <dgm:ruleLst>
-                    <dgm:rule type="primFontSz" val="5" fact="NaN" max="NaN"/>
-                  </dgm:ruleLst>
-                </dgm:layoutNode>
-                <dgm:layoutNode name="ThreeNodes_3_text">
-                  <dgm:varLst>
-                    <dgm:bulletEnabled val="1"/>
-                  </dgm:varLst>
-                  <dgm:alg type="tx">
-                    <dgm:param type="parTxLTRAlign" val="l"/>
-                    <dgm:param type="txAnchorVertCh" val="mid"/>
-                  </dgm:alg>
-                  <dgm:shape xmlns:r="http://schemas.openxmlformats.org/officeDocument/2006/relationships" type="roundRect" r:blip="" hideGeom="1">
-                    <dgm:adjLst>
-                      <dgm:adj idx="1" val="0.1"/>
-                    </dgm:adjLst>
-                  </dgm:shape>
-                  <dgm:presOf axis="ch desOrSelf" ptType="node node" st="3 1" cnt="1 0"/>
-                  <dgm:constrLst>
-                    <dgm:constr type="lMarg" refType="primFontSz" fact="0.3"/>
-                    <dgm:constr type="rMarg" refType="primFontSz" fact="0.3"/>
-                    <dgm:constr type="tMarg" refType="primFontSz" fact="0.3"/>
-                    <dgm:constr type="bMarg" refType="primFontSz" fact="0.3"/>
-                  </dgm:constrLst>
-                  <dgm:ruleLst>
-                    <dgm:rule type="primFontSz" val="5" fact="NaN" max="NaN"/>
-                  </dgm:ruleLst>
-                </dgm:layoutNode>
-              </dgm:if>
-              <dgm:else name="Name11">
-                <dgm:choose name="Name12">
-                  <dgm:if name="Name13" axis="ch" ptType="node" func="cnt" op="equ" val="4">
-                    <dgm:layoutNode name="FourNodes_1">
-                      <dgm:varLst>
-                        <dgm:bulletEnabled val="1"/>
-                      </dgm:varLst>
-                      <dgm:alg type="sp"/>
-                      <dgm:shape xmlns:r="http://schemas.openxmlformats.org/officeDocument/2006/relationships" type="roundRect" r:blip="">
-                        <dgm:adjLst>
-                          <dgm:adj idx="1" val="0.1"/>
-                        </dgm:adjLst>
-                      </dgm:shape>
-                      <dgm:presOf axis="ch desOrSelf" ptType="node node" st="1 1" cnt="1 0"/>
-                      <dgm:constrLst/>
-                      <dgm:ruleLst/>
-                    </dgm:layoutNode>
-                    <dgm:layoutNode name="FourNodes_2">
-                      <dgm:varLst>
-                        <dgm:bulletEnabled val="1"/>
-                      </dgm:varLst>
-                      <dgm:alg type="sp"/>
-                      <dgm:shape xmlns:r="http://schemas.openxmlformats.org/officeDocument/2006/relationships" type="roundRect" r:blip="">
-                        <dgm:adjLst>
-                          <dgm:adj idx="1" val="0.1"/>
-                        </dgm:adjLst>
-                      </dgm:shape>
-                      <dgm:presOf axis="ch desOrSelf" ptType="node node" st="2 1" cnt="1 0"/>
-                      <dgm:constrLst/>
-                      <dgm:ruleLst/>
-                    </dgm:layoutNode>
-                    <dgm:layoutNode name="FourNodes_3">
-                      <dgm:varLst>
-                        <dgm:bulletEnabled val="1"/>
-                      </dgm:varLst>
-                      <dgm:alg type="sp"/>
-                      <dgm:shape xmlns:r="http://schemas.openxmlformats.org/officeDocument/2006/relationships" type="roundRect" r:blip="">
-                        <dgm:adjLst>
-                          <dgm:adj idx="1" val="0.1"/>
-                        </dgm:adjLst>
-                      </dgm:shape>
-                      <dgm:presOf axis="ch desOrSelf" ptType="node node" st="3 1" cnt="1 0"/>
-                      <dgm:constrLst/>
-                      <dgm:ruleLst/>
-                    </dgm:layoutNode>
-                    <dgm:layoutNode name="FourNodes_4">
-                      <dgm:varLst>
-                        <dgm:bulletEnabled val="1"/>
-                      </dgm:varLst>
-                      <dgm:alg type="sp"/>
-                      <dgm:shape xmlns:r="http://schemas.openxmlformats.org/officeDocument/2006/relationships" type="roundRect" r:blip="">
-                        <dgm:adjLst>
-                          <dgm:adj idx="1" val="0.1"/>
-                        </dgm:adjLst>
-                      </dgm:shape>
-                      <dgm:presOf axis="ch desOrSelf" ptType="node node" st="4 1" cnt="1 0"/>
-                      <dgm:constrLst/>
-                      <dgm:ruleLst/>
-                    </dgm:layoutNode>
-                    <dgm:layoutNode name="FourConn_1-2" styleLbl="fgAccFollowNode1">
-                      <dgm:varLst>
-                        <dgm:bulletEnabled val="1"/>
-                      </dgm:varLst>
-                      <dgm:alg type="tx"/>
-                      <dgm:shape xmlns:r="http://schemas.openxmlformats.org/officeDocument/2006/relationships" type="downArrow" r:blip="">
-                        <dgm:adjLst>
-                          <dgm:adj idx="1" val="0.55"/>
-                          <dgm:adj idx="2" val="0.45"/>
-                        </dgm:adjLst>
-                      </dgm:shape>
-                      <dgm:presOf axis="ch" ptType="sibTrans" cnt="1"/>
-                      <dgm:constrLst>
-                        <dgm:constr type="lMarg" refType="primFontSz" fact="0.1"/>
-                        <dgm:constr type="rMarg" refType="primFontSz" fact="0.1"/>
-                        <dgm:constr type="tMarg" refType="primFontSz" fact="0.1"/>
-                        <dgm:constr type="bMarg" refType="primFontSz" fact="0.1"/>
-                      </dgm:constrLst>
-                      <dgm:ruleLst>
-                        <dgm:rule type="primFontSz" val="5" fact="NaN" max="NaN"/>
-                      </dgm:ruleLst>
-                    </dgm:layoutNode>
-                    <dgm:layoutNode name="FourConn_2-3" styleLbl="fgAccFollowNode1">
-                      <dgm:varLst>
-                        <dgm:bulletEnabled val="1"/>
-                      </dgm:varLst>
-                      <dgm:alg type="tx"/>
-                      <dgm:shape xmlns:r="http://schemas.openxmlformats.org/officeDocument/2006/relationships" type="downArrow" r:blip="">
-                        <dgm:adjLst>
-                          <dgm:adj idx="1" val="0.55"/>
-                          <dgm:adj idx="2" val="0.45"/>
-                        </dgm:adjLst>
-                      </dgm:shape>
-                      <dgm:presOf axis="ch" ptType="sibTrans" st="2" cnt="1"/>
-                      <dgm:constrLst>
-                        <dgm:constr type="lMarg" refType="primFontSz" fact="0.1"/>
-                        <dgm:constr type="rMarg" refType="primFontSz" fact="0.1"/>
-                        <dgm:constr type="tMarg" refType="primFontSz" fact="0.1"/>
-                        <dgm:constr type="bMarg" refType="primFontSz" fact="0.1"/>
-                      </dgm:constrLst>
-                      <dgm:ruleLst>
-                        <dgm:rule type="primFontSz" val="5" fact="NaN" max="NaN"/>
-                      </dgm:ruleLst>
-                    </dgm:layoutNode>
-                    <dgm:layoutNode name="FourConn_3-4" styleLbl="fgAccFollowNode1">
-                      <dgm:varLst>
-                        <dgm:bulletEnabled val="1"/>
-                      </dgm:varLst>
-                      <dgm:alg type="tx"/>
-                      <dgm:shape xmlns:r="http://schemas.openxmlformats.org/officeDocument/2006/relationships" type="downArrow" r:blip="">
-                        <dgm:adjLst>
-                          <dgm:adj idx="1" val="0.55"/>
-                          <dgm:adj idx="2" val="0.45"/>
-                        </dgm:adjLst>
-                      </dgm:shape>
-                      <dgm:presOf axis="ch" ptType="sibTrans" st="3" cnt="1"/>
-                      <dgm:constrLst>
-                        <dgm:constr type="lMarg" refType="primFontSz" fact="0.1"/>
-                        <dgm:constr type="rMarg" refType="primFontSz" fact="0.1"/>
-                        <dgm:constr type="tMarg" refType="primFontSz" fact="0.1"/>
-                        <dgm:constr type="bMarg" refType="primFontSz" fact="0.1"/>
-                      </dgm:constrLst>
-                      <dgm:ruleLst>
-                        <dgm:rule type="primFontSz" val="5" fact="NaN" max="NaN"/>
-                      </dgm:ruleLst>
-                    </dgm:layoutNode>
-                    <dgm:layoutNode name="FourNodes_1_text">
-                      <dgm:varLst>
-                        <dgm:bulletEnabled val="1"/>
-                      </dgm:varLst>
-                      <dgm:alg type="tx">
-                        <dgm:param type="parTxLTRAlign" val="l"/>
-                        <dgm:param type="txAnchorVertCh" val="mid"/>
-                      </dgm:alg>
-                      <dgm:shape xmlns:r="http://schemas.openxmlformats.org/officeDocument/2006/relationships" type="roundRect" r:blip="" hideGeom="1">
-                        <dgm:adjLst>
-                          <dgm:adj idx="1" val="0.1"/>
-                        </dgm:adjLst>
-                      </dgm:shape>
-                      <dgm:presOf axis="ch desOrSelf" ptType="node node" st="1 1" cnt="1 0"/>
-                      <dgm:constrLst>
-                        <dgm:constr type="lMarg" refType="primFontSz" fact="0.3"/>
-                        <dgm:constr type="rMarg" refType="primFontSz" fact="0.3"/>
-                        <dgm:constr type="tMarg" refType="primFontSz" fact="0.3"/>
-                        <dgm:constr type="bMarg" refType="primFontSz" fact="0.3"/>
-                      </dgm:constrLst>
-                      <dgm:ruleLst>
-                        <dgm:rule type="primFontSz" val="5" fact="NaN" max="NaN"/>
-                      </dgm:ruleLst>
-                    </dgm:layoutNode>
-                    <dgm:layoutNode name="FourNodes_2_text">
-                      <dgm:varLst>
-                        <dgm:bulletEnabled val="1"/>
-                      </dgm:varLst>
-                      <dgm:alg type="tx">
-                        <dgm:param type="parTxLTRAlign" val="l"/>
-                        <dgm:param type="txAnchorVertCh" val="mid"/>
-                      </dgm:alg>
-                      <dgm:shape xmlns:r="http://schemas.openxmlformats.org/officeDocument/2006/relationships" type="roundRect" r:blip="" hideGeom="1">
-                        <dgm:adjLst>
-                          <dgm:adj idx="1" val="0.1"/>
-                        </dgm:adjLst>
-                      </dgm:shape>
-                      <dgm:presOf axis="ch desOrSelf" ptType="node node" st="2 1" cnt="1 0"/>
-                      <dgm:constrLst>
-                        <dgm:constr type="lMarg" refType="primFontSz" fact="0.3"/>
-                        <dgm:constr type="rMarg" refType="primFontSz" fact="0.3"/>
-                        <dgm:constr type="tMarg" refType="primFontSz" fact="0.3"/>
-                        <dgm:constr type="bMarg" refType="primFontSz" fact="0.3"/>
-                      </dgm:constrLst>
-                      <dgm:ruleLst>
-                        <dgm:rule type="primFontSz" val="5" fact="NaN" max="NaN"/>
-                      </dgm:ruleLst>
-                    </dgm:layoutNode>
-                    <dgm:layoutNode name="FourNodes_3_text">
-                      <dgm:varLst>
-                        <dgm:bulletEnabled val="1"/>
-                      </dgm:varLst>
-                      <dgm:alg type="tx">
-                        <dgm:param type="parTxLTRAlign" val="l"/>
-                        <dgm:param type="txAnchorVertCh" val="mid"/>
-                      </dgm:alg>
-                      <dgm:shape xmlns:r="http://schemas.openxmlformats.org/officeDocument/2006/relationships" type="roundRect" r:blip="" hideGeom="1">
-                        <dgm:adjLst>
-                          <dgm:adj idx="1" val="0.1"/>
-                        </dgm:adjLst>
-                      </dgm:shape>
-                      <dgm:presOf axis="ch desOrSelf" ptType="node node" st="3 1" cnt="1 0"/>
-                      <dgm:constrLst>
-                        <dgm:constr type="lMarg" refType="primFontSz" fact="0.3"/>
-                        <dgm:constr type="rMarg" refType="primFontSz" fact="0.3"/>
-                        <dgm:constr type="tMarg" refType="primFontSz" fact="0.3"/>
-                        <dgm:constr type="bMarg" refType="primFontSz" fact="0.3"/>
-                      </dgm:constrLst>
-                      <dgm:ruleLst>
-                        <dgm:rule type="primFontSz" val="5" fact="NaN" max="NaN"/>
-                      </dgm:ruleLst>
-                    </dgm:layoutNode>
-                    <dgm:layoutNode name="FourNodes_4_text">
-                      <dgm:varLst>
-                        <dgm:bulletEnabled val="1"/>
-                      </dgm:varLst>
-                      <dgm:alg type="tx">
-                        <dgm:param type="parTxLTRAlign" val="l"/>
-                        <dgm:param type="txAnchorVertCh" val="mid"/>
-                      </dgm:alg>
-                      <dgm:shape xmlns:r="http://schemas.openxmlformats.org/officeDocument/2006/relationships" type="roundRect" r:blip="" hideGeom="1">
-                        <dgm:adjLst>
-                          <dgm:adj idx="1" val="0.1"/>
-                        </dgm:adjLst>
-                      </dgm:shape>
-                      <dgm:presOf axis="ch desOrSelf" ptType="node node" st="4 1" cnt="1 0"/>
-                      <dgm:constrLst>
-                        <dgm:constr type="lMarg" refType="primFontSz" fact="0.3"/>
-                        <dgm:constr type="rMarg" refType="primFontSz" fact="0.3"/>
-                        <dgm:constr type="tMarg" refType="primFontSz" fact="0.3"/>
-                        <dgm:constr type="bMarg" refType="primFontSz" fact="0.3"/>
-                      </dgm:constrLst>
-                      <dgm:ruleLst>
-                        <dgm:rule type="primFontSz" val="5" fact="NaN" max="NaN"/>
-                      </dgm:ruleLst>
-                    </dgm:layoutNode>
-                  </dgm:if>
-                  <dgm:else name="Name14">
-                    <dgm:choose name="Name15">
-                      <dgm:if name="Name16" axis="ch" ptType="node" func="cnt" op="gte" val="5">
-                        <dgm:layoutNode name="FiveNodes_1">
-                          <dgm:varLst>
-                            <dgm:bulletEnabled val="1"/>
-                          </dgm:varLst>
-                          <dgm:alg type="sp"/>
-                          <dgm:shape xmlns:r="http://schemas.openxmlformats.org/officeDocument/2006/relationships" type="roundRect" r:blip="">
-                            <dgm:adjLst>
-                              <dgm:adj idx="1" val="0.1"/>
-                            </dgm:adjLst>
-                          </dgm:shape>
-                          <dgm:presOf axis="ch desOrSelf" ptType="node node" st="1 1" cnt="1 0"/>
-                          <dgm:constrLst/>
-                          <dgm:ruleLst/>
-                        </dgm:layoutNode>
-                        <dgm:layoutNode name="FiveNodes_2">
-                          <dgm:varLst>
-                            <dgm:bulletEnabled val="1"/>
-                          </dgm:varLst>
-                          <dgm:alg type="sp"/>
-                          <dgm:shape xmlns:r="http://schemas.openxmlformats.org/officeDocument/2006/relationships" type="roundRect" r:blip="">
-                            <dgm:adjLst>
-                              <dgm:adj idx="1" val="0.1"/>
-                            </dgm:adjLst>
-                          </dgm:shape>
-                          <dgm:presOf axis="ch desOrSelf" ptType="node node" st="2 1" cnt="1 0"/>
-                          <dgm:constrLst/>
-                          <dgm:ruleLst/>
-                        </dgm:layoutNode>
-                        <dgm:layoutNode name="FiveNodes_3">
-                          <dgm:varLst>
-                            <dgm:bulletEnabled val="1"/>
-                          </dgm:varLst>
-                          <dgm:alg type="sp"/>
-                          <dgm:shape xmlns:r="http://schemas.openxmlformats.org/officeDocument/2006/relationships" type="roundRect" r:blip="">
-                            <dgm:adjLst>
-                              <dgm:adj idx="1" val="0.1"/>
-                            </dgm:adjLst>
-                          </dgm:shape>
-                          <dgm:presOf axis="ch desOrSelf" ptType="node node" st="3 1" cnt="1 0"/>
-                          <dgm:constrLst/>
-                          <dgm:ruleLst/>
-                        </dgm:layoutNode>
-                        <dgm:layoutNode name="FiveNodes_4">
-                          <dgm:varLst>
-                            <dgm:bulletEnabled val="1"/>
-                          </dgm:varLst>
-                          <dgm:alg type="sp"/>
-                          <dgm:shape xmlns:r="http://schemas.openxmlformats.org/officeDocument/2006/relationships" type="roundRect" r:blip="">
-                            <dgm:adjLst>
-                              <dgm:adj idx="1" val="0.1"/>
-                            </dgm:adjLst>
-                          </dgm:shape>
-                          <dgm:presOf axis="ch desOrSelf" ptType="node node" st="4 1" cnt="1 0"/>
-                          <dgm:constrLst/>
-                          <dgm:ruleLst/>
-                        </dgm:layoutNode>
-                        <dgm:layoutNode name="FiveNodes_5">
-                          <dgm:varLst>
-                            <dgm:bulletEnabled val="1"/>
-                          </dgm:varLst>
-                          <dgm:alg type="sp"/>
-                          <dgm:shape xmlns:r="http://schemas.openxmlformats.org/officeDocument/2006/relationships" type="roundRect" r:blip="">
-                            <dgm:adjLst>
-                              <dgm:adj idx="1" val="0.1"/>
-                            </dgm:adjLst>
-                          </dgm:shape>
-                          <dgm:presOf axis="ch desOrSelf" ptType="node node" st="5 1" cnt="1 0"/>
-                          <dgm:constrLst/>
-                          <dgm:ruleLst/>
-                        </dgm:layoutNode>
-                        <dgm:layoutNode name="FiveConn_1-2" styleLbl="fgAccFollowNode1">
-                          <dgm:varLst>
-                            <dgm:bulletEnabled val="1"/>
-                          </dgm:varLst>
-                          <dgm:alg type="tx"/>
-                          <dgm:shape xmlns:r="http://schemas.openxmlformats.org/officeDocument/2006/relationships" type="downArrow" r:blip="">
-                            <dgm:adjLst>
-                              <dgm:adj idx="1" val="0.55"/>
-                              <dgm:adj idx="2" val="0.45"/>
-                            </dgm:adjLst>
-                          </dgm:shape>
-                          <dgm:presOf axis="ch" ptType="sibTrans" cnt="1"/>
-                          <dgm:constrLst>
-                            <dgm:constr type="lMarg" refType="primFontSz" fact="0.1"/>
-                            <dgm:constr type="rMarg" refType="primFontSz" fact="0.1"/>
-                            <dgm:constr type="tMarg" refType="primFontSz" fact="0.1"/>
-                            <dgm:constr type="bMarg" refType="primFontSz" fact="0.1"/>
-                          </dgm:constrLst>
-                          <dgm:ruleLst>
-                            <dgm:rule type="primFontSz" val="5" fact="NaN" max="NaN"/>
-                          </dgm:ruleLst>
-                        </dgm:layoutNode>
-                        <dgm:layoutNode name="FiveConn_2-3" styleLbl="fgAccFollowNode1">
-                          <dgm:varLst>
-                            <dgm:bulletEnabled val="1"/>
-                          </dgm:varLst>
-                          <dgm:alg type="tx"/>
-                          <dgm:shape xmlns:r="http://schemas.openxmlformats.org/officeDocument/2006/relationships" type="downArrow" r:blip="">
-                            <dgm:adjLst>
-                              <dgm:adj idx="1" val="0.55"/>
-                              <dgm:adj idx="2" val="0.45"/>
-                            </dgm:adjLst>
-                          </dgm:shape>
-                          <dgm:presOf axis="ch" ptType="sibTrans" st="2" cnt="1"/>
-                          <dgm:constrLst>
-                            <dgm:constr type="lMarg" refType="primFontSz" fact="0.1"/>
-                            <dgm:constr type="rMarg" refType="primFontSz" fact="0.1"/>
-                            <dgm:constr type="tMarg" refType="primFontSz" fact="0.1"/>
-                            <dgm:constr type="bMarg" refType="primFontSz" fact="0.1"/>
-                          </dgm:constrLst>
-                          <dgm:ruleLst>
-                            <dgm:rule type="primFontSz" val="5" fact="NaN" max="NaN"/>
-                          </dgm:ruleLst>
-                        </dgm:layoutNode>
-                        <dgm:layoutNode name="FiveConn_3-4" styleLbl="fgAccFollowNode1">
-                          <dgm:varLst>
-                            <dgm:bulletEnabled val="1"/>
-                          </dgm:varLst>
-                          <dgm:alg type="tx"/>
-                          <dgm:shape xmlns:r="http://schemas.openxmlformats.org/officeDocument/2006/relationships" type="downArrow" r:blip="">
-                            <dgm:adjLst>
-                              <dgm:adj idx="1" val="0.55"/>
-                              <dgm:adj idx="2" val="0.45"/>
-                            </dgm:adjLst>
-                          </dgm:shape>
-                          <dgm:presOf axis="ch" ptType="sibTrans" st="3" cnt="1"/>
-                          <dgm:constrLst>
-                            <dgm:constr type="lMarg" refType="primFontSz" fact="0.1"/>
-                            <dgm:constr type="rMarg" refType="primFontSz" fact="0.1"/>
-                            <dgm:constr type="tMarg" refType="primFontSz" fact="0.1"/>
-                            <dgm:constr type="bMarg" refType="primFontSz" fact="0.1"/>
-                          </dgm:constrLst>
-                          <dgm:ruleLst>
-                            <dgm:rule type="primFontSz" val="5" fact="NaN" max="NaN"/>
-                          </dgm:ruleLst>
-                        </dgm:layoutNode>
-                        <dgm:layoutNode name="FiveConn_4-5" styleLbl="fgAccFollowNode1">
-                          <dgm:varLst>
-                            <dgm:bulletEnabled val="1"/>
-                          </dgm:varLst>
-                          <dgm:alg type="tx"/>
-                          <dgm:shape xmlns:r="http://schemas.openxmlformats.org/officeDocument/2006/relationships" type="downArrow" r:blip="">
-                            <dgm:adjLst>
-                              <dgm:adj idx="1" val="0.55"/>
-                              <dgm:adj idx="2" val="0.45"/>
-                            </dgm:adjLst>
-                          </dgm:shape>
-                          <dgm:presOf axis="ch" ptType="sibTrans" st="4" cnt="1"/>
-                          <dgm:constrLst>
-                            <dgm:constr type="lMarg" refType="primFontSz" fact="0.1"/>
-                            <dgm:constr type="rMarg" refType="primFontSz" fact="0.1"/>
-                            <dgm:constr type="tMarg" refType="primFontSz" fact="0.1"/>
-                            <dgm:constr type="bMarg" refType="primFontSz" fact="0.1"/>
-                          </dgm:constrLst>
-                          <dgm:ruleLst>
-                            <dgm:rule type="primFontSz" val="5" fact="NaN" max="NaN"/>
-                          </dgm:ruleLst>
-                        </dgm:layoutNode>
-                        <dgm:layoutNode name="FiveNodes_1_text">
-                          <dgm:varLst>
-                            <dgm:bulletEnabled val="1"/>
-                          </dgm:varLst>
-                          <dgm:alg type="tx">
-                            <dgm:param type="parTxLTRAlign" val="l"/>
-                            <dgm:param type="txAnchorVertCh" val="mid"/>
-                          </dgm:alg>
-                          <dgm:shape xmlns:r="http://schemas.openxmlformats.org/officeDocument/2006/relationships" type="roundRect" r:blip="" hideGeom="1">
-                            <dgm:adjLst>
-                              <dgm:adj idx="1" val="0.1"/>
-                            </dgm:adjLst>
-                          </dgm:shape>
-                          <dgm:presOf axis="ch desOrSelf" ptType="node node" st="1 1" cnt="1 0"/>
-                          <dgm:constrLst>
-                            <dgm:constr type="lMarg" refType="primFontSz" fact="0.3"/>
-                            <dgm:constr type="rMarg" refType="primFontSz" fact="0.3"/>
-                            <dgm:constr type="tMarg" refType="primFontSz" fact="0.3"/>
-                            <dgm:constr type="bMarg" refType="primFontSz" fact="0.3"/>
-                          </dgm:constrLst>
-                          <dgm:ruleLst>
-                            <dgm:rule type="primFontSz" val="5" fact="NaN" max="NaN"/>
-                          </dgm:ruleLst>
-                        </dgm:layoutNode>
-                        <dgm:layoutNode name="FiveNodes_2_text">
-                          <dgm:varLst>
-                            <dgm:bulletEnabled val="1"/>
-                          </dgm:varLst>
-                          <dgm:alg type="tx">
-                            <dgm:param type="parTxLTRAlign" val="l"/>
-                            <dgm:param type="txAnchorVertCh" val="mid"/>
-                          </dgm:alg>
-                          <dgm:shape xmlns:r="http://schemas.openxmlformats.org/officeDocument/2006/relationships" type="roundRect" r:blip="" hideGeom="1">
-                            <dgm:adjLst>
-                              <dgm:adj idx="1" val="0.1"/>
-                            </dgm:adjLst>
-                          </dgm:shape>
-                          <dgm:presOf axis="ch desOrSelf" ptType="node node" st="2 1" cnt="1 0"/>
-                          <dgm:constrLst>
-                            <dgm:constr type="lMarg" refType="primFontSz" fact="0.3"/>
-                            <dgm:constr type="rMarg" refType="primFontSz" fact="0.3"/>
-                            <dgm:constr type="tMarg" refType="primFontSz" fact="0.3"/>
-                            <dgm:constr type="bMarg" refType="primFontSz" fact="0.3"/>
-                          </dgm:constrLst>
-                          <dgm:ruleLst>
-                            <dgm:rule type="primFontSz" val="5" fact="NaN" max="NaN"/>
-                          </dgm:ruleLst>
-                        </dgm:layoutNode>
-                        <dgm:layoutNode name="FiveNodes_3_text">
-                          <dgm:varLst>
-                            <dgm:bulletEnabled val="1"/>
-                          </dgm:varLst>
-                          <dgm:alg type="tx">
-                            <dgm:param type="parTxLTRAlign" val="l"/>
-                            <dgm:param type="txAnchorVertCh" val="mid"/>
-                          </dgm:alg>
-                          <dgm:shape xmlns:r="http://schemas.openxmlformats.org/officeDocument/2006/relationships" type="roundRect" r:blip="" hideGeom="1">
-                            <dgm:adjLst>
-                              <dgm:adj idx="1" val="0.1"/>
-                            </dgm:adjLst>
-                          </dgm:shape>
-                          <dgm:presOf axis="ch desOrSelf" ptType="node node" st="3 1" cnt="1 0"/>
-                          <dgm:constrLst>
-                            <dgm:constr type="lMarg" refType="primFontSz" fact="0.3"/>
-                            <dgm:constr type="rMarg" refType="primFontSz" fact="0.3"/>
-                            <dgm:constr type="tMarg" refType="primFontSz" fact="0.3"/>
-                            <dgm:constr type="bMarg" refType="primFontSz" fact="0.3"/>
-                          </dgm:constrLst>
-                          <dgm:ruleLst>
-                            <dgm:rule type="primFontSz" val="5" fact="NaN" max="NaN"/>
-                          </dgm:ruleLst>
-                        </dgm:layoutNode>
-                        <dgm:layoutNode name="FiveNodes_4_text">
-                          <dgm:varLst>
-                            <dgm:bulletEnabled val="1"/>
-                          </dgm:varLst>
-                          <dgm:alg type="tx">
-                            <dgm:param type="parTxLTRAlign" val="l"/>
-                            <dgm:param type="txAnchorVertCh" val="mid"/>
-                          </dgm:alg>
-                          <dgm:shape xmlns:r="http://schemas.openxmlformats.org/officeDocument/2006/relationships" type="roundRect" r:blip="" hideGeom="1">
-                            <dgm:adjLst>
-                              <dgm:adj idx="1" val="0.1"/>
-                            </dgm:adjLst>
-                          </dgm:shape>
-                          <dgm:presOf axis="ch desOrSelf" ptType="node node" st="4 1" cnt="1 0"/>
-                          <dgm:constrLst>
-                            <dgm:constr type="lMarg" refType="primFontSz" fact="0.3"/>
-                            <dgm:constr type="rMarg" refType="primFontSz" fact="0.3"/>
-                            <dgm:constr type="tMarg" refType="primFontSz" fact="0.3"/>
-                            <dgm:constr type="bMarg" refType="primFontSz" fact="0.3"/>
-                          </dgm:constrLst>
-                          <dgm:ruleLst>
-                            <dgm:rule type="primFontSz" val="5" fact="NaN" max="NaN"/>
-                          </dgm:ruleLst>
-                        </dgm:layoutNode>
-                        <dgm:layoutNode name="FiveNodes_5_text">
-                          <dgm:varLst>
-                            <dgm:bulletEnabled val="1"/>
-                          </dgm:varLst>
-                          <dgm:alg type="tx">
-                            <dgm:param type="parTxLTRAlign" val="l"/>
-                            <dgm:param type="txAnchorVertCh" val="mid"/>
-                          </dgm:alg>
-                          <dgm:shape xmlns:r="http://schemas.openxmlformats.org/officeDocument/2006/relationships" type="roundRect" r:blip="" hideGeom="1">
-                            <dgm:adjLst>
-                              <dgm:adj idx="1" val="0.1"/>
-                            </dgm:adjLst>
-                          </dgm:shape>
-                          <dgm:presOf axis="ch desOrSelf" ptType="node node" st="5 1" cnt="1 0"/>
-                          <dgm:constrLst>
-                            <dgm:constr type="lMarg" refType="primFontSz" fact="0.3"/>
-                            <dgm:constr type="rMarg" refType="primFontSz" fact="0.3"/>
-                            <dgm:constr type="tMarg" refType="primFontSz" fact="0.3"/>
-                            <dgm:constr type="bMarg" refType="primFontSz" fact="0.3"/>
-                          </dgm:constrLst>
-                          <dgm:ruleLst>
-                            <dgm:rule type="primFontSz" val="5" fact="NaN" max="NaN"/>
-                          </dgm:ruleLst>
-                        </dgm:layoutNode>
-                      </dgm:if>
-                      <dgm:else name="Name17"/>
-                    </dgm:choose>
-                  </dgm:else>
-                </dgm:choose>
-              </dgm:else>
-            </dgm:choose>
-          </dgm:else>
-        </dgm:choose>
-      </dgm:else>
-    </dgm:choose>
-  </dgm:layoutNode>
-</dgm:layoutDef>
-</file>
-
-<file path=ppt/diagrams/layout5.xml><?xml version="1.0" encoding="utf-8"?>
 <dgm:layoutDef xmlns:dgm="http://schemas.openxmlformats.org/drawingml/2006/diagram" xmlns:a="http://schemas.openxmlformats.org/drawingml/2006/main" uniqueId="urn:microsoft.com/office/officeart/2005/8/layout/vList2">
   <dgm:title val=""/>
   <dgm:desc val=""/>
@@ -14533,7 +12146,7 @@
 </dgm:layoutDef>
 </file>
 
-<file path=ppt/diagrams/layout6.xml><?xml version="1.0" encoding="utf-8"?>
+<file path=ppt/diagrams/layout5.xml><?xml version="1.0" encoding="utf-8"?>
 <dgm:layoutDef xmlns:dgm="http://schemas.openxmlformats.org/drawingml/2006/diagram" xmlns:a="http://schemas.openxmlformats.org/drawingml/2006/main" uniqueId="urn:microsoft.com/office/officeart/2005/8/layout/hierarchy1">
   <dgm:title val=""/>
   <dgm:desc val=""/>
@@ -20266,1040 +17879,6 @@
 </dgm:styleDef>
 </file>
 
-<file path=ppt/diagrams/quickStyle6.xml><?xml version="1.0" encoding="utf-8"?>
-<dgm:styleDef xmlns:dgm="http://schemas.openxmlformats.org/drawingml/2006/diagram" xmlns:a="http://schemas.openxmlformats.org/drawingml/2006/main" uniqueId="urn:microsoft.com/office/officeart/2005/8/quickstyle/simple1">
-  <dgm:title val=""/>
-  <dgm:desc val=""/>
-  <dgm:catLst>
-    <dgm:cat type="simple" pri="10100"/>
-  </dgm:catLst>
-  <dgm:scene3d>
-    <a:camera prst="orthographicFront"/>
-    <a:lightRig rig="threePt" dir="t"/>
-  </dgm:scene3d>
-  <dgm:styleLbl name="node0">
-    <dgm:scene3d>
-      <a:camera prst="orthographicFront"/>
-      <a:lightRig rig="threePt" dir="t"/>
-    </dgm:scene3d>
-    <dgm:sp3d/>
-    <dgm:txPr/>
-    <dgm:style>
-      <a:lnRef idx="2">
-        <a:scrgbClr r="0" g="0" b="0"/>
-      </a:lnRef>
-      <a:fillRef idx="1">
-        <a:scrgbClr r="0" g="0" b="0"/>
-      </a:fillRef>
-      <a:effectRef idx="0">
-        <a:scrgbClr r="0" g="0" b="0"/>
-      </a:effectRef>
-      <a:fontRef idx="minor">
-        <a:schemeClr val="lt1"/>
-      </a:fontRef>
-    </dgm:style>
-  </dgm:styleLbl>
-  <dgm:styleLbl name="lnNode1">
-    <dgm:scene3d>
-      <a:camera prst="orthographicFront"/>
-      <a:lightRig rig="threePt" dir="t"/>
-    </dgm:scene3d>
-    <dgm:sp3d/>
-    <dgm:txPr/>
-    <dgm:style>
-      <a:lnRef idx="2">
-        <a:scrgbClr r="0" g="0" b="0"/>
-      </a:lnRef>
-      <a:fillRef idx="1">
-        <a:scrgbClr r="0" g="0" b="0"/>
-      </a:fillRef>
-      <a:effectRef idx="0">
-        <a:scrgbClr r="0" g="0" b="0"/>
-      </a:effectRef>
-      <a:fontRef idx="minor">
-        <a:schemeClr val="lt1"/>
-      </a:fontRef>
-    </dgm:style>
-  </dgm:styleLbl>
-  <dgm:styleLbl name="vennNode1">
-    <dgm:scene3d>
-      <a:camera prst="orthographicFront"/>
-      <a:lightRig rig="threePt" dir="t"/>
-    </dgm:scene3d>
-    <dgm:sp3d/>
-    <dgm:txPr/>
-    <dgm:style>
-      <a:lnRef idx="2">
-        <a:scrgbClr r="0" g="0" b="0"/>
-      </a:lnRef>
-      <a:fillRef idx="1">
-        <a:scrgbClr r="0" g="0" b="0"/>
-      </a:fillRef>
-      <a:effectRef idx="0">
-        <a:scrgbClr r="0" g="0" b="0"/>
-      </a:effectRef>
-      <a:fontRef idx="minor">
-        <a:schemeClr val="tx1"/>
-      </a:fontRef>
-    </dgm:style>
-  </dgm:styleLbl>
-  <dgm:styleLbl name="alignNode1">
-    <dgm:scene3d>
-      <a:camera prst="orthographicFront"/>
-      <a:lightRig rig="threePt" dir="t"/>
-    </dgm:scene3d>
-    <dgm:sp3d/>
-    <dgm:txPr/>
-    <dgm:style>
-      <a:lnRef idx="2">
-        <a:scrgbClr r="0" g="0" b="0"/>
-      </a:lnRef>
-      <a:fillRef idx="1">
-        <a:scrgbClr r="0" g="0" b="0"/>
-      </a:fillRef>
-      <a:effectRef idx="0">
-        <a:scrgbClr r="0" g="0" b="0"/>
-      </a:effectRef>
-      <a:fontRef idx="minor">
-        <a:schemeClr val="lt1"/>
-      </a:fontRef>
-    </dgm:style>
-  </dgm:styleLbl>
-  <dgm:styleLbl name="node1">
-    <dgm:scene3d>
-      <a:camera prst="orthographicFront"/>
-      <a:lightRig rig="threePt" dir="t"/>
-    </dgm:scene3d>
-    <dgm:sp3d/>
-    <dgm:txPr/>
-    <dgm:style>
-      <a:lnRef idx="2">
-        <a:scrgbClr r="0" g="0" b="0"/>
-      </a:lnRef>
-      <a:fillRef idx="1">
-        <a:scrgbClr r="0" g="0" b="0"/>
-      </a:fillRef>
-      <a:effectRef idx="0">
-        <a:scrgbClr r="0" g="0" b="0"/>
-      </a:effectRef>
-      <a:fontRef idx="minor">
-        <a:schemeClr val="lt1"/>
-      </a:fontRef>
-    </dgm:style>
-  </dgm:styleLbl>
-  <dgm:styleLbl name="node2">
-    <dgm:scene3d>
-      <a:camera prst="orthographicFront"/>
-      <a:lightRig rig="threePt" dir="t"/>
-    </dgm:scene3d>
-    <dgm:sp3d/>
-    <dgm:txPr/>
-    <dgm:style>
-      <a:lnRef idx="2">
-        <a:scrgbClr r="0" g="0" b="0"/>
-      </a:lnRef>
-      <a:fillRef idx="1">
-        <a:scrgbClr r="0" g="0" b="0"/>
-      </a:fillRef>
-      <a:effectRef idx="0">
-        <a:scrgbClr r="0" g="0" b="0"/>
-      </a:effectRef>
-      <a:fontRef idx="minor">
-        <a:schemeClr val="lt1"/>
-      </a:fontRef>
-    </dgm:style>
-  </dgm:styleLbl>
-  <dgm:styleLbl name="node3">
-    <dgm:scene3d>
-      <a:camera prst="orthographicFront"/>
-      <a:lightRig rig="threePt" dir="t"/>
-    </dgm:scene3d>
-    <dgm:sp3d/>
-    <dgm:txPr/>
-    <dgm:style>
-      <a:lnRef idx="2">
-        <a:scrgbClr r="0" g="0" b="0"/>
-      </a:lnRef>
-      <a:fillRef idx="1">
-        <a:scrgbClr r="0" g="0" b="0"/>
-      </a:fillRef>
-      <a:effectRef idx="0">
-        <a:scrgbClr r="0" g="0" b="0"/>
-      </a:effectRef>
-      <a:fontRef idx="minor">
-        <a:schemeClr val="lt1"/>
-      </a:fontRef>
-    </dgm:style>
-  </dgm:styleLbl>
-  <dgm:styleLbl name="node4">
-    <dgm:scene3d>
-      <a:camera prst="orthographicFront"/>
-      <a:lightRig rig="threePt" dir="t"/>
-    </dgm:scene3d>
-    <dgm:sp3d/>
-    <dgm:txPr/>
-    <dgm:style>
-      <a:lnRef idx="2">
-        <a:scrgbClr r="0" g="0" b="0"/>
-      </a:lnRef>
-      <a:fillRef idx="1">
-        <a:scrgbClr r="0" g="0" b="0"/>
-      </a:fillRef>
-      <a:effectRef idx="0">
-        <a:scrgbClr r="0" g="0" b="0"/>
-      </a:effectRef>
-      <a:fontRef idx="minor">
-        <a:schemeClr val="lt1"/>
-      </a:fontRef>
-    </dgm:style>
-  </dgm:styleLbl>
-  <dgm:styleLbl name="fgImgPlace1">
-    <dgm:scene3d>
-      <a:camera prst="orthographicFront"/>
-      <a:lightRig rig="threePt" dir="t"/>
-    </dgm:scene3d>
-    <dgm:sp3d/>
-    <dgm:txPr/>
-    <dgm:style>
-      <a:lnRef idx="2">
-        <a:scrgbClr r="0" g="0" b="0"/>
-      </a:lnRef>
-      <a:fillRef idx="1">
-        <a:scrgbClr r="0" g="0" b="0"/>
-      </a:fillRef>
-      <a:effectRef idx="0">
-        <a:scrgbClr r="0" g="0" b="0"/>
-      </a:effectRef>
-      <a:fontRef idx="minor"/>
-    </dgm:style>
-  </dgm:styleLbl>
-  <dgm:styleLbl name="alignImgPlace1">
-    <dgm:scene3d>
-      <a:camera prst="orthographicFront"/>
-      <a:lightRig rig="threePt" dir="t"/>
-    </dgm:scene3d>
-    <dgm:sp3d/>
-    <dgm:txPr/>
-    <dgm:style>
-      <a:lnRef idx="2">
-        <a:scrgbClr r="0" g="0" b="0"/>
-      </a:lnRef>
-      <a:fillRef idx="1">
-        <a:scrgbClr r="0" g="0" b="0"/>
-      </a:fillRef>
-      <a:effectRef idx="0">
-        <a:scrgbClr r="0" g="0" b="0"/>
-      </a:effectRef>
-      <a:fontRef idx="minor"/>
-    </dgm:style>
-  </dgm:styleLbl>
-  <dgm:styleLbl name="bgImgPlace1">
-    <dgm:scene3d>
-      <a:camera prst="orthographicFront"/>
-      <a:lightRig rig="threePt" dir="t"/>
-    </dgm:scene3d>
-    <dgm:sp3d/>
-    <dgm:txPr/>
-    <dgm:style>
-      <a:lnRef idx="2">
-        <a:scrgbClr r="0" g="0" b="0"/>
-      </a:lnRef>
-      <a:fillRef idx="1">
-        <a:scrgbClr r="0" g="0" b="0"/>
-      </a:fillRef>
-      <a:effectRef idx="0">
-        <a:scrgbClr r="0" g="0" b="0"/>
-      </a:effectRef>
-      <a:fontRef idx="minor"/>
-    </dgm:style>
-  </dgm:styleLbl>
-  <dgm:styleLbl name="sibTrans2D1">
-    <dgm:scene3d>
-      <a:camera prst="orthographicFront"/>
-      <a:lightRig rig="threePt" dir="t"/>
-    </dgm:scene3d>
-    <dgm:sp3d/>
-    <dgm:txPr/>
-    <dgm:style>
-      <a:lnRef idx="0">
-        <a:scrgbClr r="0" g="0" b="0"/>
-      </a:lnRef>
-      <a:fillRef idx="1">
-        <a:scrgbClr r="0" g="0" b="0"/>
-      </a:fillRef>
-      <a:effectRef idx="0">
-        <a:scrgbClr r="0" g="0" b="0"/>
-      </a:effectRef>
-      <a:fontRef idx="minor">
-        <a:schemeClr val="lt1"/>
-      </a:fontRef>
-    </dgm:style>
-  </dgm:styleLbl>
-  <dgm:styleLbl name="fgSibTrans2D1">
-    <dgm:scene3d>
-      <a:camera prst="orthographicFront"/>
-      <a:lightRig rig="threePt" dir="t"/>
-    </dgm:scene3d>
-    <dgm:sp3d/>
-    <dgm:txPr/>
-    <dgm:style>
-      <a:lnRef idx="0">
-        <a:scrgbClr r="0" g="0" b="0"/>
-      </a:lnRef>
-      <a:fillRef idx="1">
-        <a:scrgbClr r="0" g="0" b="0"/>
-      </a:fillRef>
-      <a:effectRef idx="0">
-        <a:scrgbClr r="0" g="0" b="0"/>
-      </a:effectRef>
-      <a:fontRef idx="minor">
-        <a:schemeClr val="lt1"/>
-      </a:fontRef>
-    </dgm:style>
-  </dgm:styleLbl>
-  <dgm:styleLbl name="bgSibTrans2D1">
-    <dgm:scene3d>
-      <a:camera prst="orthographicFront"/>
-      <a:lightRig rig="threePt" dir="t"/>
-    </dgm:scene3d>
-    <dgm:sp3d/>
-    <dgm:txPr/>
-    <dgm:style>
-      <a:lnRef idx="0">
-        <a:scrgbClr r="0" g="0" b="0"/>
-      </a:lnRef>
-      <a:fillRef idx="1">
-        <a:scrgbClr r="0" g="0" b="0"/>
-      </a:fillRef>
-      <a:effectRef idx="0">
-        <a:scrgbClr r="0" g="0" b="0"/>
-      </a:effectRef>
-      <a:fontRef idx="minor">
-        <a:schemeClr val="lt1"/>
-      </a:fontRef>
-    </dgm:style>
-  </dgm:styleLbl>
-  <dgm:styleLbl name="sibTrans1D1">
-    <dgm:scene3d>
-      <a:camera prst="orthographicFront"/>
-      <a:lightRig rig="threePt" dir="t"/>
-    </dgm:scene3d>
-    <dgm:sp3d/>
-    <dgm:txPr/>
-    <dgm:style>
-      <a:lnRef idx="1">
-        <a:scrgbClr r="0" g="0" b="0"/>
-      </a:lnRef>
-      <a:fillRef idx="0">
-        <a:scrgbClr r="0" g="0" b="0"/>
-      </a:fillRef>
-      <a:effectRef idx="0">
-        <a:scrgbClr r="0" g="0" b="0"/>
-      </a:effectRef>
-      <a:fontRef idx="minor"/>
-    </dgm:style>
-  </dgm:styleLbl>
-  <dgm:styleLbl name="callout">
-    <dgm:scene3d>
-      <a:camera prst="orthographicFront"/>
-      <a:lightRig rig="threePt" dir="t"/>
-    </dgm:scene3d>
-    <dgm:sp3d/>
-    <dgm:txPr/>
-    <dgm:style>
-      <a:lnRef idx="2">
-        <a:scrgbClr r="0" g="0" b="0"/>
-      </a:lnRef>
-      <a:fillRef idx="1">
-        <a:scrgbClr r="0" g="0" b="0"/>
-      </a:fillRef>
-      <a:effectRef idx="0">
-        <a:scrgbClr r="0" g="0" b="0"/>
-      </a:effectRef>
-      <a:fontRef idx="minor"/>
-    </dgm:style>
-  </dgm:styleLbl>
-  <dgm:styleLbl name="asst0">
-    <dgm:scene3d>
-      <a:camera prst="orthographicFront"/>
-      <a:lightRig rig="threePt" dir="t"/>
-    </dgm:scene3d>
-    <dgm:sp3d/>
-    <dgm:txPr/>
-    <dgm:style>
-      <a:lnRef idx="2">
-        <a:scrgbClr r="0" g="0" b="0"/>
-      </a:lnRef>
-      <a:fillRef idx="1">
-        <a:scrgbClr r="0" g="0" b="0"/>
-      </a:fillRef>
-      <a:effectRef idx="0">
-        <a:scrgbClr r="0" g="0" b="0"/>
-      </a:effectRef>
-      <a:fontRef idx="minor">
-        <a:schemeClr val="lt1"/>
-      </a:fontRef>
-    </dgm:style>
-  </dgm:styleLbl>
-  <dgm:styleLbl name="asst1">
-    <dgm:scene3d>
-      <a:camera prst="orthographicFront"/>
-      <a:lightRig rig="threePt" dir="t"/>
-    </dgm:scene3d>
-    <dgm:sp3d/>
-    <dgm:txPr/>
-    <dgm:style>
-      <a:lnRef idx="2">
-        <a:scrgbClr r="0" g="0" b="0"/>
-      </a:lnRef>
-      <a:fillRef idx="1">
-        <a:scrgbClr r="0" g="0" b="0"/>
-      </a:fillRef>
-      <a:effectRef idx="0">
-        <a:scrgbClr r="0" g="0" b="0"/>
-      </a:effectRef>
-      <a:fontRef idx="minor">
-        <a:schemeClr val="lt1"/>
-      </a:fontRef>
-    </dgm:style>
-  </dgm:styleLbl>
-  <dgm:styleLbl name="asst2">
-    <dgm:scene3d>
-      <a:camera prst="orthographicFront"/>
-      <a:lightRig rig="threePt" dir="t"/>
-    </dgm:scene3d>
-    <dgm:sp3d/>
-    <dgm:txPr/>
-    <dgm:style>
-      <a:lnRef idx="2">
-        <a:scrgbClr r="0" g="0" b="0"/>
-      </a:lnRef>
-      <a:fillRef idx="1">
-        <a:scrgbClr r="0" g="0" b="0"/>
-      </a:fillRef>
-      <a:effectRef idx="0">
-        <a:scrgbClr r="0" g="0" b="0"/>
-      </a:effectRef>
-      <a:fontRef idx="minor">
-        <a:schemeClr val="lt1"/>
-      </a:fontRef>
-    </dgm:style>
-  </dgm:styleLbl>
-  <dgm:styleLbl name="asst3">
-    <dgm:scene3d>
-      <a:camera prst="orthographicFront"/>
-      <a:lightRig rig="threePt" dir="t"/>
-    </dgm:scene3d>
-    <dgm:sp3d/>
-    <dgm:txPr/>
-    <dgm:style>
-      <a:lnRef idx="2">
-        <a:scrgbClr r="0" g="0" b="0"/>
-      </a:lnRef>
-      <a:fillRef idx="1">
-        <a:scrgbClr r="0" g="0" b="0"/>
-      </a:fillRef>
-      <a:effectRef idx="0">
-        <a:scrgbClr r="0" g="0" b="0"/>
-      </a:effectRef>
-      <a:fontRef idx="minor">
-        <a:schemeClr val="lt1"/>
-      </a:fontRef>
-    </dgm:style>
-  </dgm:styleLbl>
-  <dgm:styleLbl name="asst4">
-    <dgm:scene3d>
-      <a:camera prst="orthographicFront"/>
-      <a:lightRig rig="threePt" dir="t"/>
-    </dgm:scene3d>
-    <dgm:sp3d/>
-    <dgm:txPr/>
-    <dgm:style>
-      <a:lnRef idx="2">
-        <a:scrgbClr r="0" g="0" b="0"/>
-      </a:lnRef>
-      <a:fillRef idx="1">
-        <a:scrgbClr r="0" g="0" b="0"/>
-      </a:fillRef>
-      <a:effectRef idx="0">
-        <a:scrgbClr r="0" g="0" b="0"/>
-      </a:effectRef>
-      <a:fontRef idx="minor">
-        <a:schemeClr val="lt1"/>
-      </a:fontRef>
-    </dgm:style>
-  </dgm:styleLbl>
-  <dgm:styleLbl name="parChTrans2D1">
-    <dgm:scene3d>
-      <a:camera prst="orthographicFront"/>
-      <a:lightRig rig="threePt" dir="t"/>
-    </dgm:scene3d>
-    <dgm:sp3d/>
-    <dgm:txPr/>
-    <dgm:style>
-      <a:lnRef idx="2">
-        <a:scrgbClr r="0" g="0" b="0"/>
-      </a:lnRef>
-      <a:fillRef idx="1">
-        <a:scrgbClr r="0" g="0" b="0"/>
-      </a:fillRef>
-      <a:effectRef idx="0">
-        <a:scrgbClr r="0" g="0" b="0"/>
-      </a:effectRef>
-      <a:fontRef idx="minor">
-        <a:schemeClr val="lt1"/>
-      </a:fontRef>
-    </dgm:style>
-  </dgm:styleLbl>
-  <dgm:styleLbl name="parChTrans2D2">
-    <dgm:scene3d>
-      <a:camera prst="orthographicFront"/>
-      <a:lightRig rig="threePt" dir="t"/>
-    </dgm:scene3d>
-    <dgm:sp3d/>
-    <dgm:txPr/>
-    <dgm:style>
-      <a:lnRef idx="2">
-        <a:scrgbClr r="0" g="0" b="0"/>
-      </a:lnRef>
-      <a:fillRef idx="1">
-        <a:scrgbClr r="0" g="0" b="0"/>
-      </a:fillRef>
-      <a:effectRef idx="0">
-        <a:scrgbClr r="0" g="0" b="0"/>
-      </a:effectRef>
-      <a:fontRef idx="minor">
-        <a:schemeClr val="lt1"/>
-      </a:fontRef>
-    </dgm:style>
-  </dgm:styleLbl>
-  <dgm:styleLbl name="parChTrans2D3">
-    <dgm:scene3d>
-      <a:camera prst="orthographicFront"/>
-      <a:lightRig rig="threePt" dir="t"/>
-    </dgm:scene3d>
-    <dgm:sp3d/>
-    <dgm:txPr/>
-    <dgm:style>
-      <a:lnRef idx="2">
-        <a:scrgbClr r="0" g="0" b="0"/>
-      </a:lnRef>
-      <a:fillRef idx="1">
-        <a:scrgbClr r="0" g="0" b="0"/>
-      </a:fillRef>
-      <a:effectRef idx="0">
-        <a:scrgbClr r="0" g="0" b="0"/>
-      </a:effectRef>
-      <a:fontRef idx="minor">
-        <a:schemeClr val="lt1"/>
-      </a:fontRef>
-    </dgm:style>
-  </dgm:styleLbl>
-  <dgm:styleLbl name="parChTrans2D4">
-    <dgm:scene3d>
-      <a:camera prst="orthographicFront"/>
-      <a:lightRig rig="threePt" dir="t"/>
-    </dgm:scene3d>
-    <dgm:sp3d/>
-    <dgm:txPr/>
-    <dgm:style>
-      <a:lnRef idx="2">
-        <a:scrgbClr r="0" g="0" b="0"/>
-      </a:lnRef>
-      <a:fillRef idx="1">
-        <a:scrgbClr r="0" g="0" b="0"/>
-      </a:fillRef>
-      <a:effectRef idx="0">
-        <a:scrgbClr r="0" g="0" b="0"/>
-      </a:effectRef>
-      <a:fontRef idx="minor">
-        <a:schemeClr val="lt1"/>
-      </a:fontRef>
-    </dgm:style>
-  </dgm:styleLbl>
-  <dgm:styleLbl name="parChTrans1D1">
-    <dgm:scene3d>
-      <a:camera prst="orthographicFront"/>
-      <a:lightRig rig="threePt" dir="t"/>
-    </dgm:scene3d>
-    <dgm:sp3d/>
-    <dgm:txPr/>
-    <dgm:style>
-      <a:lnRef idx="2">
-        <a:scrgbClr r="0" g="0" b="0"/>
-      </a:lnRef>
-      <a:fillRef idx="0">
-        <a:scrgbClr r="0" g="0" b="0"/>
-      </a:fillRef>
-      <a:effectRef idx="0">
-        <a:scrgbClr r="0" g="0" b="0"/>
-      </a:effectRef>
-      <a:fontRef idx="minor"/>
-    </dgm:style>
-  </dgm:styleLbl>
-  <dgm:styleLbl name="parChTrans1D2">
-    <dgm:scene3d>
-      <a:camera prst="orthographicFront"/>
-      <a:lightRig rig="threePt" dir="t"/>
-    </dgm:scene3d>
-    <dgm:sp3d/>
-    <dgm:txPr/>
-    <dgm:style>
-      <a:lnRef idx="2">
-        <a:scrgbClr r="0" g="0" b="0"/>
-      </a:lnRef>
-      <a:fillRef idx="0">
-        <a:scrgbClr r="0" g="0" b="0"/>
-      </a:fillRef>
-      <a:effectRef idx="0">
-        <a:scrgbClr r="0" g="0" b="0"/>
-      </a:effectRef>
-      <a:fontRef idx="minor"/>
-    </dgm:style>
-  </dgm:styleLbl>
-  <dgm:styleLbl name="parChTrans1D3">
-    <dgm:scene3d>
-      <a:camera prst="orthographicFront"/>
-      <a:lightRig rig="threePt" dir="t"/>
-    </dgm:scene3d>
-    <dgm:sp3d/>
-    <dgm:txPr/>
-    <dgm:style>
-      <a:lnRef idx="2">
-        <a:scrgbClr r="0" g="0" b="0"/>
-      </a:lnRef>
-      <a:fillRef idx="0">
-        <a:scrgbClr r="0" g="0" b="0"/>
-      </a:fillRef>
-      <a:effectRef idx="0">
-        <a:scrgbClr r="0" g="0" b="0"/>
-      </a:effectRef>
-      <a:fontRef idx="minor"/>
-    </dgm:style>
-  </dgm:styleLbl>
-  <dgm:styleLbl name="parChTrans1D4">
-    <dgm:scene3d>
-      <a:camera prst="orthographicFront"/>
-      <a:lightRig rig="threePt" dir="t"/>
-    </dgm:scene3d>
-    <dgm:sp3d/>
-    <dgm:txPr/>
-    <dgm:style>
-      <a:lnRef idx="2">
-        <a:scrgbClr r="0" g="0" b="0"/>
-      </a:lnRef>
-      <a:fillRef idx="0">
-        <a:scrgbClr r="0" g="0" b="0"/>
-      </a:fillRef>
-      <a:effectRef idx="0">
-        <a:scrgbClr r="0" g="0" b="0"/>
-      </a:effectRef>
-      <a:fontRef idx="minor"/>
-    </dgm:style>
-  </dgm:styleLbl>
-  <dgm:styleLbl name="fgAcc1">
-    <dgm:scene3d>
-      <a:camera prst="orthographicFront"/>
-      <a:lightRig rig="threePt" dir="t"/>
-    </dgm:scene3d>
-    <dgm:sp3d/>
-    <dgm:txPr/>
-    <dgm:style>
-      <a:lnRef idx="2">
-        <a:scrgbClr r="0" g="0" b="0"/>
-      </a:lnRef>
-      <a:fillRef idx="1">
-        <a:scrgbClr r="0" g="0" b="0"/>
-      </a:fillRef>
-      <a:effectRef idx="0">
-        <a:scrgbClr r="0" g="0" b="0"/>
-      </a:effectRef>
-      <a:fontRef idx="minor"/>
-    </dgm:style>
-  </dgm:styleLbl>
-  <dgm:styleLbl name="conFgAcc1">
-    <dgm:scene3d>
-      <a:camera prst="orthographicFront"/>
-      <a:lightRig rig="threePt" dir="t"/>
-    </dgm:scene3d>
-    <dgm:sp3d/>
-    <dgm:txPr/>
-    <dgm:style>
-      <a:lnRef idx="2">
-        <a:scrgbClr r="0" g="0" b="0"/>
-      </a:lnRef>
-      <a:fillRef idx="1">
-        <a:scrgbClr r="0" g="0" b="0"/>
-      </a:fillRef>
-      <a:effectRef idx="0">
-        <a:scrgbClr r="0" g="0" b="0"/>
-      </a:effectRef>
-      <a:fontRef idx="minor"/>
-    </dgm:style>
-  </dgm:styleLbl>
-  <dgm:styleLbl name="alignAcc1">
-    <dgm:scene3d>
-      <a:camera prst="orthographicFront"/>
-      <a:lightRig rig="threePt" dir="t"/>
-    </dgm:scene3d>
-    <dgm:sp3d/>
-    <dgm:txPr/>
-    <dgm:style>
-      <a:lnRef idx="2">
-        <a:scrgbClr r="0" g="0" b="0"/>
-      </a:lnRef>
-      <a:fillRef idx="1">
-        <a:scrgbClr r="0" g="0" b="0"/>
-      </a:fillRef>
-      <a:effectRef idx="0">
-        <a:scrgbClr r="0" g="0" b="0"/>
-      </a:effectRef>
-      <a:fontRef idx="minor"/>
-    </dgm:style>
-  </dgm:styleLbl>
-  <dgm:styleLbl name="trAlignAcc1">
-    <dgm:scene3d>
-      <a:camera prst="orthographicFront"/>
-      <a:lightRig rig="threePt" dir="t"/>
-    </dgm:scene3d>
-    <dgm:sp3d/>
-    <dgm:txPr/>
-    <dgm:style>
-      <a:lnRef idx="1">
-        <a:scrgbClr r="0" g="0" b="0"/>
-      </a:lnRef>
-      <a:fillRef idx="1">
-        <a:scrgbClr r="0" g="0" b="0"/>
-      </a:fillRef>
-      <a:effectRef idx="0">
-        <a:scrgbClr r="0" g="0" b="0"/>
-      </a:effectRef>
-      <a:fontRef idx="minor"/>
-    </dgm:style>
-  </dgm:styleLbl>
-  <dgm:styleLbl name="bgAcc1">
-    <dgm:scene3d>
-      <a:camera prst="orthographicFront"/>
-      <a:lightRig rig="threePt" dir="t"/>
-    </dgm:scene3d>
-    <dgm:sp3d/>
-    <dgm:txPr/>
-    <dgm:style>
-      <a:lnRef idx="2">
-        <a:scrgbClr r="0" g="0" b="0"/>
-      </a:lnRef>
-      <a:fillRef idx="1">
-        <a:scrgbClr r="0" g="0" b="0"/>
-      </a:fillRef>
-      <a:effectRef idx="0">
-        <a:scrgbClr r="0" g="0" b="0"/>
-      </a:effectRef>
-      <a:fontRef idx="minor"/>
-    </dgm:style>
-  </dgm:styleLbl>
-  <dgm:styleLbl name="solidFgAcc1">
-    <dgm:scene3d>
-      <a:camera prst="orthographicFront"/>
-      <a:lightRig rig="threePt" dir="t"/>
-    </dgm:scene3d>
-    <dgm:sp3d/>
-    <dgm:txPr/>
-    <dgm:style>
-      <a:lnRef idx="2">
-        <a:scrgbClr r="0" g="0" b="0"/>
-      </a:lnRef>
-      <a:fillRef idx="1">
-        <a:scrgbClr r="0" g="0" b="0"/>
-      </a:fillRef>
-      <a:effectRef idx="0">
-        <a:scrgbClr r="0" g="0" b="0"/>
-      </a:effectRef>
-      <a:fontRef idx="minor"/>
-    </dgm:style>
-  </dgm:styleLbl>
-  <dgm:styleLbl name="solidAlignAcc1">
-    <dgm:scene3d>
-      <a:camera prst="orthographicFront"/>
-      <a:lightRig rig="threePt" dir="t"/>
-    </dgm:scene3d>
-    <dgm:sp3d/>
-    <dgm:txPr/>
-    <dgm:style>
-      <a:lnRef idx="2">
-        <a:scrgbClr r="0" g="0" b="0"/>
-      </a:lnRef>
-      <a:fillRef idx="1">
-        <a:scrgbClr r="0" g="0" b="0"/>
-      </a:fillRef>
-      <a:effectRef idx="0">
-        <a:scrgbClr r="0" g="0" b="0"/>
-      </a:effectRef>
-      <a:fontRef idx="minor"/>
-    </dgm:style>
-  </dgm:styleLbl>
-  <dgm:styleLbl name="solidBgAcc1">
-    <dgm:scene3d>
-      <a:camera prst="orthographicFront"/>
-      <a:lightRig rig="threePt" dir="t"/>
-    </dgm:scene3d>
-    <dgm:sp3d/>
-    <dgm:txPr/>
-    <dgm:style>
-      <a:lnRef idx="2">
-        <a:scrgbClr r="0" g="0" b="0"/>
-      </a:lnRef>
-      <a:fillRef idx="1">
-        <a:scrgbClr r="0" g="0" b="0"/>
-      </a:fillRef>
-      <a:effectRef idx="0">
-        <a:scrgbClr r="0" g="0" b="0"/>
-      </a:effectRef>
-      <a:fontRef idx="minor"/>
-    </dgm:style>
-  </dgm:styleLbl>
-  <dgm:styleLbl name="fgAccFollowNode1">
-    <dgm:scene3d>
-      <a:camera prst="orthographicFront"/>
-      <a:lightRig rig="threePt" dir="t"/>
-    </dgm:scene3d>
-    <dgm:sp3d/>
-    <dgm:txPr/>
-    <dgm:style>
-      <a:lnRef idx="2">
-        <a:scrgbClr r="0" g="0" b="0"/>
-      </a:lnRef>
-      <a:fillRef idx="1">
-        <a:scrgbClr r="0" g="0" b="0"/>
-      </a:fillRef>
-      <a:effectRef idx="0">
-        <a:scrgbClr r="0" g="0" b="0"/>
-      </a:effectRef>
-      <a:fontRef idx="minor"/>
-    </dgm:style>
-  </dgm:styleLbl>
-  <dgm:styleLbl name="alignAccFollowNode1">
-    <dgm:scene3d>
-      <a:camera prst="orthographicFront"/>
-      <a:lightRig rig="threePt" dir="t"/>
-    </dgm:scene3d>
-    <dgm:sp3d/>
-    <dgm:txPr/>
-    <dgm:style>
-      <a:lnRef idx="2">
-        <a:scrgbClr r="0" g="0" b="0"/>
-      </a:lnRef>
-      <a:fillRef idx="1">
-        <a:scrgbClr r="0" g="0" b="0"/>
-      </a:fillRef>
-      <a:effectRef idx="0">
-        <a:scrgbClr r="0" g="0" b="0"/>
-      </a:effectRef>
-      <a:fontRef idx="minor"/>
-    </dgm:style>
-  </dgm:styleLbl>
-  <dgm:styleLbl name="bgAccFollowNode1">
-    <dgm:scene3d>
-      <a:camera prst="orthographicFront"/>
-      <a:lightRig rig="threePt" dir="t"/>
-    </dgm:scene3d>
-    <dgm:sp3d/>
-    <dgm:txPr/>
-    <dgm:style>
-      <a:lnRef idx="2">
-        <a:scrgbClr r="0" g="0" b="0"/>
-      </a:lnRef>
-      <a:fillRef idx="1">
-        <a:scrgbClr r="0" g="0" b="0"/>
-      </a:fillRef>
-      <a:effectRef idx="0">
-        <a:scrgbClr r="0" g="0" b="0"/>
-      </a:effectRef>
-      <a:fontRef idx="minor"/>
-    </dgm:style>
-  </dgm:styleLbl>
-  <dgm:styleLbl name="fgAcc0">
-    <dgm:scene3d>
-      <a:camera prst="orthographicFront"/>
-      <a:lightRig rig="threePt" dir="t"/>
-    </dgm:scene3d>
-    <dgm:sp3d/>
-    <dgm:txPr/>
-    <dgm:style>
-      <a:lnRef idx="2">
-        <a:scrgbClr r="0" g="0" b="0"/>
-      </a:lnRef>
-      <a:fillRef idx="1">
-        <a:scrgbClr r="0" g="0" b="0"/>
-      </a:fillRef>
-      <a:effectRef idx="0">
-        <a:scrgbClr r="0" g="0" b="0"/>
-      </a:effectRef>
-      <a:fontRef idx="minor"/>
-    </dgm:style>
-  </dgm:styleLbl>
-  <dgm:styleLbl name="fgAcc2">
-    <dgm:scene3d>
-      <a:camera prst="orthographicFront"/>
-      <a:lightRig rig="threePt" dir="t"/>
-    </dgm:scene3d>
-    <dgm:sp3d/>
-    <dgm:txPr/>
-    <dgm:style>
-      <a:lnRef idx="2">
-        <a:scrgbClr r="0" g="0" b="0"/>
-      </a:lnRef>
-      <a:fillRef idx="1">
-        <a:scrgbClr r="0" g="0" b="0"/>
-      </a:fillRef>
-      <a:effectRef idx="0">
-        <a:scrgbClr r="0" g="0" b="0"/>
-      </a:effectRef>
-      <a:fontRef idx="minor"/>
-    </dgm:style>
-  </dgm:styleLbl>
-  <dgm:styleLbl name="fgAcc3">
-    <dgm:scene3d>
-      <a:camera prst="orthographicFront"/>
-      <a:lightRig rig="threePt" dir="t"/>
-    </dgm:scene3d>
-    <dgm:sp3d/>
-    <dgm:txPr/>
-    <dgm:style>
-      <a:lnRef idx="2">
-        <a:scrgbClr r="0" g="0" b="0"/>
-      </a:lnRef>
-      <a:fillRef idx="1">
-        <a:scrgbClr r="0" g="0" b="0"/>
-      </a:fillRef>
-      <a:effectRef idx="0">
-        <a:scrgbClr r="0" g="0" b="0"/>
-      </a:effectRef>
-      <a:fontRef idx="minor"/>
-    </dgm:style>
-  </dgm:styleLbl>
-  <dgm:styleLbl name="fgAcc4">
-    <dgm:scene3d>
-      <a:camera prst="orthographicFront"/>
-      <a:lightRig rig="threePt" dir="t"/>
-    </dgm:scene3d>
-    <dgm:sp3d/>
-    <dgm:txPr/>
-    <dgm:style>
-      <a:lnRef idx="2">
-        <a:scrgbClr r="0" g="0" b="0"/>
-      </a:lnRef>
-      <a:fillRef idx="1">
-        <a:scrgbClr r="0" g="0" b="0"/>
-      </a:fillRef>
-      <a:effectRef idx="0">
-        <a:scrgbClr r="0" g="0" b="0"/>
-      </a:effectRef>
-      <a:fontRef idx="minor"/>
-    </dgm:style>
-  </dgm:styleLbl>
-  <dgm:styleLbl name="bgShp">
-    <dgm:scene3d>
-      <a:camera prst="orthographicFront"/>
-      <a:lightRig rig="threePt" dir="t"/>
-    </dgm:scene3d>
-    <dgm:sp3d/>
-    <dgm:txPr/>
-    <dgm:style>
-      <a:lnRef idx="0">
-        <a:scrgbClr r="0" g="0" b="0"/>
-      </a:lnRef>
-      <a:fillRef idx="1">
-        <a:scrgbClr r="0" g="0" b="0"/>
-      </a:fillRef>
-      <a:effectRef idx="0">
-        <a:scrgbClr r="0" g="0" b="0"/>
-      </a:effectRef>
-      <a:fontRef idx="minor"/>
-    </dgm:style>
-  </dgm:styleLbl>
-  <dgm:styleLbl name="dkBgShp">
-    <dgm:scene3d>
-      <a:camera prst="orthographicFront"/>
-      <a:lightRig rig="threePt" dir="t"/>
-    </dgm:scene3d>
-    <dgm:sp3d/>
-    <dgm:txPr/>
-    <dgm:style>
-      <a:lnRef idx="0">
-        <a:scrgbClr r="0" g="0" b="0"/>
-      </a:lnRef>
-      <a:fillRef idx="1">
-        <a:scrgbClr r="0" g="0" b="0"/>
-      </a:fillRef>
-      <a:effectRef idx="0">
-        <a:scrgbClr r="0" g="0" b="0"/>
-      </a:effectRef>
-      <a:fontRef idx="minor"/>
-    </dgm:style>
-  </dgm:styleLbl>
-  <dgm:styleLbl name="trBgShp">
-    <dgm:scene3d>
-      <a:camera prst="orthographicFront"/>
-      <a:lightRig rig="threePt" dir="t"/>
-    </dgm:scene3d>
-    <dgm:sp3d/>
-    <dgm:txPr/>
-    <dgm:style>
-      <a:lnRef idx="0">
-        <a:scrgbClr r="0" g="0" b="0"/>
-      </a:lnRef>
-      <a:fillRef idx="1">
-        <a:scrgbClr r="0" g="0" b="0"/>
-      </a:fillRef>
-      <a:effectRef idx="0">
-        <a:scrgbClr r="0" g="0" b="0"/>
-      </a:effectRef>
-      <a:fontRef idx="minor"/>
-    </dgm:style>
-  </dgm:styleLbl>
-  <dgm:styleLbl name="fgShp">
-    <dgm:scene3d>
-      <a:camera prst="orthographicFront"/>
-      <a:lightRig rig="threePt" dir="t"/>
-    </dgm:scene3d>
-    <dgm:sp3d/>
-    <dgm:txPr/>
-    <dgm:style>
-      <a:lnRef idx="2">
-        <a:scrgbClr r="0" g="0" b="0"/>
-      </a:lnRef>
-      <a:fillRef idx="1">
-        <a:scrgbClr r="0" g="0" b="0"/>
-      </a:fillRef>
-      <a:effectRef idx="0">
-        <a:scrgbClr r="0" g="0" b="0"/>
-      </a:effectRef>
-      <a:fontRef idx="minor"/>
-    </dgm:style>
-  </dgm:styleLbl>
-  <dgm:styleLbl name="revTx">
-    <dgm:scene3d>
-      <a:camera prst="orthographicFront"/>
-      <a:lightRig rig="threePt" dir="t"/>
-    </dgm:scene3d>
-    <dgm:sp3d/>
-    <dgm:txPr/>
-    <dgm:style>
-      <a:lnRef idx="0">
-        <a:scrgbClr r="0" g="0" b="0"/>
-      </a:lnRef>
-      <a:fillRef idx="0">
-        <a:scrgbClr r="0" g="0" b="0"/>
-      </a:fillRef>
-      <a:effectRef idx="0">
-        <a:scrgbClr r="0" g="0" b="0"/>
-      </a:effectRef>
-      <a:fontRef idx="minor"/>
-    </dgm:style>
-  </dgm:styleLbl>
-</dgm:styleDef>
-</file>
-
 <file path=ppt/notesMasters/notesMaster1.xml><?xml version="1.0" encoding="utf-8"?>
 <p:notesMaster xmlns:a="http://schemas.openxmlformats.org/drawingml/2006/main" xmlns:r="http://schemas.openxmlformats.org/officeDocument/2006/relationships" xmlns:p="http://schemas.openxmlformats.org/presentationml/2006/main">
   <p:cSld>
@@ -21382,7 +17961,7 @@
           <a:p>
             <a:fld id="{5D225DAC-D7F7-4CE3-B22F-689EBE1F0F09}" type="datetimeFigureOut">
               <a:rPr lang="en-US" smtClean="0"/>
-              <a:t>7/19/2025</a:t>
+              <a:t>8/5/2025</a:t>
             </a:fld>
             <a:endParaRPr lang="en-US"/>
           </a:p>
@@ -21744,6 +18323,222 @@
         <p:cNvPr id="1" name="">
           <a:extLst>
             <a:ext uri="{FF2B5EF4-FFF2-40B4-BE49-F238E27FC236}">
+              <a16:creationId xmlns:a16="http://schemas.microsoft.com/office/drawing/2014/main" id="{5B0CD17D-0022-6966-C51C-37FDE5B8D599}"/>
+            </a:ext>
+          </a:extLst>
+        </p:cNvPr>
+        <p:cNvGrpSpPr/>
+        <p:nvPr/>
+      </p:nvGrpSpPr>
+      <p:grpSpPr>
+        <a:xfrm>
+          <a:off x="0" y="0"/>
+          <a:ext cx="0" cy="0"/>
+          <a:chOff x="0" y="0"/>
+          <a:chExt cx="0" cy="0"/>
+        </a:xfrm>
+      </p:grpSpPr>
+      <p:sp>
+        <p:nvSpPr>
+          <p:cNvPr id="2" name="Slide Image Placeholder 1">
+            <a:extLst>
+              <a:ext uri="{FF2B5EF4-FFF2-40B4-BE49-F238E27FC236}">
+                <a16:creationId xmlns:a16="http://schemas.microsoft.com/office/drawing/2014/main" id="{F1DDD6E0-8FC7-F1A7-3AA7-1F20182215BD}"/>
+              </a:ext>
+            </a:extLst>
+          </p:cNvPr>
+          <p:cNvSpPr>
+            <a:spLocks noGrp="1" noRot="1" noChangeAspect="1"/>
+          </p:cNvSpPr>
+          <p:nvPr>
+            <p:ph type="sldImg"/>
+          </p:nvPr>
+        </p:nvSpPr>
+        <p:spPr/>
+      </p:sp>
+      <p:sp>
+        <p:nvSpPr>
+          <p:cNvPr id="3" name="Notes Placeholder 2">
+            <a:extLst>
+              <a:ext uri="{FF2B5EF4-FFF2-40B4-BE49-F238E27FC236}">
+                <a16:creationId xmlns:a16="http://schemas.microsoft.com/office/drawing/2014/main" id="{0F624545-8B32-6A6E-9C0B-6690F589FACC}"/>
+              </a:ext>
+            </a:extLst>
+          </p:cNvPr>
+          <p:cNvSpPr>
+            <a:spLocks noGrp="1"/>
+          </p:cNvSpPr>
+          <p:nvPr>
+            <p:ph type="body" idx="1"/>
+          </p:nvPr>
+        </p:nvSpPr>
+        <p:spPr/>
+        <p:txBody>
+          <a:bodyPr/>
+          <a:lstStyle/>
+          <a:p>
+            <a:endParaRPr lang="en-US" dirty="0"/>
+          </a:p>
+        </p:txBody>
+      </p:sp>
+      <p:sp>
+        <p:nvSpPr>
+          <p:cNvPr id="4" name="Slide Number Placeholder 3">
+            <a:extLst>
+              <a:ext uri="{FF2B5EF4-FFF2-40B4-BE49-F238E27FC236}">
+                <a16:creationId xmlns:a16="http://schemas.microsoft.com/office/drawing/2014/main" id="{6F6085E8-F578-833D-8934-CEEB62D650DB}"/>
+              </a:ext>
+            </a:extLst>
+          </p:cNvPr>
+          <p:cNvSpPr>
+            <a:spLocks noGrp="1"/>
+          </p:cNvSpPr>
+          <p:nvPr>
+            <p:ph type="sldNum" sz="quarter" idx="5"/>
+          </p:nvPr>
+        </p:nvSpPr>
+        <p:spPr/>
+        <p:txBody>
+          <a:bodyPr/>
+          <a:lstStyle/>
+          <a:p>
+            <a:fld id="{0FA2C36E-4514-46D1-9D76-0A014263E463}" type="slidenum">
+              <a:rPr lang="en-US" smtClean="0"/>
+              <a:t>11</a:t>
+            </a:fld>
+            <a:endParaRPr lang="en-US"/>
+          </a:p>
+        </p:txBody>
+      </p:sp>
+    </p:spTree>
+    <p:extLst>
+      <p:ext uri="{BB962C8B-B14F-4D97-AF65-F5344CB8AC3E}">
+        <p14:creationId xmlns:p14="http://schemas.microsoft.com/office/powerpoint/2010/main" val="2849613734"/>
+      </p:ext>
+    </p:extLst>
+  </p:cSld>
+  <p:clrMapOvr>
+    <a:masterClrMapping/>
+  </p:clrMapOvr>
+</p:notes>
+</file>
+
+<file path=ppt/notesSlides/notesSlide11.xml><?xml version="1.0" encoding="utf-8"?>
+<p:notes xmlns:a="http://schemas.openxmlformats.org/drawingml/2006/main" xmlns:r="http://schemas.openxmlformats.org/officeDocument/2006/relationships" xmlns:p="http://schemas.openxmlformats.org/presentationml/2006/main">
+  <p:cSld>
+    <p:spTree>
+      <p:nvGrpSpPr>
+        <p:cNvPr id="1" name="">
+          <a:extLst>
+            <a:ext uri="{FF2B5EF4-FFF2-40B4-BE49-F238E27FC236}">
+              <a16:creationId xmlns:a16="http://schemas.microsoft.com/office/drawing/2014/main" id="{3FDED8F4-ED37-F22D-52F4-7673B033207F}"/>
+            </a:ext>
+          </a:extLst>
+        </p:cNvPr>
+        <p:cNvGrpSpPr/>
+        <p:nvPr/>
+      </p:nvGrpSpPr>
+      <p:grpSpPr>
+        <a:xfrm>
+          <a:off x="0" y="0"/>
+          <a:ext cx="0" cy="0"/>
+          <a:chOff x="0" y="0"/>
+          <a:chExt cx="0" cy="0"/>
+        </a:xfrm>
+      </p:grpSpPr>
+      <p:sp>
+        <p:nvSpPr>
+          <p:cNvPr id="2" name="Slide Image Placeholder 1">
+            <a:extLst>
+              <a:ext uri="{FF2B5EF4-FFF2-40B4-BE49-F238E27FC236}">
+                <a16:creationId xmlns:a16="http://schemas.microsoft.com/office/drawing/2014/main" id="{926BCFEE-65CF-9AFC-9E74-D9DEC5A4929E}"/>
+              </a:ext>
+            </a:extLst>
+          </p:cNvPr>
+          <p:cNvSpPr>
+            <a:spLocks noGrp="1" noRot="1" noChangeAspect="1"/>
+          </p:cNvSpPr>
+          <p:nvPr>
+            <p:ph type="sldImg"/>
+          </p:nvPr>
+        </p:nvSpPr>
+        <p:spPr/>
+      </p:sp>
+      <p:sp>
+        <p:nvSpPr>
+          <p:cNvPr id="3" name="Notes Placeholder 2">
+            <a:extLst>
+              <a:ext uri="{FF2B5EF4-FFF2-40B4-BE49-F238E27FC236}">
+                <a16:creationId xmlns:a16="http://schemas.microsoft.com/office/drawing/2014/main" id="{0C337FD1-5B86-5B26-C358-98F47DD78059}"/>
+              </a:ext>
+            </a:extLst>
+          </p:cNvPr>
+          <p:cNvSpPr>
+            <a:spLocks noGrp="1"/>
+          </p:cNvSpPr>
+          <p:nvPr>
+            <p:ph type="body" idx="1"/>
+          </p:nvPr>
+        </p:nvSpPr>
+        <p:spPr/>
+        <p:txBody>
+          <a:bodyPr/>
+          <a:lstStyle/>
+          <a:p>
+            <a:endParaRPr lang="en-US" dirty="0"/>
+          </a:p>
+        </p:txBody>
+      </p:sp>
+      <p:sp>
+        <p:nvSpPr>
+          <p:cNvPr id="4" name="Slide Number Placeholder 3">
+            <a:extLst>
+              <a:ext uri="{FF2B5EF4-FFF2-40B4-BE49-F238E27FC236}">
+                <a16:creationId xmlns:a16="http://schemas.microsoft.com/office/drawing/2014/main" id="{70B3F6D1-91A7-B34D-1013-707697C020A6}"/>
+              </a:ext>
+            </a:extLst>
+          </p:cNvPr>
+          <p:cNvSpPr>
+            <a:spLocks noGrp="1"/>
+          </p:cNvSpPr>
+          <p:nvPr>
+            <p:ph type="sldNum" sz="quarter" idx="5"/>
+          </p:nvPr>
+        </p:nvSpPr>
+        <p:spPr/>
+        <p:txBody>
+          <a:bodyPr/>
+          <a:lstStyle/>
+          <a:p>
+            <a:fld id="{0FA2C36E-4514-46D1-9D76-0A014263E463}" type="slidenum">
+              <a:rPr lang="en-US" smtClean="0"/>
+              <a:t>12</a:t>
+            </a:fld>
+            <a:endParaRPr lang="en-US"/>
+          </a:p>
+        </p:txBody>
+      </p:sp>
+    </p:spTree>
+    <p:extLst>
+      <p:ext uri="{BB962C8B-B14F-4D97-AF65-F5344CB8AC3E}">
+        <p14:creationId xmlns:p14="http://schemas.microsoft.com/office/powerpoint/2010/main" val="878376337"/>
+      </p:ext>
+    </p:extLst>
+  </p:cSld>
+  <p:clrMapOvr>
+    <a:masterClrMapping/>
+  </p:clrMapOvr>
+</p:notes>
+</file>
+
+<file path=ppt/notesSlides/notesSlide12.xml><?xml version="1.0" encoding="utf-8"?>
+<p:notes xmlns:a="http://schemas.openxmlformats.org/drawingml/2006/main" xmlns:r="http://schemas.openxmlformats.org/officeDocument/2006/relationships" xmlns:p="http://schemas.openxmlformats.org/presentationml/2006/main">
+  <p:cSld>
+    <p:spTree>
+      <p:nvGrpSpPr>
+        <p:cNvPr id="1" name="">
+          <a:extLst>
+            <a:ext uri="{FF2B5EF4-FFF2-40B4-BE49-F238E27FC236}">
               <a16:creationId xmlns:a16="http://schemas.microsoft.com/office/drawing/2014/main" id="{7DD749D7-214E-16D6-669A-3190AC5A90E6}"/>
             </a:ext>
           </a:extLst>
@@ -21798,6 +18593,214 @@
           <a:bodyPr/>
           <a:lstStyle/>
           <a:p>
+            <a:r>
+              <a:rPr lang="en-US" b="1" dirty="0"/>
+              <a:t>Process Management</a:t>
+            </a:r>
+          </a:p>
+          <a:p>
+            <a:r>
+              <a:rPr lang="en-US" dirty="0"/>
+              <a:t>Manages running programs (called processes), ensuring the CPU handles them properly and efficiently.</a:t>
+            </a:r>
+            <a:br>
+              <a:rPr lang="en-US" dirty="0"/>
+            </a:br>
+            <a:r>
+              <a:rPr lang="en-US" i="1" dirty="0"/>
+              <a:t>Example: When you open a browser and a music player, the OS switches between them so both run smoothly.</a:t>
+            </a:r>
+            <a:endParaRPr lang="en-US" dirty="0"/>
+          </a:p>
+          <a:p>
+            <a:r>
+              <a:rPr lang="en-US" b="1" dirty="0"/>
+              <a:t>2. File Management</a:t>
+            </a:r>
+          </a:p>
+          <a:p>
+            <a:r>
+              <a:rPr lang="en-US" dirty="0"/>
+              <a:t>Organizes files and folders, and controls how they are stored, named, and accessed.</a:t>
+            </a:r>
+            <a:br>
+              <a:rPr lang="en-US" dirty="0"/>
+            </a:br>
+            <a:r>
+              <a:rPr lang="en-US" i="1" dirty="0"/>
+              <a:t>Example: When you save or open a document, the OS helps find and manage that file.</a:t>
+            </a:r>
+            <a:endParaRPr lang="en-US" dirty="0"/>
+          </a:p>
+          <a:p>
+            <a:r>
+              <a:rPr lang="en-US" b="1" dirty="0"/>
+              <a:t>3. Command Interpreter</a:t>
+            </a:r>
+          </a:p>
+          <a:p>
+            <a:r>
+              <a:rPr lang="en-US" dirty="0"/>
+              <a:t>Lets users interact with the system by typing commands or clicking icons.</a:t>
+            </a:r>
+            <a:br>
+              <a:rPr lang="en-US" dirty="0"/>
+            </a:br>
+            <a:r>
+              <a:rPr lang="en-US" i="1" dirty="0"/>
+              <a:t>Example: Using Command Prompt or Terminal to run commands like </a:t>
+            </a:r>
+            <a:r>
+              <a:rPr lang="en-US" i="1" dirty="0" err="1"/>
+              <a:t>dir</a:t>
+            </a:r>
+            <a:r>
+              <a:rPr lang="en-US" i="1" dirty="0"/>
+              <a:t> or ls.</a:t>
+            </a:r>
+            <a:endParaRPr lang="en-US" dirty="0"/>
+          </a:p>
+          <a:p>
+            <a:r>
+              <a:rPr lang="en-US" b="1" dirty="0"/>
+              <a:t>4. System Calls</a:t>
+            </a:r>
+          </a:p>
+          <a:p>
+            <a:r>
+              <a:rPr lang="en-US" dirty="0"/>
+              <a:t>Provides a way for programs to ask the OS to perform tasks like reading files or using memory.</a:t>
+            </a:r>
+            <a:br>
+              <a:rPr lang="en-US" dirty="0"/>
+            </a:br>
+            <a:r>
+              <a:rPr lang="en-US" i="1" dirty="0"/>
+              <a:t>Example: A game asks the OS to save progress—this request is done through a system call.</a:t>
+            </a:r>
+            <a:endParaRPr lang="en-US" dirty="0"/>
+          </a:p>
+          <a:p>
+            <a:r>
+              <a:rPr lang="en-US" b="1" dirty="0"/>
+              <a:t>5. Signals</a:t>
+            </a:r>
+          </a:p>
+          <a:p>
+            <a:r>
+              <a:rPr lang="en-US" dirty="0"/>
+              <a:t>Sends notifications or warnings to processes when something needs attention, like errors or interruptions.</a:t>
+            </a:r>
+            <a:br>
+              <a:rPr lang="en-US" dirty="0"/>
+            </a:br>
+            <a:r>
+              <a:rPr lang="en-US" i="1" dirty="0"/>
+              <a:t>Example: If a program crashes, the OS sends it a signal to stop.</a:t>
+            </a:r>
+            <a:endParaRPr lang="en-US" dirty="0"/>
+          </a:p>
+          <a:p>
+            <a:r>
+              <a:rPr lang="en-US" b="1" dirty="0"/>
+              <a:t>6. Network Management</a:t>
+            </a:r>
+          </a:p>
+          <a:p>
+            <a:r>
+              <a:rPr lang="en-US" dirty="0"/>
+              <a:t>Manages internet and network connections, including sharing data between devices.</a:t>
+            </a:r>
+            <a:br>
+              <a:rPr lang="en-US" dirty="0"/>
+            </a:br>
+            <a:r>
+              <a:rPr lang="en-US" i="1" dirty="0"/>
+              <a:t>Example: Connecting to Wi-Fi or sharing files over a network.</a:t>
+            </a:r>
+            <a:endParaRPr lang="en-US" dirty="0"/>
+          </a:p>
+          <a:p>
+            <a:r>
+              <a:rPr lang="en-US" b="1" dirty="0"/>
+              <a:t>7. Security Management</a:t>
+            </a:r>
+          </a:p>
+          <a:p>
+            <a:r>
+              <a:rPr lang="en-US" dirty="0"/>
+              <a:t>Protects the system and data from unauthorized access or attacks.</a:t>
+            </a:r>
+            <a:br>
+              <a:rPr lang="en-US" dirty="0"/>
+            </a:br>
+            <a:r>
+              <a:rPr lang="en-US" i="1" dirty="0"/>
+              <a:t>Example: Asking for a password before installing software.</a:t>
+            </a:r>
+            <a:endParaRPr lang="en-US" dirty="0"/>
+          </a:p>
+          <a:p>
+            <a:r>
+              <a:rPr lang="en-US" b="1" dirty="0"/>
+              <a:t>8. I/O Device Management</a:t>
+            </a:r>
+          </a:p>
+          <a:p>
+            <a:r>
+              <a:rPr lang="en-US" dirty="0"/>
+              <a:t>Controls how the computer works with input (like keyboard and mouse) and output (like monitor and printer) devices.</a:t>
+            </a:r>
+            <a:br>
+              <a:rPr lang="en-US" dirty="0"/>
+            </a:br>
+            <a:r>
+              <a:rPr lang="en-US" i="1" dirty="0"/>
+              <a:t>Example: Letting you print a document or type on your keyboard.</a:t>
+            </a:r>
+            <a:endParaRPr lang="en-US" dirty="0"/>
+          </a:p>
+          <a:p>
+            <a:r>
+              <a:rPr lang="en-US" b="1" dirty="0"/>
+              <a:t>9. Secondary Storage Management</a:t>
+            </a:r>
+          </a:p>
+          <a:p>
+            <a:r>
+              <a:rPr lang="en-US" dirty="0"/>
+              <a:t>Handles hard drives or SSDs where data is stored long-term.</a:t>
+            </a:r>
+            <a:br>
+              <a:rPr lang="en-US" dirty="0"/>
+            </a:br>
+            <a:r>
+              <a:rPr lang="en-US" i="1" dirty="0"/>
+              <a:t>Example: Saving movies or photos on your disk drive.</a:t>
+            </a:r>
+            <a:endParaRPr lang="en-US" dirty="0"/>
+          </a:p>
+          <a:p>
+            <a:r>
+              <a:rPr lang="en-US" b="1" dirty="0"/>
+              <a:t>10. Main Memory Management</a:t>
+            </a:r>
+          </a:p>
+          <a:p>
+            <a:r>
+              <a:rPr lang="en-US" dirty="0"/>
+              <a:t>Manages RAM (temporary memory) so programs can run smoothly without interfering with each other.</a:t>
+            </a:r>
+            <a:br>
+              <a:rPr lang="en-US" dirty="0"/>
+            </a:br>
+            <a:r>
+              <a:rPr lang="en-US" i="1" dirty="0"/>
+              <a:t>Example: When you open multiple apps, the OS decides how much memory each one gets.</a:t>
+            </a:r>
+            <a:endParaRPr lang="en-US" dirty="0"/>
+          </a:p>
+          <a:p>
             <a:endParaRPr lang="en-US" dirty="0"/>
           </a:p>
         </p:txBody>
@@ -21825,7 +18828,7 @@
           <a:p>
             <a:fld id="{0FA2C36E-4514-46D1-9D76-0A014263E463}" type="slidenum">
               <a:rPr lang="en-US" smtClean="0"/>
-              <a:t>11</a:t>
+              <a:t>13</a:t>
             </a:fld>
             <a:endParaRPr lang="en-US"/>
           </a:p>
@@ -21844,115 +18847,7 @@
 </p:notes>
 </file>
 
-<file path=ppt/notesSlides/notesSlide11.xml><?xml version="1.0" encoding="utf-8"?>
-<p:notes xmlns:a="http://schemas.openxmlformats.org/drawingml/2006/main" xmlns:r="http://schemas.openxmlformats.org/officeDocument/2006/relationships" xmlns:p="http://schemas.openxmlformats.org/presentationml/2006/main">
-  <p:cSld>
-    <p:spTree>
-      <p:nvGrpSpPr>
-        <p:cNvPr id="1" name="">
-          <a:extLst>
-            <a:ext uri="{FF2B5EF4-FFF2-40B4-BE49-F238E27FC236}">
-              <a16:creationId xmlns:a16="http://schemas.microsoft.com/office/drawing/2014/main" id="{6FDA0289-7112-D702-3B6B-E1935F026B5C}"/>
-            </a:ext>
-          </a:extLst>
-        </p:cNvPr>
-        <p:cNvGrpSpPr/>
-        <p:nvPr/>
-      </p:nvGrpSpPr>
-      <p:grpSpPr>
-        <a:xfrm>
-          <a:off x="0" y="0"/>
-          <a:ext cx="0" cy="0"/>
-          <a:chOff x="0" y="0"/>
-          <a:chExt cx="0" cy="0"/>
-        </a:xfrm>
-      </p:grpSpPr>
-      <p:sp>
-        <p:nvSpPr>
-          <p:cNvPr id="2" name="Slide Image Placeholder 1">
-            <a:extLst>
-              <a:ext uri="{FF2B5EF4-FFF2-40B4-BE49-F238E27FC236}">
-                <a16:creationId xmlns:a16="http://schemas.microsoft.com/office/drawing/2014/main" id="{AC79690E-46B8-A81A-B6B8-8A39D43D94F2}"/>
-              </a:ext>
-            </a:extLst>
-          </p:cNvPr>
-          <p:cNvSpPr>
-            <a:spLocks noGrp="1" noRot="1" noChangeAspect="1"/>
-          </p:cNvSpPr>
-          <p:nvPr>
-            <p:ph type="sldImg"/>
-          </p:nvPr>
-        </p:nvSpPr>
-        <p:spPr/>
-      </p:sp>
-      <p:sp>
-        <p:nvSpPr>
-          <p:cNvPr id="3" name="Notes Placeholder 2">
-            <a:extLst>
-              <a:ext uri="{FF2B5EF4-FFF2-40B4-BE49-F238E27FC236}">
-                <a16:creationId xmlns:a16="http://schemas.microsoft.com/office/drawing/2014/main" id="{C351A274-1DD8-E440-20F5-D44417D3B3FD}"/>
-              </a:ext>
-            </a:extLst>
-          </p:cNvPr>
-          <p:cNvSpPr>
-            <a:spLocks noGrp="1"/>
-          </p:cNvSpPr>
-          <p:nvPr>
-            <p:ph type="body" idx="1"/>
-          </p:nvPr>
-        </p:nvSpPr>
-        <p:spPr/>
-        <p:txBody>
-          <a:bodyPr/>
-          <a:lstStyle/>
-          <a:p>
-            <a:endParaRPr lang="en-US" dirty="0"/>
-          </a:p>
-        </p:txBody>
-      </p:sp>
-      <p:sp>
-        <p:nvSpPr>
-          <p:cNvPr id="4" name="Slide Number Placeholder 3">
-            <a:extLst>
-              <a:ext uri="{FF2B5EF4-FFF2-40B4-BE49-F238E27FC236}">
-                <a16:creationId xmlns:a16="http://schemas.microsoft.com/office/drawing/2014/main" id="{995A7043-EBFE-EE7D-8DBB-91BF8597EB4D}"/>
-              </a:ext>
-            </a:extLst>
-          </p:cNvPr>
-          <p:cNvSpPr>
-            <a:spLocks noGrp="1"/>
-          </p:cNvSpPr>
-          <p:nvPr>
-            <p:ph type="sldNum" sz="quarter" idx="5"/>
-          </p:nvPr>
-        </p:nvSpPr>
-        <p:spPr/>
-        <p:txBody>
-          <a:bodyPr/>
-          <a:lstStyle/>
-          <a:p>
-            <a:fld id="{0FA2C36E-4514-46D1-9D76-0A014263E463}" type="slidenum">
-              <a:rPr lang="en-US" smtClean="0"/>
-              <a:t>12</a:t>
-            </a:fld>
-            <a:endParaRPr lang="en-US"/>
-          </a:p>
-        </p:txBody>
-      </p:sp>
-    </p:spTree>
-    <p:extLst>
-      <p:ext uri="{BB962C8B-B14F-4D97-AF65-F5344CB8AC3E}">
-        <p14:creationId xmlns:p14="http://schemas.microsoft.com/office/powerpoint/2010/main" val="1891256559"/>
-      </p:ext>
-    </p:extLst>
-  </p:cSld>
-  <p:clrMapOvr>
-    <a:masterClrMapping/>
-  </p:clrMapOvr>
-</p:notes>
-</file>
-
-<file path=ppt/notesSlides/notesSlide12.xml><?xml version="1.0" encoding="utf-8"?>
+<file path=ppt/notesSlides/notesSlide13.xml><?xml version="1.0" encoding="utf-8"?>
 <p:notes xmlns:a="http://schemas.openxmlformats.org/drawingml/2006/main" xmlns:r="http://schemas.openxmlformats.org/officeDocument/2006/relationships" xmlns:p="http://schemas.openxmlformats.org/presentationml/2006/main">
   <p:cSld>
     <p:spTree>
@@ -22017,7 +18912,7 @@
           <a:p>
             <a:fld id="{0FA2C36E-4514-46D1-9D76-0A014263E463}" type="slidenum">
               <a:rPr lang="en-US" smtClean="0"/>
-              <a:t>13</a:t>
+              <a:t>14</a:t>
             </a:fld>
             <a:endParaRPr lang="en-US"/>
           </a:p>
@@ -22539,7 +19434,7 @@
         <p:cNvPr id="1" name="">
           <a:extLst>
             <a:ext uri="{FF2B5EF4-FFF2-40B4-BE49-F238E27FC236}">
-              <a16:creationId xmlns:a16="http://schemas.microsoft.com/office/drawing/2014/main" id="{8DDD326F-2A98-CF13-3FF6-427218E8FF82}"/>
+              <a16:creationId xmlns:a16="http://schemas.microsoft.com/office/drawing/2014/main" id="{974781B5-DB6A-7F53-9659-3A07414BCF3C}"/>
             </a:ext>
           </a:extLst>
         </p:cNvPr>
@@ -22559,7 +19454,7 @@
           <p:cNvPr id="2" name="Slide Image Placeholder 1">
             <a:extLst>
               <a:ext uri="{FF2B5EF4-FFF2-40B4-BE49-F238E27FC236}">
-                <a16:creationId xmlns:a16="http://schemas.microsoft.com/office/drawing/2014/main" id="{0734689B-F865-332E-6CF7-CAEE2053952E}"/>
+                <a16:creationId xmlns:a16="http://schemas.microsoft.com/office/drawing/2014/main" id="{DE73A7F4-D524-E96E-FAEF-853BE43AF85B}"/>
               </a:ext>
             </a:extLst>
           </p:cNvPr>
@@ -22577,7 +19472,7 @@
           <p:cNvPr id="3" name="Notes Placeholder 2">
             <a:extLst>
               <a:ext uri="{FF2B5EF4-FFF2-40B4-BE49-F238E27FC236}">
-                <a16:creationId xmlns:a16="http://schemas.microsoft.com/office/drawing/2014/main" id="{B071C59E-0658-9DEF-7511-BF17DFCC744D}"/>
+                <a16:creationId xmlns:a16="http://schemas.microsoft.com/office/drawing/2014/main" id="{252BD2D4-1DAF-DDBE-4F1E-80D9A6D22E02}"/>
               </a:ext>
             </a:extLst>
           </p:cNvPr>
@@ -22602,7 +19497,7 @@
           <p:cNvPr id="4" name="Slide Number Placeholder 3">
             <a:extLst>
               <a:ext uri="{FF2B5EF4-FFF2-40B4-BE49-F238E27FC236}">
-                <a16:creationId xmlns:a16="http://schemas.microsoft.com/office/drawing/2014/main" id="{63AB4944-46F6-3320-F291-E78F975FC88A}"/>
+                <a16:creationId xmlns:a16="http://schemas.microsoft.com/office/drawing/2014/main" id="{1282FE68-BE7D-FF68-E17C-C6D971F310E5}"/>
               </a:ext>
             </a:extLst>
           </p:cNvPr>
@@ -22629,7 +19524,7 @@
     </p:spTree>
     <p:extLst>
       <p:ext uri="{BB962C8B-B14F-4D97-AF65-F5344CB8AC3E}">
-        <p14:creationId xmlns:p14="http://schemas.microsoft.com/office/powerpoint/2010/main" val="4220956070"/>
+        <p14:creationId xmlns:p14="http://schemas.microsoft.com/office/powerpoint/2010/main" val="4204620803"/>
       </p:ext>
     </p:extLst>
   </p:cSld>
@@ -22647,7 +19542,7 @@
         <p:cNvPr id="1" name="">
           <a:extLst>
             <a:ext uri="{FF2B5EF4-FFF2-40B4-BE49-F238E27FC236}">
-              <a16:creationId xmlns:a16="http://schemas.microsoft.com/office/drawing/2014/main" id="{37ACE535-F300-7B75-5A5A-A7EAA8721E90}"/>
+              <a16:creationId xmlns:a16="http://schemas.microsoft.com/office/drawing/2014/main" id="{0F958F2B-75BF-6F5D-60D4-678443755C02}"/>
             </a:ext>
           </a:extLst>
         </p:cNvPr>
@@ -22667,7 +19562,7 @@
           <p:cNvPr id="2" name="Slide Image Placeholder 1">
             <a:extLst>
               <a:ext uri="{FF2B5EF4-FFF2-40B4-BE49-F238E27FC236}">
-                <a16:creationId xmlns:a16="http://schemas.microsoft.com/office/drawing/2014/main" id="{18F503B3-E112-F4A7-98AC-D5A477F04A6A}"/>
+                <a16:creationId xmlns:a16="http://schemas.microsoft.com/office/drawing/2014/main" id="{9DFB56F6-1449-47C9-B050-60E49A882E87}"/>
               </a:ext>
             </a:extLst>
           </p:cNvPr>
@@ -22685,7 +19580,7 @@
           <p:cNvPr id="3" name="Notes Placeholder 2">
             <a:extLst>
               <a:ext uri="{FF2B5EF4-FFF2-40B4-BE49-F238E27FC236}">
-                <a16:creationId xmlns:a16="http://schemas.microsoft.com/office/drawing/2014/main" id="{23E672C1-B068-20FD-7B4D-A940BD6D7022}"/>
+                <a16:creationId xmlns:a16="http://schemas.microsoft.com/office/drawing/2014/main" id="{578E4A9D-33BB-64B1-4BD2-6276F077F77A}"/>
               </a:ext>
             </a:extLst>
           </p:cNvPr>
@@ -22710,7 +19605,7 @@
           <p:cNvPr id="4" name="Slide Number Placeholder 3">
             <a:extLst>
               <a:ext uri="{FF2B5EF4-FFF2-40B4-BE49-F238E27FC236}">
-                <a16:creationId xmlns:a16="http://schemas.microsoft.com/office/drawing/2014/main" id="{9C12AD9E-2C9E-7A85-7BC9-DD11040B319B}"/>
+                <a16:creationId xmlns:a16="http://schemas.microsoft.com/office/drawing/2014/main" id="{8ED834C0-712B-9F66-7183-4B34D926324A}"/>
               </a:ext>
             </a:extLst>
           </p:cNvPr>
@@ -22737,7 +19632,7 @@
     </p:spTree>
     <p:extLst>
       <p:ext uri="{BB962C8B-B14F-4D97-AF65-F5344CB8AC3E}">
-        <p14:creationId xmlns:p14="http://schemas.microsoft.com/office/powerpoint/2010/main" val="2727833496"/>
+        <p14:creationId xmlns:p14="http://schemas.microsoft.com/office/powerpoint/2010/main" val="2663866280"/>
       </p:ext>
     </p:extLst>
   </p:cSld>
@@ -22755,7 +19650,7 @@
         <p:cNvPr id="1" name="">
           <a:extLst>
             <a:ext uri="{FF2B5EF4-FFF2-40B4-BE49-F238E27FC236}">
-              <a16:creationId xmlns:a16="http://schemas.microsoft.com/office/drawing/2014/main" id="{963E88D7-8205-8B65-2DC5-1B159CE8C429}"/>
+              <a16:creationId xmlns:a16="http://schemas.microsoft.com/office/drawing/2014/main" id="{2FD2BEC3-3971-0F36-9E6C-9E877213C29D}"/>
             </a:ext>
           </a:extLst>
         </p:cNvPr>
@@ -22775,7 +19670,7 @@
           <p:cNvPr id="2" name="Slide Image Placeholder 1">
             <a:extLst>
               <a:ext uri="{FF2B5EF4-FFF2-40B4-BE49-F238E27FC236}">
-                <a16:creationId xmlns:a16="http://schemas.microsoft.com/office/drawing/2014/main" id="{E02F47EC-FE11-3D51-303A-22E0BE86A923}"/>
+                <a16:creationId xmlns:a16="http://schemas.microsoft.com/office/drawing/2014/main" id="{F06A375D-C7FF-C385-6FAF-785A88A811A8}"/>
               </a:ext>
             </a:extLst>
           </p:cNvPr>
@@ -22793,7 +19688,7 @@
           <p:cNvPr id="3" name="Notes Placeholder 2">
             <a:extLst>
               <a:ext uri="{FF2B5EF4-FFF2-40B4-BE49-F238E27FC236}">
-                <a16:creationId xmlns:a16="http://schemas.microsoft.com/office/drawing/2014/main" id="{30950B53-4B39-F7EC-EF42-EA91B6034B9B}"/>
+                <a16:creationId xmlns:a16="http://schemas.microsoft.com/office/drawing/2014/main" id="{59A0841A-4910-08C3-E49B-97AFF2249282}"/>
               </a:ext>
             </a:extLst>
           </p:cNvPr>
@@ -22818,7 +19713,7 @@
           <p:cNvPr id="4" name="Slide Number Placeholder 3">
             <a:extLst>
               <a:ext uri="{FF2B5EF4-FFF2-40B4-BE49-F238E27FC236}">
-                <a16:creationId xmlns:a16="http://schemas.microsoft.com/office/drawing/2014/main" id="{FD34EF60-B782-6CFB-A342-CA62E5DC82C5}"/>
+                <a16:creationId xmlns:a16="http://schemas.microsoft.com/office/drawing/2014/main" id="{C6C7BF74-C024-577B-B9AC-32561F3EE323}"/>
               </a:ext>
             </a:extLst>
           </p:cNvPr>
@@ -22845,7 +19740,7 @@
     </p:spTree>
     <p:extLst>
       <p:ext uri="{BB962C8B-B14F-4D97-AF65-F5344CB8AC3E}">
-        <p14:creationId xmlns:p14="http://schemas.microsoft.com/office/powerpoint/2010/main" val="104467116"/>
+        <p14:creationId xmlns:p14="http://schemas.microsoft.com/office/powerpoint/2010/main" val="1507119287"/>
       </p:ext>
     </p:extLst>
   </p:cSld>
@@ -23034,7 +19929,7 @@
           <a:p>
             <a:fld id="{5BCAD085-E8A6-8845-BD4E-CB4CCA059FC4}" type="datetimeFigureOut">
               <a:rPr lang="en-US" smtClean="0"/>
-              <a:t>7/19/2025</a:t>
+              <a:t>8/5/2025</a:t>
             </a:fld>
             <a:endParaRPr lang="en-US"/>
           </a:p>
@@ -23202,7 +20097,7 @@
           <a:p>
             <a:fld id="{5BCAD085-E8A6-8845-BD4E-CB4CCA059FC4}" type="datetimeFigureOut">
               <a:rPr lang="en-US" smtClean="0"/>
-              <a:t>7/19/2025</a:t>
+              <a:t>8/5/2025</a:t>
             </a:fld>
             <a:endParaRPr lang="en-US"/>
           </a:p>
@@ -23380,7 +20275,7 @@
           <a:p>
             <a:fld id="{5BCAD085-E8A6-8845-BD4E-CB4CCA059FC4}" type="datetimeFigureOut">
               <a:rPr lang="en-US" smtClean="0"/>
-              <a:t>7/19/2025</a:t>
+              <a:t>8/5/2025</a:t>
             </a:fld>
             <a:endParaRPr lang="en-US"/>
           </a:p>
@@ -23548,7 +20443,7 @@
           <a:p>
             <a:fld id="{5BCAD085-E8A6-8845-BD4E-CB4CCA059FC4}" type="datetimeFigureOut">
               <a:rPr lang="en-US" smtClean="0"/>
-              <a:t>7/19/2025</a:t>
+              <a:t>8/5/2025</a:t>
             </a:fld>
             <a:endParaRPr lang="en-US"/>
           </a:p>
@@ -23793,7 +20688,7 @@
           <a:p>
             <a:fld id="{5BCAD085-E8A6-8845-BD4E-CB4CCA059FC4}" type="datetimeFigureOut">
               <a:rPr lang="en-US" smtClean="0"/>
-              <a:t>7/19/2025</a:t>
+              <a:t>8/5/2025</a:t>
             </a:fld>
             <a:endParaRPr lang="en-US"/>
           </a:p>
@@ -24078,7 +20973,7 @@
           <a:p>
             <a:fld id="{5BCAD085-E8A6-8845-BD4E-CB4CCA059FC4}" type="datetimeFigureOut">
               <a:rPr lang="en-US" smtClean="0"/>
-              <a:t>7/19/2025</a:t>
+              <a:t>8/5/2025</a:t>
             </a:fld>
             <a:endParaRPr lang="en-US"/>
           </a:p>
@@ -24497,7 +21392,7 @@
           <a:p>
             <a:fld id="{5BCAD085-E8A6-8845-BD4E-CB4CCA059FC4}" type="datetimeFigureOut">
               <a:rPr lang="en-US" smtClean="0"/>
-              <a:t>7/19/2025</a:t>
+              <a:t>8/5/2025</a:t>
             </a:fld>
             <a:endParaRPr lang="en-US"/>
           </a:p>
@@ -24614,7 +21509,7 @@
           <a:p>
             <a:fld id="{5BCAD085-E8A6-8845-BD4E-CB4CCA059FC4}" type="datetimeFigureOut">
               <a:rPr lang="en-US" smtClean="0"/>
-              <a:t>7/19/2025</a:t>
+              <a:t>8/5/2025</a:t>
             </a:fld>
             <a:endParaRPr lang="en-US"/>
           </a:p>
@@ -24709,7 +21604,7 @@
           <a:p>
             <a:fld id="{5BCAD085-E8A6-8845-BD4E-CB4CCA059FC4}" type="datetimeFigureOut">
               <a:rPr lang="en-US" smtClean="0"/>
-              <a:t>7/19/2025</a:t>
+              <a:t>8/5/2025</a:t>
             </a:fld>
             <a:endParaRPr lang="en-US"/>
           </a:p>
@@ -24984,7 +21879,7 @@
           <a:p>
             <a:fld id="{5BCAD085-E8A6-8845-BD4E-CB4CCA059FC4}" type="datetimeFigureOut">
               <a:rPr lang="en-US" smtClean="0"/>
-              <a:t>7/19/2025</a:t>
+              <a:t>8/5/2025</a:t>
             </a:fld>
             <a:endParaRPr lang="en-US"/>
           </a:p>
@@ -25236,7 +22131,7 @@
           <a:p>
             <a:fld id="{5BCAD085-E8A6-8845-BD4E-CB4CCA059FC4}" type="datetimeFigureOut">
               <a:rPr lang="en-US" smtClean="0"/>
-              <a:t>7/19/2025</a:t>
+              <a:t>8/5/2025</a:t>
             </a:fld>
             <a:endParaRPr lang="en-US"/>
           </a:p>
@@ -25447,7 +22342,7 @@
           <a:p>
             <a:fld id="{5BCAD085-E8A6-8845-BD4E-CB4CCA059FC4}" type="datetimeFigureOut">
               <a:rPr lang="en-US" smtClean="0"/>
-              <a:t>7/19/2025</a:t>
+              <a:t>8/5/2025</a:t>
             </a:fld>
             <a:endParaRPr lang="en-US"/>
           </a:p>
@@ -26418,7 +23313,7 @@
         <p:cNvPr id="1" name="">
           <a:extLst>
             <a:ext uri="{FF2B5EF4-FFF2-40B4-BE49-F238E27FC236}">
-              <a16:creationId xmlns:a16="http://schemas.microsoft.com/office/drawing/2014/main" id="{C3F76BF1-F2A3-774F-B327-25077B3CCDD5}"/>
+              <a16:creationId xmlns:a16="http://schemas.microsoft.com/office/drawing/2014/main" id="{3EE8078D-95DC-B6A4-A16E-D412DF2C2763}"/>
             </a:ext>
           </a:extLst>
         </p:cNvPr>
@@ -26435,10 +23330,10 @@
       </p:grpSpPr>
       <p:sp useBgFill="1">
         <p:nvSpPr>
-          <p:cNvPr id="64" name="Slide Background">
+          <p:cNvPr id="29" name="Rectangle 28">
             <a:extLst>
               <a:ext uri="{FF2B5EF4-FFF2-40B4-BE49-F238E27FC236}">
-                <a16:creationId xmlns:a16="http://schemas.microsoft.com/office/drawing/2014/main" id="{649C91A9-84E7-4BF0-9026-62F01380D853}"/>
+                <a16:creationId xmlns:a16="http://schemas.microsoft.com/office/drawing/2014/main" id="{07F35024-E45C-1F4A-A72A-C769FA9D30FF}"/>
               </a:ext>
               <a:ext uri="{C183D7F6-B498-43B3-948B-1728B52AA6E4}">
                 <adec:decorative xmlns:adec="http://schemas.microsoft.com/office/drawing/2017/decorative" val="1"/>
@@ -26459,7 +23354,7 @@
         <p:spPr bwMode="white">
           <a:xfrm>
             <a:off x="0" y="0"/>
-            <a:ext cx="9143998" cy="6858000"/>
+            <a:ext cx="9144000" cy="6858000"/>
           </a:xfrm>
           <a:prstGeom prst="rect">
             <a:avLst/>
@@ -26589,121 +23484,10 @@
       </p:sp>
       <p:sp>
         <p:nvSpPr>
-          <p:cNvPr id="2" name="Title 1">
+          <p:cNvPr id="31" name="Arc 30">
             <a:extLst>
               <a:ext uri="{FF2B5EF4-FFF2-40B4-BE49-F238E27FC236}">
-                <a16:creationId xmlns:a16="http://schemas.microsoft.com/office/drawing/2014/main" id="{8EB81693-9AF7-FABA-BA9B-707393D01532}"/>
-              </a:ext>
-            </a:extLst>
-          </p:cNvPr>
-          <p:cNvSpPr>
-            <a:spLocks noGrp="1"/>
-          </p:cNvSpPr>
-          <p:nvPr>
-            <p:ph type="title"/>
-          </p:nvPr>
-        </p:nvSpPr>
-        <p:spPr>
-          <a:xfrm>
-            <a:off x="571351" y="762001"/>
-            <a:ext cx="3060272" cy="1708242"/>
-          </a:xfrm>
-        </p:spPr>
-        <p:txBody>
-          <a:bodyPr vert="horz" lIns="91440" tIns="45720" rIns="91440" bIns="45720" rtlCol="0" anchor="ctr">
-            <a:normAutofit/>
-          </a:bodyPr>
-          <a:lstStyle/>
-          <a:p>
-            <a:pPr algn="l" defTabSz="914400">
-              <a:lnSpc>
-                <a:spcPct val="90000"/>
-              </a:lnSpc>
-            </a:pPr>
-            <a:r>
-              <a:rPr lang="en-US" sz="3500" dirty="0"/>
-              <a:t>W</a:t>
-            </a:r>
-            <a:r>
-              <a:rPr lang="en-US" sz="3500" kern="1200" dirty="0">
-                <a:solidFill>
-                  <a:schemeClr val="tx1"/>
-                </a:solidFill>
-                <a:latin typeface="+mj-lt"/>
-                <a:ea typeface="+mj-ea"/>
-                <a:cs typeface="+mj-cs"/>
-              </a:rPr>
-              <a:t>hat is MS DOS</a:t>
-            </a:r>
-          </a:p>
-        </p:txBody>
-      </p:sp>
-      <p:sp>
-        <p:nvSpPr>
-          <p:cNvPr id="4" name="TextBox 3">
-            <a:extLst>
-              <a:ext uri="{FF2B5EF4-FFF2-40B4-BE49-F238E27FC236}">
-                <a16:creationId xmlns:a16="http://schemas.microsoft.com/office/drawing/2014/main" id="{5C88B7B0-D96E-0216-4F71-F161D9B95847}"/>
-              </a:ext>
-            </a:extLst>
-          </p:cNvPr>
-          <p:cNvSpPr txBox="1"/>
-          <p:nvPr/>
-        </p:nvSpPr>
-        <p:spPr>
-          <a:xfrm>
-            <a:off x="571352" y="2470244"/>
-            <a:ext cx="3060271" cy="3769834"/>
-          </a:xfrm>
-          <a:prstGeom prst="rect">
-            <a:avLst/>
-          </a:prstGeom>
-        </p:spPr>
-        <p:txBody>
-          <a:bodyPr vert="horz" lIns="91440" tIns="45720" rIns="91440" bIns="45720" rtlCol="0" anchor="ctr">
-            <a:normAutofit/>
-          </a:bodyPr>
-          <a:lstStyle/>
-          <a:p>
-            <a:pPr indent="-228600" defTabSz="914400">
-              <a:lnSpc>
-                <a:spcPct val="90000"/>
-              </a:lnSpc>
-              <a:spcAft>
-                <a:spcPts val="600"/>
-              </a:spcAft>
-              <a:buFont typeface="Arial" panose="020B0604020202020204" pitchFamily="34" charset="0"/>
-              <a:buChar char="•"/>
-            </a:pPr>
-            <a:r>
-              <a:rPr lang="en-US" sz="1700"/>
-              <a:t>stands for </a:t>
-            </a:r>
-            <a:r>
-              <a:rPr lang="en-US" sz="1700" b="1"/>
-              <a:t>Microsoft Disk Operating System</a:t>
-            </a:r>
-            <a:r>
-              <a:rPr lang="en-US" sz="1700"/>
-              <a:t>. It was an </a:t>
-            </a:r>
-            <a:r>
-              <a:rPr lang="en-US" sz="1700" b="1"/>
-              <a:t>earlier, text-based operating system</a:t>
-            </a:r>
-            <a:r>
-              <a:rPr lang="en-US" sz="1700"/>
-              <a:t> developed by Microsoft. It was the dominant operating system for personal computers (PCs) from the early 1980s until Windows took over in the mid-1990s.</a:t>
-            </a:r>
-          </a:p>
-        </p:txBody>
-      </p:sp>
-      <p:sp>
-        <p:nvSpPr>
-          <p:cNvPr id="66" name="Rectangle 65">
-            <a:extLst>
-              <a:ext uri="{FF2B5EF4-FFF2-40B4-BE49-F238E27FC236}">
-                <a16:creationId xmlns:a16="http://schemas.microsoft.com/office/drawing/2014/main" id="{9B47378D-AD27-45D0-8C1C-5B1098DCC068}"/>
+                <a16:creationId xmlns:a16="http://schemas.microsoft.com/office/drawing/2014/main" id="{FB43514C-9D37-8873-81B3-C979AF590CAB}"/>
               </a:ext>
               <a:ext uri="{C183D7F6-B498-43B3-948B-1728B52AA6E4}">
                 <adec:decorative xmlns:adec="http://schemas.microsoft.com/office/drawing/2017/decorative" val="1"/>
@@ -26722,26 +23506,508 @@
           </p:nvPr>
         </p:nvSpPr>
         <p:spPr>
+          <a:xfrm rot="3967198" flipH="1">
+            <a:off x="6100024" y="863980"/>
+            <a:ext cx="2987899" cy="2240924"/>
+          </a:xfrm>
+          <a:prstGeom prst="arc">
+            <a:avLst>
+              <a:gd name="adj1" fmla="val 14441841"/>
+              <a:gd name="adj2" fmla="val 0"/>
+            </a:avLst>
+          </a:prstGeom>
+          <a:ln w="127000" cap="rnd">
+            <a:solidFill>
+              <a:schemeClr val="accent4"/>
+            </a:solidFill>
+            <a:prstDash val="dash"/>
+            <a:miter lim="800000"/>
+          </a:ln>
+        </p:spPr>
+        <p:style>
+          <a:lnRef idx="1">
+            <a:schemeClr val="accent1"/>
+          </a:lnRef>
+          <a:fillRef idx="0">
+            <a:schemeClr val="accent1"/>
+          </a:fillRef>
+          <a:effectRef idx="0">
+            <a:schemeClr val="accent1"/>
+          </a:effectRef>
+          <a:fontRef idx="minor">
+            <a:schemeClr val="tx1"/>
+          </a:fontRef>
+        </p:style>
+        <p:txBody>
+          <a:bodyPr rtlCol="0" anchor="ctr"/>
+          <a:lstStyle/>
+          <a:p>
+            <a:pPr marL="0" marR="0" lvl="0" indent="0" algn="ctr" defTabSz="914400" rtl="0" eaLnBrk="1" fontAlgn="auto" latinLnBrk="0" hangingPunct="1">
+              <a:lnSpc>
+                <a:spcPct val="100000"/>
+              </a:lnSpc>
+              <a:spcBef>
+                <a:spcPts val="0"/>
+              </a:spcBef>
+              <a:spcAft>
+                <a:spcPts val="0"/>
+              </a:spcAft>
+              <a:buClrTx/>
+              <a:buSzTx/>
+              <a:buFontTx/>
+              <a:buNone/>
+              <a:tabLst/>
+              <a:defRPr/>
+            </a:pPr>
+            <a:endParaRPr kumimoji="0" lang="en-US" sz="1800" b="0" i="0" u="none" strike="noStrike" kern="1200" cap="none" spc="0" normalizeH="0" baseline="0" noProof="0">
+              <a:ln>
+                <a:noFill/>
+              </a:ln>
+              <a:solidFill>
+                <a:srgbClr val="000000"/>
+              </a:solidFill>
+              <a:effectLst/>
+              <a:uLnTx/>
+              <a:uFillTx/>
+              <a:latin typeface="Calibri" panose="020F0502020204030204"/>
+              <a:ea typeface="+mn-ea"/>
+              <a:cs typeface="+mn-cs"/>
+            </a:endParaRPr>
+          </a:p>
+        </p:txBody>
+      </p:sp>
+      <p:sp>
+        <p:nvSpPr>
+          <p:cNvPr id="2" name="Title 1">
+            <a:extLst>
+              <a:ext uri="{FF2B5EF4-FFF2-40B4-BE49-F238E27FC236}">
+                <a16:creationId xmlns:a16="http://schemas.microsoft.com/office/drawing/2014/main" id="{1BA92C5D-E1F7-F79C-E033-0A327E373D69}"/>
+              </a:ext>
+            </a:extLst>
+          </p:cNvPr>
+          <p:cNvSpPr>
+            <a:spLocks noGrp="1"/>
+          </p:cNvSpPr>
+          <p:nvPr>
+            <p:ph type="title"/>
+          </p:nvPr>
+        </p:nvSpPr>
+        <p:spPr>
           <a:xfrm>
-            <a:off x="4057650" y="0"/>
-            <a:ext cx="5086349" cy="6858000"/>
+            <a:off x="208929" y="990389"/>
+            <a:ext cx="8840942" cy="1325563"/>
+          </a:xfrm>
+        </p:spPr>
+        <p:txBody>
+          <a:bodyPr vert="horz" lIns="91440" tIns="45720" rIns="91440" bIns="45720" rtlCol="0" anchor="ctr">
+            <a:normAutofit/>
+          </a:bodyPr>
+          <a:lstStyle/>
+          <a:p>
+            <a:pPr defTabSz="914400">
+              <a:lnSpc>
+                <a:spcPct val="90000"/>
+              </a:lnSpc>
+            </a:pPr>
+            <a:r>
+              <a:rPr lang="en-US" b="1" dirty="0"/>
+              <a:t>Key Features of Client Operating System</a:t>
+            </a:r>
+            <a:endParaRPr lang="en-US" b="1" kern="1200" dirty="0">
+              <a:solidFill>
+                <a:schemeClr val="tx1"/>
+              </a:solidFill>
+              <a:latin typeface="+mj-lt"/>
+              <a:ea typeface="+mj-ea"/>
+              <a:cs typeface="+mj-cs"/>
+            </a:endParaRPr>
+          </a:p>
+        </p:txBody>
+      </p:sp>
+      <p:sp>
+        <p:nvSpPr>
+          <p:cNvPr id="33" name="Freeform: Shape 32">
+            <a:extLst>
+              <a:ext uri="{FF2B5EF4-FFF2-40B4-BE49-F238E27FC236}">
+                <a16:creationId xmlns:a16="http://schemas.microsoft.com/office/drawing/2014/main" id="{947747D3-1AA5-0E79-9113-C5295AADCFFF}"/>
+              </a:ext>
+              <a:ext uri="{C183D7F6-B498-43B3-948B-1728B52AA6E4}">
+                <adec:decorative xmlns:adec="http://schemas.microsoft.com/office/drawing/2017/decorative" val="1"/>
+              </a:ext>
+            </a:extLst>
+          </p:cNvPr>
+          <p:cNvSpPr>
+            <a:spLocks noGrp="1" noRot="1" noChangeAspect="1" noMove="1" noResize="1" noEditPoints="1" noAdjustHandles="1" noChangeArrowheads="1" noChangeShapeType="1" noTextEdit="1"/>
+          </p:cNvSpPr>
+          <p:nvPr>
+            <p:extLst>
+              <p:ext uri="{386F3935-93C4-4BCD-93E2-E3B085C9AB24}">
+                <p16:designElem xmlns:p16="http://schemas.microsoft.com/office/powerpoint/2015/main" val="1"/>
+              </p:ext>
+            </p:extLst>
+          </p:nvPr>
+        </p:nvSpPr>
+        <p:spPr>
+          <a:xfrm flipH="1">
+            <a:off x="0" y="5486400"/>
+            <a:ext cx="2004647" cy="1371600"/>
+          </a:xfrm>
+          <a:custGeom>
+            <a:avLst/>
+            <a:gdLst>
+              <a:gd name="connsiteX0" fmla="*/ 1721734 w 2672863"/>
+              <a:gd name="connsiteY0" fmla="*/ 0 h 1371600"/>
+              <a:gd name="connsiteX1" fmla="*/ 2564444 w 2672863"/>
+              <a:gd name="connsiteY1" fmla="*/ 213382 h 1371600"/>
+              <a:gd name="connsiteX2" fmla="*/ 2672863 w 2672863"/>
+              <a:gd name="connsiteY2" fmla="*/ 279248 h 1371600"/>
+              <a:gd name="connsiteX3" fmla="*/ 2672863 w 2672863"/>
+              <a:gd name="connsiteY3" fmla="*/ 1371600 h 1371600"/>
+              <a:gd name="connsiteX4" fmla="*/ 0 w 2672863"/>
+              <a:gd name="connsiteY4" fmla="*/ 1371600 h 1371600"/>
+              <a:gd name="connsiteX5" fmla="*/ 33268 w 2672863"/>
+              <a:gd name="connsiteY5" fmla="*/ 1242216 h 1371600"/>
+              <a:gd name="connsiteX6" fmla="*/ 1721734 w 2672863"/>
+              <a:gd name="connsiteY6" fmla="*/ 0 h 1371600"/>
+            </a:gdLst>
+            <a:ahLst/>
+            <a:cxnLst>
+              <a:cxn ang="0">
+                <a:pos x="connsiteX0" y="connsiteY0"/>
+              </a:cxn>
+              <a:cxn ang="0">
+                <a:pos x="connsiteX1" y="connsiteY1"/>
+              </a:cxn>
+              <a:cxn ang="0">
+                <a:pos x="connsiteX2" y="connsiteY2"/>
+              </a:cxn>
+              <a:cxn ang="0">
+                <a:pos x="connsiteX3" y="connsiteY3"/>
+              </a:cxn>
+              <a:cxn ang="0">
+                <a:pos x="connsiteX4" y="connsiteY4"/>
+              </a:cxn>
+              <a:cxn ang="0">
+                <a:pos x="connsiteX5" y="connsiteY5"/>
+              </a:cxn>
+              <a:cxn ang="0">
+                <a:pos x="connsiteX6" y="connsiteY6"/>
+              </a:cxn>
+            </a:cxnLst>
+            <a:rect l="l" t="t" r="r" b="b"/>
+            <a:pathLst>
+              <a:path w="2672863" h="1371600">
+                <a:moveTo>
+                  <a:pt x="1721734" y="0"/>
+                </a:moveTo>
+                <a:cubicBezTo>
+                  <a:pt x="2026863" y="0"/>
+                  <a:pt x="2313937" y="77299"/>
+                  <a:pt x="2564444" y="213382"/>
+                </a:cubicBezTo>
+                <a:lnTo>
+                  <a:pt x="2672863" y="279248"/>
+                </a:lnTo>
+                <a:lnTo>
+                  <a:pt x="2672863" y="1371600"/>
+                </a:lnTo>
+                <a:lnTo>
+                  <a:pt x="0" y="1371600"/>
+                </a:lnTo>
+                <a:lnTo>
+                  <a:pt x="33268" y="1242216"/>
+                </a:lnTo>
+                <a:cubicBezTo>
+                  <a:pt x="257110" y="522539"/>
+                  <a:pt x="928399" y="0"/>
+                  <a:pt x="1721734" y="0"/>
+                </a:cubicBezTo>
+                <a:close/>
+              </a:path>
+            </a:pathLst>
+          </a:custGeom>
+          <a:solidFill>
+            <a:schemeClr val="accent4"/>
+          </a:solidFill>
+          <a:ln>
+            <a:noFill/>
+          </a:ln>
+        </p:spPr>
+        <p:style>
+          <a:lnRef idx="2">
+            <a:schemeClr val="accent1">
+              <a:shade val="50000"/>
+            </a:schemeClr>
+          </a:lnRef>
+          <a:fillRef idx="1">
+            <a:schemeClr val="accent1"/>
+          </a:fillRef>
+          <a:effectRef idx="0">
+            <a:schemeClr val="accent1"/>
+          </a:effectRef>
+          <a:fontRef idx="minor">
+            <a:schemeClr val="lt1"/>
+          </a:fontRef>
+        </p:style>
+        <p:txBody>
+          <a:bodyPr wrap="square" rtlCol="0" anchor="ctr">
+            <a:noAutofit/>
+          </a:bodyPr>
+          <a:lstStyle/>
+          <a:p>
+            <a:pPr algn="ctr"/>
+            <a:endParaRPr lang="en-US"/>
+          </a:p>
+        </p:txBody>
+      </p:sp>
+      <p:grpSp>
+        <p:nvGrpSpPr>
+          <p:cNvPr id="4" name="Group 3">
+            <a:extLst>
+              <a:ext uri="{FF2B5EF4-FFF2-40B4-BE49-F238E27FC236}">
+                <a16:creationId xmlns:a16="http://schemas.microsoft.com/office/drawing/2014/main" id="{95AE82C3-6371-4B28-A9FB-30501B677D2E}"/>
+              </a:ext>
+            </a:extLst>
+          </p:cNvPr>
+          <p:cNvGrpSpPr/>
+          <p:nvPr/>
+        </p:nvGrpSpPr>
+        <p:grpSpPr>
+          <a:xfrm>
+            <a:off x="418323" y="2457726"/>
+            <a:ext cx="7649911" cy="3264207"/>
+            <a:chOff x="418323" y="1281341"/>
+            <a:chExt cx="7649911" cy="3264207"/>
+          </a:xfrm>
+        </p:grpSpPr>
+        <p:sp>
+          <p:nvSpPr>
+            <p:cNvPr id="10" name="TextBox 9">
+              <a:extLst>
+                <a:ext uri="{FF2B5EF4-FFF2-40B4-BE49-F238E27FC236}">
+                  <a16:creationId xmlns:a16="http://schemas.microsoft.com/office/drawing/2014/main" id="{B2CC5C7C-4013-2A45-11FF-0656EBDBCCD6}"/>
+                </a:ext>
+              </a:extLst>
+            </p:cNvPr>
+            <p:cNvSpPr txBox="1"/>
+            <p:nvPr/>
+          </p:nvSpPr>
+          <p:spPr>
+            <a:xfrm>
+              <a:off x="857936" y="1281341"/>
+              <a:ext cx="6995146" cy="2147659"/>
+            </a:xfrm>
+            <a:prstGeom prst="rect">
+              <a:avLst/>
+            </a:prstGeom>
+          </p:spPr>
+          <p:txBody>
+            <a:bodyPr vert="horz" lIns="91440" tIns="45720" rIns="91440" bIns="45720" rtlCol="0">
+              <a:normAutofit lnSpcReduction="10000"/>
+            </a:bodyPr>
+            <a:lstStyle/>
+            <a:p>
+              <a:pPr marL="457200" indent="-457200" algn="just" defTabSz="914400">
+                <a:lnSpc>
+                  <a:spcPct val="90000"/>
+                </a:lnSpc>
+                <a:spcAft>
+                  <a:spcPts val="600"/>
+                </a:spcAft>
+                <a:buFont typeface="Arial" panose="020B0604020202020204" pitchFamily="34" charset="0"/>
+                <a:buChar char="•"/>
+              </a:pPr>
+              <a:r>
+                <a:rPr lang="en-US" sz="2800" dirty="0"/>
+                <a:t>Graphical user interface (GUI) for user friendliness</a:t>
+              </a:r>
+            </a:p>
+            <a:p>
+              <a:pPr marL="457200" indent="-457200" algn="just" defTabSz="914400">
+                <a:lnSpc>
+                  <a:spcPct val="90000"/>
+                </a:lnSpc>
+                <a:spcAft>
+                  <a:spcPts val="600"/>
+                </a:spcAft>
+                <a:buFont typeface="Arial" panose="020B0604020202020204" pitchFamily="34" charset="0"/>
+                <a:buChar char="•"/>
+              </a:pPr>
+              <a:r>
+                <a:rPr lang="en-US" sz="2800" dirty="0"/>
+                <a:t>Compatible with multimedia, productivity and gaming.</a:t>
+              </a:r>
+            </a:p>
+            <a:p>
+              <a:pPr marL="457200" indent="-457200" algn="just" defTabSz="914400">
+                <a:lnSpc>
+                  <a:spcPct val="90000"/>
+                </a:lnSpc>
+                <a:spcAft>
+                  <a:spcPts val="600"/>
+                </a:spcAft>
+                <a:buFont typeface="Arial" panose="020B0604020202020204" pitchFamily="34" charset="0"/>
+                <a:buChar char="•"/>
+              </a:pPr>
+              <a:r>
+                <a:rPr lang="en-US" sz="2800" dirty="0"/>
+                <a:t>Design for single user.</a:t>
+              </a:r>
+            </a:p>
+            <a:p>
+              <a:pPr marL="457200" indent="-457200" algn="just" defTabSz="914400">
+                <a:lnSpc>
+                  <a:spcPct val="90000"/>
+                </a:lnSpc>
+                <a:spcAft>
+                  <a:spcPts val="600"/>
+                </a:spcAft>
+                <a:buFont typeface="Arial" panose="020B0604020202020204" pitchFamily="34" charset="0"/>
+                <a:buChar char="•"/>
+              </a:pPr>
+              <a:endParaRPr lang="en-US" sz="2800" dirty="0"/>
+            </a:p>
+          </p:txBody>
+        </p:sp>
+        <p:sp>
+          <p:nvSpPr>
+            <p:cNvPr id="3" name="Title 1">
+              <a:extLst>
+                <a:ext uri="{FF2B5EF4-FFF2-40B4-BE49-F238E27FC236}">
+                  <a16:creationId xmlns:a16="http://schemas.microsoft.com/office/drawing/2014/main" id="{79B9CFC2-27BA-550C-70F0-3AA65BC4B2CA}"/>
+                </a:ext>
+              </a:extLst>
+            </p:cNvPr>
+            <p:cNvSpPr txBox="1">
+              <a:spLocks/>
+            </p:cNvSpPr>
+            <p:nvPr/>
+          </p:nvSpPr>
+          <p:spPr>
+            <a:xfrm>
+              <a:off x="418323" y="3219985"/>
+              <a:ext cx="7649911" cy="1325563"/>
+            </a:xfrm>
+            <a:prstGeom prst="rect">
+              <a:avLst/>
+            </a:prstGeom>
+          </p:spPr>
+          <p:txBody>
+            <a:bodyPr vert="horz" lIns="91440" tIns="45720" rIns="91440" bIns="45720" rtlCol="0" anchor="ctr">
+              <a:normAutofit/>
+            </a:bodyPr>
+            <a:lstStyle>
+              <a:lvl1pPr algn="ctr" defTabSz="457200" rtl="0" eaLnBrk="1" latinLnBrk="0" hangingPunct="1">
+                <a:spcBef>
+                  <a:spcPct val="0"/>
+                </a:spcBef>
+                <a:buNone/>
+                <a:defRPr sz="4400" kern="1200">
+                  <a:solidFill>
+                    <a:schemeClr val="tx1"/>
+                  </a:solidFill>
+                  <a:latin typeface="+mj-lt"/>
+                  <a:ea typeface="+mj-ea"/>
+                  <a:cs typeface="+mj-cs"/>
+                </a:defRPr>
+              </a:lvl1pPr>
+            </a:lstStyle>
+            <a:p>
+              <a:pPr algn="l" defTabSz="914400">
+                <a:lnSpc>
+                  <a:spcPct val="90000"/>
+                </a:lnSpc>
+              </a:pPr>
+              <a:r>
+                <a:rPr lang="en-US" sz="1800" i="1" dirty="0"/>
+                <a:t>Examples: </a:t>
+              </a:r>
+              <a:r>
+                <a:rPr lang="en-US" sz="1800" dirty="0"/>
+                <a:t>Windows, Kali Linux, Mac OS</a:t>
+              </a:r>
+            </a:p>
+          </p:txBody>
+        </p:sp>
+      </p:grpSp>
+    </p:spTree>
+    <p:extLst>
+      <p:ext uri="{BB962C8B-B14F-4D97-AF65-F5344CB8AC3E}">
+        <p14:creationId xmlns:p14="http://schemas.microsoft.com/office/powerpoint/2010/main" val="911639151"/>
+      </p:ext>
+    </p:extLst>
+  </p:cSld>
+  <p:clrMapOvr>
+    <a:masterClrMapping/>
+  </p:clrMapOvr>
+</p:sld>
+</file>
+
+<file path=ppt/slides/slide11.xml><?xml version="1.0" encoding="utf-8"?>
+<p:sld xmlns:a="http://schemas.openxmlformats.org/drawingml/2006/main" xmlns:r="http://schemas.openxmlformats.org/officeDocument/2006/relationships" xmlns:p="http://schemas.openxmlformats.org/presentationml/2006/main">
+  <p:cSld>
+    <p:bg>
+      <p:bgPr>
+        <a:solidFill>
+          <a:schemeClr val="bg1"/>
+        </a:solidFill>
+        <a:effectLst/>
+      </p:bgPr>
+    </p:bg>
+    <p:spTree>
+      <p:nvGrpSpPr>
+        <p:cNvPr id="1" name="">
+          <a:extLst>
+            <a:ext uri="{FF2B5EF4-FFF2-40B4-BE49-F238E27FC236}">
+              <a16:creationId xmlns:a16="http://schemas.microsoft.com/office/drawing/2014/main" id="{0FE944DF-F5F2-D204-F450-D49EF2316BF6}"/>
+            </a:ext>
+          </a:extLst>
+        </p:cNvPr>
+        <p:cNvGrpSpPr/>
+        <p:nvPr/>
+      </p:nvGrpSpPr>
+      <p:grpSpPr>
+        <a:xfrm>
+          <a:off x="0" y="0"/>
+          <a:ext cx="0" cy="0"/>
+          <a:chOff x="0" y="0"/>
+          <a:chExt cx="0" cy="0"/>
+        </a:xfrm>
+      </p:grpSpPr>
+      <p:sp useBgFill="1">
+        <p:nvSpPr>
+          <p:cNvPr id="29" name="Rectangle 28">
+            <a:extLst>
+              <a:ext uri="{FF2B5EF4-FFF2-40B4-BE49-F238E27FC236}">
+                <a16:creationId xmlns:a16="http://schemas.microsoft.com/office/drawing/2014/main" id="{C3CBDA4F-99D1-543F-340D-35D1397D2E7C}"/>
+              </a:ext>
+              <a:ext uri="{C183D7F6-B498-43B3-948B-1728B52AA6E4}">
+                <adec:decorative xmlns:adec="http://schemas.microsoft.com/office/drawing/2017/decorative" val="1"/>
+              </a:ext>
+            </a:extLst>
+          </p:cNvPr>
+          <p:cNvSpPr>
+            <a:spLocks noGrp="1" noRot="1" noChangeAspect="1" noMove="1" noResize="1" noEditPoints="1" noAdjustHandles="1" noChangeArrowheads="1" noChangeShapeType="1" noTextEdit="1"/>
+          </p:cNvSpPr>
+          <p:nvPr>
+            <p:extLst>
+              <p:ext uri="{386F3935-93C4-4BCD-93E2-E3B085C9AB24}">
+                <p16:designElem xmlns:p16="http://schemas.microsoft.com/office/powerpoint/2015/main" val="1"/>
+              </p:ext>
+            </p:extLst>
+          </p:nvPr>
+        </p:nvSpPr>
+        <p:spPr bwMode="white">
+          <a:xfrm>
+            <a:off x="0" y="0"/>
+            <a:ext cx="9144000" cy="6858000"/>
           </a:xfrm>
           <a:prstGeom prst="rect">
             <a:avLst/>
           </a:prstGeom>
-          <a:solidFill>
-            <a:srgbClr val="FFFFFF"/>
-          </a:solidFill>
           <a:ln>
             <a:noFill/>
           </a:ln>
-          <a:effectLst>
-            <a:outerShdw blurRad="177800" dist="215900" dir="8520000" sx="94000" sy="94000" algn="t" rotWithShape="0">
-              <a:srgbClr val="000000">
-                <a:alpha val="14000"/>
-              </a:srgbClr>
-            </a:outerShdw>
-          </a:effectLst>
         </p:spPr>
         <p:style>
           <a:lnRef idx="2">
@@ -26761,6 +24027,378 @@
         </p:style>
         <p:txBody>
           <a:bodyPr rtlCol="0" anchor="ctr"/>
+          <a:lstStyle>
+            <a:defPPr>
+              <a:defRPr lang="en-US"/>
+            </a:defPPr>
+            <a:lvl1pPr marL="0" algn="l" defTabSz="914400" rtl="0" eaLnBrk="1" latinLnBrk="0" hangingPunct="1">
+              <a:defRPr sz="1800" kern="1200">
+                <a:solidFill>
+                  <a:schemeClr val="lt1"/>
+                </a:solidFill>
+                <a:latin typeface="+mn-lt"/>
+                <a:ea typeface="+mn-ea"/>
+                <a:cs typeface="+mn-cs"/>
+              </a:defRPr>
+            </a:lvl1pPr>
+            <a:lvl2pPr marL="457200" algn="l" defTabSz="914400" rtl="0" eaLnBrk="1" latinLnBrk="0" hangingPunct="1">
+              <a:defRPr sz="1800" kern="1200">
+                <a:solidFill>
+                  <a:schemeClr val="lt1"/>
+                </a:solidFill>
+                <a:latin typeface="+mn-lt"/>
+                <a:ea typeface="+mn-ea"/>
+                <a:cs typeface="+mn-cs"/>
+              </a:defRPr>
+            </a:lvl2pPr>
+            <a:lvl3pPr marL="914400" algn="l" defTabSz="914400" rtl="0" eaLnBrk="1" latinLnBrk="0" hangingPunct="1">
+              <a:defRPr sz="1800" kern="1200">
+                <a:solidFill>
+                  <a:schemeClr val="lt1"/>
+                </a:solidFill>
+                <a:latin typeface="+mn-lt"/>
+                <a:ea typeface="+mn-ea"/>
+                <a:cs typeface="+mn-cs"/>
+              </a:defRPr>
+            </a:lvl3pPr>
+            <a:lvl4pPr marL="1371600" algn="l" defTabSz="914400" rtl="0" eaLnBrk="1" latinLnBrk="0" hangingPunct="1">
+              <a:defRPr sz="1800" kern="1200">
+                <a:solidFill>
+                  <a:schemeClr val="lt1"/>
+                </a:solidFill>
+                <a:latin typeface="+mn-lt"/>
+                <a:ea typeface="+mn-ea"/>
+                <a:cs typeface="+mn-cs"/>
+              </a:defRPr>
+            </a:lvl4pPr>
+            <a:lvl5pPr marL="1828800" algn="l" defTabSz="914400" rtl="0" eaLnBrk="1" latinLnBrk="0" hangingPunct="1">
+              <a:defRPr sz="1800" kern="1200">
+                <a:solidFill>
+                  <a:schemeClr val="lt1"/>
+                </a:solidFill>
+                <a:latin typeface="+mn-lt"/>
+                <a:ea typeface="+mn-ea"/>
+                <a:cs typeface="+mn-cs"/>
+              </a:defRPr>
+            </a:lvl5pPr>
+            <a:lvl6pPr marL="2286000" algn="l" defTabSz="914400" rtl="0" eaLnBrk="1" latinLnBrk="0" hangingPunct="1">
+              <a:defRPr sz="1800" kern="1200">
+                <a:solidFill>
+                  <a:schemeClr val="lt1"/>
+                </a:solidFill>
+                <a:latin typeface="+mn-lt"/>
+                <a:ea typeface="+mn-ea"/>
+                <a:cs typeface="+mn-cs"/>
+              </a:defRPr>
+            </a:lvl6pPr>
+            <a:lvl7pPr marL="2743200" algn="l" defTabSz="914400" rtl="0" eaLnBrk="1" latinLnBrk="0" hangingPunct="1">
+              <a:defRPr sz="1800" kern="1200">
+                <a:solidFill>
+                  <a:schemeClr val="lt1"/>
+                </a:solidFill>
+                <a:latin typeface="+mn-lt"/>
+                <a:ea typeface="+mn-ea"/>
+                <a:cs typeface="+mn-cs"/>
+              </a:defRPr>
+            </a:lvl7pPr>
+            <a:lvl8pPr marL="3200400" algn="l" defTabSz="914400" rtl="0" eaLnBrk="1" latinLnBrk="0" hangingPunct="1">
+              <a:defRPr sz="1800" kern="1200">
+                <a:solidFill>
+                  <a:schemeClr val="lt1"/>
+                </a:solidFill>
+                <a:latin typeface="+mn-lt"/>
+                <a:ea typeface="+mn-ea"/>
+                <a:cs typeface="+mn-cs"/>
+              </a:defRPr>
+            </a:lvl8pPr>
+            <a:lvl9pPr marL="3657600" algn="l" defTabSz="914400" rtl="0" eaLnBrk="1" latinLnBrk="0" hangingPunct="1">
+              <a:defRPr sz="1800" kern="1200">
+                <a:solidFill>
+                  <a:schemeClr val="lt1"/>
+                </a:solidFill>
+                <a:latin typeface="+mn-lt"/>
+                <a:ea typeface="+mn-ea"/>
+                <a:cs typeface="+mn-cs"/>
+              </a:defRPr>
+            </a:lvl9pPr>
+          </a:lstStyle>
+          <a:p>
+            <a:pPr algn="ctr"/>
+            <a:endParaRPr lang="en-US"/>
+          </a:p>
+        </p:txBody>
+      </p:sp>
+      <p:sp>
+        <p:nvSpPr>
+          <p:cNvPr id="31" name="Arc 30">
+            <a:extLst>
+              <a:ext uri="{FF2B5EF4-FFF2-40B4-BE49-F238E27FC236}">
+                <a16:creationId xmlns:a16="http://schemas.microsoft.com/office/drawing/2014/main" id="{54D6A6A6-5575-C81E-47C4-E3A80B501812}"/>
+              </a:ext>
+              <a:ext uri="{C183D7F6-B498-43B3-948B-1728B52AA6E4}">
+                <adec:decorative xmlns:adec="http://schemas.microsoft.com/office/drawing/2017/decorative" val="1"/>
+              </a:ext>
+            </a:extLst>
+          </p:cNvPr>
+          <p:cNvSpPr>
+            <a:spLocks noGrp="1" noRot="1" noChangeAspect="1" noMove="1" noResize="1" noEditPoints="1" noAdjustHandles="1" noChangeArrowheads="1" noChangeShapeType="1" noTextEdit="1"/>
+          </p:cNvSpPr>
+          <p:nvPr>
+            <p:extLst>
+              <p:ext uri="{386F3935-93C4-4BCD-93E2-E3B085C9AB24}">
+                <p16:designElem xmlns:p16="http://schemas.microsoft.com/office/powerpoint/2015/main" val="1"/>
+              </p:ext>
+            </p:extLst>
+          </p:nvPr>
+        </p:nvSpPr>
+        <p:spPr>
+          <a:xfrm rot="3967198" flipH="1">
+            <a:off x="6100024" y="863980"/>
+            <a:ext cx="2987899" cy="2240924"/>
+          </a:xfrm>
+          <a:prstGeom prst="arc">
+            <a:avLst>
+              <a:gd name="adj1" fmla="val 14441841"/>
+              <a:gd name="adj2" fmla="val 0"/>
+            </a:avLst>
+          </a:prstGeom>
+          <a:ln w="127000" cap="rnd">
+            <a:solidFill>
+              <a:schemeClr val="accent4"/>
+            </a:solidFill>
+            <a:prstDash val="dash"/>
+            <a:miter lim="800000"/>
+          </a:ln>
+        </p:spPr>
+        <p:style>
+          <a:lnRef idx="1">
+            <a:schemeClr val="accent1"/>
+          </a:lnRef>
+          <a:fillRef idx="0">
+            <a:schemeClr val="accent1"/>
+          </a:fillRef>
+          <a:effectRef idx="0">
+            <a:schemeClr val="accent1"/>
+          </a:effectRef>
+          <a:fontRef idx="minor">
+            <a:schemeClr val="tx1"/>
+          </a:fontRef>
+        </p:style>
+        <p:txBody>
+          <a:bodyPr rtlCol="0" anchor="ctr"/>
+          <a:lstStyle/>
+          <a:p>
+            <a:pPr marL="0" marR="0" lvl="0" indent="0" algn="ctr" defTabSz="914400" rtl="0" eaLnBrk="1" fontAlgn="auto" latinLnBrk="0" hangingPunct="1">
+              <a:lnSpc>
+                <a:spcPct val="100000"/>
+              </a:lnSpc>
+              <a:spcBef>
+                <a:spcPts val="0"/>
+              </a:spcBef>
+              <a:spcAft>
+                <a:spcPts val="0"/>
+              </a:spcAft>
+              <a:buClrTx/>
+              <a:buSzTx/>
+              <a:buFontTx/>
+              <a:buNone/>
+              <a:tabLst/>
+              <a:defRPr/>
+            </a:pPr>
+            <a:endParaRPr kumimoji="0" lang="en-US" sz="1800" b="0" i="0" u="none" strike="noStrike" kern="1200" cap="none" spc="0" normalizeH="0" baseline="0" noProof="0">
+              <a:ln>
+                <a:noFill/>
+              </a:ln>
+              <a:solidFill>
+                <a:srgbClr val="000000"/>
+              </a:solidFill>
+              <a:effectLst/>
+              <a:uLnTx/>
+              <a:uFillTx/>
+              <a:latin typeface="Calibri" panose="020F0502020204030204"/>
+              <a:ea typeface="+mn-ea"/>
+              <a:cs typeface="+mn-cs"/>
+            </a:endParaRPr>
+          </a:p>
+        </p:txBody>
+      </p:sp>
+      <p:sp>
+        <p:nvSpPr>
+          <p:cNvPr id="2" name="Title 1">
+            <a:extLst>
+              <a:ext uri="{FF2B5EF4-FFF2-40B4-BE49-F238E27FC236}">
+                <a16:creationId xmlns:a16="http://schemas.microsoft.com/office/drawing/2014/main" id="{AA415C09-D035-E19C-B5BA-9C5D5B74E766}"/>
+              </a:ext>
+            </a:extLst>
+          </p:cNvPr>
+          <p:cNvSpPr>
+            <a:spLocks noGrp="1"/>
+          </p:cNvSpPr>
+          <p:nvPr>
+            <p:ph type="title"/>
+          </p:nvPr>
+        </p:nvSpPr>
+        <p:spPr>
+          <a:xfrm>
+            <a:off x="208929" y="990389"/>
+            <a:ext cx="6837329" cy="1325563"/>
+          </a:xfrm>
+        </p:spPr>
+        <p:txBody>
+          <a:bodyPr vert="horz" lIns="91440" tIns="45720" rIns="91440" bIns="45720" rtlCol="0" anchor="ctr">
+            <a:normAutofit/>
+          </a:bodyPr>
+          <a:lstStyle/>
+          <a:p>
+            <a:pPr algn="l" defTabSz="914400">
+              <a:lnSpc>
+                <a:spcPct val="90000"/>
+              </a:lnSpc>
+            </a:pPr>
+            <a:r>
+              <a:rPr lang="en-US" b="1" dirty="0"/>
+              <a:t>Mobile  Operating System</a:t>
+            </a:r>
+            <a:endParaRPr lang="en-US" b="1" kern="1200" dirty="0">
+              <a:solidFill>
+                <a:schemeClr val="tx1"/>
+              </a:solidFill>
+              <a:latin typeface="+mj-lt"/>
+              <a:ea typeface="+mj-ea"/>
+              <a:cs typeface="+mj-cs"/>
+            </a:endParaRPr>
+          </a:p>
+        </p:txBody>
+      </p:sp>
+      <p:sp>
+        <p:nvSpPr>
+          <p:cNvPr id="33" name="Freeform: Shape 32">
+            <a:extLst>
+              <a:ext uri="{FF2B5EF4-FFF2-40B4-BE49-F238E27FC236}">
+                <a16:creationId xmlns:a16="http://schemas.microsoft.com/office/drawing/2014/main" id="{E9B7DB82-41F1-5687-410A-6252815B45D8}"/>
+              </a:ext>
+              <a:ext uri="{C183D7F6-B498-43B3-948B-1728B52AA6E4}">
+                <adec:decorative xmlns:adec="http://schemas.microsoft.com/office/drawing/2017/decorative" val="1"/>
+              </a:ext>
+            </a:extLst>
+          </p:cNvPr>
+          <p:cNvSpPr>
+            <a:spLocks noGrp="1" noRot="1" noChangeAspect="1" noMove="1" noResize="1" noEditPoints="1" noAdjustHandles="1" noChangeArrowheads="1" noChangeShapeType="1" noTextEdit="1"/>
+          </p:cNvSpPr>
+          <p:nvPr>
+            <p:extLst>
+              <p:ext uri="{386F3935-93C4-4BCD-93E2-E3B085C9AB24}">
+                <p16:designElem xmlns:p16="http://schemas.microsoft.com/office/powerpoint/2015/main" val="1"/>
+              </p:ext>
+            </p:extLst>
+          </p:nvPr>
+        </p:nvSpPr>
+        <p:spPr>
+          <a:xfrm flipH="1">
+            <a:off x="0" y="5486400"/>
+            <a:ext cx="2004647" cy="1371600"/>
+          </a:xfrm>
+          <a:custGeom>
+            <a:avLst/>
+            <a:gdLst>
+              <a:gd name="connsiteX0" fmla="*/ 1721734 w 2672863"/>
+              <a:gd name="connsiteY0" fmla="*/ 0 h 1371600"/>
+              <a:gd name="connsiteX1" fmla="*/ 2564444 w 2672863"/>
+              <a:gd name="connsiteY1" fmla="*/ 213382 h 1371600"/>
+              <a:gd name="connsiteX2" fmla="*/ 2672863 w 2672863"/>
+              <a:gd name="connsiteY2" fmla="*/ 279248 h 1371600"/>
+              <a:gd name="connsiteX3" fmla="*/ 2672863 w 2672863"/>
+              <a:gd name="connsiteY3" fmla="*/ 1371600 h 1371600"/>
+              <a:gd name="connsiteX4" fmla="*/ 0 w 2672863"/>
+              <a:gd name="connsiteY4" fmla="*/ 1371600 h 1371600"/>
+              <a:gd name="connsiteX5" fmla="*/ 33268 w 2672863"/>
+              <a:gd name="connsiteY5" fmla="*/ 1242216 h 1371600"/>
+              <a:gd name="connsiteX6" fmla="*/ 1721734 w 2672863"/>
+              <a:gd name="connsiteY6" fmla="*/ 0 h 1371600"/>
+            </a:gdLst>
+            <a:ahLst/>
+            <a:cxnLst>
+              <a:cxn ang="0">
+                <a:pos x="connsiteX0" y="connsiteY0"/>
+              </a:cxn>
+              <a:cxn ang="0">
+                <a:pos x="connsiteX1" y="connsiteY1"/>
+              </a:cxn>
+              <a:cxn ang="0">
+                <a:pos x="connsiteX2" y="connsiteY2"/>
+              </a:cxn>
+              <a:cxn ang="0">
+                <a:pos x="connsiteX3" y="connsiteY3"/>
+              </a:cxn>
+              <a:cxn ang="0">
+                <a:pos x="connsiteX4" y="connsiteY4"/>
+              </a:cxn>
+              <a:cxn ang="0">
+                <a:pos x="connsiteX5" y="connsiteY5"/>
+              </a:cxn>
+              <a:cxn ang="0">
+                <a:pos x="connsiteX6" y="connsiteY6"/>
+              </a:cxn>
+            </a:cxnLst>
+            <a:rect l="l" t="t" r="r" b="b"/>
+            <a:pathLst>
+              <a:path w="2672863" h="1371600">
+                <a:moveTo>
+                  <a:pt x="1721734" y="0"/>
+                </a:moveTo>
+                <a:cubicBezTo>
+                  <a:pt x="2026863" y="0"/>
+                  <a:pt x="2313937" y="77299"/>
+                  <a:pt x="2564444" y="213382"/>
+                </a:cubicBezTo>
+                <a:lnTo>
+                  <a:pt x="2672863" y="279248"/>
+                </a:lnTo>
+                <a:lnTo>
+                  <a:pt x="2672863" y="1371600"/>
+                </a:lnTo>
+                <a:lnTo>
+                  <a:pt x="0" y="1371600"/>
+                </a:lnTo>
+                <a:lnTo>
+                  <a:pt x="33268" y="1242216"/>
+                </a:lnTo>
+                <a:cubicBezTo>
+                  <a:pt x="257110" y="522539"/>
+                  <a:pt x="928399" y="0"/>
+                  <a:pt x="1721734" y="0"/>
+                </a:cubicBezTo>
+                <a:close/>
+              </a:path>
+            </a:pathLst>
+          </a:custGeom>
+          <a:solidFill>
+            <a:schemeClr val="accent4"/>
+          </a:solidFill>
+          <a:ln>
+            <a:noFill/>
+          </a:ln>
+        </p:spPr>
+        <p:style>
+          <a:lnRef idx="2">
+            <a:schemeClr val="accent1">
+              <a:shade val="50000"/>
+            </a:schemeClr>
+          </a:lnRef>
+          <a:fillRef idx="1">
+            <a:schemeClr val="accent1"/>
+          </a:fillRef>
+          <a:effectRef idx="0">
+            <a:schemeClr val="accent1"/>
+          </a:effectRef>
+          <a:fontRef idx="minor">
+            <a:schemeClr val="lt1"/>
+          </a:fontRef>
+        </p:style>
+        <p:txBody>
+          <a:bodyPr wrap="square" rtlCol="0" anchor="ctr">
+            <a:noAutofit/>
+          </a:bodyPr>
           <a:lstStyle/>
           <a:p>
             <a:pPr algn="ctr"/>
@@ -26768,49 +24406,126 @@
           </a:p>
         </p:txBody>
       </p:sp>
-      <p:pic>
-        <p:nvPicPr>
-          <p:cNvPr id="52" name="Graphic 51" descr="Programmer">
+      <p:grpSp>
+        <p:nvGrpSpPr>
+          <p:cNvPr id="4" name="Group 3">
             <a:extLst>
               <a:ext uri="{FF2B5EF4-FFF2-40B4-BE49-F238E27FC236}">
-                <a16:creationId xmlns:a16="http://schemas.microsoft.com/office/drawing/2014/main" id="{B2288334-AF6D-9540-92E7-BA155AE5F1B0}"/>
+                <a16:creationId xmlns:a16="http://schemas.microsoft.com/office/drawing/2014/main" id="{7B408C02-B76D-F67B-9810-CB0065C69115}"/>
               </a:ext>
             </a:extLst>
           </p:cNvPr>
-          <p:cNvPicPr>
-            <a:picLocks noChangeAspect="1"/>
-          </p:cNvPicPr>
+          <p:cNvGrpSpPr/>
           <p:nvPr/>
-        </p:nvPicPr>
-        <p:blipFill>
-          <a:blip r:embed="rId3">
-            <a:extLst>
-              <a:ext uri="{28A0092B-C50C-407E-A947-70E740481C1C}">
-                <a14:useLocalDpi xmlns:a14="http://schemas.microsoft.com/office/drawing/2010/main" val="0"/>
-              </a:ext>
-              <a:ext uri="{96DAC541-7B7A-43D3-8B79-37D633B846F1}">
-                <asvg:svgBlip xmlns:asvg="http://schemas.microsoft.com/office/drawing/2016/SVG/main" r:embed="rId4"/>
-              </a:ext>
-            </a:extLst>
-          </a:blip>
-          <a:stretch>
-            <a:fillRect/>
-          </a:stretch>
-        </p:blipFill>
-        <p:spPr>
+        </p:nvGrpSpPr>
+        <p:grpSpPr>
           <a:xfrm>
-            <a:off x="4572000" y="1428677"/>
-            <a:ext cx="4000647" cy="4000647"/>
+            <a:off x="418323" y="2457726"/>
+            <a:ext cx="7649911" cy="3264207"/>
+            <a:chOff x="418323" y="1281341"/>
+            <a:chExt cx="7649911" cy="3264207"/>
           </a:xfrm>
-          <a:prstGeom prst="rect">
-            <a:avLst/>
-          </a:prstGeom>
-        </p:spPr>
-      </p:pic>
+        </p:grpSpPr>
+        <p:sp>
+          <p:nvSpPr>
+            <p:cNvPr id="10" name="TextBox 9">
+              <a:extLst>
+                <a:ext uri="{FF2B5EF4-FFF2-40B4-BE49-F238E27FC236}">
+                  <a16:creationId xmlns:a16="http://schemas.microsoft.com/office/drawing/2014/main" id="{0948E025-25BF-32D3-EFCB-BBBF1026D425}"/>
+                </a:ext>
+              </a:extLst>
+            </p:cNvPr>
+            <p:cNvSpPr txBox="1"/>
+            <p:nvPr/>
+          </p:nvSpPr>
+          <p:spPr>
+            <a:xfrm>
+              <a:off x="857936" y="1281341"/>
+              <a:ext cx="6995146" cy="2147659"/>
+            </a:xfrm>
+            <a:prstGeom prst="rect">
+              <a:avLst/>
+            </a:prstGeom>
+          </p:spPr>
+          <p:txBody>
+            <a:bodyPr vert="horz" lIns="91440" tIns="45720" rIns="91440" bIns="45720" rtlCol="0">
+              <a:normAutofit/>
+            </a:bodyPr>
+            <a:lstStyle/>
+            <a:p>
+              <a:pPr algn="just" defTabSz="914400">
+                <a:lnSpc>
+                  <a:spcPct val="90000"/>
+                </a:lnSpc>
+                <a:spcAft>
+                  <a:spcPts val="600"/>
+                </a:spcAft>
+              </a:pPr>
+              <a:r>
+                <a:rPr lang="en-US" sz="2800" dirty="0"/>
+                <a:t>-these are types of operating system that are specially for smartphones, tablet ands other mobile devices. These Oss are tailored for touch interfaces, high performance, and energy efficiency to maximize battery life</a:t>
+              </a:r>
+            </a:p>
+          </p:txBody>
+        </p:sp>
+        <p:sp>
+          <p:nvSpPr>
+            <p:cNvPr id="3" name="Title 1">
+              <a:extLst>
+                <a:ext uri="{FF2B5EF4-FFF2-40B4-BE49-F238E27FC236}">
+                  <a16:creationId xmlns:a16="http://schemas.microsoft.com/office/drawing/2014/main" id="{BB324FD8-4639-B86E-5CED-A2894BDFE3F3}"/>
+                </a:ext>
+              </a:extLst>
+            </p:cNvPr>
+            <p:cNvSpPr txBox="1">
+              <a:spLocks/>
+            </p:cNvSpPr>
+            <p:nvPr/>
+          </p:nvSpPr>
+          <p:spPr>
+            <a:xfrm>
+              <a:off x="418323" y="3219985"/>
+              <a:ext cx="7649911" cy="1325563"/>
+            </a:xfrm>
+            <a:prstGeom prst="rect">
+              <a:avLst/>
+            </a:prstGeom>
+          </p:spPr>
+          <p:txBody>
+            <a:bodyPr vert="horz" lIns="91440" tIns="45720" rIns="91440" bIns="45720" rtlCol="0" anchor="ctr">
+              <a:normAutofit/>
+            </a:bodyPr>
+            <a:lstStyle>
+              <a:lvl1pPr algn="ctr" defTabSz="457200" rtl="0" eaLnBrk="1" latinLnBrk="0" hangingPunct="1">
+                <a:spcBef>
+                  <a:spcPct val="0"/>
+                </a:spcBef>
+                <a:buNone/>
+                <a:defRPr sz="4400" kern="1200">
+                  <a:solidFill>
+                    <a:schemeClr val="tx1"/>
+                  </a:solidFill>
+                  <a:latin typeface="+mj-lt"/>
+                  <a:ea typeface="+mj-ea"/>
+                  <a:cs typeface="+mj-cs"/>
+                </a:defRPr>
+              </a:lvl1pPr>
+            </a:lstStyle>
+            <a:p>
+              <a:pPr algn="l" defTabSz="914400">
+                <a:lnSpc>
+                  <a:spcPct val="90000"/>
+                </a:lnSpc>
+              </a:pPr>
+              <a:endParaRPr lang="en-US" sz="1800" dirty="0"/>
+            </a:p>
+          </p:txBody>
+        </p:sp>
+      </p:grpSp>
     </p:spTree>
     <p:extLst>
       <p:ext uri="{BB962C8B-B14F-4D97-AF65-F5344CB8AC3E}">
-        <p14:creationId xmlns:p14="http://schemas.microsoft.com/office/powerpoint/2010/main" val="4025589533"/>
+        <p14:creationId xmlns:p14="http://schemas.microsoft.com/office/powerpoint/2010/main" val="2160127948"/>
       </p:ext>
     </p:extLst>
   </p:cSld>
@@ -26820,7 +24535,653 @@
 </p:sld>
 </file>
 
-<file path=ppt/slides/slide11.xml><?xml version="1.0" encoding="utf-8"?>
+<file path=ppt/slides/slide12.xml><?xml version="1.0" encoding="utf-8"?>
+<p:sld xmlns:a="http://schemas.openxmlformats.org/drawingml/2006/main" xmlns:r="http://schemas.openxmlformats.org/officeDocument/2006/relationships" xmlns:p="http://schemas.openxmlformats.org/presentationml/2006/main">
+  <p:cSld>
+    <p:bg>
+      <p:bgPr>
+        <a:solidFill>
+          <a:schemeClr val="bg1"/>
+        </a:solidFill>
+        <a:effectLst/>
+      </p:bgPr>
+    </p:bg>
+    <p:spTree>
+      <p:nvGrpSpPr>
+        <p:cNvPr id="1" name="">
+          <a:extLst>
+            <a:ext uri="{FF2B5EF4-FFF2-40B4-BE49-F238E27FC236}">
+              <a16:creationId xmlns:a16="http://schemas.microsoft.com/office/drawing/2014/main" id="{E2600AAE-ED6C-A239-1B9D-4A64669AD333}"/>
+            </a:ext>
+          </a:extLst>
+        </p:cNvPr>
+        <p:cNvGrpSpPr/>
+        <p:nvPr/>
+      </p:nvGrpSpPr>
+      <p:grpSpPr>
+        <a:xfrm>
+          <a:off x="0" y="0"/>
+          <a:ext cx="0" cy="0"/>
+          <a:chOff x="0" y="0"/>
+          <a:chExt cx="0" cy="0"/>
+        </a:xfrm>
+      </p:grpSpPr>
+      <p:sp useBgFill="1">
+        <p:nvSpPr>
+          <p:cNvPr id="29" name="Rectangle 28">
+            <a:extLst>
+              <a:ext uri="{FF2B5EF4-FFF2-40B4-BE49-F238E27FC236}">
+                <a16:creationId xmlns:a16="http://schemas.microsoft.com/office/drawing/2014/main" id="{642FF1CE-7746-3AD9-E86A-7B5472DDD159}"/>
+              </a:ext>
+              <a:ext uri="{C183D7F6-B498-43B3-948B-1728B52AA6E4}">
+                <adec:decorative xmlns:adec="http://schemas.microsoft.com/office/drawing/2017/decorative" val="1"/>
+              </a:ext>
+            </a:extLst>
+          </p:cNvPr>
+          <p:cNvSpPr>
+            <a:spLocks noGrp="1" noRot="1" noChangeAspect="1" noMove="1" noResize="1" noEditPoints="1" noAdjustHandles="1" noChangeArrowheads="1" noChangeShapeType="1" noTextEdit="1"/>
+          </p:cNvSpPr>
+          <p:nvPr>
+            <p:extLst>
+              <p:ext uri="{386F3935-93C4-4BCD-93E2-E3B085C9AB24}">
+                <p16:designElem xmlns:p16="http://schemas.microsoft.com/office/powerpoint/2015/main" val="1"/>
+              </p:ext>
+            </p:extLst>
+          </p:nvPr>
+        </p:nvSpPr>
+        <p:spPr bwMode="white">
+          <a:xfrm>
+            <a:off x="0" y="0"/>
+            <a:ext cx="9144000" cy="6858000"/>
+          </a:xfrm>
+          <a:prstGeom prst="rect">
+            <a:avLst/>
+          </a:prstGeom>
+          <a:ln>
+            <a:noFill/>
+          </a:ln>
+        </p:spPr>
+        <p:style>
+          <a:lnRef idx="2">
+            <a:schemeClr val="accent1">
+              <a:shade val="50000"/>
+            </a:schemeClr>
+          </a:lnRef>
+          <a:fillRef idx="1">
+            <a:schemeClr val="accent1"/>
+          </a:fillRef>
+          <a:effectRef idx="0">
+            <a:schemeClr val="accent1"/>
+          </a:effectRef>
+          <a:fontRef idx="minor">
+            <a:schemeClr val="lt1"/>
+          </a:fontRef>
+        </p:style>
+        <p:txBody>
+          <a:bodyPr rtlCol="0" anchor="ctr"/>
+          <a:lstStyle>
+            <a:defPPr>
+              <a:defRPr lang="en-US"/>
+            </a:defPPr>
+            <a:lvl1pPr marL="0" algn="l" defTabSz="914400" rtl="0" eaLnBrk="1" latinLnBrk="0" hangingPunct="1">
+              <a:defRPr sz="1800" kern="1200">
+                <a:solidFill>
+                  <a:schemeClr val="lt1"/>
+                </a:solidFill>
+                <a:latin typeface="+mn-lt"/>
+                <a:ea typeface="+mn-ea"/>
+                <a:cs typeface="+mn-cs"/>
+              </a:defRPr>
+            </a:lvl1pPr>
+            <a:lvl2pPr marL="457200" algn="l" defTabSz="914400" rtl="0" eaLnBrk="1" latinLnBrk="0" hangingPunct="1">
+              <a:defRPr sz="1800" kern="1200">
+                <a:solidFill>
+                  <a:schemeClr val="lt1"/>
+                </a:solidFill>
+                <a:latin typeface="+mn-lt"/>
+                <a:ea typeface="+mn-ea"/>
+                <a:cs typeface="+mn-cs"/>
+              </a:defRPr>
+            </a:lvl2pPr>
+            <a:lvl3pPr marL="914400" algn="l" defTabSz="914400" rtl="0" eaLnBrk="1" latinLnBrk="0" hangingPunct="1">
+              <a:defRPr sz="1800" kern="1200">
+                <a:solidFill>
+                  <a:schemeClr val="lt1"/>
+                </a:solidFill>
+                <a:latin typeface="+mn-lt"/>
+                <a:ea typeface="+mn-ea"/>
+                <a:cs typeface="+mn-cs"/>
+              </a:defRPr>
+            </a:lvl3pPr>
+            <a:lvl4pPr marL="1371600" algn="l" defTabSz="914400" rtl="0" eaLnBrk="1" latinLnBrk="0" hangingPunct="1">
+              <a:defRPr sz="1800" kern="1200">
+                <a:solidFill>
+                  <a:schemeClr val="lt1"/>
+                </a:solidFill>
+                <a:latin typeface="+mn-lt"/>
+                <a:ea typeface="+mn-ea"/>
+                <a:cs typeface="+mn-cs"/>
+              </a:defRPr>
+            </a:lvl4pPr>
+            <a:lvl5pPr marL="1828800" algn="l" defTabSz="914400" rtl="0" eaLnBrk="1" latinLnBrk="0" hangingPunct="1">
+              <a:defRPr sz="1800" kern="1200">
+                <a:solidFill>
+                  <a:schemeClr val="lt1"/>
+                </a:solidFill>
+                <a:latin typeface="+mn-lt"/>
+                <a:ea typeface="+mn-ea"/>
+                <a:cs typeface="+mn-cs"/>
+              </a:defRPr>
+            </a:lvl5pPr>
+            <a:lvl6pPr marL="2286000" algn="l" defTabSz="914400" rtl="0" eaLnBrk="1" latinLnBrk="0" hangingPunct="1">
+              <a:defRPr sz="1800" kern="1200">
+                <a:solidFill>
+                  <a:schemeClr val="lt1"/>
+                </a:solidFill>
+                <a:latin typeface="+mn-lt"/>
+                <a:ea typeface="+mn-ea"/>
+                <a:cs typeface="+mn-cs"/>
+              </a:defRPr>
+            </a:lvl6pPr>
+            <a:lvl7pPr marL="2743200" algn="l" defTabSz="914400" rtl="0" eaLnBrk="1" latinLnBrk="0" hangingPunct="1">
+              <a:defRPr sz="1800" kern="1200">
+                <a:solidFill>
+                  <a:schemeClr val="lt1"/>
+                </a:solidFill>
+                <a:latin typeface="+mn-lt"/>
+                <a:ea typeface="+mn-ea"/>
+                <a:cs typeface="+mn-cs"/>
+              </a:defRPr>
+            </a:lvl7pPr>
+            <a:lvl8pPr marL="3200400" algn="l" defTabSz="914400" rtl="0" eaLnBrk="1" latinLnBrk="0" hangingPunct="1">
+              <a:defRPr sz="1800" kern="1200">
+                <a:solidFill>
+                  <a:schemeClr val="lt1"/>
+                </a:solidFill>
+                <a:latin typeface="+mn-lt"/>
+                <a:ea typeface="+mn-ea"/>
+                <a:cs typeface="+mn-cs"/>
+              </a:defRPr>
+            </a:lvl8pPr>
+            <a:lvl9pPr marL="3657600" algn="l" defTabSz="914400" rtl="0" eaLnBrk="1" latinLnBrk="0" hangingPunct="1">
+              <a:defRPr sz="1800" kern="1200">
+                <a:solidFill>
+                  <a:schemeClr val="lt1"/>
+                </a:solidFill>
+                <a:latin typeface="+mn-lt"/>
+                <a:ea typeface="+mn-ea"/>
+                <a:cs typeface="+mn-cs"/>
+              </a:defRPr>
+            </a:lvl9pPr>
+          </a:lstStyle>
+          <a:p>
+            <a:pPr algn="ctr"/>
+            <a:endParaRPr lang="en-US"/>
+          </a:p>
+        </p:txBody>
+      </p:sp>
+      <p:sp>
+        <p:nvSpPr>
+          <p:cNvPr id="31" name="Arc 30">
+            <a:extLst>
+              <a:ext uri="{FF2B5EF4-FFF2-40B4-BE49-F238E27FC236}">
+                <a16:creationId xmlns:a16="http://schemas.microsoft.com/office/drawing/2014/main" id="{A422314A-F4CF-A7BE-BA9C-FF9143E8B5D0}"/>
+              </a:ext>
+              <a:ext uri="{C183D7F6-B498-43B3-948B-1728B52AA6E4}">
+                <adec:decorative xmlns:adec="http://schemas.microsoft.com/office/drawing/2017/decorative" val="1"/>
+              </a:ext>
+            </a:extLst>
+          </p:cNvPr>
+          <p:cNvSpPr>
+            <a:spLocks noGrp="1" noRot="1" noChangeAspect="1" noMove="1" noResize="1" noEditPoints="1" noAdjustHandles="1" noChangeArrowheads="1" noChangeShapeType="1" noTextEdit="1"/>
+          </p:cNvSpPr>
+          <p:nvPr>
+            <p:extLst>
+              <p:ext uri="{386F3935-93C4-4BCD-93E2-E3B085C9AB24}">
+                <p16:designElem xmlns:p16="http://schemas.microsoft.com/office/powerpoint/2015/main" val="1"/>
+              </p:ext>
+            </p:extLst>
+          </p:nvPr>
+        </p:nvSpPr>
+        <p:spPr>
+          <a:xfrm rot="3967198" flipH="1">
+            <a:off x="6100024" y="863980"/>
+            <a:ext cx="2987899" cy="2240924"/>
+          </a:xfrm>
+          <a:prstGeom prst="arc">
+            <a:avLst>
+              <a:gd name="adj1" fmla="val 14441841"/>
+              <a:gd name="adj2" fmla="val 0"/>
+            </a:avLst>
+          </a:prstGeom>
+          <a:ln w="127000" cap="rnd">
+            <a:solidFill>
+              <a:schemeClr val="accent4"/>
+            </a:solidFill>
+            <a:prstDash val="dash"/>
+            <a:miter lim="800000"/>
+          </a:ln>
+        </p:spPr>
+        <p:style>
+          <a:lnRef idx="1">
+            <a:schemeClr val="accent1"/>
+          </a:lnRef>
+          <a:fillRef idx="0">
+            <a:schemeClr val="accent1"/>
+          </a:fillRef>
+          <a:effectRef idx="0">
+            <a:schemeClr val="accent1"/>
+          </a:effectRef>
+          <a:fontRef idx="minor">
+            <a:schemeClr val="tx1"/>
+          </a:fontRef>
+        </p:style>
+        <p:txBody>
+          <a:bodyPr rtlCol="0" anchor="ctr"/>
+          <a:lstStyle/>
+          <a:p>
+            <a:pPr marL="0" marR="0" lvl="0" indent="0" algn="ctr" defTabSz="914400" rtl="0" eaLnBrk="1" fontAlgn="auto" latinLnBrk="0" hangingPunct="1">
+              <a:lnSpc>
+                <a:spcPct val="100000"/>
+              </a:lnSpc>
+              <a:spcBef>
+                <a:spcPts val="0"/>
+              </a:spcBef>
+              <a:spcAft>
+                <a:spcPts val="0"/>
+              </a:spcAft>
+              <a:buClrTx/>
+              <a:buSzTx/>
+              <a:buFontTx/>
+              <a:buNone/>
+              <a:tabLst/>
+              <a:defRPr/>
+            </a:pPr>
+            <a:endParaRPr kumimoji="0" lang="en-US" sz="1800" b="0" i="0" u="none" strike="noStrike" kern="1200" cap="none" spc="0" normalizeH="0" baseline="0" noProof="0">
+              <a:ln>
+                <a:noFill/>
+              </a:ln>
+              <a:solidFill>
+                <a:srgbClr val="000000"/>
+              </a:solidFill>
+              <a:effectLst/>
+              <a:uLnTx/>
+              <a:uFillTx/>
+              <a:latin typeface="Calibri" panose="020F0502020204030204"/>
+              <a:ea typeface="+mn-ea"/>
+              <a:cs typeface="+mn-cs"/>
+            </a:endParaRPr>
+          </a:p>
+        </p:txBody>
+      </p:sp>
+      <p:sp>
+        <p:nvSpPr>
+          <p:cNvPr id="2" name="Title 1">
+            <a:extLst>
+              <a:ext uri="{FF2B5EF4-FFF2-40B4-BE49-F238E27FC236}">
+                <a16:creationId xmlns:a16="http://schemas.microsoft.com/office/drawing/2014/main" id="{BD4CAB45-3722-0328-3CD0-81F0B6B97F06}"/>
+              </a:ext>
+            </a:extLst>
+          </p:cNvPr>
+          <p:cNvSpPr>
+            <a:spLocks noGrp="1"/>
+          </p:cNvSpPr>
+          <p:nvPr>
+            <p:ph type="title"/>
+          </p:nvPr>
+        </p:nvSpPr>
+        <p:spPr>
+          <a:xfrm>
+            <a:off x="208929" y="990389"/>
+            <a:ext cx="8840942" cy="1325563"/>
+          </a:xfrm>
+        </p:spPr>
+        <p:txBody>
+          <a:bodyPr vert="horz" lIns="91440" tIns="45720" rIns="91440" bIns="45720" rtlCol="0" anchor="ctr">
+            <a:normAutofit/>
+          </a:bodyPr>
+          <a:lstStyle/>
+          <a:p>
+            <a:pPr defTabSz="914400">
+              <a:lnSpc>
+                <a:spcPct val="90000"/>
+              </a:lnSpc>
+            </a:pPr>
+            <a:r>
+              <a:rPr lang="en-US" b="1" dirty="0"/>
+              <a:t>Key Features of Mobile Operating System</a:t>
+            </a:r>
+            <a:endParaRPr lang="en-US" b="1" kern="1200" dirty="0">
+              <a:solidFill>
+                <a:schemeClr val="tx1"/>
+              </a:solidFill>
+              <a:latin typeface="+mj-lt"/>
+              <a:ea typeface="+mj-ea"/>
+              <a:cs typeface="+mj-cs"/>
+            </a:endParaRPr>
+          </a:p>
+        </p:txBody>
+      </p:sp>
+      <p:sp>
+        <p:nvSpPr>
+          <p:cNvPr id="33" name="Freeform: Shape 32">
+            <a:extLst>
+              <a:ext uri="{FF2B5EF4-FFF2-40B4-BE49-F238E27FC236}">
+                <a16:creationId xmlns:a16="http://schemas.microsoft.com/office/drawing/2014/main" id="{5119C45C-D403-C55A-7FE6-F97CD8B47203}"/>
+              </a:ext>
+              <a:ext uri="{C183D7F6-B498-43B3-948B-1728B52AA6E4}">
+                <adec:decorative xmlns:adec="http://schemas.microsoft.com/office/drawing/2017/decorative" val="1"/>
+              </a:ext>
+            </a:extLst>
+          </p:cNvPr>
+          <p:cNvSpPr>
+            <a:spLocks noGrp="1" noRot="1" noChangeAspect="1" noMove="1" noResize="1" noEditPoints="1" noAdjustHandles="1" noChangeArrowheads="1" noChangeShapeType="1" noTextEdit="1"/>
+          </p:cNvSpPr>
+          <p:nvPr>
+            <p:extLst>
+              <p:ext uri="{386F3935-93C4-4BCD-93E2-E3B085C9AB24}">
+                <p16:designElem xmlns:p16="http://schemas.microsoft.com/office/powerpoint/2015/main" val="1"/>
+              </p:ext>
+            </p:extLst>
+          </p:nvPr>
+        </p:nvSpPr>
+        <p:spPr>
+          <a:xfrm flipH="1">
+            <a:off x="0" y="5486400"/>
+            <a:ext cx="2004647" cy="1371600"/>
+          </a:xfrm>
+          <a:custGeom>
+            <a:avLst/>
+            <a:gdLst>
+              <a:gd name="connsiteX0" fmla="*/ 1721734 w 2672863"/>
+              <a:gd name="connsiteY0" fmla="*/ 0 h 1371600"/>
+              <a:gd name="connsiteX1" fmla="*/ 2564444 w 2672863"/>
+              <a:gd name="connsiteY1" fmla="*/ 213382 h 1371600"/>
+              <a:gd name="connsiteX2" fmla="*/ 2672863 w 2672863"/>
+              <a:gd name="connsiteY2" fmla="*/ 279248 h 1371600"/>
+              <a:gd name="connsiteX3" fmla="*/ 2672863 w 2672863"/>
+              <a:gd name="connsiteY3" fmla="*/ 1371600 h 1371600"/>
+              <a:gd name="connsiteX4" fmla="*/ 0 w 2672863"/>
+              <a:gd name="connsiteY4" fmla="*/ 1371600 h 1371600"/>
+              <a:gd name="connsiteX5" fmla="*/ 33268 w 2672863"/>
+              <a:gd name="connsiteY5" fmla="*/ 1242216 h 1371600"/>
+              <a:gd name="connsiteX6" fmla="*/ 1721734 w 2672863"/>
+              <a:gd name="connsiteY6" fmla="*/ 0 h 1371600"/>
+            </a:gdLst>
+            <a:ahLst/>
+            <a:cxnLst>
+              <a:cxn ang="0">
+                <a:pos x="connsiteX0" y="connsiteY0"/>
+              </a:cxn>
+              <a:cxn ang="0">
+                <a:pos x="connsiteX1" y="connsiteY1"/>
+              </a:cxn>
+              <a:cxn ang="0">
+                <a:pos x="connsiteX2" y="connsiteY2"/>
+              </a:cxn>
+              <a:cxn ang="0">
+                <a:pos x="connsiteX3" y="connsiteY3"/>
+              </a:cxn>
+              <a:cxn ang="0">
+                <a:pos x="connsiteX4" y="connsiteY4"/>
+              </a:cxn>
+              <a:cxn ang="0">
+                <a:pos x="connsiteX5" y="connsiteY5"/>
+              </a:cxn>
+              <a:cxn ang="0">
+                <a:pos x="connsiteX6" y="connsiteY6"/>
+              </a:cxn>
+            </a:cxnLst>
+            <a:rect l="l" t="t" r="r" b="b"/>
+            <a:pathLst>
+              <a:path w="2672863" h="1371600">
+                <a:moveTo>
+                  <a:pt x="1721734" y="0"/>
+                </a:moveTo>
+                <a:cubicBezTo>
+                  <a:pt x="2026863" y="0"/>
+                  <a:pt x="2313937" y="77299"/>
+                  <a:pt x="2564444" y="213382"/>
+                </a:cubicBezTo>
+                <a:lnTo>
+                  <a:pt x="2672863" y="279248"/>
+                </a:lnTo>
+                <a:lnTo>
+                  <a:pt x="2672863" y="1371600"/>
+                </a:lnTo>
+                <a:lnTo>
+                  <a:pt x="0" y="1371600"/>
+                </a:lnTo>
+                <a:lnTo>
+                  <a:pt x="33268" y="1242216"/>
+                </a:lnTo>
+                <a:cubicBezTo>
+                  <a:pt x="257110" y="522539"/>
+                  <a:pt x="928399" y="0"/>
+                  <a:pt x="1721734" y="0"/>
+                </a:cubicBezTo>
+                <a:close/>
+              </a:path>
+            </a:pathLst>
+          </a:custGeom>
+          <a:solidFill>
+            <a:schemeClr val="accent4"/>
+          </a:solidFill>
+          <a:ln>
+            <a:noFill/>
+          </a:ln>
+        </p:spPr>
+        <p:style>
+          <a:lnRef idx="2">
+            <a:schemeClr val="accent1">
+              <a:shade val="50000"/>
+            </a:schemeClr>
+          </a:lnRef>
+          <a:fillRef idx="1">
+            <a:schemeClr val="accent1"/>
+          </a:fillRef>
+          <a:effectRef idx="0">
+            <a:schemeClr val="accent1"/>
+          </a:effectRef>
+          <a:fontRef idx="minor">
+            <a:schemeClr val="lt1"/>
+          </a:fontRef>
+        </p:style>
+        <p:txBody>
+          <a:bodyPr wrap="square" rtlCol="0" anchor="ctr">
+            <a:noAutofit/>
+          </a:bodyPr>
+          <a:lstStyle/>
+          <a:p>
+            <a:pPr algn="ctr"/>
+            <a:endParaRPr lang="en-US"/>
+          </a:p>
+        </p:txBody>
+      </p:sp>
+      <p:grpSp>
+        <p:nvGrpSpPr>
+          <p:cNvPr id="4" name="Group 3">
+            <a:extLst>
+              <a:ext uri="{FF2B5EF4-FFF2-40B4-BE49-F238E27FC236}">
+                <a16:creationId xmlns:a16="http://schemas.microsoft.com/office/drawing/2014/main" id="{CB8C8D09-B434-2A1B-547A-C26F09E74F64}"/>
+              </a:ext>
+            </a:extLst>
+          </p:cNvPr>
+          <p:cNvGrpSpPr/>
+          <p:nvPr/>
+        </p:nvGrpSpPr>
+        <p:grpSpPr>
+          <a:xfrm>
+            <a:off x="418323" y="2457726"/>
+            <a:ext cx="7649911" cy="3264207"/>
+            <a:chOff x="418323" y="1281341"/>
+            <a:chExt cx="7649911" cy="3264207"/>
+          </a:xfrm>
+        </p:grpSpPr>
+        <p:sp>
+          <p:nvSpPr>
+            <p:cNvPr id="10" name="TextBox 9">
+              <a:extLst>
+                <a:ext uri="{FF2B5EF4-FFF2-40B4-BE49-F238E27FC236}">
+                  <a16:creationId xmlns:a16="http://schemas.microsoft.com/office/drawing/2014/main" id="{B3A79F10-5A39-1258-8984-0DBDCEEBC231}"/>
+                </a:ext>
+              </a:extLst>
+            </p:cNvPr>
+            <p:cNvSpPr txBox="1"/>
+            <p:nvPr/>
+          </p:nvSpPr>
+          <p:spPr>
+            <a:xfrm>
+              <a:off x="857936" y="1281341"/>
+              <a:ext cx="6995146" cy="2147659"/>
+            </a:xfrm>
+            <a:prstGeom prst="rect">
+              <a:avLst/>
+            </a:prstGeom>
+          </p:spPr>
+          <p:txBody>
+            <a:bodyPr vert="horz" lIns="91440" tIns="45720" rIns="91440" bIns="45720" rtlCol="0">
+              <a:normAutofit fontScale="92500" lnSpcReduction="20000"/>
+            </a:bodyPr>
+            <a:lstStyle/>
+            <a:p>
+              <a:pPr marL="457200" indent="-457200" algn="just" defTabSz="914400">
+                <a:lnSpc>
+                  <a:spcPct val="90000"/>
+                </a:lnSpc>
+                <a:spcAft>
+                  <a:spcPts val="600"/>
+                </a:spcAft>
+                <a:buFont typeface="Arial" panose="020B0604020202020204" pitchFamily="34" charset="0"/>
+                <a:buChar char="•"/>
+              </a:pPr>
+              <a:r>
+                <a:rPr lang="en-US" sz="2800" dirty="0"/>
+                <a:t>Touch UI and application stores to download applications</a:t>
+              </a:r>
+            </a:p>
+            <a:p>
+              <a:pPr marL="457200" indent="-457200" algn="just" defTabSz="914400">
+                <a:lnSpc>
+                  <a:spcPct val="90000"/>
+                </a:lnSpc>
+                <a:spcAft>
+                  <a:spcPts val="600"/>
+                </a:spcAft>
+                <a:buFont typeface="Arial" panose="020B0604020202020204" pitchFamily="34" charset="0"/>
+                <a:buChar char="•"/>
+              </a:pPr>
+              <a:r>
+                <a:rPr lang="en-US" sz="2800" dirty="0"/>
+                <a:t>Designed for lightweight applications and portability</a:t>
+              </a:r>
+            </a:p>
+            <a:p>
+              <a:pPr marL="457200" indent="-457200" algn="just" defTabSz="914400">
+                <a:lnSpc>
+                  <a:spcPct val="90000"/>
+                </a:lnSpc>
+                <a:spcAft>
+                  <a:spcPts val="600"/>
+                </a:spcAft>
+                <a:buFont typeface="Arial" panose="020B0604020202020204" pitchFamily="34" charset="0"/>
+                <a:buChar char="•"/>
+              </a:pPr>
+              <a:r>
+                <a:rPr lang="en-US" sz="2800" dirty="0"/>
+                <a:t>Integration with mobile hardware(GPS, cameras, sensors, etc.).</a:t>
+              </a:r>
+            </a:p>
+            <a:p>
+              <a:pPr marL="457200" indent="-457200" algn="just" defTabSz="914400">
+                <a:lnSpc>
+                  <a:spcPct val="90000"/>
+                </a:lnSpc>
+                <a:spcAft>
+                  <a:spcPts val="600"/>
+                </a:spcAft>
+                <a:buFont typeface="Arial" panose="020B0604020202020204" pitchFamily="34" charset="0"/>
+                <a:buChar char="•"/>
+              </a:pPr>
+              <a:endParaRPr lang="en-US" sz="2800" dirty="0"/>
+            </a:p>
+          </p:txBody>
+        </p:sp>
+        <p:sp>
+          <p:nvSpPr>
+            <p:cNvPr id="3" name="Title 1">
+              <a:extLst>
+                <a:ext uri="{FF2B5EF4-FFF2-40B4-BE49-F238E27FC236}">
+                  <a16:creationId xmlns:a16="http://schemas.microsoft.com/office/drawing/2014/main" id="{41E7E1BF-A492-D727-1F8C-A133A56AADA4}"/>
+                </a:ext>
+              </a:extLst>
+            </p:cNvPr>
+            <p:cNvSpPr txBox="1">
+              <a:spLocks/>
+            </p:cNvSpPr>
+            <p:nvPr/>
+          </p:nvSpPr>
+          <p:spPr>
+            <a:xfrm>
+              <a:off x="418323" y="3219985"/>
+              <a:ext cx="7649911" cy="1325563"/>
+            </a:xfrm>
+            <a:prstGeom prst="rect">
+              <a:avLst/>
+            </a:prstGeom>
+          </p:spPr>
+          <p:txBody>
+            <a:bodyPr vert="horz" lIns="91440" tIns="45720" rIns="91440" bIns="45720" rtlCol="0" anchor="ctr">
+              <a:normAutofit/>
+            </a:bodyPr>
+            <a:lstStyle>
+              <a:lvl1pPr algn="ctr" defTabSz="457200" rtl="0" eaLnBrk="1" latinLnBrk="0" hangingPunct="1">
+                <a:spcBef>
+                  <a:spcPct val="0"/>
+                </a:spcBef>
+                <a:buNone/>
+                <a:defRPr sz="4400" kern="1200">
+                  <a:solidFill>
+                    <a:schemeClr val="tx1"/>
+                  </a:solidFill>
+                  <a:latin typeface="+mj-lt"/>
+                  <a:ea typeface="+mj-ea"/>
+                  <a:cs typeface="+mj-cs"/>
+                </a:defRPr>
+              </a:lvl1pPr>
+            </a:lstStyle>
+            <a:p>
+              <a:pPr algn="l" defTabSz="914400">
+                <a:lnSpc>
+                  <a:spcPct val="90000"/>
+                </a:lnSpc>
+              </a:pPr>
+              <a:r>
+                <a:rPr lang="en-US" sz="1800" i="1" dirty="0"/>
+                <a:t>Examples: </a:t>
+              </a:r>
+              <a:r>
+                <a:rPr lang="en-US" sz="1800" dirty="0"/>
+                <a:t>Android, iOS, HarmonyOS</a:t>
+              </a:r>
+            </a:p>
+          </p:txBody>
+        </p:sp>
+      </p:grpSp>
+    </p:spTree>
+    <p:extLst>
+      <p:ext uri="{BB962C8B-B14F-4D97-AF65-F5344CB8AC3E}">
+        <p14:creationId xmlns:p14="http://schemas.microsoft.com/office/powerpoint/2010/main" val="4223632007"/>
+      </p:ext>
+    </p:extLst>
+  </p:cSld>
+  <p:clrMapOvr>
+    <a:masterClrMapping/>
+  </p:clrMapOvr>
+</p:sld>
+</file>
+
+<file path=ppt/slides/slide13.xml><?xml version="1.0" encoding="utf-8"?>
 <p:sld xmlns:a="http://schemas.openxmlformats.org/drawingml/2006/main" xmlns:r="http://schemas.openxmlformats.org/officeDocument/2006/relationships" xmlns:p="http://schemas.openxmlformats.org/presentationml/2006/main">
   <p:cSld>
     <p:bg>
@@ -27117,8 +25478,8 @@
         </p:nvSpPr>
         <p:spPr>
           <a:xfrm>
-            <a:off x="4421221" y="479493"/>
-            <a:ext cx="4094129" cy="1325563"/>
+            <a:off x="26894" y="-388429"/>
+            <a:ext cx="7613896" cy="1653988"/>
           </a:xfrm>
         </p:spPr>
         <p:txBody>
@@ -27133,16 +25494,17 @@
               </a:lnSpc>
             </a:pPr>
             <a:r>
-              <a:rPr lang="en-US" kern="1200">
-                <a:solidFill>
-                  <a:schemeClr val="tx1"/>
-                </a:solidFill>
-                <a:latin typeface="+mj-lt"/>
-                <a:ea typeface="+mj-ea"/>
-                <a:cs typeface="+mj-cs"/>
-              </a:rPr>
-              <a:t>Linux</a:t>
+              <a:rPr lang="en-US" sz="3200" dirty="0"/>
+              <a:t>Overview Functions of an Operating System</a:t>
             </a:r>
+            <a:endParaRPr lang="en-US" sz="3200" kern="1200" dirty="0">
+              <a:solidFill>
+                <a:schemeClr val="tx1"/>
+              </a:solidFill>
+              <a:latin typeface="+mj-lt"/>
+              <a:ea typeface="+mj-ea"/>
+              <a:cs typeface="+mj-cs"/>
+            </a:endParaRPr>
           </a:p>
         </p:txBody>
       </p:sp>
@@ -27282,136 +25644,421 @@
           </a:p>
         </p:txBody>
       </p:sp>
-      <p:pic>
-        <p:nvPicPr>
-          <p:cNvPr id="4" name="Picture 3" descr="A penguin with yellow feet&#10;&#10;AI-generated content may be incorrect.">
+      <p:graphicFrame>
+        <p:nvGraphicFramePr>
+          <p:cNvPr id="5" name="Table 4">
             <a:extLst>
               <a:ext uri="{FF2B5EF4-FFF2-40B4-BE49-F238E27FC236}">
-                <a16:creationId xmlns:a16="http://schemas.microsoft.com/office/drawing/2014/main" id="{0C5883D1-2D88-5FCD-501F-993732D57583}"/>
+                <a16:creationId xmlns:a16="http://schemas.microsoft.com/office/drawing/2014/main" id="{C037F2BB-70CF-EEB7-7576-4C396938D53D}"/>
               </a:ext>
             </a:extLst>
           </p:cNvPr>
-          <p:cNvPicPr>
-            <a:picLocks noChangeAspect="1"/>
-          </p:cNvPicPr>
-          <p:nvPr/>
-        </p:nvPicPr>
-        <p:blipFill>
-          <a:blip r:embed="rId3"/>
-          <a:stretch>
-            <a:fillRect/>
-          </a:stretch>
-        </p:blipFill>
-        <p:spPr>
-          <a:xfrm>
-            <a:off x="527386" y="1552610"/>
-            <a:ext cx="3583036" cy="3583036"/>
-          </a:xfrm>
-          <a:custGeom>
-            <a:avLst/>
-            <a:gdLst/>
-            <a:ahLst/>
-            <a:cxnLst/>
-            <a:rect l="l" t="t" r="r" b="b"/>
-            <a:pathLst>
-              <a:path w="4777381" h="5643794">
-                <a:moveTo>
-                  <a:pt x="143704" y="0"/>
-                </a:moveTo>
-                <a:lnTo>
-                  <a:pt x="4633677" y="0"/>
-                </a:lnTo>
-                <a:cubicBezTo>
-                  <a:pt x="4713043" y="0"/>
-                  <a:pt x="4777381" y="64338"/>
-                  <a:pt x="4777381" y="143704"/>
-                </a:cubicBezTo>
-                <a:lnTo>
-                  <a:pt x="4777381" y="5500090"/>
-                </a:lnTo>
-                <a:cubicBezTo>
-                  <a:pt x="4777381" y="5579456"/>
-                  <a:pt x="4713043" y="5643794"/>
-                  <a:pt x="4633677" y="5643794"/>
-                </a:cubicBezTo>
-                <a:lnTo>
-                  <a:pt x="143704" y="5643794"/>
-                </a:lnTo>
-                <a:cubicBezTo>
-                  <a:pt x="64338" y="5643794"/>
-                  <a:pt x="0" y="5579456"/>
-                  <a:pt x="0" y="5500090"/>
-                </a:cubicBezTo>
-                <a:lnTo>
-                  <a:pt x="0" y="143704"/>
-                </a:lnTo>
-                <a:cubicBezTo>
-                  <a:pt x="0" y="64338"/>
-                  <a:pt x="64338" y="0"/>
-                  <a:pt x="143704" y="0"/>
-                </a:cubicBezTo>
-                <a:close/>
-              </a:path>
-            </a:pathLst>
-          </a:custGeom>
-        </p:spPr>
-      </p:pic>
-      <p:sp>
-        <p:nvSpPr>
-          <p:cNvPr id="10" name="TextBox 9">
-            <a:extLst>
-              <a:ext uri="{FF2B5EF4-FFF2-40B4-BE49-F238E27FC236}">
-                <a16:creationId xmlns:a16="http://schemas.microsoft.com/office/drawing/2014/main" id="{AF937E59-E45B-AB85-4562-E56506AFE160}"/>
-              </a:ext>
-            </a:extLst>
-          </p:cNvPr>
-          <p:cNvSpPr txBox="1"/>
-          <p:nvPr/>
-        </p:nvSpPr>
-        <p:spPr>
-          <a:xfrm>
-            <a:off x="4421221" y="1984443"/>
-            <a:ext cx="4094129" cy="4192520"/>
-          </a:xfrm>
-          <a:prstGeom prst="rect">
-            <a:avLst/>
-          </a:prstGeom>
-        </p:spPr>
-        <p:txBody>
-          <a:bodyPr vert="horz" lIns="91440" tIns="45720" rIns="91440" bIns="45720" rtlCol="0">
-            <a:normAutofit/>
-          </a:bodyPr>
-          <a:lstStyle/>
-          <a:p>
-            <a:pPr indent="-228600" defTabSz="914400">
-              <a:lnSpc>
-                <a:spcPct val="90000"/>
-              </a:lnSpc>
-              <a:spcAft>
-                <a:spcPts val="600"/>
-              </a:spcAft>
-              <a:buFont typeface="Arial" panose="020B0604020202020204" pitchFamily="34" charset="0"/>
-              <a:buChar char="•"/>
-            </a:pPr>
-            <a:r>
-              <a:rPr lang="en-US" b="1"/>
-              <a:t>open-source operating systems</a:t>
-            </a:r>
-            <a:r>
-              <a:rPr lang="en-US"/>
-              <a:t> that are based on the Linux kernel. It's similar in function to Windows or macOS, but with a key difference: it's </a:t>
-            </a:r>
-            <a:r>
-              <a:rPr lang="en-US" b="1"/>
-              <a:t>free and open-source</a:t>
-            </a:r>
-            <a:r>
-              <a:rPr lang="en-US"/>
-              <a:t>, meaning its code is publicly available for anyone to use, modify, and distribute.</a:t>
-            </a:r>
-          </a:p>
-        </p:txBody>
-      </p:sp>
+          <p:cNvGraphicFramePr>
+            <a:graphicFrameLocks noGrp="1"/>
+          </p:cNvGraphicFramePr>
+          <p:nvPr>
+            <p:extLst>
+              <p:ext uri="{D42A27DB-BD31-4B8C-83A1-F6EECF244321}">
+                <p14:modId xmlns:p14="http://schemas.microsoft.com/office/powerpoint/2010/main" val="1759088547"/>
+              </p:ext>
+            </p:extLst>
+          </p:nvPr>
+        </p:nvGraphicFramePr>
+        <p:xfrm>
+          <a:off x="1002323" y="855689"/>
+          <a:ext cx="7217399" cy="5689600"/>
+        </p:xfrm>
+        <a:graphic>
+          <a:graphicData uri="http://schemas.openxmlformats.org/drawingml/2006/table">
+            <a:tbl>
+              <a:tblPr firstRow="1" bandRow="1">
+                <a:tableStyleId>{5C22544A-7EE6-4342-B048-85BDC9FD1C3A}</a:tableStyleId>
+              </a:tblPr>
+              <a:tblGrid>
+                <a:gridCol w="3506011">
+                  <a:extLst>
+                    <a:ext uri="{9D8B030D-6E8A-4147-A177-3AD203B41FA5}">
+                      <a16:colId xmlns:a16="http://schemas.microsoft.com/office/drawing/2014/main" val="882180579"/>
+                    </a:ext>
+                  </a:extLst>
+                </a:gridCol>
+                <a:gridCol w="3711388">
+                  <a:extLst>
+                    <a:ext uri="{9D8B030D-6E8A-4147-A177-3AD203B41FA5}">
+                      <a16:colId xmlns:a16="http://schemas.microsoft.com/office/drawing/2014/main" val="447180362"/>
+                    </a:ext>
+                  </a:extLst>
+                </a:gridCol>
+              </a:tblGrid>
+              <a:tr h="370840">
+                <a:tc>
+                  <a:txBody>
+                    <a:bodyPr/>
+                    <a:lstStyle/>
+                    <a:p>
+                      <a:pPr algn="ctr"/>
+                      <a:r>
+                        <a:rPr lang="en-US" dirty="0"/>
+                        <a:t>Functions</a:t>
+                      </a:r>
+                    </a:p>
+                  </a:txBody>
+                  <a:tcPr/>
+                </a:tc>
+                <a:tc>
+                  <a:txBody>
+                    <a:bodyPr/>
+                    <a:lstStyle/>
+                    <a:p>
+                      <a:pPr algn="ctr"/>
+                      <a:r>
+                        <a:rPr lang="en-US" dirty="0"/>
+                        <a:t>Description</a:t>
+                      </a:r>
+                    </a:p>
+                  </a:txBody>
+                  <a:tcPr/>
+                </a:tc>
+                <a:extLst>
+                  <a:ext uri="{0D108BD9-81ED-4DB2-BD59-A6C34878D82A}">
+                    <a16:rowId xmlns:a16="http://schemas.microsoft.com/office/drawing/2014/main" val="3108819111"/>
+                  </a:ext>
+                </a:extLst>
+              </a:tr>
+              <a:tr h="370840">
+                <a:tc>
+                  <a:txBody>
+                    <a:bodyPr/>
+                    <a:lstStyle/>
+                    <a:p>
+                      <a:r>
+                        <a:rPr lang="en-US" dirty="0"/>
+                        <a:t>Process Management</a:t>
+                      </a:r>
+                    </a:p>
+                  </a:txBody>
+                  <a:tcPr/>
+                </a:tc>
+                <a:tc>
+                  <a:txBody>
+                    <a:bodyPr/>
+                    <a:lstStyle/>
+                    <a:p>
+                      <a:r>
+                        <a:rPr lang="en-US" dirty="0"/>
+                        <a:t>Managing active programs</a:t>
+                      </a:r>
+                    </a:p>
+                  </a:txBody>
+                  <a:tcPr/>
+                </a:tc>
+                <a:extLst>
+                  <a:ext uri="{0D108BD9-81ED-4DB2-BD59-A6C34878D82A}">
+                    <a16:rowId xmlns:a16="http://schemas.microsoft.com/office/drawing/2014/main" val="3145809001"/>
+                  </a:ext>
+                </a:extLst>
+              </a:tr>
+              <a:tr h="370840">
+                <a:tc>
+                  <a:txBody>
+                    <a:bodyPr/>
+                    <a:lstStyle/>
+                    <a:p>
+                      <a:r>
+                        <a:rPr lang="en-US" dirty="0"/>
+                        <a:t>File Management</a:t>
+                      </a:r>
+                    </a:p>
+                  </a:txBody>
+                  <a:tcPr/>
+                </a:tc>
+                <a:tc>
+                  <a:txBody>
+                    <a:bodyPr/>
+                    <a:lstStyle/>
+                    <a:p>
+                      <a:r>
+                        <a:rPr lang="en-US" dirty="0"/>
+                        <a:t>Organizing and accessing files</a:t>
+                      </a:r>
+                    </a:p>
+                  </a:txBody>
+                  <a:tcPr/>
+                </a:tc>
+                <a:extLst>
+                  <a:ext uri="{0D108BD9-81ED-4DB2-BD59-A6C34878D82A}">
+                    <a16:rowId xmlns:a16="http://schemas.microsoft.com/office/drawing/2014/main" val="1912717974"/>
+                  </a:ext>
+                </a:extLst>
+              </a:tr>
+              <a:tr h="370840">
+                <a:tc>
+                  <a:txBody>
+                    <a:bodyPr/>
+                    <a:lstStyle/>
+                    <a:p>
+                      <a:r>
+                        <a:rPr lang="en-US" dirty="0"/>
+                        <a:t>Command Interpreter</a:t>
+                      </a:r>
+                    </a:p>
+                  </a:txBody>
+                  <a:tcPr/>
+                </a:tc>
+                <a:tc>
+                  <a:txBody>
+                    <a:bodyPr/>
+                    <a:lstStyle/>
+                    <a:p>
+                      <a:r>
+                        <a:rPr lang="en-US" dirty="0"/>
+                        <a:t>Enabling user interaction through commands</a:t>
+                      </a:r>
+                    </a:p>
+                  </a:txBody>
+                  <a:tcPr/>
+                </a:tc>
+                <a:extLst>
+                  <a:ext uri="{0D108BD9-81ED-4DB2-BD59-A6C34878D82A}">
+                    <a16:rowId xmlns:a16="http://schemas.microsoft.com/office/drawing/2014/main" val="1089913819"/>
+                  </a:ext>
+                </a:extLst>
+              </a:tr>
+              <a:tr h="370840">
+                <a:tc>
+                  <a:txBody>
+                    <a:bodyPr/>
+                    <a:lstStyle/>
+                    <a:p>
+                      <a:r>
+                        <a:rPr lang="en-US" dirty="0"/>
+                        <a:t>System Calls</a:t>
+                      </a:r>
+                    </a:p>
+                  </a:txBody>
+                  <a:tcPr/>
+                </a:tc>
+                <a:tc>
+                  <a:txBody>
+                    <a:bodyPr/>
+                    <a:lstStyle/>
+                    <a:p>
+                      <a:r>
+                        <a:rPr lang="en-US" dirty="0"/>
+                        <a:t>Allowing communication between user applications and the OS</a:t>
+                      </a:r>
+                    </a:p>
+                  </a:txBody>
+                  <a:tcPr/>
+                </a:tc>
+                <a:extLst>
+                  <a:ext uri="{0D108BD9-81ED-4DB2-BD59-A6C34878D82A}">
+                    <a16:rowId xmlns:a16="http://schemas.microsoft.com/office/drawing/2014/main" val="2323188364"/>
+                  </a:ext>
+                </a:extLst>
+              </a:tr>
+              <a:tr h="370840">
+                <a:tc>
+                  <a:txBody>
+                    <a:bodyPr/>
+                    <a:lstStyle/>
+                    <a:p>
+                      <a:r>
+                        <a:rPr lang="en-US" dirty="0"/>
+                        <a:t>Signals</a:t>
+                      </a:r>
+                    </a:p>
+                  </a:txBody>
+                  <a:tcPr/>
+                </a:tc>
+                <a:tc>
+                  <a:txBody>
+                    <a:bodyPr/>
+                    <a:lstStyle/>
+                    <a:p>
+                      <a:r>
+                        <a:rPr lang="en-US" dirty="0"/>
+                        <a:t>Handling system notification and Interruptions.</a:t>
+                      </a:r>
+                    </a:p>
+                  </a:txBody>
+                  <a:tcPr/>
+                </a:tc>
+                <a:extLst>
+                  <a:ext uri="{0D108BD9-81ED-4DB2-BD59-A6C34878D82A}">
+                    <a16:rowId xmlns:a16="http://schemas.microsoft.com/office/drawing/2014/main" val="3277805177"/>
+                  </a:ext>
+                </a:extLst>
+              </a:tr>
+              <a:tr h="370840">
+                <a:tc>
+                  <a:txBody>
+                    <a:bodyPr/>
+                    <a:lstStyle/>
+                    <a:p>
+                      <a:r>
+                        <a:rPr lang="en-US" dirty="0"/>
+                        <a:t>Network Management</a:t>
+                      </a:r>
+                    </a:p>
+                  </a:txBody>
+                  <a:tcPr/>
+                </a:tc>
+                <a:tc>
+                  <a:txBody>
+                    <a:bodyPr/>
+                    <a:lstStyle/>
+                    <a:p>
+                      <a:r>
+                        <a:rPr lang="en-US" dirty="0"/>
+                        <a:t>Managing network connections.</a:t>
+                      </a:r>
+                    </a:p>
+                  </a:txBody>
+                  <a:tcPr/>
+                </a:tc>
+                <a:extLst>
+                  <a:ext uri="{0D108BD9-81ED-4DB2-BD59-A6C34878D82A}">
+                    <a16:rowId xmlns:a16="http://schemas.microsoft.com/office/drawing/2014/main" val="3164932552"/>
+                  </a:ext>
+                </a:extLst>
+              </a:tr>
+              <a:tr h="370840">
+                <a:tc>
+                  <a:txBody>
+                    <a:bodyPr/>
+                    <a:lstStyle/>
+                    <a:p>
+                      <a:r>
+                        <a:rPr lang="en-US" dirty="0"/>
+                        <a:t>Security Management</a:t>
+                      </a:r>
+                    </a:p>
+                  </a:txBody>
+                  <a:tcPr/>
+                </a:tc>
+                <a:tc>
+                  <a:txBody>
+                    <a:bodyPr/>
+                    <a:lstStyle/>
+                    <a:p>
+                      <a:r>
+                        <a:rPr lang="en-US" dirty="0"/>
+                        <a:t>Protecting resources from unauthorized access.</a:t>
+                      </a:r>
+                    </a:p>
+                  </a:txBody>
+                  <a:tcPr/>
+                </a:tc>
+                <a:extLst>
+                  <a:ext uri="{0D108BD9-81ED-4DB2-BD59-A6C34878D82A}">
+                    <a16:rowId xmlns:a16="http://schemas.microsoft.com/office/drawing/2014/main" val="3040199165"/>
+                  </a:ext>
+                </a:extLst>
+              </a:tr>
+              <a:tr h="370840">
+                <a:tc>
+                  <a:txBody>
+                    <a:bodyPr/>
+                    <a:lstStyle/>
+                    <a:p>
+                      <a:r>
+                        <a:rPr lang="en-US" dirty="0"/>
+                        <a:t>I/O Device Management</a:t>
+                      </a:r>
+                    </a:p>
+                  </a:txBody>
+                  <a:tcPr/>
+                </a:tc>
+                <a:tc>
+                  <a:txBody>
+                    <a:bodyPr/>
+                    <a:lstStyle/>
+                    <a:p>
+                      <a:r>
+                        <a:rPr lang="en-US" dirty="0"/>
+                        <a:t>Coordinating Interactions with input and output devices.</a:t>
+                      </a:r>
+                    </a:p>
+                  </a:txBody>
+                  <a:tcPr/>
+                </a:tc>
+                <a:extLst>
+                  <a:ext uri="{0D108BD9-81ED-4DB2-BD59-A6C34878D82A}">
+                    <a16:rowId xmlns:a16="http://schemas.microsoft.com/office/drawing/2014/main" val="148039502"/>
+                  </a:ext>
+                </a:extLst>
+              </a:tr>
+              <a:tr h="0">
+                <a:tc>
+                  <a:txBody>
+                    <a:bodyPr/>
+                    <a:lstStyle/>
+                    <a:p>
+                      <a:r>
+                        <a:rPr lang="en-US" dirty="0"/>
+                        <a:t>Secondary Storage Management</a:t>
+                      </a:r>
+                    </a:p>
+                  </a:txBody>
+                  <a:tcPr/>
+                </a:tc>
+                <a:tc>
+                  <a:txBody>
+                    <a:bodyPr/>
+                    <a:lstStyle/>
+                    <a:p>
+                      <a:r>
+                        <a:rPr lang="en-US" dirty="0"/>
+                        <a:t>Managing long-term data storage.</a:t>
+                      </a:r>
+                    </a:p>
+                  </a:txBody>
+                  <a:tcPr/>
+                </a:tc>
+                <a:extLst>
+                  <a:ext uri="{0D108BD9-81ED-4DB2-BD59-A6C34878D82A}">
+                    <a16:rowId xmlns:a16="http://schemas.microsoft.com/office/drawing/2014/main" val="2835676398"/>
+                  </a:ext>
+                </a:extLst>
+              </a:tr>
+              <a:tr h="0">
+                <a:tc>
+                  <a:txBody>
+                    <a:bodyPr/>
+                    <a:lstStyle/>
+                    <a:p>
+                      <a:r>
+                        <a:rPr lang="en-US" dirty="0"/>
+                        <a:t>Main Memory Management</a:t>
+                      </a:r>
+                    </a:p>
+                  </a:txBody>
+                  <a:tcPr/>
+                </a:tc>
+                <a:tc>
+                  <a:txBody>
+                    <a:bodyPr/>
+                    <a:lstStyle/>
+                    <a:p>
+                      <a:r>
+                        <a:rPr lang="en-US" dirty="0"/>
+                        <a:t>Allocating and optimizing the use of RAM</a:t>
+                      </a:r>
+                    </a:p>
+                  </a:txBody>
+                  <a:tcPr/>
+                </a:tc>
+                <a:extLst>
+                  <a:ext uri="{0D108BD9-81ED-4DB2-BD59-A6C34878D82A}">
+                    <a16:rowId xmlns:a16="http://schemas.microsoft.com/office/drawing/2014/main" val="3089674923"/>
+                  </a:ext>
+                </a:extLst>
+              </a:tr>
+            </a:tbl>
+          </a:graphicData>
+        </a:graphic>
+      </p:graphicFrame>
     </p:spTree>
     <p:extLst>
       <p:ext uri="{BB962C8B-B14F-4D97-AF65-F5344CB8AC3E}">
@@ -27425,616 +26072,7 @@
 </p:sld>
 </file>
 
-<file path=ppt/slides/slide12.xml><?xml version="1.0" encoding="utf-8"?>
-<p:sld xmlns:a="http://schemas.openxmlformats.org/drawingml/2006/main" xmlns:r="http://schemas.openxmlformats.org/officeDocument/2006/relationships" xmlns:p="http://schemas.openxmlformats.org/presentationml/2006/main">
-  <p:cSld>
-    <p:bg>
-      <p:bgPr>
-        <a:solidFill>
-          <a:schemeClr val="bg1"/>
-        </a:solidFill>
-        <a:effectLst/>
-      </p:bgPr>
-    </p:bg>
-    <p:spTree>
-      <p:nvGrpSpPr>
-        <p:cNvPr id="1" name="">
-          <a:extLst>
-            <a:ext uri="{FF2B5EF4-FFF2-40B4-BE49-F238E27FC236}">
-              <a16:creationId xmlns:a16="http://schemas.microsoft.com/office/drawing/2014/main" id="{5E756C92-6BC0-1461-0A9F-1A063FDBCA15}"/>
-            </a:ext>
-          </a:extLst>
-        </p:cNvPr>
-        <p:cNvGrpSpPr/>
-        <p:nvPr/>
-      </p:nvGrpSpPr>
-      <p:grpSpPr>
-        <a:xfrm>
-          <a:off x="0" y="0"/>
-          <a:ext cx="0" cy="0"/>
-          <a:chOff x="0" y="0"/>
-          <a:chExt cx="0" cy="0"/>
-        </a:xfrm>
-      </p:grpSpPr>
-      <p:sp useBgFill="1">
-        <p:nvSpPr>
-          <p:cNvPr id="42" name="Rectangle 41">
-            <a:extLst>
-              <a:ext uri="{FF2B5EF4-FFF2-40B4-BE49-F238E27FC236}">
-                <a16:creationId xmlns:a16="http://schemas.microsoft.com/office/drawing/2014/main" id="{2EB492CD-616E-47F8-933B-5E2D952A0593}"/>
-              </a:ext>
-              <a:ext uri="{C183D7F6-B498-43B3-948B-1728B52AA6E4}">
-                <adec:decorative xmlns:adec="http://schemas.microsoft.com/office/drawing/2017/decorative" val="1"/>
-              </a:ext>
-            </a:extLst>
-          </p:cNvPr>
-          <p:cNvSpPr>
-            <a:spLocks noGrp="1" noRot="1" noChangeAspect="1" noMove="1" noResize="1" noEditPoints="1" noAdjustHandles="1" noChangeArrowheads="1" noChangeShapeType="1" noTextEdit="1"/>
-          </p:cNvSpPr>
-          <p:nvPr>
-            <p:extLst>
-              <p:ext uri="{386F3935-93C4-4BCD-93E2-E3B085C9AB24}">
-                <p16:designElem xmlns:p16="http://schemas.microsoft.com/office/powerpoint/2015/main" val="1"/>
-              </p:ext>
-            </p:extLst>
-          </p:nvPr>
-        </p:nvSpPr>
-        <p:spPr bwMode="white">
-          <a:xfrm>
-            <a:off x="0" y="0"/>
-            <a:ext cx="9144000" cy="6858000"/>
-          </a:xfrm>
-          <a:prstGeom prst="rect">
-            <a:avLst/>
-          </a:prstGeom>
-          <a:ln>
-            <a:noFill/>
-          </a:ln>
-        </p:spPr>
-        <p:style>
-          <a:lnRef idx="2">
-            <a:schemeClr val="accent1">
-              <a:shade val="50000"/>
-            </a:schemeClr>
-          </a:lnRef>
-          <a:fillRef idx="1">
-            <a:schemeClr val="accent1"/>
-          </a:fillRef>
-          <a:effectRef idx="0">
-            <a:schemeClr val="accent1"/>
-          </a:effectRef>
-          <a:fontRef idx="minor">
-            <a:schemeClr val="lt1"/>
-          </a:fontRef>
-        </p:style>
-        <p:txBody>
-          <a:bodyPr rtlCol="0" anchor="ctr"/>
-          <a:lstStyle>
-            <a:defPPr>
-              <a:defRPr lang="en-US"/>
-            </a:defPPr>
-            <a:lvl1pPr marL="0" algn="l" defTabSz="914400" rtl="0" eaLnBrk="1" latinLnBrk="0" hangingPunct="1">
-              <a:defRPr sz="1800" kern="1200">
-                <a:solidFill>
-                  <a:schemeClr val="lt1"/>
-                </a:solidFill>
-                <a:latin typeface="+mn-lt"/>
-                <a:ea typeface="+mn-ea"/>
-                <a:cs typeface="+mn-cs"/>
-              </a:defRPr>
-            </a:lvl1pPr>
-            <a:lvl2pPr marL="457200" algn="l" defTabSz="914400" rtl="0" eaLnBrk="1" latinLnBrk="0" hangingPunct="1">
-              <a:defRPr sz="1800" kern="1200">
-                <a:solidFill>
-                  <a:schemeClr val="lt1"/>
-                </a:solidFill>
-                <a:latin typeface="+mn-lt"/>
-                <a:ea typeface="+mn-ea"/>
-                <a:cs typeface="+mn-cs"/>
-              </a:defRPr>
-            </a:lvl2pPr>
-            <a:lvl3pPr marL="914400" algn="l" defTabSz="914400" rtl="0" eaLnBrk="1" latinLnBrk="0" hangingPunct="1">
-              <a:defRPr sz="1800" kern="1200">
-                <a:solidFill>
-                  <a:schemeClr val="lt1"/>
-                </a:solidFill>
-                <a:latin typeface="+mn-lt"/>
-                <a:ea typeface="+mn-ea"/>
-                <a:cs typeface="+mn-cs"/>
-              </a:defRPr>
-            </a:lvl3pPr>
-            <a:lvl4pPr marL="1371600" algn="l" defTabSz="914400" rtl="0" eaLnBrk="1" latinLnBrk="0" hangingPunct="1">
-              <a:defRPr sz="1800" kern="1200">
-                <a:solidFill>
-                  <a:schemeClr val="lt1"/>
-                </a:solidFill>
-                <a:latin typeface="+mn-lt"/>
-                <a:ea typeface="+mn-ea"/>
-                <a:cs typeface="+mn-cs"/>
-              </a:defRPr>
-            </a:lvl4pPr>
-            <a:lvl5pPr marL="1828800" algn="l" defTabSz="914400" rtl="0" eaLnBrk="1" latinLnBrk="0" hangingPunct="1">
-              <a:defRPr sz="1800" kern="1200">
-                <a:solidFill>
-                  <a:schemeClr val="lt1"/>
-                </a:solidFill>
-                <a:latin typeface="+mn-lt"/>
-                <a:ea typeface="+mn-ea"/>
-                <a:cs typeface="+mn-cs"/>
-              </a:defRPr>
-            </a:lvl5pPr>
-            <a:lvl6pPr marL="2286000" algn="l" defTabSz="914400" rtl="0" eaLnBrk="1" latinLnBrk="0" hangingPunct="1">
-              <a:defRPr sz="1800" kern="1200">
-                <a:solidFill>
-                  <a:schemeClr val="lt1"/>
-                </a:solidFill>
-                <a:latin typeface="+mn-lt"/>
-                <a:ea typeface="+mn-ea"/>
-                <a:cs typeface="+mn-cs"/>
-              </a:defRPr>
-            </a:lvl6pPr>
-            <a:lvl7pPr marL="2743200" algn="l" defTabSz="914400" rtl="0" eaLnBrk="1" latinLnBrk="0" hangingPunct="1">
-              <a:defRPr sz="1800" kern="1200">
-                <a:solidFill>
-                  <a:schemeClr val="lt1"/>
-                </a:solidFill>
-                <a:latin typeface="+mn-lt"/>
-                <a:ea typeface="+mn-ea"/>
-                <a:cs typeface="+mn-cs"/>
-              </a:defRPr>
-            </a:lvl7pPr>
-            <a:lvl8pPr marL="3200400" algn="l" defTabSz="914400" rtl="0" eaLnBrk="1" latinLnBrk="0" hangingPunct="1">
-              <a:defRPr sz="1800" kern="1200">
-                <a:solidFill>
-                  <a:schemeClr val="lt1"/>
-                </a:solidFill>
-                <a:latin typeface="+mn-lt"/>
-                <a:ea typeface="+mn-ea"/>
-                <a:cs typeface="+mn-cs"/>
-              </a:defRPr>
-            </a:lvl8pPr>
-            <a:lvl9pPr marL="3657600" algn="l" defTabSz="914400" rtl="0" eaLnBrk="1" latinLnBrk="0" hangingPunct="1">
-              <a:defRPr sz="1800" kern="1200">
-                <a:solidFill>
-                  <a:schemeClr val="lt1"/>
-                </a:solidFill>
-                <a:latin typeface="+mn-lt"/>
-                <a:ea typeface="+mn-ea"/>
-                <a:cs typeface="+mn-cs"/>
-              </a:defRPr>
-            </a:lvl9pPr>
-          </a:lstStyle>
-          <a:p>
-            <a:pPr algn="ctr"/>
-            <a:endParaRPr lang="en-US"/>
-          </a:p>
-        </p:txBody>
-      </p:sp>
-      <p:sp>
-        <p:nvSpPr>
-          <p:cNvPr id="44" name="Arc 43">
-            <a:extLst>
-              <a:ext uri="{FF2B5EF4-FFF2-40B4-BE49-F238E27FC236}">
-                <a16:creationId xmlns:a16="http://schemas.microsoft.com/office/drawing/2014/main" id="{59383CF9-23B5-4335-9B21-1791C4CF1C75}"/>
-              </a:ext>
-              <a:ext uri="{C183D7F6-B498-43B3-948B-1728B52AA6E4}">
-                <adec:decorative xmlns:adec="http://schemas.microsoft.com/office/drawing/2017/decorative" val="1"/>
-              </a:ext>
-            </a:extLst>
-          </p:cNvPr>
-          <p:cNvSpPr>
-            <a:spLocks noGrp="1" noRot="1" noChangeAspect="1" noMove="1" noResize="1" noEditPoints="1" noAdjustHandles="1" noChangeArrowheads="1" noChangeShapeType="1" noTextEdit="1"/>
-          </p:cNvSpPr>
-          <p:nvPr>
-            <p:extLst>
-              <p:ext uri="{386F3935-93C4-4BCD-93E2-E3B085C9AB24}">
-                <p16:designElem xmlns:p16="http://schemas.microsoft.com/office/powerpoint/2015/main" val="1"/>
-              </p:ext>
-            </p:extLst>
-          </p:nvPr>
-        </p:nvSpPr>
-        <p:spPr>
-          <a:xfrm rot="3967198" flipH="1">
-            <a:off x="6100024" y="863980"/>
-            <a:ext cx="2987899" cy="2240924"/>
-          </a:xfrm>
-          <a:prstGeom prst="arc">
-            <a:avLst>
-              <a:gd name="adj1" fmla="val 14441841"/>
-              <a:gd name="adj2" fmla="val 0"/>
-            </a:avLst>
-          </a:prstGeom>
-          <a:ln w="127000" cap="rnd">
-            <a:solidFill>
-              <a:schemeClr val="accent4"/>
-            </a:solidFill>
-            <a:prstDash val="dash"/>
-            <a:miter lim="800000"/>
-          </a:ln>
-        </p:spPr>
-        <p:style>
-          <a:lnRef idx="1">
-            <a:schemeClr val="accent1"/>
-          </a:lnRef>
-          <a:fillRef idx="0">
-            <a:schemeClr val="accent1"/>
-          </a:fillRef>
-          <a:effectRef idx="0">
-            <a:schemeClr val="accent1"/>
-          </a:effectRef>
-          <a:fontRef idx="minor">
-            <a:schemeClr val="tx1"/>
-          </a:fontRef>
-        </p:style>
-        <p:txBody>
-          <a:bodyPr rtlCol="0" anchor="ctr"/>
-          <a:lstStyle/>
-          <a:p>
-            <a:pPr marL="0" marR="0" lvl="0" indent="0" algn="ctr" defTabSz="914400" rtl="0" eaLnBrk="1" fontAlgn="auto" latinLnBrk="0" hangingPunct="1">
-              <a:lnSpc>
-                <a:spcPct val="100000"/>
-              </a:lnSpc>
-              <a:spcBef>
-                <a:spcPts val="0"/>
-              </a:spcBef>
-              <a:spcAft>
-                <a:spcPts val="0"/>
-              </a:spcAft>
-              <a:buClrTx/>
-              <a:buSzTx/>
-              <a:buFontTx/>
-              <a:buNone/>
-              <a:tabLst/>
-              <a:defRPr/>
-            </a:pPr>
-            <a:endParaRPr kumimoji="0" lang="en-US" sz="1800" b="0" i="0" u="none" strike="noStrike" kern="1200" cap="none" spc="0" normalizeH="0" baseline="0" noProof="0">
-              <a:ln>
-                <a:noFill/>
-              </a:ln>
-              <a:solidFill>
-                <a:srgbClr val="000000"/>
-              </a:solidFill>
-              <a:effectLst/>
-              <a:uLnTx/>
-              <a:uFillTx/>
-              <a:latin typeface="Calibri" panose="020F0502020204030204"/>
-              <a:ea typeface="+mn-ea"/>
-              <a:cs typeface="+mn-cs"/>
-            </a:endParaRPr>
-          </a:p>
-        </p:txBody>
-      </p:sp>
-      <p:sp>
-        <p:nvSpPr>
-          <p:cNvPr id="2" name="Title 1">
-            <a:extLst>
-              <a:ext uri="{FF2B5EF4-FFF2-40B4-BE49-F238E27FC236}">
-                <a16:creationId xmlns:a16="http://schemas.microsoft.com/office/drawing/2014/main" id="{1902636C-A2A7-633D-4B8B-713038EDB2BD}"/>
-              </a:ext>
-            </a:extLst>
-          </p:cNvPr>
-          <p:cNvSpPr>
-            <a:spLocks noGrp="1"/>
-          </p:cNvSpPr>
-          <p:nvPr>
-            <p:ph type="title"/>
-          </p:nvPr>
-        </p:nvSpPr>
-        <p:spPr>
-          <a:xfrm>
-            <a:off x="4421221" y="479493"/>
-            <a:ext cx="4094129" cy="1325563"/>
-          </a:xfrm>
-        </p:spPr>
-        <p:txBody>
-          <a:bodyPr vert="horz" lIns="91440" tIns="45720" rIns="91440" bIns="45720" rtlCol="0" anchor="ctr">
-            <a:normAutofit/>
-          </a:bodyPr>
-          <a:lstStyle/>
-          <a:p>
-            <a:pPr algn="l" defTabSz="914400">
-              <a:lnSpc>
-                <a:spcPct val="90000"/>
-              </a:lnSpc>
-            </a:pPr>
-            <a:r>
-              <a:rPr lang="en-US" kern="1200">
-                <a:solidFill>
-                  <a:schemeClr val="tx1"/>
-                </a:solidFill>
-                <a:latin typeface="+mj-lt"/>
-                <a:ea typeface="+mj-ea"/>
-                <a:cs typeface="+mj-cs"/>
-              </a:rPr>
-              <a:t>MacOS</a:t>
-            </a:r>
-          </a:p>
-        </p:txBody>
-      </p:sp>
-      <p:sp>
-        <p:nvSpPr>
-          <p:cNvPr id="46" name="Freeform: Shape 45">
-            <a:extLst>
-              <a:ext uri="{FF2B5EF4-FFF2-40B4-BE49-F238E27FC236}">
-                <a16:creationId xmlns:a16="http://schemas.microsoft.com/office/drawing/2014/main" id="{0007FE00-9498-4706-B255-6437B0252C02}"/>
-              </a:ext>
-              <a:ext uri="{C183D7F6-B498-43B3-948B-1728B52AA6E4}">
-                <adec:decorative xmlns:adec="http://schemas.microsoft.com/office/drawing/2017/decorative" val="1"/>
-              </a:ext>
-            </a:extLst>
-          </p:cNvPr>
-          <p:cNvSpPr>
-            <a:spLocks noGrp="1" noRot="1" noChangeAspect="1" noMove="1" noResize="1" noEditPoints="1" noAdjustHandles="1" noChangeArrowheads="1" noChangeShapeType="1" noTextEdit="1"/>
-          </p:cNvSpPr>
-          <p:nvPr>
-            <p:extLst>
-              <p:ext uri="{386F3935-93C4-4BCD-93E2-E3B085C9AB24}">
-                <p16:designElem xmlns:p16="http://schemas.microsoft.com/office/powerpoint/2015/main" val="1"/>
-              </p:ext>
-            </p:extLst>
-          </p:nvPr>
-        </p:nvSpPr>
-        <p:spPr>
-          <a:xfrm flipH="1">
-            <a:off x="0" y="5486400"/>
-            <a:ext cx="2004647" cy="1371600"/>
-          </a:xfrm>
-          <a:custGeom>
-            <a:avLst/>
-            <a:gdLst>
-              <a:gd name="connsiteX0" fmla="*/ 1721734 w 2672863"/>
-              <a:gd name="connsiteY0" fmla="*/ 0 h 1371600"/>
-              <a:gd name="connsiteX1" fmla="*/ 2564444 w 2672863"/>
-              <a:gd name="connsiteY1" fmla="*/ 213382 h 1371600"/>
-              <a:gd name="connsiteX2" fmla="*/ 2672863 w 2672863"/>
-              <a:gd name="connsiteY2" fmla="*/ 279248 h 1371600"/>
-              <a:gd name="connsiteX3" fmla="*/ 2672863 w 2672863"/>
-              <a:gd name="connsiteY3" fmla="*/ 1371600 h 1371600"/>
-              <a:gd name="connsiteX4" fmla="*/ 0 w 2672863"/>
-              <a:gd name="connsiteY4" fmla="*/ 1371600 h 1371600"/>
-              <a:gd name="connsiteX5" fmla="*/ 33268 w 2672863"/>
-              <a:gd name="connsiteY5" fmla="*/ 1242216 h 1371600"/>
-              <a:gd name="connsiteX6" fmla="*/ 1721734 w 2672863"/>
-              <a:gd name="connsiteY6" fmla="*/ 0 h 1371600"/>
-            </a:gdLst>
-            <a:ahLst/>
-            <a:cxnLst>
-              <a:cxn ang="0">
-                <a:pos x="connsiteX0" y="connsiteY0"/>
-              </a:cxn>
-              <a:cxn ang="0">
-                <a:pos x="connsiteX1" y="connsiteY1"/>
-              </a:cxn>
-              <a:cxn ang="0">
-                <a:pos x="connsiteX2" y="connsiteY2"/>
-              </a:cxn>
-              <a:cxn ang="0">
-                <a:pos x="connsiteX3" y="connsiteY3"/>
-              </a:cxn>
-              <a:cxn ang="0">
-                <a:pos x="connsiteX4" y="connsiteY4"/>
-              </a:cxn>
-              <a:cxn ang="0">
-                <a:pos x="connsiteX5" y="connsiteY5"/>
-              </a:cxn>
-              <a:cxn ang="0">
-                <a:pos x="connsiteX6" y="connsiteY6"/>
-              </a:cxn>
-            </a:cxnLst>
-            <a:rect l="l" t="t" r="r" b="b"/>
-            <a:pathLst>
-              <a:path w="2672863" h="1371600">
-                <a:moveTo>
-                  <a:pt x="1721734" y="0"/>
-                </a:moveTo>
-                <a:cubicBezTo>
-                  <a:pt x="2026863" y="0"/>
-                  <a:pt x="2313937" y="77299"/>
-                  <a:pt x="2564444" y="213382"/>
-                </a:cubicBezTo>
-                <a:lnTo>
-                  <a:pt x="2672863" y="279248"/>
-                </a:lnTo>
-                <a:lnTo>
-                  <a:pt x="2672863" y="1371600"/>
-                </a:lnTo>
-                <a:lnTo>
-                  <a:pt x="0" y="1371600"/>
-                </a:lnTo>
-                <a:lnTo>
-                  <a:pt x="33268" y="1242216"/>
-                </a:lnTo>
-                <a:cubicBezTo>
-                  <a:pt x="257110" y="522539"/>
-                  <a:pt x="928399" y="0"/>
-                  <a:pt x="1721734" y="0"/>
-                </a:cubicBezTo>
-                <a:close/>
-              </a:path>
-            </a:pathLst>
-          </a:custGeom>
-          <a:solidFill>
-            <a:schemeClr val="accent4"/>
-          </a:solidFill>
-          <a:ln>
-            <a:noFill/>
-          </a:ln>
-        </p:spPr>
-        <p:style>
-          <a:lnRef idx="2">
-            <a:schemeClr val="accent1">
-              <a:shade val="50000"/>
-            </a:schemeClr>
-          </a:lnRef>
-          <a:fillRef idx="1">
-            <a:schemeClr val="accent1"/>
-          </a:fillRef>
-          <a:effectRef idx="0">
-            <a:schemeClr val="accent1"/>
-          </a:effectRef>
-          <a:fontRef idx="minor">
-            <a:schemeClr val="lt1"/>
-          </a:fontRef>
-        </p:style>
-        <p:txBody>
-          <a:bodyPr wrap="square" rtlCol="0" anchor="ctr">
-            <a:noAutofit/>
-          </a:bodyPr>
-          <a:lstStyle/>
-          <a:p>
-            <a:pPr algn="ctr"/>
-            <a:endParaRPr lang="en-US"/>
-          </a:p>
-        </p:txBody>
-      </p:sp>
-      <p:pic>
-        <p:nvPicPr>
-          <p:cNvPr id="5" name="Picture 4" descr="A logo with a face and text&#10;&#10;AI-generated content may be incorrect.">
-            <a:extLst>
-              <a:ext uri="{FF2B5EF4-FFF2-40B4-BE49-F238E27FC236}">
-                <a16:creationId xmlns:a16="http://schemas.microsoft.com/office/drawing/2014/main" id="{40DD1E6A-2AA3-7E15-217C-4B8417BFD5D3}"/>
-              </a:ext>
-            </a:extLst>
-          </p:cNvPr>
-          <p:cNvPicPr>
-            <a:picLocks noChangeAspect="1"/>
-          </p:cNvPicPr>
-          <p:nvPr/>
-        </p:nvPicPr>
-        <p:blipFill>
-          <a:blip r:embed="rId3"/>
-          <a:stretch>
-            <a:fillRect/>
-          </a:stretch>
-        </p:blipFill>
-        <p:spPr>
-          <a:xfrm>
-            <a:off x="527386" y="802967"/>
-            <a:ext cx="3583036" cy="5082321"/>
-          </a:xfrm>
-          <a:custGeom>
-            <a:avLst/>
-            <a:gdLst/>
-            <a:ahLst/>
-            <a:cxnLst/>
-            <a:rect l="l" t="t" r="r" b="b"/>
-            <a:pathLst>
-              <a:path w="4777381" h="5643794">
-                <a:moveTo>
-                  <a:pt x="143704" y="0"/>
-                </a:moveTo>
-                <a:lnTo>
-                  <a:pt x="4633677" y="0"/>
-                </a:lnTo>
-                <a:cubicBezTo>
-                  <a:pt x="4713043" y="0"/>
-                  <a:pt x="4777381" y="64338"/>
-                  <a:pt x="4777381" y="143704"/>
-                </a:cubicBezTo>
-                <a:lnTo>
-                  <a:pt x="4777381" y="5500090"/>
-                </a:lnTo>
-                <a:cubicBezTo>
-                  <a:pt x="4777381" y="5579456"/>
-                  <a:pt x="4713043" y="5643794"/>
-                  <a:pt x="4633677" y="5643794"/>
-                </a:cubicBezTo>
-                <a:lnTo>
-                  <a:pt x="143704" y="5643794"/>
-                </a:lnTo>
-                <a:cubicBezTo>
-                  <a:pt x="64338" y="5643794"/>
-                  <a:pt x="0" y="5579456"/>
-                  <a:pt x="0" y="5500090"/>
-                </a:cubicBezTo>
-                <a:lnTo>
-                  <a:pt x="0" y="143704"/>
-                </a:lnTo>
-                <a:cubicBezTo>
-                  <a:pt x="0" y="64338"/>
-                  <a:pt x="64338" y="0"/>
-                  <a:pt x="143704" y="0"/>
-                </a:cubicBezTo>
-                <a:close/>
-              </a:path>
-            </a:pathLst>
-          </a:custGeom>
-        </p:spPr>
-      </p:pic>
-      <p:sp>
-        <p:nvSpPr>
-          <p:cNvPr id="10" name="TextBox 9">
-            <a:extLst>
-              <a:ext uri="{FF2B5EF4-FFF2-40B4-BE49-F238E27FC236}">
-                <a16:creationId xmlns:a16="http://schemas.microsoft.com/office/drawing/2014/main" id="{8BF6AA50-AC16-F306-B2B1-BBC1BA126CEB}"/>
-              </a:ext>
-            </a:extLst>
-          </p:cNvPr>
-          <p:cNvSpPr txBox="1"/>
-          <p:nvPr/>
-        </p:nvSpPr>
-        <p:spPr>
-          <a:xfrm>
-            <a:off x="4421221" y="1984443"/>
-            <a:ext cx="4094129" cy="4192520"/>
-          </a:xfrm>
-          <a:prstGeom prst="rect">
-            <a:avLst/>
-          </a:prstGeom>
-        </p:spPr>
-        <p:txBody>
-          <a:bodyPr vert="horz" lIns="91440" tIns="45720" rIns="91440" bIns="45720" rtlCol="0">
-            <a:normAutofit/>
-          </a:bodyPr>
-          <a:lstStyle/>
-          <a:p>
-            <a:pPr indent="-228600" defTabSz="914400">
-              <a:lnSpc>
-                <a:spcPct val="90000"/>
-              </a:lnSpc>
-              <a:spcAft>
-                <a:spcPts val="600"/>
-              </a:spcAft>
-              <a:buFont typeface="Arial" panose="020B0604020202020204" pitchFamily="34" charset="0"/>
-              <a:buChar char="•"/>
-            </a:pPr>
-            <a:r>
-              <a:rPr lang="en-US"/>
-              <a:t>is the </a:t>
-            </a:r>
-            <a:r>
-              <a:rPr lang="en-US" b="1"/>
-              <a:t>operating system</a:t>
-            </a:r>
-            <a:r>
-              <a:rPr lang="en-US"/>
-              <a:t> developed by </a:t>
-            </a:r>
-            <a:r>
-              <a:rPr lang="en-US" b="1"/>
-              <a:t>Apple Inc.</a:t>
-            </a:r>
-            <a:r>
-              <a:rPr lang="en-US"/>
-              <a:t> for its Macintosh line of computers. It's the software that allows you to interact with your Mac, run apps, manage files, and connect to the internet.</a:t>
-            </a:r>
-          </a:p>
-        </p:txBody>
-      </p:sp>
-    </p:spTree>
-    <p:extLst>
-      <p:ext uri="{BB962C8B-B14F-4D97-AF65-F5344CB8AC3E}">
-        <p14:creationId xmlns:p14="http://schemas.microsoft.com/office/powerpoint/2010/main" val="2389123160"/>
-      </p:ext>
-    </p:extLst>
-  </p:cSld>
-  <p:clrMapOvr>
-    <a:masterClrMapping/>
-  </p:clrMapOvr>
-</p:sld>
-</file>
-
-<file path=ppt/slides/slide13.xml><?xml version="1.0" encoding="utf-8"?>
+<file path=ppt/slides/slide14.xml><?xml version="1.0" encoding="utf-8"?>
 <p:sld xmlns:a="http://schemas.openxmlformats.org/drawingml/2006/main" xmlns:r="http://schemas.openxmlformats.org/officeDocument/2006/relationships" xmlns:p="http://schemas.openxmlformats.org/presentationml/2006/main">
   <p:cSld>
     <p:bg>
@@ -28404,7 +26442,7 @@
 </p:sld>
 </file>
 
-<file path=ppt/slides/slide14.xml><?xml version="1.0" encoding="utf-8"?>
+<file path=ppt/slides/slide15.xml><?xml version="1.0" encoding="utf-8"?>
 <p:sld xmlns:a="http://schemas.openxmlformats.org/drawingml/2006/main" xmlns:r="http://schemas.openxmlformats.org/officeDocument/2006/relationships" xmlns:p="http://schemas.openxmlformats.org/presentationml/2006/main">
   <p:cSld>
     <p:bg>
@@ -28930,7 +26968,7 @@
 </p:sld>
 </file>
 
-<file path=ppt/slides/slide15.xml><?xml version="1.0" encoding="utf-8"?>
+<file path=ppt/slides/slide16.xml><?xml version="1.0" encoding="utf-8"?>
 <p:sld xmlns:a="http://schemas.openxmlformats.org/drawingml/2006/main" xmlns:r="http://schemas.openxmlformats.org/officeDocument/2006/relationships" xmlns:p="http://schemas.openxmlformats.org/presentationml/2006/main">
   <p:cSld>
     <p:bg>
@@ -29083,7 +27121,7 @@
 </p:sld>
 </file>
 
-<file path=ppt/slides/slide16.xml><?xml version="1.0" encoding="utf-8"?>
+<file path=ppt/slides/slide17.xml><?xml version="1.0" encoding="utf-8"?>
 <p:sld xmlns:a="http://schemas.openxmlformats.org/drawingml/2006/main" xmlns:r="http://schemas.openxmlformats.org/officeDocument/2006/relationships" xmlns:p="http://schemas.openxmlformats.org/presentationml/2006/main">
   <p:cSld>
     <p:bg>
@@ -30927,7 +28965,7 @@
               </a:lnSpc>
             </a:pPr>
             <a:r>
-              <a:rPr lang="en-US" sz="2700"/>
+              <a:rPr lang="en-US" sz="2700" dirty="0"/>
               <a:t>The OS is system software that acts as an interface between users and computer hardware.</a:t>
             </a:r>
           </a:p>
@@ -30937,7 +28975,7 @@
                 <a:spcPct val="90000"/>
               </a:lnSpc>
             </a:pPr>
-            <a:endParaRPr lang="en-US" sz="2700"/>
+            <a:endParaRPr lang="en-US" sz="2700" dirty="0"/>
           </a:p>
           <a:p>
             <a:pPr>
@@ -30946,7 +28984,7 @@
               </a:lnSpc>
             </a:pPr>
             <a:r>
-              <a:rPr lang="en-US" sz="2700"/>
+              <a:rPr lang="en-US" sz="2700" dirty="0"/>
               <a:t>It manages hardware, software resources, and provides services for application programs.</a:t>
             </a:r>
           </a:p>
@@ -32139,7 +30177,7 @@
             <p:ph idx="1"/>
             <p:extLst>
               <p:ext uri="{D42A27DB-BD31-4B8C-83A1-F6EECF244321}">
-                <p14:modId xmlns:p14="http://schemas.microsoft.com/office/powerpoint/2010/main" val="2784624648"/>
+                <p14:modId xmlns:p14="http://schemas.microsoft.com/office/powerpoint/2010/main" val="3960545894"/>
               </p:ext>
             </p:extLst>
           </p:nvPr>
@@ -32459,8 +30497,8 @@
         </p:nvSpPr>
         <p:spPr>
           <a:xfrm>
-            <a:off x="4421221" y="479493"/>
-            <a:ext cx="4094129" cy="1325563"/>
+            <a:off x="477871" y="1074618"/>
+            <a:ext cx="6407023" cy="1325563"/>
           </a:xfrm>
         </p:spPr>
         <p:txBody>
@@ -32475,16 +30513,17 @@
               </a:lnSpc>
             </a:pPr>
             <a:r>
-              <a:rPr lang="en-US" kern="1200">
-                <a:solidFill>
-                  <a:schemeClr val="tx1"/>
-                </a:solidFill>
-                <a:latin typeface="+mj-lt"/>
-                <a:ea typeface="+mj-ea"/>
-                <a:cs typeface="+mj-cs"/>
-              </a:rPr>
-              <a:t>Windows</a:t>
+              <a:rPr lang="en-US" b="1" dirty="0"/>
+              <a:t>Server Operating System</a:t>
             </a:r>
+            <a:endParaRPr lang="en-US" b="1" kern="1200" dirty="0">
+              <a:solidFill>
+                <a:schemeClr val="tx1"/>
+              </a:solidFill>
+              <a:latin typeface="+mj-lt"/>
+              <a:ea typeface="+mj-ea"/>
+              <a:cs typeface="+mj-cs"/>
+            </a:endParaRPr>
           </a:p>
         </p:txBody>
       </p:sp>
@@ -32624,80 +30663,6 @@
           </a:p>
         </p:txBody>
       </p:sp>
-      <p:pic>
-        <p:nvPicPr>
-          <p:cNvPr id="7" name="Picture 6" descr="A blue square with black lines&#10;&#10;AI-generated content may be incorrect.">
-            <a:extLst>
-              <a:ext uri="{FF2B5EF4-FFF2-40B4-BE49-F238E27FC236}">
-                <a16:creationId xmlns:a16="http://schemas.microsoft.com/office/drawing/2014/main" id="{7BB45A5B-F020-69E6-B321-06D99F6B3049}"/>
-              </a:ext>
-            </a:extLst>
-          </p:cNvPr>
-          <p:cNvPicPr>
-            <a:picLocks noChangeAspect="1"/>
-          </p:cNvPicPr>
-          <p:nvPr/>
-        </p:nvPicPr>
-        <p:blipFill>
-          <a:blip r:embed="rId3"/>
-          <a:stretch>
-            <a:fillRect/>
-          </a:stretch>
-        </p:blipFill>
-        <p:spPr>
-          <a:xfrm>
-            <a:off x="527386" y="1552610"/>
-            <a:ext cx="3583036" cy="3583036"/>
-          </a:xfrm>
-          <a:custGeom>
-            <a:avLst/>
-            <a:gdLst/>
-            <a:ahLst/>
-            <a:cxnLst/>
-            <a:rect l="l" t="t" r="r" b="b"/>
-            <a:pathLst>
-              <a:path w="4777381" h="5643794">
-                <a:moveTo>
-                  <a:pt x="143704" y="0"/>
-                </a:moveTo>
-                <a:lnTo>
-                  <a:pt x="4633677" y="0"/>
-                </a:lnTo>
-                <a:cubicBezTo>
-                  <a:pt x="4713043" y="0"/>
-                  <a:pt x="4777381" y="64338"/>
-                  <a:pt x="4777381" y="143704"/>
-                </a:cubicBezTo>
-                <a:lnTo>
-                  <a:pt x="4777381" y="5500090"/>
-                </a:lnTo>
-                <a:cubicBezTo>
-                  <a:pt x="4777381" y="5579456"/>
-                  <a:pt x="4713043" y="5643794"/>
-                  <a:pt x="4633677" y="5643794"/>
-                </a:cubicBezTo>
-                <a:lnTo>
-                  <a:pt x="143704" y="5643794"/>
-                </a:lnTo>
-                <a:cubicBezTo>
-                  <a:pt x="64338" y="5643794"/>
-                  <a:pt x="0" y="5579456"/>
-                  <a:pt x="0" y="5500090"/>
-                </a:cubicBezTo>
-                <a:lnTo>
-                  <a:pt x="0" y="143704"/>
-                </a:lnTo>
-                <a:cubicBezTo>
-                  <a:pt x="0" y="64338"/>
-                  <a:pt x="64338" y="0"/>
-                  <a:pt x="143704" y="0"/>
-                </a:cubicBezTo>
-                <a:close/>
-              </a:path>
-            </a:pathLst>
-          </a:custGeom>
-        </p:spPr>
-      </p:pic>
       <p:sp>
         <p:nvSpPr>
           <p:cNvPr id="10" name="TextBox 9">
@@ -32712,8 +30677,8 @@
         </p:nvSpPr>
         <p:spPr>
           <a:xfrm>
-            <a:off x="4421221" y="1984443"/>
-            <a:ext cx="4094129" cy="4192520"/>
+            <a:off x="857936" y="2310161"/>
+            <a:ext cx="6995146" cy="4192520"/>
           </a:xfrm>
           <a:prstGeom prst="rect">
             <a:avLst/>
@@ -32725,45 +30690,18 @@
           </a:bodyPr>
           <a:lstStyle/>
           <a:p>
-            <a:pPr indent="-228600" defTabSz="914400">
+            <a:pPr algn="just" defTabSz="914400">
               <a:lnSpc>
                 <a:spcPct val="90000"/>
               </a:lnSpc>
               <a:spcAft>
                 <a:spcPts val="600"/>
               </a:spcAft>
-              <a:buFont typeface="Arial" panose="020B0604020202020204" pitchFamily="34" charset="0"/>
-              <a:buChar char="•"/>
             </a:pPr>
             <a:r>
-              <a:rPr lang="en-US" b="1"/>
-              <a:t>Windows</a:t>
+              <a:rPr lang="en-US" sz="2800" dirty="0"/>
+              <a:t>-A server Operating System that is built to manage largescale resources and serve multiple users at the same time. These OSs are tuned for serving web pages. Databases or managing networks.</a:t>
             </a:r>
-            <a:r>
-              <a:rPr lang="en-US"/>
-              <a:t> most commonly refers to </a:t>
-            </a:r>
-            <a:r>
-              <a:rPr lang="en-US" b="1"/>
-              <a:t>Microsoft Windows</a:t>
-            </a:r>
-            <a:r>
-              <a:rPr lang="en-US"/>
-              <a:t>, a widely used </a:t>
-            </a:r>
-            <a:r>
-              <a:rPr lang="en-US" b="1"/>
-              <a:t>operating system (OS)</a:t>
-            </a:r>
-            <a:r>
-              <a:rPr lang="en-US"/>
-              <a:t> developed by Microsoft. An operating system is the essential software that manages all the computer's hardware and software resources. It acts as the bridge between you and your computer, allowing you to run programs, organize files, connect to the internet, and interact with the machine using a </a:t>
-            </a:r>
-            <a:r>
-              <a:rPr lang="en-US" b="1"/>
-              <a:t>Graphical User Interface (GUI)</a:t>
-            </a:r>
-            <a:endParaRPr lang="en-US"/>
           </a:p>
         </p:txBody>
       </p:sp>
@@ -32796,7 +30734,7 @@
         <p:cNvPr id="1" name="">
           <a:extLst>
             <a:ext uri="{FF2B5EF4-FFF2-40B4-BE49-F238E27FC236}">
-              <a16:creationId xmlns:a16="http://schemas.microsoft.com/office/drawing/2014/main" id="{A47AEFA5-38AD-651C-3047-5B53572430FF}"/>
+              <a16:creationId xmlns:a16="http://schemas.microsoft.com/office/drawing/2014/main" id="{645754B8-77FC-F88C-07F7-F1DE0248B7E0}"/>
             </a:ext>
           </a:extLst>
         </p:cNvPr>
@@ -32811,51 +30749,12 @@
           <a:chExt cx="0" cy="0"/>
         </a:xfrm>
       </p:grpSpPr>
-      <p:pic>
-        <p:nvPicPr>
-          <p:cNvPr id="40" name="Picture 39">
+      <p:sp useBgFill="1">
+        <p:nvSpPr>
+          <p:cNvPr id="29" name="Rectangle 28">
             <a:extLst>
               <a:ext uri="{FF2B5EF4-FFF2-40B4-BE49-F238E27FC236}">
-                <a16:creationId xmlns:a16="http://schemas.microsoft.com/office/drawing/2014/main" id="{0091568B-3302-98DE-C238-9F509F2B85D9}"/>
-              </a:ext>
-            </a:extLst>
-          </p:cNvPr>
-          <p:cNvPicPr>
-            <a:picLocks noChangeAspect="1"/>
-          </p:cNvPicPr>
-          <p:nvPr/>
-        </p:nvPicPr>
-        <p:blipFill>
-          <a:blip r:embed="rId3">
-            <a:duotone>
-              <a:schemeClr val="bg2">
-                <a:shade val="45000"/>
-                <a:satMod val="135000"/>
-              </a:schemeClr>
-              <a:prstClr val="white"/>
-            </a:duotone>
-          </a:blip>
-          <a:srcRect b="25000"/>
-          <a:stretch>
-            <a:fillRect/>
-          </a:stretch>
-        </p:blipFill>
-        <p:spPr>
-          <a:xfrm>
-            <a:off x="20" y="10"/>
-            <a:ext cx="9143980" cy="6857990"/>
-          </a:xfrm>
-          <a:prstGeom prst="rect">
-            <a:avLst/>
-          </a:prstGeom>
-        </p:spPr>
-      </p:pic>
-      <p:sp>
-        <p:nvSpPr>
-          <p:cNvPr id="44" name="Rectangle 43">
-            <a:extLst>
-              <a:ext uri="{FF2B5EF4-FFF2-40B4-BE49-F238E27FC236}">
-                <a16:creationId xmlns:a16="http://schemas.microsoft.com/office/drawing/2014/main" id="{B50AB553-2A96-4A92-96F2-93548E096954}"/>
+                <a16:creationId xmlns:a16="http://schemas.microsoft.com/office/drawing/2014/main" id="{5495E85C-5154-4E44-A98F-60E9CC1FDCF8}"/>
               </a:ext>
               <a:ext uri="{C183D7F6-B498-43B3-948B-1728B52AA6E4}">
                 <adec:decorative xmlns:adec="http://schemas.microsoft.com/office/drawing/2017/decorative" val="1"/>
@@ -32873,7 +30772,7 @@
             </p:extLst>
           </p:nvPr>
         </p:nvSpPr>
-        <p:spPr>
+        <p:spPr bwMode="white">
           <a:xfrm>
             <a:off x="0" y="0"/>
             <a:ext cx="9144000" cy="6858000"/>
@@ -32881,23 +30780,6 @@
           <a:prstGeom prst="rect">
             <a:avLst/>
           </a:prstGeom>
-          <a:gradFill>
-            <a:gsLst>
-              <a:gs pos="10000">
-                <a:schemeClr val="bg2">
-                  <a:alpha val="68000"/>
-                </a:schemeClr>
-              </a:gs>
-              <a:gs pos="85000">
-                <a:schemeClr val="bg2">
-                  <a:alpha val="97000"/>
-                </a:schemeClr>
-              </a:gs>
-            </a:gsLst>
-            <a:path path="circle">
-              <a:fillToRect l="50000" t="50000" r="50000" b="50000"/>
-            </a:path>
-          </a:gradFill>
           <a:ln>
             <a:noFill/>
           </a:ln>
@@ -32920,7 +30802,101 @@
         </p:style>
         <p:txBody>
           <a:bodyPr rtlCol="0" anchor="ctr"/>
-          <a:lstStyle/>
+          <a:lstStyle>
+            <a:defPPr>
+              <a:defRPr lang="en-US"/>
+            </a:defPPr>
+            <a:lvl1pPr marL="0" algn="l" defTabSz="914400" rtl="0" eaLnBrk="1" latinLnBrk="0" hangingPunct="1">
+              <a:defRPr sz="1800" kern="1200">
+                <a:solidFill>
+                  <a:schemeClr val="lt1"/>
+                </a:solidFill>
+                <a:latin typeface="+mn-lt"/>
+                <a:ea typeface="+mn-ea"/>
+                <a:cs typeface="+mn-cs"/>
+              </a:defRPr>
+            </a:lvl1pPr>
+            <a:lvl2pPr marL="457200" algn="l" defTabSz="914400" rtl="0" eaLnBrk="1" latinLnBrk="0" hangingPunct="1">
+              <a:defRPr sz="1800" kern="1200">
+                <a:solidFill>
+                  <a:schemeClr val="lt1"/>
+                </a:solidFill>
+                <a:latin typeface="+mn-lt"/>
+                <a:ea typeface="+mn-ea"/>
+                <a:cs typeface="+mn-cs"/>
+              </a:defRPr>
+            </a:lvl2pPr>
+            <a:lvl3pPr marL="914400" algn="l" defTabSz="914400" rtl="0" eaLnBrk="1" latinLnBrk="0" hangingPunct="1">
+              <a:defRPr sz="1800" kern="1200">
+                <a:solidFill>
+                  <a:schemeClr val="lt1"/>
+                </a:solidFill>
+                <a:latin typeface="+mn-lt"/>
+                <a:ea typeface="+mn-ea"/>
+                <a:cs typeface="+mn-cs"/>
+              </a:defRPr>
+            </a:lvl3pPr>
+            <a:lvl4pPr marL="1371600" algn="l" defTabSz="914400" rtl="0" eaLnBrk="1" latinLnBrk="0" hangingPunct="1">
+              <a:defRPr sz="1800" kern="1200">
+                <a:solidFill>
+                  <a:schemeClr val="lt1"/>
+                </a:solidFill>
+                <a:latin typeface="+mn-lt"/>
+                <a:ea typeface="+mn-ea"/>
+                <a:cs typeface="+mn-cs"/>
+              </a:defRPr>
+            </a:lvl4pPr>
+            <a:lvl5pPr marL="1828800" algn="l" defTabSz="914400" rtl="0" eaLnBrk="1" latinLnBrk="0" hangingPunct="1">
+              <a:defRPr sz="1800" kern="1200">
+                <a:solidFill>
+                  <a:schemeClr val="lt1"/>
+                </a:solidFill>
+                <a:latin typeface="+mn-lt"/>
+                <a:ea typeface="+mn-ea"/>
+                <a:cs typeface="+mn-cs"/>
+              </a:defRPr>
+            </a:lvl5pPr>
+            <a:lvl6pPr marL="2286000" algn="l" defTabSz="914400" rtl="0" eaLnBrk="1" latinLnBrk="0" hangingPunct="1">
+              <a:defRPr sz="1800" kern="1200">
+                <a:solidFill>
+                  <a:schemeClr val="lt1"/>
+                </a:solidFill>
+                <a:latin typeface="+mn-lt"/>
+                <a:ea typeface="+mn-ea"/>
+                <a:cs typeface="+mn-cs"/>
+              </a:defRPr>
+            </a:lvl6pPr>
+            <a:lvl7pPr marL="2743200" algn="l" defTabSz="914400" rtl="0" eaLnBrk="1" latinLnBrk="0" hangingPunct="1">
+              <a:defRPr sz="1800" kern="1200">
+                <a:solidFill>
+                  <a:schemeClr val="lt1"/>
+                </a:solidFill>
+                <a:latin typeface="+mn-lt"/>
+                <a:ea typeface="+mn-ea"/>
+                <a:cs typeface="+mn-cs"/>
+              </a:defRPr>
+            </a:lvl7pPr>
+            <a:lvl8pPr marL="3200400" algn="l" defTabSz="914400" rtl="0" eaLnBrk="1" latinLnBrk="0" hangingPunct="1">
+              <a:defRPr sz="1800" kern="1200">
+                <a:solidFill>
+                  <a:schemeClr val="lt1"/>
+                </a:solidFill>
+                <a:latin typeface="+mn-lt"/>
+                <a:ea typeface="+mn-ea"/>
+                <a:cs typeface="+mn-cs"/>
+              </a:defRPr>
+            </a:lvl8pPr>
+            <a:lvl9pPr marL="3657600" algn="l" defTabSz="914400" rtl="0" eaLnBrk="1" latinLnBrk="0" hangingPunct="1">
+              <a:defRPr sz="1800" kern="1200">
+                <a:solidFill>
+                  <a:schemeClr val="lt1"/>
+                </a:solidFill>
+                <a:latin typeface="+mn-lt"/>
+                <a:ea typeface="+mn-ea"/>
+                <a:cs typeface="+mn-cs"/>
+              </a:defRPr>
+            </a:lvl9pPr>
+          </a:lstStyle>
           <a:p>
             <a:pPr algn="ctr"/>
             <a:endParaRPr lang="en-US"/>
@@ -32929,10 +30905,104 @@
       </p:sp>
       <p:sp>
         <p:nvSpPr>
+          <p:cNvPr id="31" name="Arc 30">
+            <a:extLst>
+              <a:ext uri="{FF2B5EF4-FFF2-40B4-BE49-F238E27FC236}">
+                <a16:creationId xmlns:a16="http://schemas.microsoft.com/office/drawing/2014/main" id="{A1CC1729-7612-1A8C-959F-C1B409120D4A}"/>
+              </a:ext>
+              <a:ext uri="{C183D7F6-B498-43B3-948B-1728B52AA6E4}">
+                <adec:decorative xmlns:adec="http://schemas.microsoft.com/office/drawing/2017/decorative" val="1"/>
+              </a:ext>
+            </a:extLst>
+          </p:cNvPr>
+          <p:cNvSpPr>
+            <a:spLocks noGrp="1" noRot="1" noChangeAspect="1" noMove="1" noResize="1" noEditPoints="1" noAdjustHandles="1" noChangeArrowheads="1" noChangeShapeType="1" noTextEdit="1"/>
+          </p:cNvSpPr>
+          <p:nvPr>
+            <p:extLst>
+              <p:ext uri="{386F3935-93C4-4BCD-93E2-E3B085C9AB24}">
+                <p16:designElem xmlns:p16="http://schemas.microsoft.com/office/powerpoint/2015/main" val="1"/>
+              </p:ext>
+            </p:extLst>
+          </p:nvPr>
+        </p:nvSpPr>
+        <p:spPr>
+          <a:xfrm rot="3967198" flipH="1">
+            <a:off x="6100024" y="863980"/>
+            <a:ext cx="2987899" cy="2240924"/>
+          </a:xfrm>
+          <a:prstGeom prst="arc">
+            <a:avLst>
+              <a:gd name="adj1" fmla="val 14441841"/>
+              <a:gd name="adj2" fmla="val 0"/>
+            </a:avLst>
+          </a:prstGeom>
+          <a:ln w="127000" cap="rnd">
+            <a:solidFill>
+              <a:schemeClr val="accent4"/>
+            </a:solidFill>
+            <a:prstDash val="dash"/>
+            <a:miter lim="800000"/>
+          </a:ln>
+        </p:spPr>
+        <p:style>
+          <a:lnRef idx="1">
+            <a:schemeClr val="accent1"/>
+          </a:lnRef>
+          <a:fillRef idx="0">
+            <a:schemeClr val="accent1"/>
+          </a:fillRef>
+          <a:effectRef idx="0">
+            <a:schemeClr val="accent1"/>
+          </a:effectRef>
+          <a:fontRef idx="minor">
+            <a:schemeClr val="tx1"/>
+          </a:fontRef>
+        </p:style>
+        <p:txBody>
+          <a:bodyPr rtlCol="0" anchor="ctr"/>
+          <a:lstStyle/>
+          <a:p>
+            <a:pPr marL="0" marR="0" lvl="0" indent="0" algn="ctr" defTabSz="914400" rtl="0" eaLnBrk="1" fontAlgn="auto" latinLnBrk="0" hangingPunct="1">
+              <a:lnSpc>
+                <a:spcPct val="100000"/>
+              </a:lnSpc>
+              <a:spcBef>
+                <a:spcPts val="0"/>
+              </a:spcBef>
+              <a:spcAft>
+                <a:spcPts val="0"/>
+              </a:spcAft>
+              <a:buClrTx/>
+              <a:buSzTx/>
+              <a:buFontTx/>
+              <a:buNone/>
+              <a:tabLst/>
+              <a:defRPr/>
+            </a:pPr>
+            <a:endParaRPr kumimoji="0" lang="en-US" sz="1800" b="0" i="0" u="none" strike="noStrike" kern="1200" cap="none" spc="0" normalizeH="0" baseline="0" noProof="0">
+              <a:ln>
+                <a:noFill/>
+              </a:ln>
+              <a:solidFill>
+                <a:srgbClr val="000000"/>
+              </a:solidFill>
+              <a:effectLst/>
+              <a:uLnTx/>
+              <a:uFillTx/>
+              <a:latin typeface="Calibri" panose="020F0502020204030204"/>
+              <a:ea typeface="+mn-ea"/>
+              <a:cs typeface="+mn-cs"/>
+            </a:endParaRPr>
+          </a:p>
+        </p:txBody>
+      </p:sp>
+      <p:sp>
+        <p:nvSpPr>
           <p:cNvPr id="2" name="Title 1">
             <a:extLst>
               <a:ext uri="{FF2B5EF4-FFF2-40B4-BE49-F238E27FC236}">
-                <a16:creationId xmlns:a16="http://schemas.microsoft.com/office/drawing/2014/main" id="{61E686E8-0FD6-DE29-AD1A-520DB324D118}"/>
+                <a16:creationId xmlns:a16="http://schemas.microsoft.com/office/drawing/2014/main" id="{94F0A168-C2D2-CA49-380F-9BDAF785C55B}"/>
               </a:ext>
             </a:extLst>
           </p:cNvPr>
@@ -32945,8 +31015,8 @@
         </p:nvSpPr>
         <p:spPr>
           <a:xfrm>
-            <a:off x="628650" y="365125"/>
-            <a:ext cx="7886700" cy="1325563"/>
+            <a:off x="208929" y="990389"/>
+            <a:ext cx="8249271" cy="1325563"/>
           </a:xfrm>
         </p:spPr>
         <p:txBody>
@@ -32955,50 +31025,349 @@
           </a:bodyPr>
           <a:lstStyle/>
           <a:p>
-            <a:pPr algn="l" defTabSz="914400">
+            <a:pPr defTabSz="914400">
               <a:lnSpc>
                 <a:spcPct val="90000"/>
               </a:lnSpc>
             </a:pPr>
             <a:r>
-              <a:rPr lang="en-US" dirty="0"/>
-              <a:t>Windows</a:t>
+              <a:rPr lang="en-US" b="1" dirty="0"/>
+              <a:t>Key Features of Server Operating System</a:t>
             </a:r>
+            <a:endParaRPr lang="en-US" b="1" kern="1200" dirty="0">
+              <a:solidFill>
+                <a:schemeClr val="tx1"/>
+              </a:solidFill>
+              <a:latin typeface="+mj-lt"/>
+              <a:ea typeface="+mj-ea"/>
+              <a:cs typeface="+mj-cs"/>
+            </a:endParaRPr>
           </a:p>
         </p:txBody>
       </p:sp>
-      <p:graphicFrame>
-        <p:nvGraphicFramePr>
-          <p:cNvPr id="39" name="TextBox 4">
+      <p:sp>
+        <p:nvSpPr>
+          <p:cNvPr id="33" name="Freeform: Shape 32">
             <a:extLst>
               <a:ext uri="{FF2B5EF4-FFF2-40B4-BE49-F238E27FC236}">
-                <a16:creationId xmlns:a16="http://schemas.microsoft.com/office/drawing/2014/main" id="{5AECBB48-2E09-C773-D3D6-BD2E4A9B552D}"/>
+                <a16:creationId xmlns:a16="http://schemas.microsoft.com/office/drawing/2014/main" id="{3EC903DE-911B-F608-B3C7-57B2121FDD57}"/>
+              </a:ext>
+              <a:ext uri="{C183D7F6-B498-43B3-948B-1728B52AA6E4}">
+                <adec:decorative xmlns:adec="http://schemas.microsoft.com/office/drawing/2017/decorative" val="1"/>
               </a:ext>
             </a:extLst>
           </p:cNvPr>
-          <p:cNvGraphicFramePr/>
+          <p:cNvSpPr>
+            <a:spLocks noGrp="1" noRot="1" noChangeAspect="1" noMove="1" noResize="1" noEditPoints="1" noAdjustHandles="1" noChangeArrowheads="1" noChangeShapeType="1" noTextEdit="1"/>
+          </p:cNvSpPr>
           <p:nvPr>
             <p:extLst>
-              <p:ext uri="{D42A27DB-BD31-4B8C-83A1-F6EECF244321}">
-                <p14:modId xmlns:p14="http://schemas.microsoft.com/office/powerpoint/2010/main" val="2775751097"/>
+              <p:ext uri="{386F3935-93C4-4BCD-93E2-E3B085C9AB24}">
+                <p16:designElem xmlns:p16="http://schemas.microsoft.com/office/powerpoint/2015/main" val="1"/>
               </p:ext>
             </p:extLst>
           </p:nvPr>
-        </p:nvGraphicFramePr>
-        <p:xfrm>
-          <a:off x="628650" y="1825625"/>
-          <a:ext cx="7886700" cy="4351338"/>
-        </p:xfrm>
-        <a:graphic>
-          <a:graphicData uri="http://schemas.openxmlformats.org/drawingml/2006/diagram">
-            <dgm:relIds xmlns:dgm="http://schemas.openxmlformats.org/drawingml/2006/diagram" xmlns:r="http://schemas.openxmlformats.org/officeDocument/2006/relationships" r:dm="rId4" r:lo="rId5" r:qs="rId6" r:cs="rId7"/>
-          </a:graphicData>
-        </a:graphic>
-      </p:graphicFrame>
+        </p:nvSpPr>
+        <p:spPr>
+          <a:xfrm flipH="1">
+            <a:off x="0" y="5486400"/>
+            <a:ext cx="2004647" cy="1371600"/>
+          </a:xfrm>
+          <a:custGeom>
+            <a:avLst/>
+            <a:gdLst>
+              <a:gd name="connsiteX0" fmla="*/ 1721734 w 2672863"/>
+              <a:gd name="connsiteY0" fmla="*/ 0 h 1371600"/>
+              <a:gd name="connsiteX1" fmla="*/ 2564444 w 2672863"/>
+              <a:gd name="connsiteY1" fmla="*/ 213382 h 1371600"/>
+              <a:gd name="connsiteX2" fmla="*/ 2672863 w 2672863"/>
+              <a:gd name="connsiteY2" fmla="*/ 279248 h 1371600"/>
+              <a:gd name="connsiteX3" fmla="*/ 2672863 w 2672863"/>
+              <a:gd name="connsiteY3" fmla="*/ 1371600 h 1371600"/>
+              <a:gd name="connsiteX4" fmla="*/ 0 w 2672863"/>
+              <a:gd name="connsiteY4" fmla="*/ 1371600 h 1371600"/>
+              <a:gd name="connsiteX5" fmla="*/ 33268 w 2672863"/>
+              <a:gd name="connsiteY5" fmla="*/ 1242216 h 1371600"/>
+              <a:gd name="connsiteX6" fmla="*/ 1721734 w 2672863"/>
+              <a:gd name="connsiteY6" fmla="*/ 0 h 1371600"/>
+            </a:gdLst>
+            <a:ahLst/>
+            <a:cxnLst>
+              <a:cxn ang="0">
+                <a:pos x="connsiteX0" y="connsiteY0"/>
+              </a:cxn>
+              <a:cxn ang="0">
+                <a:pos x="connsiteX1" y="connsiteY1"/>
+              </a:cxn>
+              <a:cxn ang="0">
+                <a:pos x="connsiteX2" y="connsiteY2"/>
+              </a:cxn>
+              <a:cxn ang="0">
+                <a:pos x="connsiteX3" y="connsiteY3"/>
+              </a:cxn>
+              <a:cxn ang="0">
+                <a:pos x="connsiteX4" y="connsiteY4"/>
+              </a:cxn>
+              <a:cxn ang="0">
+                <a:pos x="connsiteX5" y="connsiteY5"/>
+              </a:cxn>
+              <a:cxn ang="0">
+                <a:pos x="connsiteX6" y="connsiteY6"/>
+              </a:cxn>
+            </a:cxnLst>
+            <a:rect l="l" t="t" r="r" b="b"/>
+            <a:pathLst>
+              <a:path w="2672863" h="1371600">
+                <a:moveTo>
+                  <a:pt x="1721734" y="0"/>
+                </a:moveTo>
+                <a:cubicBezTo>
+                  <a:pt x="2026863" y="0"/>
+                  <a:pt x="2313937" y="77299"/>
+                  <a:pt x="2564444" y="213382"/>
+                </a:cubicBezTo>
+                <a:lnTo>
+                  <a:pt x="2672863" y="279248"/>
+                </a:lnTo>
+                <a:lnTo>
+                  <a:pt x="2672863" y="1371600"/>
+                </a:lnTo>
+                <a:lnTo>
+                  <a:pt x="0" y="1371600"/>
+                </a:lnTo>
+                <a:lnTo>
+                  <a:pt x="33268" y="1242216"/>
+                </a:lnTo>
+                <a:cubicBezTo>
+                  <a:pt x="257110" y="522539"/>
+                  <a:pt x="928399" y="0"/>
+                  <a:pt x="1721734" y="0"/>
+                </a:cubicBezTo>
+                <a:close/>
+              </a:path>
+            </a:pathLst>
+          </a:custGeom>
+          <a:solidFill>
+            <a:schemeClr val="accent4"/>
+          </a:solidFill>
+          <a:ln>
+            <a:noFill/>
+          </a:ln>
+        </p:spPr>
+        <p:style>
+          <a:lnRef idx="2">
+            <a:schemeClr val="accent1">
+              <a:shade val="50000"/>
+            </a:schemeClr>
+          </a:lnRef>
+          <a:fillRef idx="1">
+            <a:schemeClr val="accent1"/>
+          </a:fillRef>
+          <a:effectRef idx="0">
+            <a:schemeClr val="accent1"/>
+          </a:effectRef>
+          <a:fontRef idx="minor">
+            <a:schemeClr val="lt1"/>
+          </a:fontRef>
+        </p:style>
+        <p:txBody>
+          <a:bodyPr wrap="square" rtlCol="0" anchor="ctr">
+            <a:noAutofit/>
+          </a:bodyPr>
+          <a:lstStyle/>
+          <a:p>
+            <a:pPr algn="ctr"/>
+            <a:endParaRPr lang="en-US"/>
+          </a:p>
+        </p:txBody>
+      </p:sp>
+      <p:grpSp>
+        <p:nvGrpSpPr>
+          <p:cNvPr id="4" name="Group 3">
+            <a:extLst>
+              <a:ext uri="{FF2B5EF4-FFF2-40B4-BE49-F238E27FC236}">
+                <a16:creationId xmlns:a16="http://schemas.microsoft.com/office/drawing/2014/main" id="{609BB7BA-7D69-264D-BCF2-F90C75CDD256}"/>
+              </a:ext>
+            </a:extLst>
+          </p:cNvPr>
+          <p:cNvGrpSpPr/>
+          <p:nvPr/>
+        </p:nvGrpSpPr>
+        <p:grpSpPr>
+          <a:xfrm>
+            <a:off x="418323" y="2457726"/>
+            <a:ext cx="7649911" cy="3264207"/>
+            <a:chOff x="418323" y="1281341"/>
+            <a:chExt cx="7649911" cy="3264207"/>
+          </a:xfrm>
+        </p:grpSpPr>
+        <p:sp>
+          <p:nvSpPr>
+            <p:cNvPr id="10" name="TextBox 9">
+              <a:extLst>
+                <a:ext uri="{FF2B5EF4-FFF2-40B4-BE49-F238E27FC236}">
+                  <a16:creationId xmlns:a16="http://schemas.microsoft.com/office/drawing/2014/main" id="{F71A66F4-37D7-269A-C4EE-75BA26E09C29}"/>
+                </a:ext>
+              </a:extLst>
+            </p:cNvPr>
+            <p:cNvSpPr txBox="1"/>
+            <p:nvPr/>
+          </p:nvSpPr>
+          <p:spPr>
+            <a:xfrm>
+              <a:off x="857936" y="1281341"/>
+              <a:ext cx="6995146" cy="2147659"/>
+            </a:xfrm>
+            <a:prstGeom prst="rect">
+              <a:avLst/>
+            </a:prstGeom>
+          </p:spPr>
+          <p:txBody>
+            <a:bodyPr vert="horz" lIns="91440" tIns="45720" rIns="91440" bIns="45720" rtlCol="0">
+              <a:normAutofit lnSpcReduction="10000"/>
+            </a:bodyPr>
+            <a:lstStyle/>
+            <a:p>
+              <a:pPr marL="457200" indent="-457200" algn="just" defTabSz="914400">
+                <a:lnSpc>
+                  <a:spcPct val="90000"/>
+                </a:lnSpc>
+                <a:spcAft>
+                  <a:spcPts val="600"/>
+                </a:spcAft>
+                <a:buFont typeface="Arial" panose="020B0604020202020204" pitchFamily="34" charset="0"/>
+                <a:buChar char="•"/>
+              </a:pPr>
+              <a:r>
+                <a:rPr lang="en-US" sz="2800" dirty="0"/>
+                <a:t>Network and hardware management</a:t>
+              </a:r>
+            </a:p>
+            <a:p>
+              <a:pPr marL="457200" indent="-457200" algn="just" defTabSz="914400">
+                <a:lnSpc>
+                  <a:spcPct val="90000"/>
+                </a:lnSpc>
+                <a:spcAft>
+                  <a:spcPts val="600"/>
+                </a:spcAft>
+                <a:buFont typeface="Arial" panose="020B0604020202020204" pitchFamily="34" charset="0"/>
+                <a:buChar char="•"/>
+              </a:pPr>
+              <a:r>
+                <a:rPr lang="en-US" sz="2800" dirty="0"/>
+                <a:t>High reliability &amp; uptime to support critical applications.</a:t>
+              </a:r>
+            </a:p>
+            <a:p>
+              <a:pPr marL="457200" indent="-457200" algn="just" defTabSz="914400">
+                <a:lnSpc>
+                  <a:spcPct val="90000"/>
+                </a:lnSpc>
+                <a:spcAft>
+                  <a:spcPts val="600"/>
+                </a:spcAft>
+                <a:buFont typeface="Arial" panose="020B0604020202020204" pitchFamily="34" charset="0"/>
+                <a:buChar char="•"/>
+              </a:pPr>
+              <a:r>
+                <a:rPr lang="en-US" sz="2800" dirty="0"/>
+                <a:t>Command-line interfaces (CLI) for efficient IT management</a:t>
+              </a:r>
+            </a:p>
+            <a:p>
+              <a:pPr marL="457200" indent="-457200" algn="just" defTabSz="914400">
+                <a:lnSpc>
+                  <a:spcPct val="90000"/>
+                </a:lnSpc>
+                <a:spcAft>
+                  <a:spcPts val="600"/>
+                </a:spcAft>
+                <a:buFont typeface="Arial" panose="020B0604020202020204" pitchFamily="34" charset="0"/>
+                <a:buChar char="•"/>
+              </a:pPr>
+              <a:endParaRPr lang="en-US" sz="2800" dirty="0"/>
+            </a:p>
+            <a:p>
+              <a:pPr marL="457200" indent="-457200" algn="just" defTabSz="914400">
+                <a:lnSpc>
+                  <a:spcPct val="90000"/>
+                </a:lnSpc>
+                <a:spcAft>
+                  <a:spcPts val="600"/>
+                </a:spcAft>
+                <a:buFont typeface="Arial" panose="020B0604020202020204" pitchFamily="34" charset="0"/>
+                <a:buChar char="•"/>
+              </a:pPr>
+              <a:endParaRPr lang="en-US" sz="2800" dirty="0"/>
+            </a:p>
+          </p:txBody>
+        </p:sp>
+        <p:sp>
+          <p:nvSpPr>
+            <p:cNvPr id="3" name="Title 1">
+              <a:extLst>
+                <a:ext uri="{FF2B5EF4-FFF2-40B4-BE49-F238E27FC236}">
+                  <a16:creationId xmlns:a16="http://schemas.microsoft.com/office/drawing/2014/main" id="{6818F0A5-E7E1-E7F7-CE94-CB3F8671B8B6}"/>
+                </a:ext>
+              </a:extLst>
+            </p:cNvPr>
+            <p:cNvSpPr txBox="1">
+              <a:spLocks/>
+            </p:cNvSpPr>
+            <p:nvPr/>
+          </p:nvSpPr>
+          <p:spPr>
+            <a:xfrm>
+              <a:off x="418323" y="3219985"/>
+              <a:ext cx="7649911" cy="1325563"/>
+            </a:xfrm>
+            <a:prstGeom prst="rect">
+              <a:avLst/>
+            </a:prstGeom>
+          </p:spPr>
+          <p:txBody>
+            <a:bodyPr vert="horz" lIns="91440" tIns="45720" rIns="91440" bIns="45720" rtlCol="0" anchor="ctr">
+              <a:normAutofit/>
+            </a:bodyPr>
+            <a:lstStyle>
+              <a:lvl1pPr algn="ctr" defTabSz="457200" rtl="0" eaLnBrk="1" latinLnBrk="0" hangingPunct="1">
+                <a:spcBef>
+                  <a:spcPct val="0"/>
+                </a:spcBef>
+                <a:buNone/>
+                <a:defRPr sz="4400" kern="1200">
+                  <a:solidFill>
+                    <a:schemeClr val="tx1"/>
+                  </a:solidFill>
+                  <a:latin typeface="+mj-lt"/>
+                  <a:ea typeface="+mj-ea"/>
+                  <a:cs typeface="+mj-cs"/>
+                </a:defRPr>
+              </a:lvl1pPr>
+            </a:lstStyle>
+            <a:p>
+              <a:pPr algn="l" defTabSz="914400">
+                <a:lnSpc>
+                  <a:spcPct val="90000"/>
+                </a:lnSpc>
+              </a:pPr>
+              <a:r>
+                <a:rPr lang="en-US" sz="1800" i="1" dirty="0"/>
+                <a:t>Examples: </a:t>
+              </a:r>
+              <a:r>
+                <a:rPr lang="en-US" sz="1800" dirty="0"/>
+                <a:t>Ubuntu Server, Windows Server, Oracle Solaris and Red hat.</a:t>
+              </a:r>
+            </a:p>
+          </p:txBody>
+        </p:sp>
+      </p:grpSp>
     </p:spTree>
     <p:extLst>
       <p:ext uri="{BB962C8B-B14F-4D97-AF65-F5344CB8AC3E}">
-        <p14:creationId xmlns:p14="http://schemas.microsoft.com/office/powerpoint/2010/main" val="767629427"/>
+        <p14:creationId xmlns:p14="http://schemas.microsoft.com/office/powerpoint/2010/main" val="2938381995"/>
       </p:ext>
     </p:extLst>
   </p:cSld>
@@ -33024,7 +31393,7 @@
         <p:cNvPr id="1" name="">
           <a:extLst>
             <a:ext uri="{FF2B5EF4-FFF2-40B4-BE49-F238E27FC236}">
-              <a16:creationId xmlns:a16="http://schemas.microsoft.com/office/drawing/2014/main" id="{70FC6FDE-8F68-2942-FEA7-7EDD495E9FD0}"/>
+              <a16:creationId xmlns:a16="http://schemas.microsoft.com/office/drawing/2014/main" id="{6858EC37-6421-6A17-3364-4BD09B16C837}"/>
             </a:ext>
           </a:extLst>
         </p:cNvPr>
@@ -33039,12 +31408,12 @@
           <a:chExt cx="0" cy="0"/>
         </a:xfrm>
       </p:grpSpPr>
-      <p:sp>
+      <p:sp useBgFill="1">
         <p:nvSpPr>
-          <p:cNvPr id="42" name="Freeform 6">
+          <p:cNvPr id="29" name="Rectangle 28">
             <a:extLst>
               <a:ext uri="{FF2B5EF4-FFF2-40B4-BE49-F238E27FC236}">
-                <a16:creationId xmlns:a16="http://schemas.microsoft.com/office/drawing/2014/main" id="{69D184B2-2226-4E31-BCCB-444330767440}"/>
+                <a16:creationId xmlns:a16="http://schemas.microsoft.com/office/drawing/2014/main" id="{3785A880-7E30-5829-EBE9-3F79F7C9EF98}"/>
               </a:ext>
               <a:ext uri="{C183D7F6-B498-43B3-948B-1728B52AA6E4}">
                 <adec:decorative xmlns:adec="http://schemas.microsoft.com/office/drawing/2017/decorative" val="1"/>
@@ -33062,92 +31431,143 @@
             </p:extLst>
           </p:nvPr>
         </p:nvSpPr>
-        <p:spPr bwMode="auto">
+        <p:spPr bwMode="white">
           <a:xfrm>
-            <a:off x="8338899" y="918266"/>
-            <a:ext cx="529596" cy="5863534"/>
+            <a:off x="0" y="0"/>
+            <a:ext cx="9144000" cy="6858000"/>
           </a:xfrm>
-          <a:custGeom>
+          <a:prstGeom prst="rect">
             <a:avLst/>
-            <a:gdLst>
-              <a:gd name="T0" fmla="*/ 414 w 414"/>
-              <a:gd name="T1" fmla="*/ 2447 h 2447"/>
-              <a:gd name="T2" fmla="*/ 0 w 414"/>
-              <a:gd name="T3" fmla="*/ 2247 h 2447"/>
-              <a:gd name="T4" fmla="*/ 0 w 414"/>
-              <a:gd name="T5" fmla="*/ 0 h 2447"/>
-              <a:gd name="T6" fmla="*/ 414 w 414"/>
-              <a:gd name="T7" fmla="*/ 200 h 2447"/>
-              <a:gd name="T8" fmla="*/ 414 w 414"/>
-              <a:gd name="T9" fmla="*/ 2447 h 2447"/>
-            </a:gdLst>
-            <a:ahLst/>
-            <a:cxnLst>
-              <a:cxn ang="0">
-                <a:pos x="T0" y="T1"/>
-              </a:cxn>
-              <a:cxn ang="0">
-                <a:pos x="T2" y="T3"/>
-              </a:cxn>
-              <a:cxn ang="0">
-                <a:pos x="T4" y="T5"/>
-              </a:cxn>
-              <a:cxn ang="0">
-                <a:pos x="T6" y="T7"/>
-              </a:cxn>
-              <a:cxn ang="0">
-                <a:pos x="T8" y="T9"/>
-              </a:cxn>
-            </a:cxnLst>
-            <a:rect l="0" t="0" r="r" b="b"/>
-            <a:pathLst>
-              <a:path w="414" h="2447">
-                <a:moveTo>
-                  <a:pt x="414" y="2447"/>
-                </a:moveTo>
-                <a:lnTo>
-                  <a:pt x="0" y="2247"/>
-                </a:lnTo>
-                <a:lnTo>
-                  <a:pt x="0" y="0"/>
-                </a:lnTo>
-                <a:lnTo>
-                  <a:pt x="414" y="200"/>
-                </a:lnTo>
-                <a:lnTo>
-                  <a:pt x="414" y="2447"/>
-                </a:lnTo>
-                <a:close/>
-              </a:path>
-            </a:pathLst>
-          </a:custGeom>
-          <a:solidFill>
-            <a:schemeClr val="accent1">
-              <a:lumMod val="75000"/>
-            </a:schemeClr>
-          </a:solidFill>
+          </a:prstGeom>
           <a:ln>
             <a:noFill/>
           </a:ln>
         </p:spPr>
+        <p:style>
+          <a:lnRef idx="2">
+            <a:schemeClr val="accent1">
+              <a:shade val="50000"/>
+            </a:schemeClr>
+          </a:lnRef>
+          <a:fillRef idx="1">
+            <a:schemeClr val="accent1"/>
+          </a:fillRef>
+          <a:effectRef idx="0">
+            <a:schemeClr val="accent1"/>
+          </a:effectRef>
+          <a:fontRef idx="minor">
+            <a:schemeClr val="lt1"/>
+          </a:fontRef>
+        </p:style>
         <p:txBody>
-          <a:bodyPr vert="horz" wrap="square" lIns="91440" tIns="45720" rIns="91440" bIns="45720" numCol="1" anchor="t" anchorCtr="0" compatLnSpc="1">
-            <a:prstTxWarp prst="textNoShape">
-              <a:avLst/>
-            </a:prstTxWarp>
-          </a:bodyPr>
-          <a:lstStyle/>
+          <a:bodyPr rtlCol="0" anchor="ctr"/>
+          <a:lstStyle>
+            <a:defPPr>
+              <a:defRPr lang="en-US"/>
+            </a:defPPr>
+            <a:lvl1pPr marL="0" algn="l" defTabSz="914400" rtl="0" eaLnBrk="1" latinLnBrk="0" hangingPunct="1">
+              <a:defRPr sz="1800" kern="1200">
+                <a:solidFill>
+                  <a:schemeClr val="lt1"/>
+                </a:solidFill>
+                <a:latin typeface="+mn-lt"/>
+                <a:ea typeface="+mn-ea"/>
+                <a:cs typeface="+mn-cs"/>
+              </a:defRPr>
+            </a:lvl1pPr>
+            <a:lvl2pPr marL="457200" algn="l" defTabSz="914400" rtl="0" eaLnBrk="1" latinLnBrk="0" hangingPunct="1">
+              <a:defRPr sz="1800" kern="1200">
+                <a:solidFill>
+                  <a:schemeClr val="lt1"/>
+                </a:solidFill>
+                <a:latin typeface="+mn-lt"/>
+                <a:ea typeface="+mn-ea"/>
+                <a:cs typeface="+mn-cs"/>
+              </a:defRPr>
+            </a:lvl2pPr>
+            <a:lvl3pPr marL="914400" algn="l" defTabSz="914400" rtl="0" eaLnBrk="1" latinLnBrk="0" hangingPunct="1">
+              <a:defRPr sz="1800" kern="1200">
+                <a:solidFill>
+                  <a:schemeClr val="lt1"/>
+                </a:solidFill>
+                <a:latin typeface="+mn-lt"/>
+                <a:ea typeface="+mn-ea"/>
+                <a:cs typeface="+mn-cs"/>
+              </a:defRPr>
+            </a:lvl3pPr>
+            <a:lvl4pPr marL="1371600" algn="l" defTabSz="914400" rtl="0" eaLnBrk="1" latinLnBrk="0" hangingPunct="1">
+              <a:defRPr sz="1800" kern="1200">
+                <a:solidFill>
+                  <a:schemeClr val="lt1"/>
+                </a:solidFill>
+                <a:latin typeface="+mn-lt"/>
+                <a:ea typeface="+mn-ea"/>
+                <a:cs typeface="+mn-cs"/>
+              </a:defRPr>
+            </a:lvl4pPr>
+            <a:lvl5pPr marL="1828800" algn="l" defTabSz="914400" rtl="0" eaLnBrk="1" latinLnBrk="0" hangingPunct="1">
+              <a:defRPr sz="1800" kern="1200">
+                <a:solidFill>
+                  <a:schemeClr val="lt1"/>
+                </a:solidFill>
+                <a:latin typeface="+mn-lt"/>
+                <a:ea typeface="+mn-ea"/>
+                <a:cs typeface="+mn-cs"/>
+              </a:defRPr>
+            </a:lvl5pPr>
+            <a:lvl6pPr marL="2286000" algn="l" defTabSz="914400" rtl="0" eaLnBrk="1" latinLnBrk="0" hangingPunct="1">
+              <a:defRPr sz="1800" kern="1200">
+                <a:solidFill>
+                  <a:schemeClr val="lt1"/>
+                </a:solidFill>
+                <a:latin typeface="+mn-lt"/>
+                <a:ea typeface="+mn-ea"/>
+                <a:cs typeface="+mn-cs"/>
+              </a:defRPr>
+            </a:lvl6pPr>
+            <a:lvl7pPr marL="2743200" algn="l" defTabSz="914400" rtl="0" eaLnBrk="1" latinLnBrk="0" hangingPunct="1">
+              <a:defRPr sz="1800" kern="1200">
+                <a:solidFill>
+                  <a:schemeClr val="lt1"/>
+                </a:solidFill>
+                <a:latin typeface="+mn-lt"/>
+                <a:ea typeface="+mn-ea"/>
+                <a:cs typeface="+mn-cs"/>
+              </a:defRPr>
+            </a:lvl7pPr>
+            <a:lvl8pPr marL="3200400" algn="l" defTabSz="914400" rtl="0" eaLnBrk="1" latinLnBrk="0" hangingPunct="1">
+              <a:defRPr sz="1800" kern="1200">
+                <a:solidFill>
+                  <a:schemeClr val="lt1"/>
+                </a:solidFill>
+                <a:latin typeface="+mn-lt"/>
+                <a:ea typeface="+mn-ea"/>
+                <a:cs typeface="+mn-cs"/>
+              </a:defRPr>
+            </a:lvl8pPr>
+            <a:lvl9pPr marL="3657600" algn="l" defTabSz="914400" rtl="0" eaLnBrk="1" latinLnBrk="0" hangingPunct="1">
+              <a:defRPr sz="1800" kern="1200">
+                <a:solidFill>
+                  <a:schemeClr val="lt1"/>
+                </a:solidFill>
+                <a:latin typeface="+mn-lt"/>
+                <a:ea typeface="+mn-ea"/>
+                <a:cs typeface="+mn-cs"/>
+              </a:defRPr>
+            </a:lvl9pPr>
+          </a:lstStyle>
           <a:p>
+            <a:pPr algn="ctr"/>
             <a:endParaRPr lang="en-US"/>
           </a:p>
         </p:txBody>
       </p:sp>
       <p:sp>
         <p:nvSpPr>
-          <p:cNvPr id="44" name="Freeform 7">
+          <p:cNvPr id="31" name="Arc 30">
             <a:extLst>
               <a:ext uri="{FF2B5EF4-FFF2-40B4-BE49-F238E27FC236}">
-                <a16:creationId xmlns:a16="http://schemas.microsoft.com/office/drawing/2014/main" id="{1AC4D4E3-486A-464A-8EC8-D44881097267}"/>
+                <a16:creationId xmlns:a16="http://schemas.microsoft.com/office/drawing/2014/main" id="{F4B424FC-19D2-1FAD-FE41-8935F1431E0B}"/>
               </a:ext>
               <a:ext uri="{C183D7F6-B498-43B3-948B-1728B52AA6E4}">
                 <adec:decorative xmlns:adec="http://schemas.microsoft.com/office/drawing/2017/decorative" val="1"/>
@@ -33165,92 +31585,131 @@
             </p:extLst>
           </p:nvPr>
         </p:nvSpPr>
-        <p:spPr bwMode="auto">
-          <a:xfrm>
-            <a:off x="8338409" y="643467"/>
-            <a:ext cx="315230" cy="5668919"/>
+        <p:spPr>
+          <a:xfrm rot="3967198" flipH="1">
+            <a:off x="6100024" y="863980"/>
+            <a:ext cx="2987899" cy="2240924"/>
           </a:xfrm>
-          <a:custGeom>
-            <a:avLst/>
-            <a:gdLst>
-              <a:gd name="T0" fmla="*/ 209 w 209"/>
-              <a:gd name="T1" fmla="*/ 2246 h 2358"/>
-              <a:gd name="T2" fmla="*/ 0 w 209"/>
-              <a:gd name="T3" fmla="*/ 2358 h 2358"/>
-              <a:gd name="T4" fmla="*/ 0 w 209"/>
-              <a:gd name="T5" fmla="*/ 111 h 2358"/>
-              <a:gd name="T6" fmla="*/ 209 w 209"/>
-              <a:gd name="T7" fmla="*/ 0 h 2358"/>
-              <a:gd name="T8" fmla="*/ 209 w 209"/>
-              <a:gd name="T9" fmla="*/ 2246 h 2358"/>
-            </a:gdLst>
-            <a:ahLst/>
-            <a:cxnLst>
-              <a:cxn ang="0">
-                <a:pos x="T0" y="T1"/>
-              </a:cxn>
-              <a:cxn ang="0">
-                <a:pos x="T2" y="T3"/>
-              </a:cxn>
-              <a:cxn ang="0">
-                <a:pos x="T4" y="T5"/>
-              </a:cxn>
-              <a:cxn ang="0">
-                <a:pos x="T6" y="T7"/>
-              </a:cxn>
-              <a:cxn ang="0">
-                <a:pos x="T8" y="T9"/>
-              </a:cxn>
-            </a:cxnLst>
-            <a:rect l="0" t="0" r="r" b="b"/>
-            <a:pathLst>
-              <a:path w="209" h="2358">
-                <a:moveTo>
-                  <a:pt x="209" y="2246"/>
-                </a:moveTo>
-                <a:lnTo>
-                  <a:pt x="0" y="2358"/>
-                </a:lnTo>
-                <a:lnTo>
-                  <a:pt x="0" y="111"/>
-                </a:lnTo>
-                <a:lnTo>
-                  <a:pt x="209" y="0"/>
-                </a:lnTo>
-                <a:lnTo>
-                  <a:pt x="209" y="2246"/>
-                </a:lnTo>
-                <a:close/>
-              </a:path>
-            </a:pathLst>
-          </a:custGeom>
-          <a:solidFill>
-            <a:schemeClr val="accent1">
-              <a:lumMod val="50000"/>
-            </a:schemeClr>
-          </a:solidFill>
-          <a:ln>
-            <a:noFill/>
+          <a:prstGeom prst="arc">
+            <a:avLst>
+              <a:gd name="adj1" fmla="val 14441841"/>
+              <a:gd name="adj2" fmla="val 0"/>
+            </a:avLst>
+          </a:prstGeom>
+          <a:ln w="127000" cap="rnd">
+            <a:solidFill>
+              <a:schemeClr val="accent4"/>
+            </a:solidFill>
+            <a:prstDash val="dash"/>
+            <a:miter lim="800000"/>
           </a:ln>
         </p:spPr>
+        <p:style>
+          <a:lnRef idx="1">
+            <a:schemeClr val="accent1"/>
+          </a:lnRef>
+          <a:fillRef idx="0">
+            <a:schemeClr val="accent1"/>
+          </a:fillRef>
+          <a:effectRef idx="0">
+            <a:schemeClr val="accent1"/>
+          </a:effectRef>
+          <a:fontRef idx="minor">
+            <a:schemeClr val="tx1"/>
+          </a:fontRef>
+        </p:style>
         <p:txBody>
-          <a:bodyPr vert="horz" wrap="square" lIns="91440" tIns="45720" rIns="91440" bIns="45720" numCol="1" anchor="t" anchorCtr="0" compatLnSpc="1">
-            <a:prstTxWarp prst="textNoShape">
-              <a:avLst/>
-            </a:prstTxWarp>
-          </a:bodyPr>
+          <a:bodyPr rtlCol="0" anchor="ctr"/>
           <a:lstStyle/>
           <a:p>
-            <a:endParaRPr lang="en-US"/>
+            <a:pPr marL="0" marR="0" lvl="0" indent="0" algn="ctr" defTabSz="914400" rtl="0" eaLnBrk="1" fontAlgn="auto" latinLnBrk="0" hangingPunct="1">
+              <a:lnSpc>
+                <a:spcPct val="100000"/>
+              </a:lnSpc>
+              <a:spcBef>
+                <a:spcPts val="0"/>
+              </a:spcBef>
+              <a:spcAft>
+                <a:spcPts val="0"/>
+              </a:spcAft>
+              <a:buClrTx/>
+              <a:buSzTx/>
+              <a:buFontTx/>
+              <a:buNone/>
+              <a:tabLst/>
+              <a:defRPr/>
+            </a:pPr>
+            <a:endParaRPr kumimoji="0" lang="en-US" sz="1800" b="0" i="0" u="none" strike="noStrike" kern="1200" cap="none" spc="0" normalizeH="0" baseline="0" noProof="0">
+              <a:ln>
+                <a:noFill/>
+              </a:ln>
+              <a:solidFill>
+                <a:srgbClr val="000000"/>
+              </a:solidFill>
+              <a:effectLst/>
+              <a:uLnTx/>
+              <a:uFillTx/>
+              <a:latin typeface="Calibri" panose="020F0502020204030204"/>
+              <a:ea typeface="+mn-ea"/>
+              <a:cs typeface="+mn-cs"/>
+            </a:endParaRPr>
           </a:p>
         </p:txBody>
       </p:sp>
       <p:sp>
         <p:nvSpPr>
-          <p:cNvPr id="46" name="Rectangle 45">
+          <p:cNvPr id="2" name="Title 1">
             <a:extLst>
               <a:ext uri="{FF2B5EF4-FFF2-40B4-BE49-F238E27FC236}">
-                <a16:creationId xmlns:a16="http://schemas.microsoft.com/office/drawing/2014/main" id="{864DE13E-58EB-4475-B79C-0D4FC651239B}"/>
+                <a16:creationId xmlns:a16="http://schemas.microsoft.com/office/drawing/2014/main" id="{4BC74A9A-2CEC-28B6-CF95-163DD6CAB096}"/>
+              </a:ext>
+            </a:extLst>
+          </p:cNvPr>
+          <p:cNvSpPr>
+            <a:spLocks noGrp="1"/>
+          </p:cNvSpPr>
+          <p:nvPr>
+            <p:ph type="title"/>
+          </p:nvPr>
+        </p:nvSpPr>
+        <p:spPr>
+          <a:xfrm>
+            <a:off x="208929" y="990389"/>
+            <a:ext cx="6837329" cy="1325563"/>
+          </a:xfrm>
+        </p:spPr>
+        <p:txBody>
+          <a:bodyPr vert="horz" lIns="91440" tIns="45720" rIns="91440" bIns="45720" rtlCol="0" anchor="ctr">
+            <a:normAutofit/>
+          </a:bodyPr>
+          <a:lstStyle/>
+          <a:p>
+            <a:pPr algn="l" defTabSz="914400">
+              <a:lnSpc>
+                <a:spcPct val="90000"/>
+              </a:lnSpc>
+            </a:pPr>
+            <a:r>
+              <a:rPr lang="en-US" b="1" dirty="0"/>
+              <a:t>Client Operating System</a:t>
+            </a:r>
+            <a:endParaRPr lang="en-US" b="1" kern="1200" dirty="0">
+              <a:solidFill>
+                <a:schemeClr val="tx1"/>
+              </a:solidFill>
+              <a:latin typeface="+mj-lt"/>
+              <a:ea typeface="+mj-ea"/>
+              <a:cs typeface="+mj-cs"/>
+            </a:endParaRPr>
+          </a:p>
+        </p:txBody>
+      </p:sp>
+      <p:sp>
+        <p:nvSpPr>
+          <p:cNvPr id="33" name="Freeform: Shape 32">
+            <a:extLst>
+              <a:ext uri="{FF2B5EF4-FFF2-40B4-BE49-F238E27FC236}">
+                <a16:creationId xmlns:a16="http://schemas.microsoft.com/office/drawing/2014/main" id="{56247FF8-B3EA-9882-1165-B3DFDE2C6C02}"/>
               </a:ext>
               <a:ext uri="{C183D7F6-B498-43B3-948B-1728B52AA6E4}">
                 <adec:decorative xmlns:adec="http://schemas.microsoft.com/office/drawing/2017/decorative" val="1"/>
@@ -33268,152 +31727,239 @@
             </p:extLst>
           </p:nvPr>
         </p:nvSpPr>
-        <p:spPr bwMode="auto">
-          <a:xfrm>
-            <a:off x="478790" y="643467"/>
-            <a:ext cx="8200127" cy="5391944"/>
+        <p:spPr>
+          <a:xfrm flipH="1">
+            <a:off x="0" y="5486400"/>
+            <a:ext cx="2004647" cy="1371600"/>
           </a:xfrm>
-          <a:prstGeom prst="rect">
+          <a:custGeom>
             <a:avLst/>
-          </a:prstGeom>
+            <a:gdLst>
+              <a:gd name="connsiteX0" fmla="*/ 1721734 w 2672863"/>
+              <a:gd name="connsiteY0" fmla="*/ 0 h 1371600"/>
+              <a:gd name="connsiteX1" fmla="*/ 2564444 w 2672863"/>
+              <a:gd name="connsiteY1" fmla="*/ 213382 h 1371600"/>
+              <a:gd name="connsiteX2" fmla="*/ 2672863 w 2672863"/>
+              <a:gd name="connsiteY2" fmla="*/ 279248 h 1371600"/>
+              <a:gd name="connsiteX3" fmla="*/ 2672863 w 2672863"/>
+              <a:gd name="connsiteY3" fmla="*/ 1371600 h 1371600"/>
+              <a:gd name="connsiteX4" fmla="*/ 0 w 2672863"/>
+              <a:gd name="connsiteY4" fmla="*/ 1371600 h 1371600"/>
+              <a:gd name="connsiteX5" fmla="*/ 33268 w 2672863"/>
+              <a:gd name="connsiteY5" fmla="*/ 1242216 h 1371600"/>
+              <a:gd name="connsiteX6" fmla="*/ 1721734 w 2672863"/>
+              <a:gd name="connsiteY6" fmla="*/ 0 h 1371600"/>
+            </a:gdLst>
+            <a:ahLst/>
+            <a:cxnLst>
+              <a:cxn ang="0">
+                <a:pos x="connsiteX0" y="connsiteY0"/>
+              </a:cxn>
+              <a:cxn ang="0">
+                <a:pos x="connsiteX1" y="connsiteY1"/>
+              </a:cxn>
+              <a:cxn ang="0">
+                <a:pos x="connsiteX2" y="connsiteY2"/>
+              </a:cxn>
+              <a:cxn ang="0">
+                <a:pos x="connsiteX3" y="connsiteY3"/>
+              </a:cxn>
+              <a:cxn ang="0">
+                <a:pos x="connsiteX4" y="connsiteY4"/>
+              </a:cxn>
+              <a:cxn ang="0">
+                <a:pos x="connsiteX5" y="connsiteY5"/>
+              </a:cxn>
+              <a:cxn ang="0">
+                <a:pos x="connsiteX6" y="connsiteY6"/>
+              </a:cxn>
+            </a:cxnLst>
+            <a:rect l="l" t="t" r="r" b="b"/>
+            <a:pathLst>
+              <a:path w="2672863" h="1371600">
+                <a:moveTo>
+                  <a:pt x="1721734" y="0"/>
+                </a:moveTo>
+                <a:cubicBezTo>
+                  <a:pt x="2026863" y="0"/>
+                  <a:pt x="2313937" y="77299"/>
+                  <a:pt x="2564444" y="213382"/>
+                </a:cubicBezTo>
+                <a:lnTo>
+                  <a:pt x="2672863" y="279248"/>
+                </a:lnTo>
+                <a:lnTo>
+                  <a:pt x="2672863" y="1371600"/>
+                </a:lnTo>
+                <a:lnTo>
+                  <a:pt x="0" y="1371600"/>
+                </a:lnTo>
+                <a:lnTo>
+                  <a:pt x="33268" y="1242216"/>
+                </a:lnTo>
+                <a:cubicBezTo>
+                  <a:pt x="257110" y="522539"/>
+                  <a:pt x="928399" y="0"/>
+                  <a:pt x="1721734" y="0"/>
+                </a:cubicBezTo>
+                <a:close/>
+              </a:path>
+            </a:pathLst>
+          </a:custGeom>
           <a:solidFill>
-            <a:srgbClr val="FFFFFF"/>
+            <a:schemeClr val="accent4"/>
           </a:solidFill>
-          <a:ln w="12700">
-            <a:solidFill>
-              <a:schemeClr val="accent1"/>
-            </a:solidFill>
-            <a:miter lim="800000"/>
-          </a:ln>
-        </p:spPr>
-        <p:txBody>
-          <a:bodyPr vert="horz" wrap="square" lIns="91440" tIns="45720" rIns="91440" bIns="45720" numCol="1" anchor="t" anchorCtr="0" compatLnSpc="1">
-            <a:prstTxWarp prst="textNoShape">
-              <a:avLst/>
-            </a:prstTxWarp>
-          </a:bodyPr>
-          <a:lstStyle/>
-          <a:p>
-            <a:endParaRPr lang="en-US"/>
-          </a:p>
-        </p:txBody>
-      </p:sp>
-      <p:pic>
-        <p:nvPicPr>
-          <p:cNvPr id="11" name="Picture 10" descr="A screenshot of a computer&#10;&#10;AI-generated content may be incorrect.">
-            <a:extLst>
-              <a:ext uri="{FF2B5EF4-FFF2-40B4-BE49-F238E27FC236}">
-                <a16:creationId xmlns:a16="http://schemas.microsoft.com/office/drawing/2014/main" id="{9C9DBC55-C1F6-4D80-F6DA-B83629EA7C23}"/>
-              </a:ext>
-            </a:extLst>
-          </p:cNvPr>
-          <p:cNvPicPr>
-            <a:picLocks noChangeAspect="1"/>
-          </p:cNvPicPr>
-          <p:nvPr/>
-        </p:nvPicPr>
-        <p:blipFill>
-          <a:blip r:embed="rId3"/>
-          <a:stretch>
-            <a:fillRect/>
-          </a:stretch>
-        </p:blipFill>
-        <p:spPr>
-          <a:xfrm>
-            <a:off x="855700" y="2460874"/>
-            <a:ext cx="3462326" cy="1757130"/>
-          </a:xfrm>
-          <a:prstGeom prst="rect">
-            <a:avLst/>
-          </a:prstGeom>
-        </p:spPr>
-      </p:pic>
-      <p:cxnSp>
-        <p:nvCxnSpPr>
-          <p:cNvPr id="48" name="Straight Connector 47">
-            <a:extLst>
-              <a:ext uri="{FF2B5EF4-FFF2-40B4-BE49-F238E27FC236}">
-                <a16:creationId xmlns:a16="http://schemas.microsoft.com/office/drawing/2014/main" id="{02E9B2EE-76CA-47F3-9977-3F2FCB7FD252}"/>
-              </a:ext>
-              <a:ext uri="{C183D7F6-B498-43B3-948B-1728B52AA6E4}">
-                <adec:decorative xmlns:adec="http://schemas.microsoft.com/office/drawing/2017/decorative" val="1"/>
-              </a:ext>
-            </a:extLst>
-          </p:cNvPr>
-          <p:cNvCxnSpPr>
-            <a:cxnSpLocks noGrp="1" noRot="1" noChangeAspect="1" noMove="1" noResize="1" noEditPoints="1" noAdjustHandles="1" noChangeArrowheads="1" noChangeShapeType="1"/>
-          </p:cNvCxnSpPr>
-          <p:nvPr>
-            <p:extLst>
-              <p:ext uri="{386F3935-93C4-4BCD-93E2-E3B085C9AB24}">
-                <p16:designElem xmlns:p16="http://schemas.microsoft.com/office/powerpoint/2015/main" val="1"/>
-              </p:ext>
-            </p:extLst>
-          </p:nvPr>
-        </p:nvCxnSpPr>
-        <p:spPr>
-          <a:xfrm>
-            <a:off x="4572000" y="1739239"/>
-            <a:ext cx="0" cy="3200400"/>
-          </a:xfrm>
-          <a:prstGeom prst="line">
-            <a:avLst/>
-          </a:prstGeom>
-          <a:ln w="12700">
-            <a:solidFill>
-              <a:schemeClr val="accent1"/>
-            </a:solidFill>
+          <a:ln>
+            <a:noFill/>
           </a:ln>
         </p:spPr>
         <p:style>
-          <a:lnRef idx="1">
-            <a:schemeClr val="accent1"/>
+          <a:lnRef idx="2">
+            <a:schemeClr val="accent1">
+              <a:shade val="50000"/>
+            </a:schemeClr>
           </a:lnRef>
-          <a:fillRef idx="0">
+          <a:fillRef idx="1">
             <a:schemeClr val="accent1"/>
           </a:fillRef>
           <a:effectRef idx="0">
             <a:schemeClr val="accent1"/>
           </a:effectRef>
           <a:fontRef idx="minor">
-            <a:schemeClr val="tx1"/>
+            <a:schemeClr val="lt1"/>
           </a:fontRef>
         </p:style>
-      </p:cxnSp>
-      <p:pic>
-        <p:nvPicPr>
-          <p:cNvPr id="8" name="Picture 7" descr="A black screen with white text&#10;&#10;AI-generated content may be incorrect.">
+        <p:txBody>
+          <a:bodyPr wrap="square" rtlCol="0" anchor="ctr">
+            <a:noAutofit/>
+          </a:bodyPr>
+          <a:lstStyle/>
+          <a:p>
+            <a:pPr algn="ctr"/>
+            <a:endParaRPr lang="en-US"/>
+          </a:p>
+        </p:txBody>
+      </p:sp>
+      <p:grpSp>
+        <p:nvGrpSpPr>
+          <p:cNvPr id="4" name="Group 3">
             <a:extLst>
               <a:ext uri="{FF2B5EF4-FFF2-40B4-BE49-F238E27FC236}">
-                <a16:creationId xmlns:a16="http://schemas.microsoft.com/office/drawing/2014/main" id="{41A346BC-0B30-CAA9-E71E-138D9B4CF4E8}"/>
+                <a16:creationId xmlns:a16="http://schemas.microsoft.com/office/drawing/2014/main" id="{2E9F10BD-48D1-8E8D-22D6-3FEF86108694}"/>
               </a:ext>
             </a:extLst>
           </p:cNvPr>
-          <p:cNvPicPr>
-            <a:picLocks noChangeAspect="1"/>
-          </p:cNvPicPr>
+          <p:cNvGrpSpPr/>
           <p:nvPr/>
-        </p:nvPicPr>
-        <p:blipFill>
-          <a:blip r:embed="rId4"/>
-          <a:stretch>
-            <a:fillRect/>
-          </a:stretch>
-        </p:blipFill>
-        <p:spPr>
+        </p:nvGrpSpPr>
+        <p:grpSpPr>
           <a:xfrm>
-            <a:off x="4825974" y="2533904"/>
-            <a:ext cx="3483396" cy="1611070"/>
+            <a:off x="418323" y="2457726"/>
+            <a:ext cx="7649911" cy="3264207"/>
+            <a:chOff x="418323" y="1281341"/>
+            <a:chExt cx="7649911" cy="3264207"/>
           </a:xfrm>
-          <a:prstGeom prst="rect">
-            <a:avLst/>
-          </a:prstGeom>
-        </p:spPr>
-      </p:pic>
+        </p:grpSpPr>
+        <p:sp>
+          <p:nvSpPr>
+            <p:cNvPr id="10" name="TextBox 9">
+              <a:extLst>
+                <a:ext uri="{FF2B5EF4-FFF2-40B4-BE49-F238E27FC236}">
+                  <a16:creationId xmlns:a16="http://schemas.microsoft.com/office/drawing/2014/main" id="{8CC2F4FA-4A55-563B-2861-F04C603281E6}"/>
+                </a:ext>
+              </a:extLst>
+            </p:cNvPr>
+            <p:cNvSpPr txBox="1"/>
+            <p:nvPr/>
+          </p:nvSpPr>
+          <p:spPr>
+            <a:xfrm>
+              <a:off x="857936" y="1281341"/>
+              <a:ext cx="6995146" cy="2147659"/>
+            </a:xfrm>
+            <a:prstGeom prst="rect">
+              <a:avLst/>
+            </a:prstGeom>
+          </p:spPr>
+          <p:txBody>
+            <a:bodyPr vert="horz" lIns="91440" tIns="45720" rIns="91440" bIns="45720" rtlCol="0">
+              <a:normAutofit/>
+            </a:bodyPr>
+            <a:lstStyle/>
+            <a:p>
+              <a:pPr algn="just" defTabSz="914400">
+                <a:lnSpc>
+                  <a:spcPct val="90000"/>
+                </a:lnSpc>
+                <a:spcAft>
+                  <a:spcPts val="600"/>
+                </a:spcAft>
+              </a:pPr>
+              <a:r>
+                <a:rPr lang="en-US" sz="2800" dirty="0"/>
+                <a:t>-We use this type of operating system on personal devices such as desktops, laptops, etc. This Operating system are user-friendly and concentrate on providing a smooth computing experience.</a:t>
+              </a:r>
+            </a:p>
+          </p:txBody>
+        </p:sp>
+        <p:sp>
+          <p:nvSpPr>
+            <p:cNvPr id="3" name="Title 1">
+              <a:extLst>
+                <a:ext uri="{FF2B5EF4-FFF2-40B4-BE49-F238E27FC236}">
+                  <a16:creationId xmlns:a16="http://schemas.microsoft.com/office/drawing/2014/main" id="{D40A6615-6F25-EB5A-BB1B-6382EE3ED2E7}"/>
+                </a:ext>
+              </a:extLst>
+            </p:cNvPr>
+            <p:cNvSpPr txBox="1">
+              <a:spLocks/>
+            </p:cNvSpPr>
+            <p:nvPr/>
+          </p:nvSpPr>
+          <p:spPr>
+            <a:xfrm>
+              <a:off x="418323" y="3219985"/>
+              <a:ext cx="7649911" cy="1325563"/>
+            </a:xfrm>
+            <a:prstGeom prst="rect">
+              <a:avLst/>
+            </a:prstGeom>
+          </p:spPr>
+          <p:txBody>
+            <a:bodyPr vert="horz" lIns="91440" tIns="45720" rIns="91440" bIns="45720" rtlCol="0" anchor="ctr">
+              <a:normAutofit/>
+            </a:bodyPr>
+            <a:lstStyle>
+              <a:lvl1pPr algn="ctr" defTabSz="457200" rtl="0" eaLnBrk="1" latinLnBrk="0" hangingPunct="1">
+                <a:spcBef>
+                  <a:spcPct val="0"/>
+                </a:spcBef>
+                <a:buNone/>
+                <a:defRPr sz="4400" kern="1200">
+                  <a:solidFill>
+                    <a:schemeClr val="tx1"/>
+                  </a:solidFill>
+                  <a:latin typeface="+mj-lt"/>
+                  <a:ea typeface="+mj-ea"/>
+                  <a:cs typeface="+mj-cs"/>
+                </a:defRPr>
+              </a:lvl1pPr>
+            </a:lstStyle>
+            <a:p>
+              <a:pPr algn="l" defTabSz="914400">
+                <a:lnSpc>
+                  <a:spcPct val="90000"/>
+                </a:lnSpc>
+              </a:pPr>
+              <a:endParaRPr lang="en-US" sz="1800" dirty="0"/>
+            </a:p>
+          </p:txBody>
+        </p:sp>
+      </p:grpSp>
     </p:spTree>
     <p:extLst>
       <p:ext uri="{BB962C8B-B14F-4D97-AF65-F5344CB8AC3E}">
-        <p14:creationId xmlns:p14="http://schemas.microsoft.com/office/powerpoint/2010/main" val="958899255"/>
+        <p14:creationId xmlns:p14="http://schemas.microsoft.com/office/powerpoint/2010/main" val="430624705"/>
       </p:ext>
     </p:extLst>
   </p:cSld>

--- a/Platform Technologies/Pre Lim/Week 1/Lecture/Chapter1_Introduction_to_OS.pptx
+++ b/Platform Technologies/Pre Lim/Week 1/Lecture/Chapter1_Introduction_to_OS.pptx
@@ -11,7 +11,7 @@
     <p:sldId id="256" r:id="rId2"/>
     <p:sldId id="265" r:id="rId3"/>
     <p:sldId id="257" r:id="rId4"/>
-    <p:sldId id="258" r:id="rId5"/>
+    <p:sldId id="282" r:id="rId5"/>
     <p:sldId id="259" r:id="rId6"/>
     <p:sldId id="260" r:id="rId7"/>
     <p:sldId id="270" r:id="rId8"/>
@@ -143,925 +143,6 @@
 </file>
 
 <file path=ppt/diagrams/colors1.xml><?xml version="1.0" encoding="utf-8"?>
-<dgm:colorsDef xmlns:dgm="http://schemas.openxmlformats.org/drawingml/2006/diagram" xmlns:a="http://schemas.openxmlformats.org/drawingml/2006/main" uniqueId="urn:microsoft.com/office/officeart/2005/8/colors/colorful1">
-  <dgm:title val=""/>
-  <dgm:desc val=""/>
-  <dgm:catLst>
-    <dgm:cat type="colorful" pri="10100"/>
-  </dgm:catLst>
-  <dgm:styleLbl name="node0">
-    <dgm:fillClrLst meth="repeat">
-      <a:schemeClr val="accent1"/>
-    </dgm:fillClrLst>
-    <dgm:linClrLst meth="repeat">
-      <a:schemeClr val="lt1"/>
-    </dgm:linClrLst>
-    <dgm:effectClrLst/>
-    <dgm:txLinClrLst/>
-    <dgm:txFillClrLst/>
-    <dgm:txEffectClrLst/>
-  </dgm:styleLbl>
-  <dgm:styleLbl name="node1">
-    <dgm:fillClrLst meth="repeat">
-      <a:schemeClr val="accent2"/>
-      <a:schemeClr val="accent3"/>
-      <a:schemeClr val="accent4"/>
-      <a:schemeClr val="accent5"/>
-      <a:schemeClr val="accent6"/>
-    </dgm:fillClrLst>
-    <dgm:linClrLst meth="repeat">
-      <a:schemeClr val="lt1"/>
-    </dgm:linClrLst>
-    <dgm:effectClrLst/>
-    <dgm:txLinClrLst/>
-    <dgm:txFillClrLst/>
-    <dgm:txEffectClrLst/>
-  </dgm:styleLbl>
-  <dgm:styleLbl name="alignNode1">
-    <dgm:fillClrLst meth="repeat">
-      <a:schemeClr val="accent2"/>
-      <a:schemeClr val="accent3"/>
-      <a:schemeClr val="accent4"/>
-      <a:schemeClr val="accent5"/>
-      <a:schemeClr val="accent6"/>
-    </dgm:fillClrLst>
-    <dgm:linClrLst meth="repeat">
-      <a:schemeClr val="accent2"/>
-      <a:schemeClr val="accent3"/>
-      <a:schemeClr val="accent4"/>
-      <a:schemeClr val="accent5"/>
-      <a:schemeClr val="accent6"/>
-    </dgm:linClrLst>
-    <dgm:effectClrLst/>
-    <dgm:txLinClrLst/>
-    <dgm:txFillClrLst/>
-    <dgm:txEffectClrLst/>
-  </dgm:styleLbl>
-  <dgm:styleLbl name="lnNode1">
-    <dgm:fillClrLst meth="repeat">
-      <a:schemeClr val="accent2"/>
-      <a:schemeClr val="accent3"/>
-      <a:schemeClr val="accent4"/>
-      <a:schemeClr val="accent5"/>
-      <a:schemeClr val="accent6"/>
-    </dgm:fillClrLst>
-    <dgm:linClrLst meth="repeat">
-      <a:schemeClr val="lt1"/>
-    </dgm:linClrLst>
-    <dgm:effectClrLst/>
-    <dgm:txLinClrLst/>
-    <dgm:txFillClrLst/>
-    <dgm:txEffectClrLst/>
-  </dgm:styleLbl>
-  <dgm:styleLbl name="vennNode1">
-    <dgm:fillClrLst meth="repeat">
-      <a:schemeClr val="accent2">
-        <a:alpha val="50000"/>
-      </a:schemeClr>
-      <a:schemeClr val="accent3">
-        <a:alpha val="50000"/>
-      </a:schemeClr>
-      <a:schemeClr val="accent4">
-        <a:alpha val="50000"/>
-      </a:schemeClr>
-      <a:schemeClr val="accent5">
-        <a:alpha val="50000"/>
-      </a:schemeClr>
-      <a:schemeClr val="accent6">
-        <a:alpha val="50000"/>
-      </a:schemeClr>
-    </dgm:fillClrLst>
-    <dgm:linClrLst meth="repeat">
-      <a:schemeClr val="lt1"/>
-    </dgm:linClrLst>
-    <dgm:effectClrLst/>
-    <dgm:txLinClrLst/>
-    <dgm:txFillClrLst/>
-    <dgm:txEffectClrLst/>
-  </dgm:styleLbl>
-  <dgm:styleLbl name="node2">
-    <dgm:fillClrLst>
-      <a:schemeClr val="accent2"/>
-    </dgm:fillClrLst>
-    <dgm:linClrLst meth="repeat">
-      <a:schemeClr val="lt1"/>
-    </dgm:linClrLst>
-    <dgm:effectClrLst/>
-    <dgm:txLinClrLst/>
-    <dgm:txFillClrLst/>
-    <dgm:txEffectClrLst/>
-  </dgm:styleLbl>
-  <dgm:styleLbl name="node3">
-    <dgm:fillClrLst>
-      <a:schemeClr val="accent3"/>
-    </dgm:fillClrLst>
-    <dgm:linClrLst meth="repeat">
-      <a:schemeClr val="lt1"/>
-    </dgm:linClrLst>
-    <dgm:effectClrLst/>
-    <dgm:txLinClrLst/>
-    <dgm:txFillClrLst/>
-    <dgm:txEffectClrLst/>
-  </dgm:styleLbl>
-  <dgm:styleLbl name="node4">
-    <dgm:fillClrLst>
-      <a:schemeClr val="accent4"/>
-    </dgm:fillClrLst>
-    <dgm:linClrLst meth="repeat">
-      <a:schemeClr val="lt1"/>
-    </dgm:linClrLst>
-    <dgm:effectClrLst/>
-    <dgm:txLinClrLst/>
-    <dgm:txFillClrLst/>
-    <dgm:txEffectClrLst/>
-  </dgm:styleLbl>
-  <dgm:styleLbl name="fgImgPlace1">
-    <dgm:fillClrLst meth="repeat">
-      <a:schemeClr val="accent2">
-        <a:tint val="50000"/>
-      </a:schemeClr>
-      <a:schemeClr val="accent3">
-        <a:tint val="50000"/>
-      </a:schemeClr>
-      <a:schemeClr val="accent4">
-        <a:tint val="50000"/>
-      </a:schemeClr>
-      <a:schemeClr val="accent5">
-        <a:tint val="50000"/>
-      </a:schemeClr>
-      <a:schemeClr val="accent6">
-        <a:tint val="50000"/>
-      </a:schemeClr>
-    </dgm:fillClrLst>
-    <dgm:linClrLst meth="repeat">
-      <a:schemeClr val="lt1"/>
-    </dgm:linClrLst>
-    <dgm:effectClrLst/>
-    <dgm:txLinClrLst/>
-    <dgm:txFillClrLst meth="repeat">
-      <a:schemeClr val="lt1"/>
-    </dgm:txFillClrLst>
-    <dgm:txEffectClrLst/>
-  </dgm:styleLbl>
-  <dgm:styleLbl name="alignImgPlace1">
-    <dgm:fillClrLst>
-      <a:schemeClr val="accent1">
-        <a:tint val="50000"/>
-      </a:schemeClr>
-      <a:schemeClr val="accent2">
-        <a:tint val="20000"/>
-      </a:schemeClr>
-    </dgm:fillClrLst>
-    <dgm:linClrLst meth="repeat">
-      <a:schemeClr val="lt1"/>
-    </dgm:linClrLst>
-    <dgm:effectClrLst/>
-    <dgm:txLinClrLst/>
-    <dgm:txFillClrLst meth="repeat">
-      <a:schemeClr val="lt1"/>
-    </dgm:txFillClrLst>
-    <dgm:txEffectClrLst/>
-  </dgm:styleLbl>
-  <dgm:styleLbl name="bgImgPlace1">
-    <dgm:fillClrLst>
-      <a:schemeClr val="accent1">
-        <a:tint val="50000"/>
-      </a:schemeClr>
-      <a:schemeClr val="accent2">
-        <a:tint val="20000"/>
-      </a:schemeClr>
-    </dgm:fillClrLst>
-    <dgm:linClrLst meth="repeat">
-      <a:schemeClr val="lt1"/>
-    </dgm:linClrLst>
-    <dgm:effectClrLst/>
-    <dgm:txLinClrLst/>
-    <dgm:txFillClrLst meth="repeat">
-      <a:schemeClr val="lt1"/>
-    </dgm:txFillClrLst>
-    <dgm:txEffectClrLst/>
-  </dgm:styleLbl>
-  <dgm:styleLbl name="sibTrans2D1">
-    <dgm:fillClrLst meth="repeat">
-      <a:schemeClr val="accent2"/>
-      <a:schemeClr val="accent3"/>
-      <a:schemeClr val="accent4"/>
-      <a:schemeClr val="accent5"/>
-      <a:schemeClr val="accent6"/>
-    </dgm:fillClrLst>
-    <dgm:linClrLst meth="cycle">
-      <a:schemeClr val="lt1"/>
-    </dgm:linClrLst>
-    <dgm:effectClrLst/>
-    <dgm:txLinClrLst/>
-    <dgm:txFillClrLst/>
-    <dgm:txEffectClrLst/>
-  </dgm:styleLbl>
-  <dgm:styleLbl name="fgSibTrans2D1">
-    <dgm:fillClrLst meth="repeat">
-      <a:schemeClr val="accent2"/>
-      <a:schemeClr val="accent3"/>
-      <a:schemeClr val="accent4"/>
-      <a:schemeClr val="accent5"/>
-      <a:schemeClr val="accent6"/>
-    </dgm:fillClrLst>
-    <dgm:linClrLst meth="cycle">
-      <a:schemeClr val="lt1"/>
-    </dgm:linClrLst>
-    <dgm:effectClrLst/>
-    <dgm:txLinClrLst/>
-    <dgm:txFillClrLst meth="repeat">
-      <a:schemeClr val="lt1"/>
-    </dgm:txFillClrLst>
-    <dgm:txEffectClrLst/>
-  </dgm:styleLbl>
-  <dgm:styleLbl name="bgSibTrans2D1">
-    <dgm:fillClrLst meth="repeat">
-      <a:schemeClr val="accent2"/>
-      <a:schemeClr val="accent3"/>
-      <a:schemeClr val="accent4"/>
-      <a:schemeClr val="accent5"/>
-      <a:schemeClr val="accent6"/>
-    </dgm:fillClrLst>
-    <dgm:linClrLst meth="cycle">
-      <a:schemeClr val="lt1"/>
-    </dgm:linClrLst>
-    <dgm:effectClrLst/>
-    <dgm:txLinClrLst/>
-    <dgm:txFillClrLst meth="repeat">
-      <a:schemeClr val="lt1"/>
-    </dgm:txFillClrLst>
-    <dgm:txEffectClrLst/>
-  </dgm:styleLbl>
-  <dgm:styleLbl name="sibTrans1D1">
-    <dgm:fillClrLst meth="repeat">
-      <a:schemeClr val="accent2"/>
-      <a:schemeClr val="accent3"/>
-      <a:schemeClr val="accent4"/>
-      <a:schemeClr val="accent5"/>
-      <a:schemeClr val="accent6"/>
-    </dgm:fillClrLst>
-    <dgm:linClrLst meth="repeat">
-      <a:schemeClr val="accent2"/>
-      <a:schemeClr val="accent3"/>
-      <a:schemeClr val="accent4"/>
-      <a:schemeClr val="accent5"/>
-      <a:schemeClr val="accent6"/>
-    </dgm:linClrLst>
-    <dgm:effectClrLst/>
-    <dgm:txLinClrLst/>
-    <dgm:txFillClrLst meth="repeat">
-      <a:schemeClr val="tx1"/>
-    </dgm:txFillClrLst>
-    <dgm:txEffectClrLst/>
-  </dgm:styleLbl>
-  <dgm:styleLbl name="callout">
-    <dgm:fillClrLst meth="repeat">
-      <a:schemeClr val="accent2"/>
-    </dgm:fillClrLst>
-    <dgm:linClrLst meth="repeat">
-      <a:schemeClr val="accent2">
-        <a:tint val="50000"/>
-      </a:schemeClr>
-    </dgm:linClrLst>
-    <dgm:effectClrLst/>
-    <dgm:txLinClrLst/>
-    <dgm:txFillClrLst meth="repeat">
-      <a:schemeClr val="tx1"/>
-    </dgm:txFillClrLst>
-    <dgm:txEffectClrLst/>
-  </dgm:styleLbl>
-  <dgm:styleLbl name="asst0">
-    <dgm:fillClrLst meth="repeat">
-      <a:schemeClr val="accent1"/>
-    </dgm:fillClrLst>
-    <dgm:linClrLst meth="repeat">
-      <a:schemeClr val="lt1"/>
-    </dgm:linClrLst>
-    <dgm:effectClrLst/>
-    <dgm:txLinClrLst/>
-    <dgm:txFillClrLst/>
-    <dgm:txEffectClrLst/>
-  </dgm:styleLbl>
-  <dgm:styleLbl name="asst1">
-    <dgm:fillClrLst meth="repeat">
-      <a:schemeClr val="accent2"/>
-    </dgm:fillClrLst>
-    <dgm:linClrLst meth="repeat">
-      <a:schemeClr val="lt1"/>
-    </dgm:linClrLst>
-    <dgm:effectClrLst/>
-    <dgm:txLinClrLst/>
-    <dgm:txFillClrLst/>
-    <dgm:txEffectClrLst/>
-  </dgm:styleLbl>
-  <dgm:styleLbl name="asst2">
-    <dgm:fillClrLst>
-      <a:schemeClr val="accent3"/>
-    </dgm:fillClrLst>
-    <dgm:linClrLst meth="repeat">
-      <a:schemeClr val="lt1"/>
-    </dgm:linClrLst>
-    <dgm:effectClrLst/>
-    <dgm:txLinClrLst/>
-    <dgm:txFillClrLst/>
-    <dgm:txEffectClrLst/>
-  </dgm:styleLbl>
-  <dgm:styleLbl name="asst3">
-    <dgm:fillClrLst>
-      <a:schemeClr val="accent4"/>
-    </dgm:fillClrLst>
-    <dgm:linClrLst meth="repeat">
-      <a:schemeClr val="lt1"/>
-    </dgm:linClrLst>
-    <dgm:effectClrLst/>
-    <dgm:txLinClrLst/>
-    <dgm:txFillClrLst/>
-    <dgm:txEffectClrLst/>
-  </dgm:styleLbl>
-  <dgm:styleLbl name="asst4">
-    <dgm:fillClrLst>
-      <a:schemeClr val="accent5"/>
-    </dgm:fillClrLst>
-    <dgm:linClrLst meth="repeat">
-      <a:schemeClr val="lt1"/>
-    </dgm:linClrLst>
-    <dgm:effectClrLst/>
-    <dgm:txLinClrLst/>
-    <dgm:txFillClrLst/>
-    <dgm:txEffectClrLst/>
-  </dgm:styleLbl>
-  <dgm:styleLbl name="parChTrans2D1">
-    <dgm:fillClrLst meth="repeat">
-      <a:schemeClr val="accent2"/>
-    </dgm:fillClrLst>
-    <dgm:linClrLst meth="repeat">
-      <a:schemeClr val="lt1"/>
-    </dgm:linClrLst>
-    <dgm:effectClrLst/>
-    <dgm:txLinClrLst/>
-    <dgm:txFillClrLst meth="repeat">
-      <a:schemeClr val="lt1"/>
-    </dgm:txFillClrLst>
-    <dgm:txEffectClrLst/>
-  </dgm:styleLbl>
-  <dgm:styleLbl name="parChTrans2D2">
-    <dgm:fillClrLst meth="repeat">
-      <a:schemeClr val="accent3"/>
-    </dgm:fillClrLst>
-    <dgm:linClrLst meth="repeat">
-      <a:schemeClr val="lt1"/>
-    </dgm:linClrLst>
-    <dgm:effectClrLst/>
-    <dgm:txLinClrLst/>
-    <dgm:txFillClrLst/>
-    <dgm:txEffectClrLst/>
-  </dgm:styleLbl>
-  <dgm:styleLbl name="parChTrans2D3">
-    <dgm:fillClrLst meth="repeat">
-      <a:schemeClr val="accent4"/>
-    </dgm:fillClrLst>
-    <dgm:linClrLst meth="repeat">
-      <a:schemeClr val="lt1"/>
-    </dgm:linClrLst>
-    <dgm:effectClrLst/>
-    <dgm:txLinClrLst/>
-    <dgm:txFillClrLst/>
-    <dgm:txEffectClrLst/>
-  </dgm:styleLbl>
-  <dgm:styleLbl name="parChTrans2D4">
-    <dgm:fillClrLst meth="repeat">
-      <a:schemeClr val="accent5"/>
-    </dgm:fillClrLst>
-    <dgm:linClrLst meth="repeat">
-      <a:schemeClr val="lt1"/>
-    </dgm:linClrLst>
-    <dgm:effectClrLst/>
-    <dgm:txLinClrLst/>
-    <dgm:txFillClrLst meth="repeat">
-      <a:schemeClr val="lt1"/>
-    </dgm:txFillClrLst>
-    <dgm:txEffectClrLst/>
-  </dgm:styleLbl>
-  <dgm:styleLbl name="parChTrans1D1">
-    <dgm:fillClrLst meth="repeat">
-      <a:schemeClr val="accent2"/>
-    </dgm:fillClrLst>
-    <dgm:linClrLst meth="repeat">
-      <a:schemeClr val="accent1"/>
-    </dgm:linClrLst>
-    <dgm:effectClrLst/>
-    <dgm:txLinClrLst/>
-    <dgm:txFillClrLst meth="repeat">
-      <a:schemeClr val="tx1"/>
-    </dgm:txFillClrLst>
-    <dgm:txEffectClrLst/>
-  </dgm:styleLbl>
-  <dgm:styleLbl name="parChTrans1D2">
-    <dgm:fillClrLst meth="repeat">
-      <a:schemeClr val="accent3">
-        <a:tint val="90000"/>
-      </a:schemeClr>
-    </dgm:fillClrLst>
-    <dgm:linClrLst meth="repeat">
-      <a:schemeClr val="accent2"/>
-    </dgm:linClrLst>
-    <dgm:effectClrLst/>
-    <dgm:txLinClrLst/>
-    <dgm:txFillClrLst meth="repeat">
-      <a:schemeClr val="tx1"/>
-    </dgm:txFillClrLst>
-    <dgm:txEffectClrLst/>
-  </dgm:styleLbl>
-  <dgm:styleLbl name="parChTrans1D3">
-    <dgm:fillClrLst meth="repeat">
-      <a:schemeClr val="accent4">
-        <a:tint val="70000"/>
-      </a:schemeClr>
-    </dgm:fillClrLst>
-    <dgm:linClrLst meth="repeat">
-      <a:schemeClr val="accent3"/>
-    </dgm:linClrLst>
-    <dgm:effectClrLst/>
-    <dgm:txLinClrLst/>
-    <dgm:txFillClrLst meth="repeat">
-      <a:schemeClr val="tx1"/>
-    </dgm:txFillClrLst>
-    <dgm:txEffectClrLst/>
-  </dgm:styleLbl>
-  <dgm:styleLbl name="parChTrans1D4">
-    <dgm:fillClrLst meth="repeat">
-      <a:schemeClr val="accent5">
-        <a:tint val="50000"/>
-      </a:schemeClr>
-    </dgm:fillClrLst>
-    <dgm:linClrLst meth="repeat">
-      <a:schemeClr val="accent4"/>
-    </dgm:linClrLst>
-    <dgm:effectClrLst/>
-    <dgm:txLinClrLst/>
-    <dgm:txFillClrLst meth="repeat">
-      <a:schemeClr val="tx1"/>
-    </dgm:txFillClrLst>
-    <dgm:txEffectClrLst/>
-  </dgm:styleLbl>
-  <dgm:styleLbl name="fgAcc1">
-    <dgm:fillClrLst meth="repeat">
-      <a:schemeClr val="lt1">
-        <a:alpha val="90000"/>
-      </a:schemeClr>
-    </dgm:fillClrLst>
-    <dgm:linClrLst meth="repeat">
-      <a:schemeClr val="accent2"/>
-      <a:schemeClr val="accent3"/>
-      <a:schemeClr val="accent4"/>
-      <a:schemeClr val="accent5"/>
-      <a:schemeClr val="accent6"/>
-    </dgm:linClrLst>
-    <dgm:effectClrLst/>
-    <dgm:txLinClrLst/>
-    <dgm:txFillClrLst meth="repeat">
-      <a:schemeClr val="dk1"/>
-    </dgm:txFillClrLst>
-    <dgm:txEffectClrLst/>
-  </dgm:styleLbl>
-  <dgm:styleLbl name="conFgAcc1">
-    <dgm:fillClrLst meth="repeat">
-      <a:schemeClr val="lt1">
-        <a:alpha val="90000"/>
-      </a:schemeClr>
-    </dgm:fillClrLst>
-    <dgm:linClrLst meth="repeat">
-      <a:schemeClr val="accent2"/>
-      <a:schemeClr val="accent3"/>
-      <a:schemeClr val="accent4"/>
-      <a:schemeClr val="accent5"/>
-      <a:schemeClr val="accent6"/>
-    </dgm:linClrLst>
-    <dgm:effectClrLst/>
-    <dgm:txLinClrLst/>
-    <dgm:txFillClrLst meth="repeat">
-      <a:schemeClr val="dk1"/>
-    </dgm:txFillClrLst>
-    <dgm:txEffectClrLst/>
-  </dgm:styleLbl>
-  <dgm:styleLbl name="alignAcc1">
-    <dgm:fillClrLst meth="repeat">
-      <a:schemeClr val="lt1">
-        <a:alpha val="90000"/>
-      </a:schemeClr>
-    </dgm:fillClrLst>
-    <dgm:linClrLst meth="repeat">
-      <a:schemeClr val="accent2"/>
-      <a:schemeClr val="accent3"/>
-      <a:schemeClr val="accent4"/>
-      <a:schemeClr val="accent5"/>
-      <a:schemeClr val="accent6"/>
-    </dgm:linClrLst>
-    <dgm:effectClrLst/>
-    <dgm:txLinClrLst/>
-    <dgm:txFillClrLst meth="repeat">
-      <a:schemeClr val="dk1"/>
-    </dgm:txFillClrLst>
-    <dgm:txEffectClrLst/>
-  </dgm:styleLbl>
-  <dgm:styleLbl name="trAlignAcc1">
-    <dgm:fillClrLst meth="repeat">
-      <a:schemeClr val="lt1">
-        <a:alpha val="40000"/>
-      </a:schemeClr>
-    </dgm:fillClrLst>
-    <dgm:linClrLst meth="repeat">
-      <a:schemeClr val="accent1"/>
-    </dgm:linClrLst>
-    <dgm:effectClrLst/>
-    <dgm:txLinClrLst/>
-    <dgm:txFillClrLst meth="repeat">
-      <a:schemeClr val="dk1"/>
-    </dgm:txFillClrLst>
-    <dgm:txEffectClrLst/>
-  </dgm:styleLbl>
-  <dgm:styleLbl name="bgAcc1">
-    <dgm:fillClrLst meth="repeat">
-      <a:schemeClr val="lt1">
-        <a:alpha val="90000"/>
-      </a:schemeClr>
-    </dgm:fillClrLst>
-    <dgm:linClrLst meth="repeat">
-      <a:schemeClr val="accent2"/>
-      <a:schemeClr val="accent3"/>
-      <a:schemeClr val="accent4"/>
-      <a:schemeClr val="accent5"/>
-      <a:schemeClr val="accent6"/>
-    </dgm:linClrLst>
-    <dgm:effectClrLst/>
-    <dgm:txLinClrLst/>
-    <dgm:txFillClrLst meth="repeat">
-      <a:schemeClr val="dk1"/>
-    </dgm:txFillClrLst>
-    <dgm:txEffectClrLst/>
-  </dgm:styleLbl>
-  <dgm:styleLbl name="solidFgAcc1">
-    <dgm:fillClrLst meth="repeat">
-      <a:schemeClr val="lt1"/>
-    </dgm:fillClrLst>
-    <dgm:linClrLst meth="repeat">
-      <a:schemeClr val="accent2"/>
-      <a:schemeClr val="accent3"/>
-      <a:schemeClr val="accent4"/>
-      <a:schemeClr val="accent5"/>
-      <a:schemeClr val="accent6"/>
-    </dgm:linClrLst>
-    <dgm:effectClrLst/>
-    <dgm:txLinClrLst/>
-    <dgm:txFillClrLst meth="repeat">
-      <a:schemeClr val="dk1"/>
-    </dgm:txFillClrLst>
-    <dgm:txEffectClrLst/>
-  </dgm:styleLbl>
-  <dgm:styleLbl name="solidAlignAcc1">
-    <dgm:fillClrLst meth="repeat">
-      <a:schemeClr val="lt1"/>
-    </dgm:fillClrLst>
-    <dgm:linClrLst meth="repeat">
-      <a:schemeClr val="accent2"/>
-      <a:schemeClr val="accent3"/>
-      <a:schemeClr val="accent4"/>
-      <a:schemeClr val="accent5"/>
-      <a:schemeClr val="accent6"/>
-    </dgm:linClrLst>
-    <dgm:effectClrLst/>
-    <dgm:txLinClrLst/>
-    <dgm:txFillClrLst meth="repeat">
-      <a:schemeClr val="dk1"/>
-    </dgm:txFillClrLst>
-    <dgm:txEffectClrLst/>
-  </dgm:styleLbl>
-  <dgm:styleLbl name="solidBgAcc1">
-    <dgm:fillClrLst meth="repeat">
-      <a:schemeClr val="lt1"/>
-    </dgm:fillClrLst>
-    <dgm:linClrLst meth="repeat">
-      <a:schemeClr val="accent2"/>
-      <a:schemeClr val="accent3"/>
-      <a:schemeClr val="accent4"/>
-      <a:schemeClr val="accent5"/>
-      <a:schemeClr val="accent6"/>
-    </dgm:linClrLst>
-    <dgm:effectClrLst/>
-    <dgm:txLinClrLst/>
-    <dgm:txFillClrLst meth="repeat">
-      <a:schemeClr val="dk1"/>
-    </dgm:txFillClrLst>
-    <dgm:txEffectClrLst/>
-  </dgm:styleLbl>
-  <dgm:styleLbl name="fgAccFollowNode1">
-    <dgm:fillClrLst meth="repeat">
-      <a:schemeClr val="accent2">
-        <a:tint val="40000"/>
-        <a:alpha val="90000"/>
-      </a:schemeClr>
-      <a:schemeClr val="accent3">
-        <a:tint val="40000"/>
-        <a:alpha val="90000"/>
-      </a:schemeClr>
-      <a:schemeClr val="accent4">
-        <a:tint val="40000"/>
-        <a:alpha val="90000"/>
-      </a:schemeClr>
-      <a:schemeClr val="accent5">
-        <a:tint val="40000"/>
-        <a:alpha val="90000"/>
-      </a:schemeClr>
-      <a:schemeClr val="accent6">
-        <a:tint val="40000"/>
-        <a:alpha val="90000"/>
-      </a:schemeClr>
-    </dgm:fillClrLst>
-    <dgm:linClrLst meth="repeat">
-      <a:schemeClr val="accent2">
-        <a:tint val="40000"/>
-        <a:alpha val="90000"/>
-      </a:schemeClr>
-      <a:schemeClr val="accent3">
-        <a:tint val="40000"/>
-        <a:alpha val="90000"/>
-      </a:schemeClr>
-      <a:schemeClr val="accent4">
-        <a:tint val="40000"/>
-        <a:alpha val="90000"/>
-      </a:schemeClr>
-      <a:schemeClr val="accent5">
-        <a:tint val="40000"/>
-        <a:alpha val="90000"/>
-      </a:schemeClr>
-      <a:schemeClr val="accent6">
-        <a:tint val="40000"/>
-        <a:alpha val="90000"/>
-      </a:schemeClr>
-    </dgm:linClrLst>
-    <dgm:effectClrLst/>
-    <dgm:txLinClrLst/>
-    <dgm:txFillClrLst meth="repeat">
-      <a:schemeClr val="dk1"/>
-    </dgm:txFillClrLst>
-    <dgm:txEffectClrLst/>
-  </dgm:styleLbl>
-  <dgm:styleLbl name="alignAccFollowNode1">
-    <dgm:fillClrLst meth="repeat">
-      <a:schemeClr val="accent2">
-        <a:tint val="40000"/>
-        <a:alpha val="90000"/>
-      </a:schemeClr>
-      <a:schemeClr val="accent3">
-        <a:tint val="40000"/>
-        <a:alpha val="90000"/>
-      </a:schemeClr>
-      <a:schemeClr val="accent4">
-        <a:tint val="40000"/>
-        <a:alpha val="90000"/>
-      </a:schemeClr>
-      <a:schemeClr val="accent5">
-        <a:tint val="40000"/>
-        <a:alpha val="90000"/>
-      </a:schemeClr>
-      <a:schemeClr val="accent6">
-        <a:tint val="40000"/>
-        <a:alpha val="90000"/>
-      </a:schemeClr>
-    </dgm:fillClrLst>
-    <dgm:linClrLst meth="repeat">
-      <a:schemeClr val="accent2">
-        <a:tint val="40000"/>
-        <a:alpha val="90000"/>
-      </a:schemeClr>
-      <a:schemeClr val="accent3">
-        <a:tint val="40000"/>
-        <a:alpha val="90000"/>
-      </a:schemeClr>
-      <a:schemeClr val="accent4">
-        <a:tint val="40000"/>
-        <a:alpha val="90000"/>
-      </a:schemeClr>
-      <a:schemeClr val="accent5">
-        <a:tint val="40000"/>
-        <a:alpha val="90000"/>
-      </a:schemeClr>
-      <a:schemeClr val="accent6">
-        <a:tint val="40000"/>
-        <a:alpha val="90000"/>
-      </a:schemeClr>
-    </dgm:linClrLst>
-    <dgm:effectClrLst/>
-    <dgm:txLinClrLst/>
-    <dgm:txFillClrLst meth="repeat">
-      <a:schemeClr val="dk1"/>
-    </dgm:txFillClrLst>
-    <dgm:txEffectClrLst/>
-  </dgm:styleLbl>
-  <dgm:styleLbl name="bgAccFollowNode1">
-    <dgm:fillClrLst meth="repeat">
-      <a:schemeClr val="accent2">
-        <a:tint val="40000"/>
-        <a:alpha val="90000"/>
-      </a:schemeClr>
-      <a:schemeClr val="accent3">
-        <a:tint val="40000"/>
-        <a:alpha val="90000"/>
-      </a:schemeClr>
-      <a:schemeClr val="accent4">
-        <a:tint val="40000"/>
-        <a:alpha val="90000"/>
-      </a:schemeClr>
-      <a:schemeClr val="accent5">
-        <a:tint val="40000"/>
-        <a:alpha val="90000"/>
-      </a:schemeClr>
-      <a:schemeClr val="accent6">
-        <a:tint val="40000"/>
-        <a:alpha val="90000"/>
-      </a:schemeClr>
-    </dgm:fillClrLst>
-    <dgm:linClrLst meth="repeat">
-      <a:schemeClr val="accent2">
-        <a:tint val="40000"/>
-        <a:alpha val="90000"/>
-      </a:schemeClr>
-      <a:schemeClr val="accent3">
-        <a:tint val="40000"/>
-        <a:alpha val="90000"/>
-      </a:schemeClr>
-      <a:schemeClr val="accent4">
-        <a:tint val="40000"/>
-        <a:alpha val="90000"/>
-      </a:schemeClr>
-      <a:schemeClr val="accent5">
-        <a:tint val="40000"/>
-        <a:alpha val="90000"/>
-      </a:schemeClr>
-      <a:schemeClr val="accent6">
-        <a:tint val="40000"/>
-        <a:alpha val="90000"/>
-      </a:schemeClr>
-    </dgm:linClrLst>
-    <dgm:effectClrLst/>
-    <dgm:txLinClrLst/>
-    <dgm:txFillClrLst meth="repeat">
-      <a:schemeClr val="dk1"/>
-    </dgm:txFillClrLst>
-    <dgm:txEffectClrLst/>
-  </dgm:styleLbl>
-  <dgm:styleLbl name="fgAcc0">
-    <dgm:fillClrLst meth="repeat">
-      <a:schemeClr val="lt1">
-        <a:alpha val="90000"/>
-      </a:schemeClr>
-    </dgm:fillClrLst>
-    <dgm:linClrLst>
-      <a:schemeClr val="accent1"/>
-    </dgm:linClrLst>
-    <dgm:effectClrLst/>
-    <dgm:txLinClrLst/>
-    <dgm:txFillClrLst meth="repeat">
-      <a:schemeClr val="dk1"/>
-    </dgm:txFillClrLst>
-    <dgm:txEffectClrLst/>
-  </dgm:styleLbl>
-  <dgm:styleLbl name="fgAcc2">
-    <dgm:fillClrLst meth="repeat">
-      <a:schemeClr val="lt1">
-        <a:alpha val="90000"/>
-      </a:schemeClr>
-    </dgm:fillClrLst>
-    <dgm:linClrLst>
-      <a:schemeClr val="accent2"/>
-    </dgm:linClrLst>
-    <dgm:effectClrLst/>
-    <dgm:txLinClrLst/>
-    <dgm:txFillClrLst meth="repeat">
-      <a:schemeClr val="dk1"/>
-    </dgm:txFillClrLst>
-    <dgm:txEffectClrLst/>
-  </dgm:styleLbl>
-  <dgm:styleLbl name="fgAcc3">
-    <dgm:fillClrLst meth="repeat">
-      <a:schemeClr val="lt1">
-        <a:alpha val="90000"/>
-      </a:schemeClr>
-    </dgm:fillClrLst>
-    <dgm:linClrLst>
-      <a:schemeClr val="accent3"/>
-    </dgm:linClrLst>
-    <dgm:effectClrLst/>
-    <dgm:txLinClrLst/>
-    <dgm:txFillClrLst meth="repeat">
-      <a:schemeClr val="dk1"/>
-    </dgm:txFillClrLst>
-    <dgm:txEffectClrLst/>
-  </dgm:styleLbl>
-  <dgm:styleLbl name="fgAcc4">
-    <dgm:fillClrLst meth="repeat">
-      <a:schemeClr val="lt1">
-        <a:alpha val="90000"/>
-      </a:schemeClr>
-    </dgm:fillClrLst>
-    <dgm:linClrLst>
-      <a:schemeClr val="accent4"/>
-    </dgm:linClrLst>
-    <dgm:effectClrLst/>
-    <dgm:txLinClrLst/>
-    <dgm:txFillClrLst meth="repeat">
-      <a:schemeClr val="dk1"/>
-    </dgm:txFillClrLst>
-    <dgm:txEffectClrLst/>
-  </dgm:styleLbl>
-  <dgm:styleLbl name="bgShp">
-    <dgm:fillClrLst meth="repeat">
-      <a:schemeClr val="accent2">
-        <a:tint val="40000"/>
-      </a:schemeClr>
-    </dgm:fillClrLst>
-    <dgm:linClrLst meth="repeat">
-      <a:schemeClr val="dk1"/>
-    </dgm:linClrLst>
-    <dgm:effectClrLst/>
-    <dgm:txLinClrLst/>
-    <dgm:txFillClrLst meth="repeat">
-      <a:schemeClr val="dk1"/>
-    </dgm:txFillClrLst>
-    <dgm:txEffectClrLst/>
-  </dgm:styleLbl>
-  <dgm:styleLbl name="dkBgShp">
-    <dgm:fillClrLst meth="repeat">
-      <a:schemeClr val="accent2">
-        <a:shade val="90000"/>
-      </a:schemeClr>
-    </dgm:fillClrLst>
-    <dgm:linClrLst meth="repeat">
-      <a:schemeClr val="dk1"/>
-    </dgm:linClrLst>
-    <dgm:effectClrLst/>
-    <dgm:txLinClrLst/>
-    <dgm:txFillClrLst meth="repeat">
-      <a:schemeClr val="lt1"/>
-    </dgm:txFillClrLst>
-    <dgm:txEffectClrLst/>
-  </dgm:styleLbl>
-  <dgm:styleLbl name="trBgShp">
-    <dgm:fillClrLst meth="repeat">
-      <a:schemeClr val="accent1">
-        <a:tint val="50000"/>
-        <a:alpha val="40000"/>
-      </a:schemeClr>
-    </dgm:fillClrLst>
-    <dgm:linClrLst meth="repeat">
-      <a:schemeClr val="accent2"/>
-    </dgm:linClrLst>
-    <dgm:effectClrLst/>
-    <dgm:txLinClrLst/>
-    <dgm:txFillClrLst meth="repeat">
-      <a:schemeClr val="lt1"/>
-    </dgm:txFillClrLst>
-    <dgm:txEffectClrLst/>
-  </dgm:styleLbl>
-  <dgm:styleLbl name="fgShp">
-    <dgm:fillClrLst meth="repeat">
-      <a:schemeClr val="accent2">
-        <a:tint val="40000"/>
-      </a:schemeClr>
-    </dgm:fillClrLst>
-    <dgm:linClrLst meth="repeat">
-      <a:schemeClr val="lt1"/>
-    </dgm:linClrLst>
-    <dgm:effectClrLst/>
-    <dgm:txLinClrLst/>
-    <dgm:txFillClrLst meth="repeat">
-      <a:schemeClr val="dk1"/>
-    </dgm:txFillClrLst>
-    <dgm:txEffectClrLst/>
-  </dgm:styleLbl>
-  <dgm:styleLbl name="revTx">
-    <dgm:fillClrLst meth="repeat">
-      <a:schemeClr val="lt1">
-        <a:alpha val="0"/>
-      </a:schemeClr>
-    </dgm:fillClrLst>
-    <dgm:linClrLst meth="repeat">
-      <a:schemeClr val="dk1">
-        <a:alpha val="0"/>
-      </a:schemeClr>
-    </dgm:linClrLst>
-    <dgm:effectClrLst/>
-    <dgm:txLinClrLst/>
-    <dgm:txFillClrLst meth="repeat">
-      <a:schemeClr val="tx1"/>
-    </dgm:txFillClrLst>
-    <dgm:txEffectClrLst/>
-  </dgm:styleLbl>
-</dgm:colorsDef>
-</file>
-
-<file path=ppt/diagrams/colors2.xml><?xml version="1.0" encoding="utf-8"?>
 <dgm:colorsDef xmlns:dgm="http://schemas.openxmlformats.org/drawingml/2006/diagram" xmlns:a="http://schemas.openxmlformats.org/drawingml/2006/main" uniqueId="urn:microsoft.com/office/officeart/2005/8/colors/accent0_3">
   <dgm:title val=""/>
   <dgm:desc val=""/>
@@ -1812,7 +893,7 @@
 </dgm:colorsDef>
 </file>
 
-<file path=ppt/diagrams/colors3.xml><?xml version="1.0" encoding="utf-8"?>
+<file path=ppt/diagrams/colors2.xml><?xml version="1.0" encoding="utf-8"?>
 <dgm:colorsDef xmlns:dgm="http://schemas.openxmlformats.org/drawingml/2006/diagram" xmlns:a="http://schemas.openxmlformats.org/drawingml/2006/main" uniqueId="urn:microsoft.com/office/officeart/2005/8/colors/colorful2">
   <dgm:title val=""/>
   <dgm:desc val=""/>
@@ -2594,7 +1675,7 @@
 </dgm:colorsDef>
 </file>
 
-<file path=ppt/diagrams/colors4.xml><?xml version="1.0" encoding="utf-8"?>
+<file path=ppt/diagrams/colors3.xml><?xml version="1.0" encoding="utf-8"?>
 <dgm:colorsDef xmlns:dgm="http://schemas.openxmlformats.org/drawingml/2006/diagram" xmlns:a="http://schemas.openxmlformats.org/drawingml/2006/main" uniqueId="urn:microsoft.com/office/officeart/2005/8/colors/colorful2">
   <dgm:title val=""/>
   <dgm:desc val=""/>
@@ -3376,7 +2457,7 @@
 </dgm:colorsDef>
 </file>
 
-<file path=ppt/diagrams/colors5.xml><?xml version="1.0" encoding="utf-8"?>
+<file path=ppt/diagrams/colors4.xml><?xml version="1.0" encoding="utf-8"?>
 <dgm:colorsDef xmlns:dgm="http://schemas.openxmlformats.org/drawingml/2006/diagram" xmlns:a="http://schemas.openxmlformats.org/drawingml/2006/main" uniqueId="urn:microsoft.com/office/officeart/2005/8/colors/colorful5">
   <dgm:title val=""/>
   <dgm:desc val=""/>
@@ -4159,429 +3240,6 @@
 </file>
 
 <file path=ppt/diagrams/data1.xml><?xml version="1.0" encoding="utf-8"?>
-<dgm:dataModel xmlns:dgm="http://schemas.openxmlformats.org/drawingml/2006/diagram" xmlns:a="http://schemas.openxmlformats.org/drawingml/2006/main">
-  <dgm:ptLst>
-    <dgm:pt modelId="{90F6113B-75BD-44FD-8434-CBAADF3FAC2F}" type="doc">
-      <dgm:prSet loTypeId="urn:microsoft.com/office/officeart/2005/8/layout/list1" loCatId="list" qsTypeId="urn:microsoft.com/office/officeart/2005/8/quickstyle/simple1" qsCatId="simple" csTypeId="urn:microsoft.com/office/officeart/2005/8/colors/colorful1" csCatId="colorful" phldr="1"/>
-      <dgm:spPr/>
-      <dgm:t>
-        <a:bodyPr/>
-        <a:lstStyle/>
-        <a:p>
-          <a:endParaRPr lang="en-US"/>
-        </a:p>
-      </dgm:t>
-    </dgm:pt>
-    <dgm:pt modelId="{42831189-1BEE-4364-903D-3D786E083519}">
-      <dgm:prSet/>
-      <dgm:spPr/>
-      <dgm:t>
-        <a:bodyPr/>
-        <a:lstStyle/>
-        <a:p>
-          <a:r>
-            <a:rPr lang="en-US"/>
-            <a:t>• Process Management</a:t>
-          </a:r>
-        </a:p>
-      </dgm:t>
-    </dgm:pt>
-    <dgm:pt modelId="{3B16770F-C994-4F3F-AA34-213292450C3B}" type="parTrans" cxnId="{91664405-7336-4ADD-8CCF-C1E01984B512}">
-      <dgm:prSet/>
-      <dgm:spPr/>
-      <dgm:t>
-        <a:bodyPr/>
-        <a:lstStyle/>
-        <a:p>
-          <a:endParaRPr lang="en-US"/>
-        </a:p>
-      </dgm:t>
-    </dgm:pt>
-    <dgm:pt modelId="{E9ADD889-5A36-4FF1-8FCA-75AC799BD372}" type="sibTrans" cxnId="{91664405-7336-4ADD-8CCF-C1E01984B512}">
-      <dgm:prSet/>
-      <dgm:spPr/>
-      <dgm:t>
-        <a:bodyPr/>
-        <a:lstStyle/>
-        <a:p>
-          <a:endParaRPr lang="en-US"/>
-        </a:p>
-      </dgm:t>
-    </dgm:pt>
-    <dgm:pt modelId="{3DE32299-F6B0-4228-9095-729294DD02E1}">
-      <dgm:prSet/>
-      <dgm:spPr/>
-      <dgm:t>
-        <a:bodyPr/>
-        <a:lstStyle/>
-        <a:p>
-          <a:r>
-            <a:rPr lang="en-US"/>
-            <a:t>• Memory Management</a:t>
-          </a:r>
-        </a:p>
-      </dgm:t>
-    </dgm:pt>
-    <dgm:pt modelId="{11609371-8D80-4CE8-99BA-D540EF48A69E}" type="parTrans" cxnId="{2CDD0718-2D40-41AC-9715-27AF88B9C2B8}">
-      <dgm:prSet/>
-      <dgm:spPr/>
-      <dgm:t>
-        <a:bodyPr/>
-        <a:lstStyle/>
-        <a:p>
-          <a:endParaRPr lang="en-US"/>
-        </a:p>
-      </dgm:t>
-    </dgm:pt>
-    <dgm:pt modelId="{3423A640-413A-4022-9732-6D23A48506C8}" type="sibTrans" cxnId="{2CDD0718-2D40-41AC-9715-27AF88B9C2B8}">
-      <dgm:prSet/>
-      <dgm:spPr/>
-      <dgm:t>
-        <a:bodyPr/>
-        <a:lstStyle/>
-        <a:p>
-          <a:endParaRPr lang="en-US"/>
-        </a:p>
-      </dgm:t>
-    </dgm:pt>
-    <dgm:pt modelId="{5914E3E9-93BB-47B8-8A9C-238F440A287F}">
-      <dgm:prSet/>
-      <dgm:spPr/>
-      <dgm:t>
-        <a:bodyPr/>
-        <a:lstStyle/>
-        <a:p>
-          <a:r>
-            <a:rPr lang="en-US"/>
-            <a:t>• File System Management</a:t>
-          </a:r>
-        </a:p>
-      </dgm:t>
-    </dgm:pt>
-    <dgm:pt modelId="{D9DDB92F-C994-4E19-978C-28F5B2BCB2DD}" type="parTrans" cxnId="{BB5C5F2F-E96E-43C2-BEA1-82760A008F2A}">
-      <dgm:prSet/>
-      <dgm:spPr/>
-      <dgm:t>
-        <a:bodyPr/>
-        <a:lstStyle/>
-        <a:p>
-          <a:endParaRPr lang="en-US"/>
-        </a:p>
-      </dgm:t>
-    </dgm:pt>
-    <dgm:pt modelId="{ADD24C51-F14E-4A25-8C72-62E56D03DC4E}" type="sibTrans" cxnId="{BB5C5F2F-E96E-43C2-BEA1-82760A008F2A}">
-      <dgm:prSet/>
-      <dgm:spPr/>
-      <dgm:t>
-        <a:bodyPr/>
-        <a:lstStyle/>
-        <a:p>
-          <a:endParaRPr lang="en-US"/>
-        </a:p>
-      </dgm:t>
-    </dgm:pt>
-    <dgm:pt modelId="{61654097-F24A-4007-9721-050015AB917D}">
-      <dgm:prSet/>
-      <dgm:spPr/>
-      <dgm:t>
-        <a:bodyPr/>
-        <a:lstStyle/>
-        <a:p>
-          <a:r>
-            <a:rPr lang="en-US"/>
-            <a:t>• Device Management</a:t>
-          </a:r>
-        </a:p>
-      </dgm:t>
-    </dgm:pt>
-    <dgm:pt modelId="{56DC934D-8773-40B1-ADF4-D51BB94BB7B8}" type="parTrans" cxnId="{AA24B8C3-C016-4EAC-A2FE-F737D7FBC148}">
-      <dgm:prSet/>
-      <dgm:spPr/>
-      <dgm:t>
-        <a:bodyPr/>
-        <a:lstStyle/>
-        <a:p>
-          <a:endParaRPr lang="en-US"/>
-        </a:p>
-      </dgm:t>
-    </dgm:pt>
-    <dgm:pt modelId="{5E01A042-A483-4547-B78B-33147A7A705A}" type="sibTrans" cxnId="{AA24B8C3-C016-4EAC-A2FE-F737D7FBC148}">
-      <dgm:prSet/>
-      <dgm:spPr/>
-      <dgm:t>
-        <a:bodyPr/>
-        <a:lstStyle/>
-        <a:p>
-          <a:endParaRPr lang="en-US"/>
-        </a:p>
-      </dgm:t>
-    </dgm:pt>
-    <dgm:pt modelId="{B1BB8B0C-F38E-43C2-95BA-64118CAFE193}">
-      <dgm:prSet/>
-      <dgm:spPr/>
-      <dgm:t>
-        <a:bodyPr/>
-        <a:lstStyle/>
-        <a:p>
-          <a:r>
-            <a:rPr lang="en-US"/>
-            <a:t>• Security and User Interface</a:t>
-          </a:r>
-        </a:p>
-      </dgm:t>
-    </dgm:pt>
-    <dgm:pt modelId="{360A647F-2F09-4793-84CC-D04617AB0F4E}" type="parTrans" cxnId="{28D8D396-6E55-4992-85AB-BA3B2A6F8609}">
-      <dgm:prSet/>
-      <dgm:spPr/>
-      <dgm:t>
-        <a:bodyPr/>
-        <a:lstStyle/>
-        <a:p>
-          <a:endParaRPr lang="en-US"/>
-        </a:p>
-      </dgm:t>
-    </dgm:pt>
-    <dgm:pt modelId="{C05570EA-2D2D-4137-95A2-60C11410AC68}" type="sibTrans" cxnId="{28D8D396-6E55-4992-85AB-BA3B2A6F8609}">
-      <dgm:prSet/>
-      <dgm:spPr/>
-      <dgm:t>
-        <a:bodyPr/>
-        <a:lstStyle/>
-        <a:p>
-          <a:endParaRPr lang="en-US"/>
-        </a:p>
-      </dgm:t>
-    </dgm:pt>
-    <dgm:pt modelId="{0EB34C70-F6E3-40DB-9DC2-47EE8150F9B3}" type="pres">
-      <dgm:prSet presAssocID="{90F6113B-75BD-44FD-8434-CBAADF3FAC2F}" presName="linear" presStyleCnt="0">
-        <dgm:presLayoutVars>
-          <dgm:dir/>
-          <dgm:animLvl val="lvl"/>
-          <dgm:resizeHandles val="exact"/>
-        </dgm:presLayoutVars>
-      </dgm:prSet>
-      <dgm:spPr/>
-    </dgm:pt>
-    <dgm:pt modelId="{F69AFA82-14A1-4300-9D8E-AF57F35A78D8}" type="pres">
-      <dgm:prSet presAssocID="{42831189-1BEE-4364-903D-3D786E083519}" presName="parentLin" presStyleCnt="0"/>
-      <dgm:spPr/>
-    </dgm:pt>
-    <dgm:pt modelId="{E14D65C2-61B6-4F97-8DC2-26ED9DD6454E}" type="pres">
-      <dgm:prSet presAssocID="{42831189-1BEE-4364-903D-3D786E083519}" presName="parentLeftMargin" presStyleLbl="node1" presStyleIdx="0" presStyleCnt="5"/>
-      <dgm:spPr/>
-    </dgm:pt>
-    <dgm:pt modelId="{6307206D-705F-46C3-8B7C-D7E681634843}" type="pres">
-      <dgm:prSet presAssocID="{42831189-1BEE-4364-903D-3D786E083519}" presName="parentText" presStyleLbl="node1" presStyleIdx="0" presStyleCnt="5">
-        <dgm:presLayoutVars>
-          <dgm:chMax val="0"/>
-          <dgm:bulletEnabled val="1"/>
-        </dgm:presLayoutVars>
-      </dgm:prSet>
-      <dgm:spPr/>
-    </dgm:pt>
-    <dgm:pt modelId="{F51AD1E0-5762-4B1E-B765-668E97800CEA}" type="pres">
-      <dgm:prSet presAssocID="{42831189-1BEE-4364-903D-3D786E083519}" presName="negativeSpace" presStyleCnt="0"/>
-      <dgm:spPr/>
-    </dgm:pt>
-    <dgm:pt modelId="{052036CE-60E2-447A-A84B-A80A0441D8B1}" type="pres">
-      <dgm:prSet presAssocID="{42831189-1BEE-4364-903D-3D786E083519}" presName="childText" presStyleLbl="conFgAcc1" presStyleIdx="0" presStyleCnt="5">
-        <dgm:presLayoutVars>
-          <dgm:bulletEnabled val="1"/>
-        </dgm:presLayoutVars>
-      </dgm:prSet>
-      <dgm:spPr/>
-    </dgm:pt>
-    <dgm:pt modelId="{6A46E104-522C-46B8-946F-D9258B2B5E60}" type="pres">
-      <dgm:prSet presAssocID="{E9ADD889-5A36-4FF1-8FCA-75AC799BD372}" presName="spaceBetweenRectangles" presStyleCnt="0"/>
-      <dgm:spPr/>
-    </dgm:pt>
-    <dgm:pt modelId="{A0ED3C85-FF58-4469-A36D-35B510891046}" type="pres">
-      <dgm:prSet presAssocID="{3DE32299-F6B0-4228-9095-729294DD02E1}" presName="parentLin" presStyleCnt="0"/>
-      <dgm:spPr/>
-    </dgm:pt>
-    <dgm:pt modelId="{BE37F30D-17C0-4187-967C-6EEB21EBA772}" type="pres">
-      <dgm:prSet presAssocID="{3DE32299-F6B0-4228-9095-729294DD02E1}" presName="parentLeftMargin" presStyleLbl="node1" presStyleIdx="0" presStyleCnt="5"/>
-      <dgm:spPr/>
-    </dgm:pt>
-    <dgm:pt modelId="{54B29E06-C806-4787-9133-854229DCE47B}" type="pres">
-      <dgm:prSet presAssocID="{3DE32299-F6B0-4228-9095-729294DD02E1}" presName="parentText" presStyleLbl="node1" presStyleIdx="1" presStyleCnt="5">
-        <dgm:presLayoutVars>
-          <dgm:chMax val="0"/>
-          <dgm:bulletEnabled val="1"/>
-        </dgm:presLayoutVars>
-      </dgm:prSet>
-      <dgm:spPr/>
-    </dgm:pt>
-    <dgm:pt modelId="{C4D5B38E-F7C3-4D7B-8E78-8EC8B3D50629}" type="pres">
-      <dgm:prSet presAssocID="{3DE32299-F6B0-4228-9095-729294DD02E1}" presName="negativeSpace" presStyleCnt="0"/>
-      <dgm:spPr/>
-    </dgm:pt>
-    <dgm:pt modelId="{0B1809EA-6349-4E4C-B162-7465B00C3582}" type="pres">
-      <dgm:prSet presAssocID="{3DE32299-F6B0-4228-9095-729294DD02E1}" presName="childText" presStyleLbl="conFgAcc1" presStyleIdx="1" presStyleCnt="5">
-        <dgm:presLayoutVars>
-          <dgm:bulletEnabled val="1"/>
-        </dgm:presLayoutVars>
-      </dgm:prSet>
-      <dgm:spPr/>
-    </dgm:pt>
-    <dgm:pt modelId="{0D57B51D-C366-4D48-8C9B-F37A3644F9E8}" type="pres">
-      <dgm:prSet presAssocID="{3423A640-413A-4022-9732-6D23A48506C8}" presName="spaceBetweenRectangles" presStyleCnt="0"/>
-      <dgm:spPr/>
-    </dgm:pt>
-    <dgm:pt modelId="{E69564E4-321B-4E9D-AD1A-22EE48C0A32F}" type="pres">
-      <dgm:prSet presAssocID="{5914E3E9-93BB-47B8-8A9C-238F440A287F}" presName="parentLin" presStyleCnt="0"/>
-      <dgm:spPr/>
-    </dgm:pt>
-    <dgm:pt modelId="{B22B6AB6-A762-4E36-858B-C156C12A7571}" type="pres">
-      <dgm:prSet presAssocID="{5914E3E9-93BB-47B8-8A9C-238F440A287F}" presName="parentLeftMargin" presStyleLbl="node1" presStyleIdx="1" presStyleCnt="5"/>
-      <dgm:spPr/>
-    </dgm:pt>
-    <dgm:pt modelId="{1D9D9746-9F18-4F66-85E3-2EEB29044319}" type="pres">
-      <dgm:prSet presAssocID="{5914E3E9-93BB-47B8-8A9C-238F440A287F}" presName="parentText" presStyleLbl="node1" presStyleIdx="2" presStyleCnt="5">
-        <dgm:presLayoutVars>
-          <dgm:chMax val="0"/>
-          <dgm:bulletEnabled val="1"/>
-        </dgm:presLayoutVars>
-      </dgm:prSet>
-      <dgm:spPr/>
-    </dgm:pt>
-    <dgm:pt modelId="{51D0F33B-3DCC-4C2C-BB1D-6754EBCFA792}" type="pres">
-      <dgm:prSet presAssocID="{5914E3E9-93BB-47B8-8A9C-238F440A287F}" presName="negativeSpace" presStyleCnt="0"/>
-      <dgm:spPr/>
-    </dgm:pt>
-    <dgm:pt modelId="{26B457CE-8E1E-4BD8-A581-677E62135BFE}" type="pres">
-      <dgm:prSet presAssocID="{5914E3E9-93BB-47B8-8A9C-238F440A287F}" presName="childText" presStyleLbl="conFgAcc1" presStyleIdx="2" presStyleCnt="5">
-        <dgm:presLayoutVars>
-          <dgm:bulletEnabled val="1"/>
-        </dgm:presLayoutVars>
-      </dgm:prSet>
-      <dgm:spPr/>
-    </dgm:pt>
-    <dgm:pt modelId="{D74D58D4-92EA-4E33-8C68-0402EB335530}" type="pres">
-      <dgm:prSet presAssocID="{ADD24C51-F14E-4A25-8C72-62E56D03DC4E}" presName="spaceBetweenRectangles" presStyleCnt="0"/>
-      <dgm:spPr/>
-    </dgm:pt>
-    <dgm:pt modelId="{3FFF0663-7660-4B9F-8647-68C7B2F7BB65}" type="pres">
-      <dgm:prSet presAssocID="{61654097-F24A-4007-9721-050015AB917D}" presName="parentLin" presStyleCnt="0"/>
-      <dgm:spPr/>
-    </dgm:pt>
-    <dgm:pt modelId="{8095C800-0D4F-4B41-9846-108BFBB63850}" type="pres">
-      <dgm:prSet presAssocID="{61654097-F24A-4007-9721-050015AB917D}" presName="parentLeftMargin" presStyleLbl="node1" presStyleIdx="2" presStyleCnt="5"/>
-      <dgm:spPr/>
-    </dgm:pt>
-    <dgm:pt modelId="{3E0E9275-9DC8-423C-915C-41BE99AE0ACC}" type="pres">
-      <dgm:prSet presAssocID="{61654097-F24A-4007-9721-050015AB917D}" presName="parentText" presStyleLbl="node1" presStyleIdx="3" presStyleCnt="5">
-        <dgm:presLayoutVars>
-          <dgm:chMax val="0"/>
-          <dgm:bulletEnabled val="1"/>
-        </dgm:presLayoutVars>
-      </dgm:prSet>
-      <dgm:spPr/>
-    </dgm:pt>
-    <dgm:pt modelId="{D9F705E4-41C3-4F02-8222-9E4965B258D0}" type="pres">
-      <dgm:prSet presAssocID="{61654097-F24A-4007-9721-050015AB917D}" presName="negativeSpace" presStyleCnt="0"/>
-      <dgm:spPr/>
-    </dgm:pt>
-    <dgm:pt modelId="{8CF539C3-8CE7-4B49-8231-3373D807C8D7}" type="pres">
-      <dgm:prSet presAssocID="{61654097-F24A-4007-9721-050015AB917D}" presName="childText" presStyleLbl="conFgAcc1" presStyleIdx="3" presStyleCnt="5">
-        <dgm:presLayoutVars>
-          <dgm:bulletEnabled val="1"/>
-        </dgm:presLayoutVars>
-      </dgm:prSet>
-      <dgm:spPr/>
-    </dgm:pt>
-    <dgm:pt modelId="{FF45C17F-91CB-4073-974A-A817CF4F7AEA}" type="pres">
-      <dgm:prSet presAssocID="{5E01A042-A483-4547-B78B-33147A7A705A}" presName="spaceBetweenRectangles" presStyleCnt="0"/>
-      <dgm:spPr/>
-    </dgm:pt>
-    <dgm:pt modelId="{B89D28A3-FBE6-487A-BD94-8E35849FC8FF}" type="pres">
-      <dgm:prSet presAssocID="{B1BB8B0C-F38E-43C2-95BA-64118CAFE193}" presName="parentLin" presStyleCnt="0"/>
-      <dgm:spPr/>
-    </dgm:pt>
-    <dgm:pt modelId="{B3677B13-33FF-4CD1-892C-0D4E503E1AB9}" type="pres">
-      <dgm:prSet presAssocID="{B1BB8B0C-F38E-43C2-95BA-64118CAFE193}" presName="parentLeftMargin" presStyleLbl="node1" presStyleIdx="3" presStyleCnt="5"/>
-      <dgm:spPr/>
-    </dgm:pt>
-    <dgm:pt modelId="{7DD63533-A32F-47E4-BA04-43C0525716D0}" type="pres">
-      <dgm:prSet presAssocID="{B1BB8B0C-F38E-43C2-95BA-64118CAFE193}" presName="parentText" presStyleLbl="node1" presStyleIdx="4" presStyleCnt="5">
-        <dgm:presLayoutVars>
-          <dgm:chMax val="0"/>
-          <dgm:bulletEnabled val="1"/>
-        </dgm:presLayoutVars>
-      </dgm:prSet>
-      <dgm:spPr/>
-    </dgm:pt>
-    <dgm:pt modelId="{063E7E19-435C-4AFA-98C9-973900B8FAAE}" type="pres">
-      <dgm:prSet presAssocID="{B1BB8B0C-F38E-43C2-95BA-64118CAFE193}" presName="negativeSpace" presStyleCnt="0"/>
-      <dgm:spPr/>
-    </dgm:pt>
-    <dgm:pt modelId="{AB3CA8AD-608A-44F9-8165-F0F61B6FA5D5}" type="pres">
-      <dgm:prSet presAssocID="{B1BB8B0C-F38E-43C2-95BA-64118CAFE193}" presName="childText" presStyleLbl="conFgAcc1" presStyleIdx="4" presStyleCnt="5">
-        <dgm:presLayoutVars>
-          <dgm:bulletEnabled val="1"/>
-        </dgm:presLayoutVars>
-      </dgm:prSet>
-      <dgm:spPr/>
-    </dgm:pt>
-  </dgm:ptLst>
-  <dgm:cxnLst>
-    <dgm:cxn modelId="{91664405-7336-4ADD-8CCF-C1E01984B512}" srcId="{90F6113B-75BD-44FD-8434-CBAADF3FAC2F}" destId="{42831189-1BEE-4364-903D-3D786E083519}" srcOrd="0" destOrd="0" parTransId="{3B16770F-C994-4F3F-AA34-213292450C3B}" sibTransId="{E9ADD889-5A36-4FF1-8FCA-75AC799BD372}"/>
-    <dgm:cxn modelId="{C1849F06-3EBC-4E61-A05C-CB965D8F94E0}" type="presOf" srcId="{61654097-F24A-4007-9721-050015AB917D}" destId="{8095C800-0D4F-4B41-9846-108BFBB63850}" srcOrd="0" destOrd="0" presId="urn:microsoft.com/office/officeart/2005/8/layout/list1"/>
-    <dgm:cxn modelId="{E280C009-1193-47DF-B509-02CABB7B872F}" type="presOf" srcId="{61654097-F24A-4007-9721-050015AB917D}" destId="{3E0E9275-9DC8-423C-915C-41BE99AE0ACC}" srcOrd="1" destOrd="0" presId="urn:microsoft.com/office/officeart/2005/8/layout/list1"/>
-    <dgm:cxn modelId="{2CDD0718-2D40-41AC-9715-27AF88B9C2B8}" srcId="{90F6113B-75BD-44FD-8434-CBAADF3FAC2F}" destId="{3DE32299-F6B0-4228-9095-729294DD02E1}" srcOrd="1" destOrd="0" parTransId="{11609371-8D80-4CE8-99BA-D540EF48A69E}" sibTransId="{3423A640-413A-4022-9732-6D23A48506C8}"/>
-    <dgm:cxn modelId="{95274928-5E42-49D1-B855-8969EDBF176B}" type="presOf" srcId="{3DE32299-F6B0-4228-9095-729294DD02E1}" destId="{BE37F30D-17C0-4187-967C-6EEB21EBA772}" srcOrd="0" destOrd="0" presId="urn:microsoft.com/office/officeart/2005/8/layout/list1"/>
-    <dgm:cxn modelId="{BB5C5F2F-E96E-43C2-BEA1-82760A008F2A}" srcId="{90F6113B-75BD-44FD-8434-CBAADF3FAC2F}" destId="{5914E3E9-93BB-47B8-8A9C-238F440A287F}" srcOrd="2" destOrd="0" parTransId="{D9DDB92F-C994-4E19-978C-28F5B2BCB2DD}" sibTransId="{ADD24C51-F14E-4A25-8C72-62E56D03DC4E}"/>
-    <dgm:cxn modelId="{90A93E40-79EA-4F26-B33E-BF892BB2FA2D}" type="presOf" srcId="{B1BB8B0C-F38E-43C2-95BA-64118CAFE193}" destId="{B3677B13-33FF-4CD1-892C-0D4E503E1AB9}" srcOrd="0" destOrd="0" presId="urn:microsoft.com/office/officeart/2005/8/layout/list1"/>
-    <dgm:cxn modelId="{D47E0D86-9C28-4F84-8C89-A1564BE31801}" type="presOf" srcId="{90F6113B-75BD-44FD-8434-CBAADF3FAC2F}" destId="{0EB34C70-F6E3-40DB-9DC2-47EE8150F9B3}" srcOrd="0" destOrd="0" presId="urn:microsoft.com/office/officeart/2005/8/layout/list1"/>
-    <dgm:cxn modelId="{9FF3DE86-5326-4069-8DD6-B2FFF985C19F}" type="presOf" srcId="{3DE32299-F6B0-4228-9095-729294DD02E1}" destId="{54B29E06-C806-4787-9133-854229DCE47B}" srcOrd="1" destOrd="0" presId="urn:microsoft.com/office/officeart/2005/8/layout/list1"/>
-    <dgm:cxn modelId="{28D8D396-6E55-4992-85AB-BA3B2A6F8609}" srcId="{90F6113B-75BD-44FD-8434-CBAADF3FAC2F}" destId="{B1BB8B0C-F38E-43C2-95BA-64118CAFE193}" srcOrd="4" destOrd="0" parTransId="{360A647F-2F09-4793-84CC-D04617AB0F4E}" sibTransId="{C05570EA-2D2D-4137-95A2-60C11410AC68}"/>
-    <dgm:cxn modelId="{04AA0FA5-4652-4BC4-88D7-F74015E14344}" type="presOf" srcId="{5914E3E9-93BB-47B8-8A9C-238F440A287F}" destId="{B22B6AB6-A762-4E36-858B-C156C12A7571}" srcOrd="0" destOrd="0" presId="urn:microsoft.com/office/officeart/2005/8/layout/list1"/>
-    <dgm:cxn modelId="{F3A39DB5-633E-4CFA-ABAC-B0D0A3BFA2DE}" type="presOf" srcId="{42831189-1BEE-4364-903D-3D786E083519}" destId="{6307206D-705F-46C3-8B7C-D7E681634843}" srcOrd="1" destOrd="0" presId="urn:microsoft.com/office/officeart/2005/8/layout/list1"/>
-    <dgm:cxn modelId="{AA24B8C3-C016-4EAC-A2FE-F737D7FBC148}" srcId="{90F6113B-75BD-44FD-8434-CBAADF3FAC2F}" destId="{61654097-F24A-4007-9721-050015AB917D}" srcOrd="3" destOrd="0" parTransId="{56DC934D-8773-40B1-ADF4-D51BB94BB7B8}" sibTransId="{5E01A042-A483-4547-B78B-33147A7A705A}"/>
-    <dgm:cxn modelId="{5ED8D2D3-11C5-40DC-8287-6BC64E839125}" type="presOf" srcId="{42831189-1BEE-4364-903D-3D786E083519}" destId="{E14D65C2-61B6-4F97-8DC2-26ED9DD6454E}" srcOrd="0" destOrd="0" presId="urn:microsoft.com/office/officeart/2005/8/layout/list1"/>
-    <dgm:cxn modelId="{BCE8A3DA-E547-4E15-BDBB-637FD8D701D9}" type="presOf" srcId="{B1BB8B0C-F38E-43C2-95BA-64118CAFE193}" destId="{7DD63533-A32F-47E4-BA04-43C0525716D0}" srcOrd="1" destOrd="0" presId="urn:microsoft.com/office/officeart/2005/8/layout/list1"/>
-    <dgm:cxn modelId="{BD52FAE3-3CEF-47D6-B5AF-4EB08D668E76}" type="presOf" srcId="{5914E3E9-93BB-47B8-8A9C-238F440A287F}" destId="{1D9D9746-9F18-4F66-85E3-2EEB29044319}" srcOrd="1" destOrd="0" presId="urn:microsoft.com/office/officeart/2005/8/layout/list1"/>
-    <dgm:cxn modelId="{8533BCB2-AE11-4F31-99F2-9246289057AB}" type="presParOf" srcId="{0EB34C70-F6E3-40DB-9DC2-47EE8150F9B3}" destId="{F69AFA82-14A1-4300-9D8E-AF57F35A78D8}" srcOrd="0" destOrd="0" presId="urn:microsoft.com/office/officeart/2005/8/layout/list1"/>
-    <dgm:cxn modelId="{D42125FB-5CB4-449D-BC42-AA30A041C060}" type="presParOf" srcId="{F69AFA82-14A1-4300-9D8E-AF57F35A78D8}" destId="{E14D65C2-61B6-4F97-8DC2-26ED9DD6454E}" srcOrd="0" destOrd="0" presId="urn:microsoft.com/office/officeart/2005/8/layout/list1"/>
-    <dgm:cxn modelId="{15A188FF-3B51-462E-9BE3-63394C6022AD}" type="presParOf" srcId="{F69AFA82-14A1-4300-9D8E-AF57F35A78D8}" destId="{6307206D-705F-46C3-8B7C-D7E681634843}" srcOrd="1" destOrd="0" presId="urn:microsoft.com/office/officeart/2005/8/layout/list1"/>
-    <dgm:cxn modelId="{AB7536EC-A36A-4693-8276-F7A4F8ED3A7F}" type="presParOf" srcId="{0EB34C70-F6E3-40DB-9DC2-47EE8150F9B3}" destId="{F51AD1E0-5762-4B1E-B765-668E97800CEA}" srcOrd="1" destOrd="0" presId="urn:microsoft.com/office/officeart/2005/8/layout/list1"/>
-    <dgm:cxn modelId="{1DECD8E2-3E37-47CF-8345-E5A3D53F7DCE}" type="presParOf" srcId="{0EB34C70-F6E3-40DB-9DC2-47EE8150F9B3}" destId="{052036CE-60E2-447A-A84B-A80A0441D8B1}" srcOrd="2" destOrd="0" presId="urn:microsoft.com/office/officeart/2005/8/layout/list1"/>
-    <dgm:cxn modelId="{32638F40-3B97-4C27-9F56-5A91C1A4A417}" type="presParOf" srcId="{0EB34C70-F6E3-40DB-9DC2-47EE8150F9B3}" destId="{6A46E104-522C-46B8-946F-D9258B2B5E60}" srcOrd="3" destOrd="0" presId="urn:microsoft.com/office/officeart/2005/8/layout/list1"/>
-    <dgm:cxn modelId="{AB12A7BD-2004-4CAB-A332-6CBE46CD1E13}" type="presParOf" srcId="{0EB34C70-F6E3-40DB-9DC2-47EE8150F9B3}" destId="{A0ED3C85-FF58-4469-A36D-35B510891046}" srcOrd="4" destOrd="0" presId="urn:microsoft.com/office/officeart/2005/8/layout/list1"/>
-    <dgm:cxn modelId="{C7513505-5925-4343-9EDC-E2F6CB09B8DF}" type="presParOf" srcId="{A0ED3C85-FF58-4469-A36D-35B510891046}" destId="{BE37F30D-17C0-4187-967C-6EEB21EBA772}" srcOrd="0" destOrd="0" presId="urn:microsoft.com/office/officeart/2005/8/layout/list1"/>
-    <dgm:cxn modelId="{E2B24BED-7162-4B28-BCC1-73E1CE53F9D8}" type="presParOf" srcId="{A0ED3C85-FF58-4469-A36D-35B510891046}" destId="{54B29E06-C806-4787-9133-854229DCE47B}" srcOrd="1" destOrd="0" presId="urn:microsoft.com/office/officeart/2005/8/layout/list1"/>
-    <dgm:cxn modelId="{3B4BA796-14EE-4C17-8816-C562A0829CA7}" type="presParOf" srcId="{0EB34C70-F6E3-40DB-9DC2-47EE8150F9B3}" destId="{C4D5B38E-F7C3-4D7B-8E78-8EC8B3D50629}" srcOrd="5" destOrd="0" presId="urn:microsoft.com/office/officeart/2005/8/layout/list1"/>
-    <dgm:cxn modelId="{14686C43-5B32-40BE-8DCF-E3785256FF24}" type="presParOf" srcId="{0EB34C70-F6E3-40DB-9DC2-47EE8150F9B3}" destId="{0B1809EA-6349-4E4C-B162-7465B00C3582}" srcOrd="6" destOrd="0" presId="urn:microsoft.com/office/officeart/2005/8/layout/list1"/>
-    <dgm:cxn modelId="{07E7D5C1-A06F-45DF-BC7E-BBADADD4E93A}" type="presParOf" srcId="{0EB34C70-F6E3-40DB-9DC2-47EE8150F9B3}" destId="{0D57B51D-C366-4D48-8C9B-F37A3644F9E8}" srcOrd="7" destOrd="0" presId="urn:microsoft.com/office/officeart/2005/8/layout/list1"/>
-    <dgm:cxn modelId="{37A45D4A-6197-40FA-BC69-59076370023F}" type="presParOf" srcId="{0EB34C70-F6E3-40DB-9DC2-47EE8150F9B3}" destId="{E69564E4-321B-4E9D-AD1A-22EE48C0A32F}" srcOrd="8" destOrd="0" presId="urn:microsoft.com/office/officeart/2005/8/layout/list1"/>
-    <dgm:cxn modelId="{067C3F35-96FB-4BE3-9EC2-D54A791A7B72}" type="presParOf" srcId="{E69564E4-321B-4E9D-AD1A-22EE48C0A32F}" destId="{B22B6AB6-A762-4E36-858B-C156C12A7571}" srcOrd="0" destOrd="0" presId="urn:microsoft.com/office/officeart/2005/8/layout/list1"/>
-    <dgm:cxn modelId="{85EB22DC-BCD4-43C2-9641-71A9418AAAFA}" type="presParOf" srcId="{E69564E4-321B-4E9D-AD1A-22EE48C0A32F}" destId="{1D9D9746-9F18-4F66-85E3-2EEB29044319}" srcOrd="1" destOrd="0" presId="urn:microsoft.com/office/officeart/2005/8/layout/list1"/>
-    <dgm:cxn modelId="{81D29B88-0E20-4107-A605-E8A4C522C7A9}" type="presParOf" srcId="{0EB34C70-F6E3-40DB-9DC2-47EE8150F9B3}" destId="{51D0F33B-3DCC-4C2C-BB1D-6754EBCFA792}" srcOrd="9" destOrd="0" presId="urn:microsoft.com/office/officeart/2005/8/layout/list1"/>
-    <dgm:cxn modelId="{51E6FFC4-E744-46AB-A511-3CC666A8CCF6}" type="presParOf" srcId="{0EB34C70-F6E3-40DB-9DC2-47EE8150F9B3}" destId="{26B457CE-8E1E-4BD8-A581-677E62135BFE}" srcOrd="10" destOrd="0" presId="urn:microsoft.com/office/officeart/2005/8/layout/list1"/>
-    <dgm:cxn modelId="{FB4CFAF1-E0D7-459B-8188-6FACA6F3EB02}" type="presParOf" srcId="{0EB34C70-F6E3-40DB-9DC2-47EE8150F9B3}" destId="{D74D58D4-92EA-4E33-8C68-0402EB335530}" srcOrd="11" destOrd="0" presId="urn:microsoft.com/office/officeart/2005/8/layout/list1"/>
-    <dgm:cxn modelId="{310F9B45-A4BE-4331-94D3-5B9B908AC68E}" type="presParOf" srcId="{0EB34C70-F6E3-40DB-9DC2-47EE8150F9B3}" destId="{3FFF0663-7660-4B9F-8647-68C7B2F7BB65}" srcOrd="12" destOrd="0" presId="urn:microsoft.com/office/officeart/2005/8/layout/list1"/>
-    <dgm:cxn modelId="{7661BBC9-AC47-4E20-AC64-641B9BF393A7}" type="presParOf" srcId="{3FFF0663-7660-4B9F-8647-68C7B2F7BB65}" destId="{8095C800-0D4F-4B41-9846-108BFBB63850}" srcOrd="0" destOrd="0" presId="urn:microsoft.com/office/officeart/2005/8/layout/list1"/>
-    <dgm:cxn modelId="{4D54DB6F-9D9E-4AE5-B7C3-727C3EE3AAFB}" type="presParOf" srcId="{3FFF0663-7660-4B9F-8647-68C7B2F7BB65}" destId="{3E0E9275-9DC8-423C-915C-41BE99AE0ACC}" srcOrd="1" destOrd="0" presId="urn:microsoft.com/office/officeart/2005/8/layout/list1"/>
-    <dgm:cxn modelId="{A2D3D931-1E98-4E32-8E0D-04EF349D5ECC}" type="presParOf" srcId="{0EB34C70-F6E3-40DB-9DC2-47EE8150F9B3}" destId="{D9F705E4-41C3-4F02-8222-9E4965B258D0}" srcOrd="13" destOrd="0" presId="urn:microsoft.com/office/officeart/2005/8/layout/list1"/>
-    <dgm:cxn modelId="{32889DD1-FEFF-480E-B38C-B495776CBD20}" type="presParOf" srcId="{0EB34C70-F6E3-40DB-9DC2-47EE8150F9B3}" destId="{8CF539C3-8CE7-4B49-8231-3373D807C8D7}" srcOrd="14" destOrd="0" presId="urn:microsoft.com/office/officeart/2005/8/layout/list1"/>
-    <dgm:cxn modelId="{A27E34A6-3611-4A16-B22B-C4B293CA353F}" type="presParOf" srcId="{0EB34C70-F6E3-40DB-9DC2-47EE8150F9B3}" destId="{FF45C17F-91CB-4073-974A-A817CF4F7AEA}" srcOrd="15" destOrd="0" presId="urn:microsoft.com/office/officeart/2005/8/layout/list1"/>
-    <dgm:cxn modelId="{53FFEF1D-C5C0-48F3-A02D-03CC9D9E3F80}" type="presParOf" srcId="{0EB34C70-F6E3-40DB-9DC2-47EE8150F9B3}" destId="{B89D28A3-FBE6-487A-BD94-8E35849FC8FF}" srcOrd="16" destOrd="0" presId="urn:microsoft.com/office/officeart/2005/8/layout/list1"/>
-    <dgm:cxn modelId="{255B6328-BFE6-433E-B7C4-09BB4936F543}" type="presParOf" srcId="{B89D28A3-FBE6-487A-BD94-8E35849FC8FF}" destId="{B3677B13-33FF-4CD1-892C-0D4E503E1AB9}" srcOrd="0" destOrd="0" presId="urn:microsoft.com/office/officeart/2005/8/layout/list1"/>
-    <dgm:cxn modelId="{EB9081D6-2357-4071-BF9F-0B481E77ACF9}" type="presParOf" srcId="{B89D28A3-FBE6-487A-BD94-8E35849FC8FF}" destId="{7DD63533-A32F-47E4-BA04-43C0525716D0}" srcOrd="1" destOrd="0" presId="urn:microsoft.com/office/officeart/2005/8/layout/list1"/>
-    <dgm:cxn modelId="{F03929D5-C444-4843-BDBD-7A2FEDCB7957}" type="presParOf" srcId="{0EB34C70-F6E3-40DB-9DC2-47EE8150F9B3}" destId="{063E7E19-435C-4AFA-98C9-973900B8FAAE}" srcOrd="17" destOrd="0" presId="urn:microsoft.com/office/officeart/2005/8/layout/list1"/>
-    <dgm:cxn modelId="{78C77512-2D24-4251-9A49-8539A1727F75}" type="presParOf" srcId="{0EB34C70-F6E3-40DB-9DC2-47EE8150F9B3}" destId="{AB3CA8AD-608A-44F9-8165-F0F61B6FA5D5}" srcOrd="18" destOrd="0" presId="urn:microsoft.com/office/officeart/2005/8/layout/list1"/>
-  </dgm:cxnLst>
-  <dgm:bg/>
-  <dgm:whole/>
-  <dgm:extLst>
-    <a:ext uri="http://schemas.microsoft.com/office/drawing/2008/diagram">
-      <dsp:dataModelExt xmlns:dsp="http://schemas.microsoft.com/office/drawing/2008/diagram" relId="rId7" minVer="http://schemas.openxmlformats.org/drawingml/2006/diagram"/>
-    </a:ext>
-  </dgm:extLst>
-</dgm:dataModel>
-</file>
-
-<file path=ppt/diagrams/data2.xml><?xml version="1.0" encoding="utf-8"?>
 <dgm:dataModel xmlns:dgm="http://schemas.openxmlformats.org/drawingml/2006/diagram" xmlns:a="http://schemas.openxmlformats.org/drawingml/2006/main">
   <dgm:ptLst>
     <dgm:pt modelId="{65E17D15-913A-40B0-AA6F-C6F6AE1D74A1}" type="doc">
@@ -5469,8 +4127,8 @@
         <a:lstStyle/>
         <a:p>
           <a:r>
-            <a:rPr lang="en-US"/>
-            <a:t>Cloud-based and virtualization technologies reshape computing, with OSs like Windows Server and Linux driving innovatio</a:t>
+            <a:rPr lang="en-US" dirty="0"/>
+            <a:t>Cloud-based and virtualization technologies reshape computing, with OSs like Windows Server and Linux driving innovation</a:t>
           </a:r>
         </a:p>
       </dgm:t>
@@ -6263,7 +4921,7 @@
 </dgm:dataModel>
 </file>
 
-<file path=ppt/diagrams/data3.xml><?xml version="1.0" encoding="utf-8"?>
+<file path=ppt/diagrams/data2.xml><?xml version="1.0" encoding="utf-8"?>
 <dgm:dataModel xmlns:dgm="http://schemas.openxmlformats.org/drawingml/2006/diagram" xmlns:a="http://schemas.openxmlformats.org/drawingml/2006/main">
   <dgm:ptLst>
     <dgm:pt modelId="{3850FD8E-4B73-4A71-9CBA-10BDF33E9B81}" type="doc">
@@ -6457,7 +5115,7 @@
 </dgm:dataModel>
 </file>
 
-<file path=ppt/diagrams/data4.xml><?xml version="1.0" encoding="utf-8"?>
+<file path=ppt/diagrams/data3.xml><?xml version="1.0" encoding="utf-8"?>
 <dgm:dataModel xmlns:dgm="http://schemas.openxmlformats.org/drawingml/2006/diagram" xmlns:a="http://schemas.openxmlformats.org/drawingml/2006/main">
   <dgm:ptLst>
     <dgm:pt modelId="{437A3A41-665D-43E0-93A5-958AD733B532}" type="doc">
@@ -6754,7 +5412,7 @@
 </dgm:dataModel>
 </file>
 
-<file path=ppt/diagrams/data5.xml><?xml version="1.0" encoding="utf-8"?>
+<file path=ppt/diagrams/data4.xml><?xml version="1.0" encoding="utf-8"?>
 <dgm:dataModel xmlns:dgm="http://schemas.openxmlformats.org/drawingml/2006/diagram" xmlns:a="http://schemas.openxmlformats.org/drawingml/2006/main">
   <dgm:ptLst>
     <dgm:pt modelId="{586E7594-C786-46DD-B4CB-E89C6D4962E8}" type="doc">
@@ -6996,643 +5654,6 @@
 </file>
 
 <file path=ppt/diagrams/drawing1.xml><?xml version="1.0" encoding="utf-8"?>
-<dsp:drawing xmlns:dgm="http://schemas.openxmlformats.org/drawingml/2006/diagram" xmlns:dsp="http://schemas.microsoft.com/office/drawing/2008/diagram" xmlns:a="http://schemas.openxmlformats.org/drawingml/2006/main">
-  <dsp:spTree>
-    <dsp:nvGrpSpPr>
-      <dsp:cNvPr id="0" name=""/>
-      <dsp:cNvGrpSpPr/>
-    </dsp:nvGrpSpPr>
-    <dsp:grpSpPr/>
-    <dsp:sp modelId="{052036CE-60E2-447A-A84B-A80A0441D8B1}">
-      <dsp:nvSpPr>
-        <dsp:cNvPr id="0" name=""/>
-        <dsp:cNvSpPr/>
-      </dsp:nvSpPr>
-      <dsp:spPr>
-        <a:xfrm>
-          <a:off x="0" y="657390"/>
-          <a:ext cx="5175384" cy="554400"/>
-        </a:xfrm>
-        <a:prstGeom prst="rect">
-          <a:avLst/>
-        </a:prstGeom>
-        <a:solidFill>
-          <a:schemeClr val="lt1">
-            <a:alpha val="90000"/>
-            <a:hueOff val="0"/>
-            <a:satOff val="0"/>
-            <a:lumOff val="0"/>
-            <a:alphaOff val="0"/>
-          </a:schemeClr>
-        </a:solidFill>
-        <a:ln w="25400" cap="flat" cmpd="sng" algn="ctr">
-          <a:solidFill>
-            <a:schemeClr val="accent2">
-              <a:hueOff val="0"/>
-              <a:satOff val="0"/>
-              <a:lumOff val="0"/>
-              <a:alphaOff val="0"/>
-            </a:schemeClr>
-          </a:solidFill>
-          <a:prstDash val="solid"/>
-        </a:ln>
-        <a:effectLst/>
-      </dsp:spPr>
-      <dsp:style>
-        <a:lnRef idx="2">
-          <a:scrgbClr r="0" g="0" b="0"/>
-        </a:lnRef>
-        <a:fillRef idx="1">
-          <a:scrgbClr r="0" g="0" b="0"/>
-        </a:fillRef>
-        <a:effectRef idx="0">
-          <a:scrgbClr r="0" g="0" b="0"/>
-        </a:effectRef>
-        <a:fontRef idx="minor"/>
-      </dsp:style>
-    </dsp:sp>
-    <dsp:sp modelId="{6307206D-705F-46C3-8B7C-D7E681634843}">
-      <dsp:nvSpPr>
-        <dsp:cNvPr id="0" name=""/>
-        <dsp:cNvSpPr/>
-      </dsp:nvSpPr>
-      <dsp:spPr>
-        <a:xfrm>
-          <a:off x="258769" y="332670"/>
-          <a:ext cx="3622768" cy="649440"/>
-        </a:xfrm>
-        <a:prstGeom prst="roundRect">
-          <a:avLst/>
-        </a:prstGeom>
-        <a:solidFill>
-          <a:schemeClr val="accent2">
-            <a:hueOff val="0"/>
-            <a:satOff val="0"/>
-            <a:lumOff val="0"/>
-            <a:alphaOff val="0"/>
-          </a:schemeClr>
-        </a:solidFill>
-        <a:ln w="25400" cap="flat" cmpd="sng" algn="ctr">
-          <a:solidFill>
-            <a:schemeClr val="lt1">
-              <a:hueOff val="0"/>
-              <a:satOff val="0"/>
-              <a:lumOff val="0"/>
-              <a:alphaOff val="0"/>
-            </a:schemeClr>
-          </a:solidFill>
-          <a:prstDash val="solid"/>
-        </a:ln>
-        <a:effectLst/>
-      </dsp:spPr>
-      <dsp:style>
-        <a:lnRef idx="2">
-          <a:scrgbClr r="0" g="0" b="0"/>
-        </a:lnRef>
-        <a:fillRef idx="1">
-          <a:scrgbClr r="0" g="0" b="0"/>
-        </a:fillRef>
-        <a:effectRef idx="0">
-          <a:scrgbClr r="0" g="0" b="0"/>
-        </a:effectRef>
-        <a:fontRef idx="minor">
-          <a:schemeClr val="lt1"/>
-        </a:fontRef>
-      </dsp:style>
-      <dsp:txBody>
-        <a:bodyPr spcFirstLastPara="0" vert="horz" wrap="square" lIns="136932" tIns="0" rIns="136932" bIns="0" numCol="1" spcCol="1270" anchor="ctr" anchorCtr="0">
-          <a:noAutofit/>
-        </a:bodyPr>
-        <a:lstStyle/>
-        <a:p>
-          <a:pPr marL="0" lvl="0" indent="0" algn="l" defTabSz="977900">
-            <a:lnSpc>
-              <a:spcPct val="90000"/>
-            </a:lnSpc>
-            <a:spcBef>
-              <a:spcPct val="0"/>
-            </a:spcBef>
-            <a:spcAft>
-              <a:spcPct val="35000"/>
-            </a:spcAft>
-            <a:buNone/>
-          </a:pPr>
-          <a:r>
-            <a:rPr lang="en-US" sz="2200" kern="1200"/>
-            <a:t>• Process Management</a:t>
-          </a:r>
-        </a:p>
-      </dsp:txBody>
-      <dsp:txXfrm>
-        <a:off x="290472" y="364373"/>
-        <a:ext cx="3559362" cy="586034"/>
-      </dsp:txXfrm>
-    </dsp:sp>
-    <dsp:sp modelId="{0B1809EA-6349-4E4C-B162-7465B00C3582}">
-      <dsp:nvSpPr>
-        <dsp:cNvPr id="0" name=""/>
-        <dsp:cNvSpPr/>
-      </dsp:nvSpPr>
-      <dsp:spPr>
-        <a:xfrm>
-          <a:off x="0" y="1655310"/>
-          <a:ext cx="5175384" cy="554400"/>
-        </a:xfrm>
-        <a:prstGeom prst="rect">
-          <a:avLst/>
-        </a:prstGeom>
-        <a:solidFill>
-          <a:schemeClr val="lt1">
-            <a:alpha val="90000"/>
-            <a:hueOff val="0"/>
-            <a:satOff val="0"/>
-            <a:lumOff val="0"/>
-            <a:alphaOff val="0"/>
-          </a:schemeClr>
-        </a:solidFill>
-        <a:ln w="25400" cap="flat" cmpd="sng" algn="ctr">
-          <a:solidFill>
-            <a:schemeClr val="accent3">
-              <a:hueOff val="0"/>
-              <a:satOff val="0"/>
-              <a:lumOff val="0"/>
-              <a:alphaOff val="0"/>
-            </a:schemeClr>
-          </a:solidFill>
-          <a:prstDash val="solid"/>
-        </a:ln>
-        <a:effectLst/>
-      </dsp:spPr>
-      <dsp:style>
-        <a:lnRef idx="2">
-          <a:scrgbClr r="0" g="0" b="0"/>
-        </a:lnRef>
-        <a:fillRef idx="1">
-          <a:scrgbClr r="0" g="0" b="0"/>
-        </a:fillRef>
-        <a:effectRef idx="0">
-          <a:scrgbClr r="0" g="0" b="0"/>
-        </a:effectRef>
-        <a:fontRef idx="minor"/>
-      </dsp:style>
-    </dsp:sp>
-    <dsp:sp modelId="{54B29E06-C806-4787-9133-854229DCE47B}">
-      <dsp:nvSpPr>
-        <dsp:cNvPr id="0" name=""/>
-        <dsp:cNvSpPr/>
-      </dsp:nvSpPr>
-      <dsp:spPr>
-        <a:xfrm>
-          <a:off x="258769" y="1330590"/>
-          <a:ext cx="3622768" cy="649440"/>
-        </a:xfrm>
-        <a:prstGeom prst="roundRect">
-          <a:avLst/>
-        </a:prstGeom>
-        <a:solidFill>
-          <a:schemeClr val="accent3">
-            <a:hueOff val="0"/>
-            <a:satOff val="0"/>
-            <a:lumOff val="0"/>
-            <a:alphaOff val="0"/>
-          </a:schemeClr>
-        </a:solidFill>
-        <a:ln w="25400" cap="flat" cmpd="sng" algn="ctr">
-          <a:solidFill>
-            <a:schemeClr val="lt1">
-              <a:hueOff val="0"/>
-              <a:satOff val="0"/>
-              <a:lumOff val="0"/>
-              <a:alphaOff val="0"/>
-            </a:schemeClr>
-          </a:solidFill>
-          <a:prstDash val="solid"/>
-        </a:ln>
-        <a:effectLst/>
-      </dsp:spPr>
-      <dsp:style>
-        <a:lnRef idx="2">
-          <a:scrgbClr r="0" g="0" b="0"/>
-        </a:lnRef>
-        <a:fillRef idx="1">
-          <a:scrgbClr r="0" g="0" b="0"/>
-        </a:fillRef>
-        <a:effectRef idx="0">
-          <a:scrgbClr r="0" g="0" b="0"/>
-        </a:effectRef>
-        <a:fontRef idx="minor">
-          <a:schemeClr val="lt1"/>
-        </a:fontRef>
-      </dsp:style>
-      <dsp:txBody>
-        <a:bodyPr spcFirstLastPara="0" vert="horz" wrap="square" lIns="136932" tIns="0" rIns="136932" bIns="0" numCol="1" spcCol="1270" anchor="ctr" anchorCtr="0">
-          <a:noAutofit/>
-        </a:bodyPr>
-        <a:lstStyle/>
-        <a:p>
-          <a:pPr marL="0" lvl="0" indent="0" algn="l" defTabSz="977900">
-            <a:lnSpc>
-              <a:spcPct val="90000"/>
-            </a:lnSpc>
-            <a:spcBef>
-              <a:spcPct val="0"/>
-            </a:spcBef>
-            <a:spcAft>
-              <a:spcPct val="35000"/>
-            </a:spcAft>
-            <a:buNone/>
-          </a:pPr>
-          <a:r>
-            <a:rPr lang="en-US" sz="2200" kern="1200"/>
-            <a:t>• Memory Management</a:t>
-          </a:r>
-        </a:p>
-      </dsp:txBody>
-      <dsp:txXfrm>
-        <a:off x="290472" y="1362293"/>
-        <a:ext cx="3559362" cy="586034"/>
-      </dsp:txXfrm>
-    </dsp:sp>
-    <dsp:sp modelId="{26B457CE-8E1E-4BD8-A581-677E62135BFE}">
-      <dsp:nvSpPr>
-        <dsp:cNvPr id="0" name=""/>
-        <dsp:cNvSpPr/>
-      </dsp:nvSpPr>
-      <dsp:spPr>
-        <a:xfrm>
-          <a:off x="0" y="2653230"/>
-          <a:ext cx="5175384" cy="554400"/>
-        </a:xfrm>
-        <a:prstGeom prst="rect">
-          <a:avLst/>
-        </a:prstGeom>
-        <a:solidFill>
-          <a:schemeClr val="lt1">
-            <a:alpha val="90000"/>
-            <a:hueOff val="0"/>
-            <a:satOff val="0"/>
-            <a:lumOff val="0"/>
-            <a:alphaOff val="0"/>
-          </a:schemeClr>
-        </a:solidFill>
-        <a:ln w="25400" cap="flat" cmpd="sng" algn="ctr">
-          <a:solidFill>
-            <a:schemeClr val="accent4">
-              <a:hueOff val="0"/>
-              <a:satOff val="0"/>
-              <a:lumOff val="0"/>
-              <a:alphaOff val="0"/>
-            </a:schemeClr>
-          </a:solidFill>
-          <a:prstDash val="solid"/>
-        </a:ln>
-        <a:effectLst/>
-      </dsp:spPr>
-      <dsp:style>
-        <a:lnRef idx="2">
-          <a:scrgbClr r="0" g="0" b="0"/>
-        </a:lnRef>
-        <a:fillRef idx="1">
-          <a:scrgbClr r="0" g="0" b="0"/>
-        </a:fillRef>
-        <a:effectRef idx="0">
-          <a:scrgbClr r="0" g="0" b="0"/>
-        </a:effectRef>
-        <a:fontRef idx="minor"/>
-      </dsp:style>
-    </dsp:sp>
-    <dsp:sp modelId="{1D9D9746-9F18-4F66-85E3-2EEB29044319}">
-      <dsp:nvSpPr>
-        <dsp:cNvPr id="0" name=""/>
-        <dsp:cNvSpPr/>
-      </dsp:nvSpPr>
-      <dsp:spPr>
-        <a:xfrm>
-          <a:off x="258769" y="2328510"/>
-          <a:ext cx="3622768" cy="649440"/>
-        </a:xfrm>
-        <a:prstGeom prst="roundRect">
-          <a:avLst/>
-        </a:prstGeom>
-        <a:solidFill>
-          <a:schemeClr val="accent4">
-            <a:hueOff val="0"/>
-            <a:satOff val="0"/>
-            <a:lumOff val="0"/>
-            <a:alphaOff val="0"/>
-          </a:schemeClr>
-        </a:solidFill>
-        <a:ln w="25400" cap="flat" cmpd="sng" algn="ctr">
-          <a:solidFill>
-            <a:schemeClr val="lt1">
-              <a:hueOff val="0"/>
-              <a:satOff val="0"/>
-              <a:lumOff val="0"/>
-              <a:alphaOff val="0"/>
-            </a:schemeClr>
-          </a:solidFill>
-          <a:prstDash val="solid"/>
-        </a:ln>
-        <a:effectLst/>
-      </dsp:spPr>
-      <dsp:style>
-        <a:lnRef idx="2">
-          <a:scrgbClr r="0" g="0" b="0"/>
-        </a:lnRef>
-        <a:fillRef idx="1">
-          <a:scrgbClr r="0" g="0" b="0"/>
-        </a:fillRef>
-        <a:effectRef idx="0">
-          <a:scrgbClr r="0" g="0" b="0"/>
-        </a:effectRef>
-        <a:fontRef idx="minor">
-          <a:schemeClr val="lt1"/>
-        </a:fontRef>
-      </dsp:style>
-      <dsp:txBody>
-        <a:bodyPr spcFirstLastPara="0" vert="horz" wrap="square" lIns="136932" tIns="0" rIns="136932" bIns="0" numCol="1" spcCol="1270" anchor="ctr" anchorCtr="0">
-          <a:noAutofit/>
-        </a:bodyPr>
-        <a:lstStyle/>
-        <a:p>
-          <a:pPr marL="0" lvl="0" indent="0" algn="l" defTabSz="977900">
-            <a:lnSpc>
-              <a:spcPct val="90000"/>
-            </a:lnSpc>
-            <a:spcBef>
-              <a:spcPct val="0"/>
-            </a:spcBef>
-            <a:spcAft>
-              <a:spcPct val="35000"/>
-            </a:spcAft>
-            <a:buNone/>
-          </a:pPr>
-          <a:r>
-            <a:rPr lang="en-US" sz="2200" kern="1200"/>
-            <a:t>• File System Management</a:t>
-          </a:r>
-        </a:p>
-      </dsp:txBody>
-      <dsp:txXfrm>
-        <a:off x="290472" y="2360213"/>
-        <a:ext cx="3559362" cy="586034"/>
-      </dsp:txXfrm>
-    </dsp:sp>
-    <dsp:sp modelId="{8CF539C3-8CE7-4B49-8231-3373D807C8D7}">
-      <dsp:nvSpPr>
-        <dsp:cNvPr id="0" name=""/>
-        <dsp:cNvSpPr/>
-      </dsp:nvSpPr>
-      <dsp:spPr>
-        <a:xfrm>
-          <a:off x="0" y="3651150"/>
-          <a:ext cx="5175384" cy="554400"/>
-        </a:xfrm>
-        <a:prstGeom prst="rect">
-          <a:avLst/>
-        </a:prstGeom>
-        <a:solidFill>
-          <a:schemeClr val="lt1">
-            <a:alpha val="90000"/>
-            <a:hueOff val="0"/>
-            <a:satOff val="0"/>
-            <a:lumOff val="0"/>
-            <a:alphaOff val="0"/>
-          </a:schemeClr>
-        </a:solidFill>
-        <a:ln w="25400" cap="flat" cmpd="sng" algn="ctr">
-          <a:solidFill>
-            <a:schemeClr val="accent5">
-              <a:hueOff val="0"/>
-              <a:satOff val="0"/>
-              <a:lumOff val="0"/>
-              <a:alphaOff val="0"/>
-            </a:schemeClr>
-          </a:solidFill>
-          <a:prstDash val="solid"/>
-        </a:ln>
-        <a:effectLst/>
-      </dsp:spPr>
-      <dsp:style>
-        <a:lnRef idx="2">
-          <a:scrgbClr r="0" g="0" b="0"/>
-        </a:lnRef>
-        <a:fillRef idx="1">
-          <a:scrgbClr r="0" g="0" b="0"/>
-        </a:fillRef>
-        <a:effectRef idx="0">
-          <a:scrgbClr r="0" g="0" b="0"/>
-        </a:effectRef>
-        <a:fontRef idx="minor"/>
-      </dsp:style>
-    </dsp:sp>
-    <dsp:sp modelId="{3E0E9275-9DC8-423C-915C-41BE99AE0ACC}">
-      <dsp:nvSpPr>
-        <dsp:cNvPr id="0" name=""/>
-        <dsp:cNvSpPr/>
-      </dsp:nvSpPr>
-      <dsp:spPr>
-        <a:xfrm>
-          <a:off x="258769" y="3326430"/>
-          <a:ext cx="3622768" cy="649440"/>
-        </a:xfrm>
-        <a:prstGeom prst="roundRect">
-          <a:avLst/>
-        </a:prstGeom>
-        <a:solidFill>
-          <a:schemeClr val="accent5">
-            <a:hueOff val="0"/>
-            <a:satOff val="0"/>
-            <a:lumOff val="0"/>
-            <a:alphaOff val="0"/>
-          </a:schemeClr>
-        </a:solidFill>
-        <a:ln w="25400" cap="flat" cmpd="sng" algn="ctr">
-          <a:solidFill>
-            <a:schemeClr val="lt1">
-              <a:hueOff val="0"/>
-              <a:satOff val="0"/>
-              <a:lumOff val="0"/>
-              <a:alphaOff val="0"/>
-            </a:schemeClr>
-          </a:solidFill>
-          <a:prstDash val="solid"/>
-        </a:ln>
-        <a:effectLst/>
-      </dsp:spPr>
-      <dsp:style>
-        <a:lnRef idx="2">
-          <a:scrgbClr r="0" g="0" b="0"/>
-        </a:lnRef>
-        <a:fillRef idx="1">
-          <a:scrgbClr r="0" g="0" b="0"/>
-        </a:fillRef>
-        <a:effectRef idx="0">
-          <a:scrgbClr r="0" g="0" b="0"/>
-        </a:effectRef>
-        <a:fontRef idx="minor">
-          <a:schemeClr val="lt1"/>
-        </a:fontRef>
-      </dsp:style>
-      <dsp:txBody>
-        <a:bodyPr spcFirstLastPara="0" vert="horz" wrap="square" lIns="136932" tIns="0" rIns="136932" bIns="0" numCol="1" spcCol="1270" anchor="ctr" anchorCtr="0">
-          <a:noAutofit/>
-        </a:bodyPr>
-        <a:lstStyle/>
-        <a:p>
-          <a:pPr marL="0" lvl="0" indent="0" algn="l" defTabSz="977900">
-            <a:lnSpc>
-              <a:spcPct val="90000"/>
-            </a:lnSpc>
-            <a:spcBef>
-              <a:spcPct val="0"/>
-            </a:spcBef>
-            <a:spcAft>
-              <a:spcPct val="35000"/>
-            </a:spcAft>
-            <a:buNone/>
-          </a:pPr>
-          <a:r>
-            <a:rPr lang="en-US" sz="2200" kern="1200"/>
-            <a:t>• Device Management</a:t>
-          </a:r>
-        </a:p>
-      </dsp:txBody>
-      <dsp:txXfrm>
-        <a:off x="290472" y="3358133"/>
-        <a:ext cx="3559362" cy="586034"/>
-      </dsp:txXfrm>
-    </dsp:sp>
-    <dsp:sp modelId="{AB3CA8AD-608A-44F9-8165-F0F61B6FA5D5}">
-      <dsp:nvSpPr>
-        <dsp:cNvPr id="0" name=""/>
-        <dsp:cNvSpPr/>
-      </dsp:nvSpPr>
-      <dsp:spPr>
-        <a:xfrm>
-          <a:off x="0" y="4649070"/>
-          <a:ext cx="5175384" cy="554400"/>
-        </a:xfrm>
-        <a:prstGeom prst="rect">
-          <a:avLst/>
-        </a:prstGeom>
-        <a:solidFill>
-          <a:schemeClr val="lt1">
-            <a:alpha val="90000"/>
-            <a:hueOff val="0"/>
-            <a:satOff val="0"/>
-            <a:lumOff val="0"/>
-            <a:alphaOff val="0"/>
-          </a:schemeClr>
-        </a:solidFill>
-        <a:ln w="25400" cap="flat" cmpd="sng" algn="ctr">
-          <a:solidFill>
-            <a:schemeClr val="accent6">
-              <a:hueOff val="0"/>
-              <a:satOff val="0"/>
-              <a:lumOff val="0"/>
-              <a:alphaOff val="0"/>
-            </a:schemeClr>
-          </a:solidFill>
-          <a:prstDash val="solid"/>
-        </a:ln>
-        <a:effectLst/>
-      </dsp:spPr>
-      <dsp:style>
-        <a:lnRef idx="2">
-          <a:scrgbClr r="0" g="0" b="0"/>
-        </a:lnRef>
-        <a:fillRef idx="1">
-          <a:scrgbClr r="0" g="0" b="0"/>
-        </a:fillRef>
-        <a:effectRef idx="0">
-          <a:scrgbClr r="0" g="0" b="0"/>
-        </a:effectRef>
-        <a:fontRef idx="minor"/>
-      </dsp:style>
-    </dsp:sp>
-    <dsp:sp modelId="{7DD63533-A32F-47E4-BA04-43C0525716D0}">
-      <dsp:nvSpPr>
-        <dsp:cNvPr id="0" name=""/>
-        <dsp:cNvSpPr/>
-      </dsp:nvSpPr>
-      <dsp:spPr>
-        <a:xfrm>
-          <a:off x="258769" y="4324350"/>
-          <a:ext cx="3622768" cy="649440"/>
-        </a:xfrm>
-        <a:prstGeom prst="roundRect">
-          <a:avLst/>
-        </a:prstGeom>
-        <a:solidFill>
-          <a:schemeClr val="accent6">
-            <a:hueOff val="0"/>
-            <a:satOff val="0"/>
-            <a:lumOff val="0"/>
-            <a:alphaOff val="0"/>
-          </a:schemeClr>
-        </a:solidFill>
-        <a:ln w="25400" cap="flat" cmpd="sng" algn="ctr">
-          <a:solidFill>
-            <a:schemeClr val="lt1">
-              <a:hueOff val="0"/>
-              <a:satOff val="0"/>
-              <a:lumOff val="0"/>
-              <a:alphaOff val="0"/>
-            </a:schemeClr>
-          </a:solidFill>
-          <a:prstDash val="solid"/>
-        </a:ln>
-        <a:effectLst/>
-      </dsp:spPr>
-      <dsp:style>
-        <a:lnRef idx="2">
-          <a:scrgbClr r="0" g="0" b="0"/>
-        </a:lnRef>
-        <a:fillRef idx="1">
-          <a:scrgbClr r="0" g="0" b="0"/>
-        </a:fillRef>
-        <a:effectRef idx="0">
-          <a:scrgbClr r="0" g="0" b="0"/>
-        </a:effectRef>
-        <a:fontRef idx="minor">
-          <a:schemeClr val="lt1"/>
-        </a:fontRef>
-      </dsp:style>
-      <dsp:txBody>
-        <a:bodyPr spcFirstLastPara="0" vert="horz" wrap="square" lIns="136932" tIns="0" rIns="136932" bIns="0" numCol="1" spcCol="1270" anchor="ctr" anchorCtr="0">
-          <a:noAutofit/>
-        </a:bodyPr>
-        <a:lstStyle/>
-        <a:p>
-          <a:pPr marL="0" lvl="0" indent="0" algn="l" defTabSz="977900">
-            <a:lnSpc>
-              <a:spcPct val="90000"/>
-            </a:lnSpc>
-            <a:spcBef>
-              <a:spcPct val="0"/>
-            </a:spcBef>
-            <a:spcAft>
-              <a:spcPct val="35000"/>
-            </a:spcAft>
-            <a:buNone/>
-          </a:pPr>
-          <a:r>
-            <a:rPr lang="en-US" sz="2200" kern="1200"/>
-            <a:t>• Security and User Interface</a:t>
-          </a:r>
-        </a:p>
-      </dsp:txBody>
-      <dsp:txXfrm>
-        <a:off x="290472" y="4356053"/>
-        <a:ext cx="3559362" cy="586034"/>
-      </dsp:txXfrm>
-    </dsp:sp>
-  </dsp:spTree>
-</dsp:drawing>
-</file>
-
-<file path=ppt/diagrams/drawing2.xml><?xml version="1.0" encoding="utf-8"?>
 <dsp:drawing xmlns:dgm="http://schemas.openxmlformats.org/drawingml/2006/diagram" xmlns:dsp="http://schemas.microsoft.com/office/drawing/2008/diagram" xmlns:a="http://schemas.openxmlformats.org/drawingml/2006/main">
   <dsp:spTree>
     <dsp:nvGrpSpPr>
@@ -9577,8 +7598,8 @@
             <a:buChar char="•"/>
           </a:pPr>
           <a:r>
-            <a:rPr lang="en-US" sz="900" kern="1200"/>
-            <a:t>Cloud-based and virtualization technologies reshape computing, with OSs like Windows Server and Linux driving innovatio</a:t>
+            <a:rPr lang="en-US" sz="900" kern="1200" dirty="0"/>
+            <a:t>Cloud-based and virtualization technologies reshape computing, with OSs like Windows Server and Linux driving innovation</a:t>
           </a:r>
         </a:p>
       </dsp:txBody>
@@ -9741,7 +7762,7 @@
 </dsp:drawing>
 </file>
 
-<file path=ppt/diagrams/drawing3.xml><?xml version="1.0" encoding="utf-8"?>
+<file path=ppt/diagrams/drawing2.xml><?xml version="1.0" encoding="utf-8"?>
 <dsp:drawing xmlns:dgm="http://schemas.openxmlformats.org/drawingml/2006/diagram" xmlns:dsp="http://schemas.microsoft.com/office/drawing/2008/diagram" xmlns:a="http://schemas.openxmlformats.org/drawingml/2006/main">
   <dsp:spTree>
     <dsp:nvGrpSpPr>
@@ -9984,7 +8005,7 @@
 </dsp:drawing>
 </file>
 
-<file path=ppt/diagrams/drawing4.xml><?xml version="1.0" encoding="utf-8"?>
+<file path=ppt/diagrams/drawing3.xml><?xml version="1.0" encoding="utf-8"?>
 <dsp:drawing xmlns:dgm="http://schemas.openxmlformats.org/drawingml/2006/diagram" xmlns:dsp="http://schemas.microsoft.com/office/drawing/2008/diagram" xmlns:a="http://schemas.openxmlformats.org/drawingml/2006/main">
   <dsp:spTree>
     <dsp:nvGrpSpPr>
@@ -10381,7 +8402,7 @@
 </dsp:drawing>
 </file>
 
-<file path=ppt/diagrams/drawing5.xml><?xml version="1.0" encoding="utf-8"?>
+<file path=ppt/diagrams/drawing4.xml><?xml version="1.0" encoding="utf-8"?>
 <dsp:drawing xmlns:dgm="http://schemas.openxmlformats.org/drawingml/2006/diagram" xmlns:dsp="http://schemas.microsoft.com/office/drawing/2008/diagram" xmlns:a="http://schemas.openxmlformats.org/drawingml/2006/main">
   <dsp:spTree>
     <dsp:nvGrpSpPr>
@@ -10781,231 +8802,6 @@
 </file>
 
 <file path=ppt/diagrams/layout1.xml><?xml version="1.0" encoding="utf-8"?>
-<dgm:layoutDef xmlns:dgm="http://schemas.openxmlformats.org/drawingml/2006/diagram" xmlns:a="http://schemas.openxmlformats.org/drawingml/2006/main" uniqueId="urn:microsoft.com/office/officeart/2005/8/layout/list1">
-  <dgm:title val=""/>
-  <dgm:desc val=""/>
-  <dgm:catLst>
-    <dgm:cat type="list" pri="4000"/>
-  </dgm:catLst>
-  <dgm:sampData>
-    <dgm:dataModel>
-      <dgm:ptLst>
-        <dgm:pt modelId="0" type="doc"/>
-        <dgm:pt modelId="1">
-          <dgm:prSet phldr="1"/>
-        </dgm:pt>
-        <dgm:pt modelId="2">
-          <dgm:prSet phldr="1"/>
-        </dgm:pt>
-        <dgm:pt modelId="3">
-          <dgm:prSet phldr="1"/>
-        </dgm:pt>
-      </dgm:ptLst>
-      <dgm:cxnLst>
-        <dgm:cxn modelId="4" srcId="0" destId="1" srcOrd="0" destOrd="0"/>
-        <dgm:cxn modelId="5" srcId="0" destId="2" srcOrd="1" destOrd="0"/>
-        <dgm:cxn modelId="6" srcId="0" destId="3" srcOrd="2" destOrd="0"/>
-      </dgm:cxnLst>
-      <dgm:bg/>
-      <dgm:whole/>
-    </dgm:dataModel>
-  </dgm:sampData>
-  <dgm:styleData>
-    <dgm:dataModel>
-      <dgm:ptLst>
-        <dgm:pt modelId="0" type="doc"/>
-        <dgm:pt modelId="1"/>
-        <dgm:pt modelId="2"/>
-      </dgm:ptLst>
-      <dgm:cxnLst>
-        <dgm:cxn modelId="4" srcId="0" destId="1" srcOrd="0" destOrd="0"/>
-        <dgm:cxn modelId="5" srcId="0" destId="2" srcOrd="1" destOrd="0"/>
-      </dgm:cxnLst>
-      <dgm:bg/>
-      <dgm:whole/>
-    </dgm:dataModel>
-  </dgm:styleData>
-  <dgm:clrData>
-    <dgm:dataModel>
-      <dgm:ptLst>
-        <dgm:pt modelId="0" type="doc"/>
-        <dgm:pt modelId="1"/>
-        <dgm:pt modelId="2"/>
-        <dgm:pt modelId="3"/>
-        <dgm:pt modelId="4"/>
-      </dgm:ptLst>
-      <dgm:cxnLst>
-        <dgm:cxn modelId="5" srcId="0" destId="1" srcOrd="0" destOrd="0"/>
-        <dgm:cxn modelId="6" srcId="0" destId="2" srcOrd="1" destOrd="0"/>
-        <dgm:cxn modelId="7" srcId="0" destId="3" srcOrd="2" destOrd="0"/>
-        <dgm:cxn modelId="8" srcId="0" destId="4" srcOrd="3" destOrd="0"/>
-      </dgm:cxnLst>
-      <dgm:bg/>
-      <dgm:whole/>
-    </dgm:dataModel>
-  </dgm:clrData>
-  <dgm:layoutNode name="linear">
-    <dgm:varLst>
-      <dgm:dir/>
-      <dgm:animLvl val="lvl"/>
-      <dgm:resizeHandles val="exact"/>
-    </dgm:varLst>
-    <dgm:choose name="Name0">
-      <dgm:if name="Name1" func="var" arg="dir" op="equ" val="norm">
-        <dgm:alg type="lin">
-          <dgm:param type="linDir" val="fromT"/>
-          <dgm:param type="vertAlign" val="mid"/>
-          <dgm:param type="horzAlign" val="l"/>
-          <dgm:param type="nodeHorzAlign" val="l"/>
-        </dgm:alg>
-      </dgm:if>
-      <dgm:else name="Name2">
-        <dgm:alg type="lin">
-          <dgm:param type="linDir" val="fromT"/>
-          <dgm:param type="vertAlign" val="mid"/>
-          <dgm:param type="horzAlign" val="r"/>
-          <dgm:param type="nodeHorzAlign" val="r"/>
-        </dgm:alg>
-      </dgm:else>
-    </dgm:choose>
-    <dgm:shape xmlns:r="http://schemas.openxmlformats.org/officeDocument/2006/relationships" r:blip="">
-      <dgm:adjLst/>
-    </dgm:shape>
-    <dgm:presOf/>
-    <dgm:constrLst>
-      <dgm:constr type="w" for="ch" forName="parentLin" refType="w"/>
-      <dgm:constr type="h" for="ch" forName="parentLin" val="INF"/>
-      <dgm:constr type="w" for="des" forName="parentLeftMargin" refType="w" fact="0.05"/>
-      <dgm:constr type="w" for="des" forName="parentText" refType="w" fact="0.7"/>
-      <dgm:constr type="h" for="des" forName="parentText" refType="primFontSz" refFor="des" refForName="parentText" fact="0.82"/>
-      <dgm:constr type="h" for="ch" forName="negativeSpace" refType="primFontSz" refFor="des" refForName="parentText" fact="-0.41"/>
-      <dgm:constr type="h" for="ch" forName="negativeSpace" refType="h" refFor="des" refForName="parentText" op="lte" fact="-0.82"/>
-      <dgm:constr type="h" for="ch" forName="negativeSpace" refType="h" refFor="des" refForName="parentText" op="gte" fact="-0.82"/>
-      <dgm:constr type="w" for="ch" forName="childText" refType="w"/>
-      <dgm:constr type="h" for="ch" forName="childText" refType="primFontSz" refFor="des" refForName="parentText" fact="0.7"/>
-      <dgm:constr type="primFontSz" for="des" forName="parentText" val="65"/>
-      <dgm:constr type="primFontSz" for="ch" forName="childText" refType="primFontSz" refFor="des" refForName="parentText"/>
-      <dgm:constr type="tMarg" for="ch" forName="childText" refType="primFontSz" refFor="des" refForName="parentText" fact="1.64"/>
-      <dgm:constr type="tMarg" for="ch" forName="childText" refType="h" refFor="des" refForName="parentText" op="lte" fact="3.28"/>
-      <dgm:constr type="tMarg" for="ch" forName="childText" refType="h" refFor="des" refForName="parentText" op="gte" fact="3.28"/>
-      <dgm:constr type="lMarg" for="ch" forName="childText" refType="w" fact="0.22"/>
-      <dgm:constr type="rMarg" for="ch" forName="childText" refType="lMarg" refFor="ch" refForName="childText"/>
-      <dgm:constr type="lMarg" for="des" forName="parentText" refType="w" fact="0.075"/>
-      <dgm:constr type="rMarg" for="des" forName="parentText" refType="lMarg" refFor="des" refForName="parentText"/>
-      <dgm:constr type="h" for="ch" forName="spaceBetweenRectangles" refType="primFontSz" refFor="des" refForName="parentText" fact="0.15"/>
-    </dgm:constrLst>
-    <dgm:ruleLst>
-      <dgm:rule type="primFontSz" for="des" forName="parentText" val="5" fact="NaN" max="NaN"/>
-    </dgm:ruleLst>
-    <dgm:forEach name="Name3" axis="ch" ptType="node">
-      <dgm:layoutNode name="parentLin">
-        <dgm:choose name="Name4">
-          <dgm:if name="Name5" func="var" arg="dir" op="equ" val="norm">
-            <dgm:alg type="lin">
-              <dgm:param type="linDir" val="fromL"/>
-              <dgm:param type="horzAlign" val="l"/>
-              <dgm:param type="nodeHorzAlign" val="l"/>
-            </dgm:alg>
-          </dgm:if>
-          <dgm:else name="Name6">
-            <dgm:alg type="lin">
-              <dgm:param type="linDir" val="fromR"/>
-              <dgm:param type="horzAlign" val="r"/>
-              <dgm:param type="nodeHorzAlign" val="r"/>
-            </dgm:alg>
-          </dgm:else>
-        </dgm:choose>
-        <dgm:shape xmlns:r="http://schemas.openxmlformats.org/officeDocument/2006/relationships" r:blip="">
-          <dgm:adjLst/>
-        </dgm:shape>
-        <dgm:presOf/>
-        <dgm:constrLst/>
-        <dgm:ruleLst/>
-        <dgm:layoutNode name="parentLeftMargin">
-          <dgm:alg type="sp"/>
-          <dgm:shape xmlns:r="http://schemas.openxmlformats.org/officeDocument/2006/relationships" type="rect" r:blip="" hideGeom="1">
-            <dgm:adjLst/>
-          </dgm:shape>
-          <dgm:presOf axis="self"/>
-          <dgm:constrLst>
-            <dgm:constr type="h"/>
-          </dgm:constrLst>
-          <dgm:ruleLst/>
-        </dgm:layoutNode>
-        <dgm:layoutNode name="parentText" styleLbl="node1">
-          <dgm:varLst>
-            <dgm:chMax val="0"/>
-            <dgm:bulletEnabled val="1"/>
-          </dgm:varLst>
-          <dgm:choose name="Name7">
-            <dgm:if name="Name8" func="var" arg="dir" op="equ" val="norm">
-              <dgm:alg type="tx">
-                <dgm:param type="parTxLTRAlign" val="l"/>
-                <dgm:param type="parTxRTLAlign" val="l"/>
-              </dgm:alg>
-            </dgm:if>
-            <dgm:else name="Name9">
-              <dgm:alg type="tx">
-                <dgm:param type="parTxLTRAlign" val="r"/>
-                <dgm:param type="parTxRTLAlign" val="r"/>
-              </dgm:alg>
-            </dgm:else>
-          </dgm:choose>
-          <dgm:shape xmlns:r="http://schemas.openxmlformats.org/officeDocument/2006/relationships" type="roundRect" r:blip="">
-            <dgm:adjLst/>
-          </dgm:shape>
-          <dgm:presOf axis="self" ptType="node"/>
-          <dgm:constrLst>
-            <dgm:constr type="tMarg"/>
-            <dgm:constr type="bMarg"/>
-          </dgm:constrLst>
-          <dgm:ruleLst/>
-        </dgm:layoutNode>
-      </dgm:layoutNode>
-      <dgm:layoutNode name="negativeSpace">
-        <dgm:alg type="sp"/>
-        <dgm:shape xmlns:r="http://schemas.openxmlformats.org/officeDocument/2006/relationships" r:blip="">
-          <dgm:adjLst/>
-        </dgm:shape>
-        <dgm:presOf/>
-        <dgm:constrLst/>
-        <dgm:ruleLst/>
-      </dgm:layoutNode>
-      <dgm:layoutNode name="childText" styleLbl="conFgAcc1">
-        <dgm:varLst>
-          <dgm:bulletEnabled val="1"/>
-        </dgm:varLst>
-        <dgm:alg type="tx">
-          <dgm:param type="stBulletLvl" val="1"/>
-        </dgm:alg>
-        <dgm:shape xmlns:r="http://schemas.openxmlformats.org/officeDocument/2006/relationships" type="rect" r:blip="" zOrderOff="-2">
-          <dgm:adjLst/>
-        </dgm:shape>
-        <dgm:presOf axis="des" ptType="node"/>
-        <dgm:constrLst>
-          <dgm:constr type="secFontSz" refType="primFontSz"/>
-        </dgm:constrLst>
-        <dgm:ruleLst>
-          <dgm:rule type="h" val="INF" fact="NaN" max="NaN"/>
-        </dgm:ruleLst>
-      </dgm:layoutNode>
-      <dgm:forEach name="Name10" axis="followSib" ptType="sibTrans" cnt="1">
-        <dgm:layoutNode name="spaceBetweenRectangles">
-          <dgm:alg type="sp"/>
-          <dgm:shape xmlns:r="http://schemas.openxmlformats.org/officeDocument/2006/relationships" r:blip="">
-            <dgm:adjLst/>
-          </dgm:shape>
-          <dgm:presOf/>
-          <dgm:constrLst/>
-          <dgm:ruleLst/>
-        </dgm:layoutNode>
-      </dgm:forEach>
-    </dgm:forEach>
-  </dgm:layoutNode>
-</dgm:layoutDef>
-</file>
-
-<file path=ppt/diagrams/layout2.xml><?xml version="1.0" encoding="utf-8"?>
 <dgm:layoutDef xmlns:dgm="http://schemas.openxmlformats.org/drawingml/2006/diagram" xmlns:a="http://schemas.openxmlformats.org/drawingml/2006/main" uniqueId="urn:microsoft.com/office/officeart/2017/3/layout/DropPinTimeline">
   <dgm:title val="Drop Pin Timeline"/>
   <dgm:desc val="Use to show a list of events in chronological order. An invisible box next to the pin contains the date and the description is immediately below. It can display a medium amount of text and medium length date format."/>
@@ -11812,6 +9608,173 @@
 </dgm:layoutDef>
 </file>
 
+<file path=ppt/diagrams/layout2.xml><?xml version="1.0" encoding="utf-8"?>
+<dgm:layoutDef xmlns:dgm="http://schemas.openxmlformats.org/drawingml/2006/diagram" xmlns:a="http://schemas.openxmlformats.org/drawingml/2006/main" uniqueId="urn:microsoft.com/office/officeart/2005/8/layout/vList2">
+  <dgm:title val=""/>
+  <dgm:desc val=""/>
+  <dgm:catLst>
+    <dgm:cat type="list" pri="3000"/>
+    <dgm:cat type="convert" pri="1000"/>
+  </dgm:catLst>
+  <dgm:sampData>
+    <dgm:dataModel>
+      <dgm:ptLst>
+        <dgm:pt modelId="0" type="doc"/>
+        <dgm:pt modelId="1">
+          <dgm:prSet phldr="1"/>
+        </dgm:pt>
+        <dgm:pt modelId="11">
+          <dgm:prSet phldr="1"/>
+        </dgm:pt>
+        <dgm:pt modelId="2">
+          <dgm:prSet phldr="1"/>
+        </dgm:pt>
+        <dgm:pt modelId="21">
+          <dgm:prSet phldr="1"/>
+        </dgm:pt>
+      </dgm:ptLst>
+      <dgm:cxnLst>
+        <dgm:cxn modelId="4" srcId="0" destId="1" srcOrd="0" destOrd="0"/>
+        <dgm:cxn modelId="5" srcId="0" destId="2" srcOrd="1" destOrd="0"/>
+        <dgm:cxn modelId="12" srcId="1" destId="11" srcOrd="0" destOrd="0"/>
+        <dgm:cxn modelId="23" srcId="2" destId="21" srcOrd="0" destOrd="0"/>
+      </dgm:cxnLst>
+      <dgm:bg/>
+      <dgm:whole/>
+    </dgm:dataModel>
+  </dgm:sampData>
+  <dgm:styleData>
+    <dgm:dataModel>
+      <dgm:ptLst>
+        <dgm:pt modelId="0" type="doc"/>
+        <dgm:pt modelId="1"/>
+        <dgm:pt modelId="2"/>
+      </dgm:ptLst>
+      <dgm:cxnLst>
+        <dgm:cxn modelId="3" srcId="0" destId="1" srcOrd="0" destOrd="0"/>
+        <dgm:cxn modelId="4" srcId="0" destId="2" srcOrd="1" destOrd="0"/>
+      </dgm:cxnLst>
+      <dgm:bg/>
+      <dgm:whole/>
+    </dgm:dataModel>
+  </dgm:styleData>
+  <dgm:clrData>
+    <dgm:dataModel>
+      <dgm:ptLst>
+        <dgm:pt modelId="0" type="doc"/>
+        <dgm:pt modelId="1"/>
+        <dgm:pt modelId="2"/>
+        <dgm:pt modelId="3"/>
+        <dgm:pt modelId="4"/>
+      </dgm:ptLst>
+      <dgm:cxnLst>
+        <dgm:cxn modelId="5" srcId="0" destId="1" srcOrd="0" destOrd="0"/>
+        <dgm:cxn modelId="6" srcId="0" destId="2" srcOrd="1" destOrd="0"/>
+        <dgm:cxn modelId="7" srcId="0" destId="3" srcOrd="2" destOrd="0"/>
+        <dgm:cxn modelId="8" srcId="0" destId="4" srcOrd="3" destOrd="0"/>
+      </dgm:cxnLst>
+      <dgm:bg/>
+      <dgm:whole/>
+    </dgm:dataModel>
+  </dgm:clrData>
+  <dgm:layoutNode name="linear">
+    <dgm:varLst>
+      <dgm:animLvl val="lvl"/>
+      <dgm:resizeHandles val="exact"/>
+    </dgm:varLst>
+    <dgm:alg type="lin">
+      <dgm:param type="linDir" val="fromT"/>
+      <dgm:param type="vertAlign" val="mid"/>
+    </dgm:alg>
+    <dgm:shape xmlns:r="http://schemas.openxmlformats.org/officeDocument/2006/relationships" r:blip="">
+      <dgm:adjLst/>
+    </dgm:shape>
+    <dgm:presOf/>
+    <dgm:constrLst>
+      <dgm:constr type="w" for="ch" forName="parentText" refType="w"/>
+      <dgm:constr type="h" for="ch" forName="parentText" refType="primFontSz" refFor="ch" refForName="parentText" fact="0.52"/>
+      <dgm:constr type="w" for="ch" forName="childText" refType="w"/>
+      <dgm:constr type="h" for="ch" forName="childText" refType="primFontSz" refFor="ch" refForName="parentText" fact="0.46"/>
+      <dgm:constr type="h" for="ch" forName="parentText" op="equ"/>
+      <dgm:constr type="primFontSz" for="ch" forName="parentText" op="equ" val="65"/>
+      <dgm:constr type="primFontSz" for="ch" forName="childText" refType="primFontSz" refFor="ch" refForName="parentText" op="equ"/>
+      <dgm:constr type="h" for="ch" forName="spacer" refType="primFontSz" refFor="ch" refForName="parentText" fact="0.08"/>
+    </dgm:constrLst>
+    <dgm:ruleLst>
+      <dgm:rule type="primFontSz" for="ch" forName="parentText" val="5" fact="NaN" max="NaN"/>
+    </dgm:ruleLst>
+    <dgm:forEach name="Name0" axis="ch" ptType="node">
+      <dgm:layoutNode name="parentText" styleLbl="node1">
+        <dgm:varLst>
+          <dgm:chMax val="0"/>
+          <dgm:bulletEnabled val="1"/>
+        </dgm:varLst>
+        <dgm:alg type="tx">
+          <dgm:param type="parTxLTRAlign" val="l"/>
+          <dgm:param type="parTxRTLAlign" val="r"/>
+        </dgm:alg>
+        <dgm:shape xmlns:r="http://schemas.openxmlformats.org/officeDocument/2006/relationships" type="roundRect" r:blip="">
+          <dgm:adjLst/>
+        </dgm:shape>
+        <dgm:presOf axis="self"/>
+        <dgm:constrLst>
+          <dgm:constr type="tMarg" refType="primFontSz" fact="0.3"/>
+          <dgm:constr type="bMarg" refType="primFontSz" fact="0.3"/>
+          <dgm:constr type="lMarg" refType="primFontSz" fact="0.3"/>
+          <dgm:constr type="rMarg" refType="primFontSz" fact="0.3"/>
+        </dgm:constrLst>
+        <dgm:ruleLst>
+          <dgm:rule type="h" val="INF" fact="NaN" max="NaN"/>
+        </dgm:ruleLst>
+      </dgm:layoutNode>
+      <dgm:choose name="Name1">
+        <dgm:if name="Name2" axis="ch" ptType="node" func="cnt" op="gte" val="1">
+          <dgm:layoutNode name="childText" styleLbl="revTx">
+            <dgm:varLst>
+              <dgm:bulletEnabled val="1"/>
+            </dgm:varLst>
+            <dgm:alg type="tx">
+              <dgm:param type="stBulletLvl" val="1"/>
+              <dgm:param type="lnSpAfChP" val="20"/>
+            </dgm:alg>
+            <dgm:shape xmlns:r="http://schemas.openxmlformats.org/officeDocument/2006/relationships" type="rect" r:blip="">
+              <dgm:adjLst/>
+            </dgm:shape>
+            <dgm:presOf axis="des" ptType="node"/>
+            <dgm:constrLst>
+              <dgm:constr type="tMarg" refType="primFontSz" fact="0.1"/>
+              <dgm:constr type="bMarg" refType="primFontSz" fact="0.1"/>
+              <dgm:constr type="lMarg" refType="w" fact="0.09"/>
+            </dgm:constrLst>
+            <dgm:ruleLst>
+              <dgm:rule type="h" val="INF" fact="NaN" max="NaN"/>
+            </dgm:ruleLst>
+          </dgm:layoutNode>
+        </dgm:if>
+        <dgm:else name="Name3">
+          <dgm:choose name="Name4">
+            <dgm:if name="Name5" axis="par ch" ptType="doc node" func="cnt" op="gte" val="2">
+              <dgm:forEach name="Name6" axis="followSib" ptType="sibTrans" cnt="1">
+                <dgm:layoutNode name="spacer">
+                  <dgm:alg type="sp"/>
+                  <dgm:shape xmlns:r="http://schemas.openxmlformats.org/officeDocument/2006/relationships" r:blip="">
+                    <dgm:adjLst/>
+                  </dgm:shape>
+                  <dgm:presOf/>
+                  <dgm:constrLst/>
+                  <dgm:ruleLst/>
+                </dgm:layoutNode>
+              </dgm:forEach>
+            </dgm:if>
+            <dgm:else name="Name7"/>
+          </dgm:choose>
+        </dgm:else>
+      </dgm:choose>
+    </dgm:forEach>
+  </dgm:layoutNode>
+</dgm:layoutDef>
+</file>
+
 <file path=ppt/diagrams/layout3.xml><?xml version="1.0" encoding="utf-8"?>
 <dgm:layoutDef xmlns:dgm="http://schemas.openxmlformats.org/drawingml/2006/diagram" xmlns:a="http://schemas.openxmlformats.org/drawingml/2006/main" uniqueId="urn:microsoft.com/office/officeart/2005/8/layout/vList2">
   <dgm:title val=""/>
@@ -11980,173 +9943,6 @@
 </file>
 
 <file path=ppt/diagrams/layout4.xml><?xml version="1.0" encoding="utf-8"?>
-<dgm:layoutDef xmlns:dgm="http://schemas.openxmlformats.org/drawingml/2006/diagram" xmlns:a="http://schemas.openxmlformats.org/drawingml/2006/main" uniqueId="urn:microsoft.com/office/officeart/2005/8/layout/vList2">
-  <dgm:title val=""/>
-  <dgm:desc val=""/>
-  <dgm:catLst>
-    <dgm:cat type="list" pri="3000"/>
-    <dgm:cat type="convert" pri="1000"/>
-  </dgm:catLst>
-  <dgm:sampData>
-    <dgm:dataModel>
-      <dgm:ptLst>
-        <dgm:pt modelId="0" type="doc"/>
-        <dgm:pt modelId="1">
-          <dgm:prSet phldr="1"/>
-        </dgm:pt>
-        <dgm:pt modelId="11">
-          <dgm:prSet phldr="1"/>
-        </dgm:pt>
-        <dgm:pt modelId="2">
-          <dgm:prSet phldr="1"/>
-        </dgm:pt>
-        <dgm:pt modelId="21">
-          <dgm:prSet phldr="1"/>
-        </dgm:pt>
-      </dgm:ptLst>
-      <dgm:cxnLst>
-        <dgm:cxn modelId="4" srcId="0" destId="1" srcOrd="0" destOrd="0"/>
-        <dgm:cxn modelId="5" srcId="0" destId="2" srcOrd="1" destOrd="0"/>
-        <dgm:cxn modelId="12" srcId="1" destId="11" srcOrd="0" destOrd="0"/>
-        <dgm:cxn modelId="23" srcId="2" destId="21" srcOrd="0" destOrd="0"/>
-      </dgm:cxnLst>
-      <dgm:bg/>
-      <dgm:whole/>
-    </dgm:dataModel>
-  </dgm:sampData>
-  <dgm:styleData>
-    <dgm:dataModel>
-      <dgm:ptLst>
-        <dgm:pt modelId="0" type="doc"/>
-        <dgm:pt modelId="1"/>
-        <dgm:pt modelId="2"/>
-      </dgm:ptLst>
-      <dgm:cxnLst>
-        <dgm:cxn modelId="3" srcId="0" destId="1" srcOrd="0" destOrd="0"/>
-        <dgm:cxn modelId="4" srcId="0" destId="2" srcOrd="1" destOrd="0"/>
-      </dgm:cxnLst>
-      <dgm:bg/>
-      <dgm:whole/>
-    </dgm:dataModel>
-  </dgm:styleData>
-  <dgm:clrData>
-    <dgm:dataModel>
-      <dgm:ptLst>
-        <dgm:pt modelId="0" type="doc"/>
-        <dgm:pt modelId="1"/>
-        <dgm:pt modelId="2"/>
-        <dgm:pt modelId="3"/>
-        <dgm:pt modelId="4"/>
-      </dgm:ptLst>
-      <dgm:cxnLst>
-        <dgm:cxn modelId="5" srcId="0" destId="1" srcOrd="0" destOrd="0"/>
-        <dgm:cxn modelId="6" srcId="0" destId="2" srcOrd="1" destOrd="0"/>
-        <dgm:cxn modelId="7" srcId="0" destId="3" srcOrd="2" destOrd="0"/>
-        <dgm:cxn modelId="8" srcId="0" destId="4" srcOrd="3" destOrd="0"/>
-      </dgm:cxnLst>
-      <dgm:bg/>
-      <dgm:whole/>
-    </dgm:dataModel>
-  </dgm:clrData>
-  <dgm:layoutNode name="linear">
-    <dgm:varLst>
-      <dgm:animLvl val="lvl"/>
-      <dgm:resizeHandles val="exact"/>
-    </dgm:varLst>
-    <dgm:alg type="lin">
-      <dgm:param type="linDir" val="fromT"/>
-      <dgm:param type="vertAlign" val="mid"/>
-    </dgm:alg>
-    <dgm:shape xmlns:r="http://schemas.openxmlformats.org/officeDocument/2006/relationships" r:blip="">
-      <dgm:adjLst/>
-    </dgm:shape>
-    <dgm:presOf/>
-    <dgm:constrLst>
-      <dgm:constr type="w" for="ch" forName="parentText" refType="w"/>
-      <dgm:constr type="h" for="ch" forName="parentText" refType="primFontSz" refFor="ch" refForName="parentText" fact="0.52"/>
-      <dgm:constr type="w" for="ch" forName="childText" refType="w"/>
-      <dgm:constr type="h" for="ch" forName="childText" refType="primFontSz" refFor="ch" refForName="parentText" fact="0.46"/>
-      <dgm:constr type="h" for="ch" forName="parentText" op="equ"/>
-      <dgm:constr type="primFontSz" for="ch" forName="parentText" op="equ" val="65"/>
-      <dgm:constr type="primFontSz" for="ch" forName="childText" refType="primFontSz" refFor="ch" refForName="parentText" op="equ"/>
-      <dgm:constr type="h" for="ch" forName="spacer" refType="primFontSz" refFor="ch" refForName="parentText" fact="0.08"/>
-    </dgm:constrLst>
-    <dgm:ruleLst>
-      <dgm:rule type="primFontSz" for="ch" forName="parentText" val="5" fact="NaN" max="NaN"/>
-    </dgm:ruleLst>
-    <dgm:forEach name="Name0" axis="ch" ptType="node">
-      <dgm:layoutNode name="parentText" styleLbl="node1">
-        <dgm:varLst>
-          <dgm:chMax val="0"/>
-          <dgm:bulletEnabled val="1"/>
-        </dgm:varLst>
-        <dgm:alg type="tx">
-          <dgm:param type="parTxLTRAlign" val="l"/>
-          <dgm:param type="parTxRTLAlign" val="r"/>
-        </dgm:alg>
-        <dgm:shape xmlns:r="http://schemas.openxmlformats.org/officeDocument/2006/relationships" type="roundRect" r:blip="">
-          <dgm:adjLst/>
-        </dgm:shape>
-        <dgm:presOf axis="self"/>
-        <dgm:constrLst>
-          <dgm:constr type="tMarg" refType="primFontSz" fact="0.3"/>
-          <dgm:constr type="bMarg" refType="primFontSz" fact="0.3"/>
-          <dgm:constr type="lMarg" refType="primFontSz" fact="0.3"/>
-          <dgm:constr type="rMarg" refType="primFontSz" fact="0.3"/>
-        </dgm:constrLst>
-        <dgm:ruleLst>
-          <dgm:rule type="h" val="INF" fact="NaN" max="NaN"/>
-        </dgm:ruleLst>
-      </dgm:layoutNode>
-      <dgm:choose name="Name1">
-        <dgm:if name="Name2" axis="ch" ptType="node" func="cnt" op="gte" val="1">
-          <dgm:layoutNode name="childText" styleLbl="revTx">
-            <dgm:varLst>
-              <dgm:bulletEnabled val="1"/>
-            </dgm:varLst>
-            <dgm:alg type="tx">
-              <dgm:param type="stBulletLvl" val="1"/>
-              <dgm:param type="lnSpAfChP" val="20"/>
-            </dgm:alg>
-            <dgm:shape xmlns:r="http://schemas.openxmlformats.org/officeDocument/2006/relationships" type="rect" r:blip="">
-              <dgm:adjLst/>
-            </dgm:shape>
-            <dgm:presOf axis="des" ptType="node"/>
-            <dgm:constrLst>
-              <dgm:constr type="tMarg" refType="primFontSz" fact="0.1"/>
-              <dgm:constr type="bMarg" refType="primFontSz" fact="0.1"/>
-              <dgm:constr type="lMarg" refType="w" fact="0.09"/>
-            </dgm:constrLst>
-            <dgm:ruleLst>
-              <dgm:rule type="h" val="INF" fact="NaN" max="NaN"/>
-            </dgm:ruleLst>
-          </dgm:layoutNode>
-        </dgm:if>
-        <dgm:else name="Name3">
-          <dgm:choose name="Name4">
-            <dgm:if name="Name5" axis="par ch" ptType="doc node" func="cnt" op="gte" val="2">
-              <dgm:forEach name="Name6" axis="followSib" ptType="sibTrans" cnt="1">
-                <dgm:layoutNode name="spacer">
-                  <dgm:alg type="sp"/>
-                  <dgm:shape xmlns:r="http://schemas.openxmlformats.org/officeDocument/2006/relationships" r:blip="">
-                    <dgm:adjLst/>
-                  </dgm:shape>
-                  <dgm:presOf/>
-                  <dgm:constrLst/>
-                  <dgm:ruleLst/>
-                </dgm:layoutNode>
-              </dgm:forEach>
-            </dgm:if>
-            <dgm:else name="Name7"/>
-          </dgm:choose>
-        </dgm:else>
-      </dgm:choose>
-    </dgm:forEach>
-  </dgm:layoutNode>
-</dgm:layoutDef>
-</file>
-
-<file path=ppt/diagrams/layout5.xml><?xml version="1.0" encoding="utf-8"?>
 <dgm:layoutDef xmlns:dgm="http://schemas.openxmlformats.org/drawingml/2006/diagram" xmlns:a="http://schemas.openxmlformats.org/drawingml/2006/main" uniqueId="urn:microsoft.com/office/officeart/2005/8/layout/hierarchy1">
   <dgm:title val=""/>
   <dgm:desc val=""/>
@@ -16845,1040 +14641,6 @@
 </dgm:styleDef>
 </file>
 
-<file path=ppt/diagrams/quickStyle5.xml><?xml version="1.0" encoding="utf-8"?>
-<dgm:styleDef xmlns:dgm="http://schemas.openxmlformats.org/drawingml/2006/diagram" xmlns:a="http://schemas.openxmlformats.org/drawingml/2006/main" uniqueId="urn:microsoft.com/office/officeart/2005/8/quickstyle/simple1">
-  <dgm:title val=""/>
-  <dgm:desc val=""/>
-  <dgm:catLst>
-    <dgm:cat type="simple" pri="10100"/>
-  </dgm:catLst>
-  <dgm:scene3d>
-    <a:camera prst="orthographicFront"/>
-    <a:lightRig rig="threePt" dir="t"/>
-  </dgm:scene3d>
-  <dgm:styleLbl name="node0">
-    <dgm:scene3d>
-      <a:camera prst="orthographicFront"/>
-      <a:lightRig rig="threePt" dir="t"/>
-    </dgm:scene3d>
-    <dgm:sp3d/>
-    <dgm:txPr/>
-    <dgm:style>
-      <a:lnRef idx="2">
-        <a:scrgbClr r="0" g="0" b="0"/>
-      </a:lnRef>
-      <a:fillRef idx="1">
-        <a:scrgbClr r="0" g="0" b="0"/>
-      </a:fillRef>
-      <a:effectRef idx="0">
-        <a:scrgbClr r="0" g="0" b="0"/>
-      </a:effectRef>
-      <a:fontRef idx="minor">
-        <a:schemeClr val="lt1"/>
-      </a:fontRef>
-    </dgm:style>
-  </dgm:styleLbl>
-  <dgm:styleLbl name="lnNode1">
-    <dgm:scene3d>
-      <a:camera prst="orthographicFront"/>
-      <a:lightRig rig="threePt" dir="t"/>
-    </dgm:scene3d>
-    <dgm:sp3d/>
-    <dgm:txPr/>
-    <dgm:style>
-      <a:lnRef idx="2">
-        <a:scrgbClr r="0" g="0" b="0"/>
-      </a:lnRef>
-      <a:fillRef idx="1">
-        <a:scrgbClr r="0" g="0" b="0"/>
-      </a:fillRef>
-      <a:effectRef idx="0">
-        <a:scrgbClr r="0" g="0" b="0"/>
-      </a:effectRef>
-      <a:fontRef idx="minor">
-        <a:schemeClr val="lt1"/>
-      </a:fontRef>
-    </dgm:style>
-  </dgm:styleLbl>
-  <dgm:styleLbl name="vennNode1">
-    <dgm:scene3d>
-      <a:camera prst="orthographicFront"/>
-      <a:lightRig rig="threePt" dir="t"/>
-    </dgm:scene3d>
-    <dgm:sp3d/>
-    <dgm:txPr/>
-    <dgm:style>
-      <a:lnRef idx="2">
-        <a:scrgbClr r="0" g="0" b="0"/>
-      </a:lnRef>
-      <a:fillRef idx="1">
-        <a:scrgbClr r="0" g="0" b="0"/>
-      </a:fillRef>
-      <a:effectRef idx="0">
-        <a:scrgbClr r="0" g="0" b="0"/>
-      </a:effectRef>
-      <a:fontRef idx="minor">
-        <a:schemeClr val="tx1"/>
-      </a:fontRef>
-    </dgm:style>
-  </dgm:styleLbl>
-  <dgm:styleLbl name="alignNode1">
-    <dgm:scene3d>
-      <a:camera prst="orthographicFront"/>
-      <a:lightRig rig="threePt" dir="t"/>
-    </dgm:scene3d>
-    <dgm:sp3d/>
-    <dgm:txPr/>
-    <dgm:style>
-      <a:lnRef idx="2">
-        <a:scrgbClr r="0" g="0" b="0"/>
-      </a:lnRef>
-      <a:fillRef idx="1">
-        <a:scrgbClr r="0" g="0" b="0"/>
-      </a:fillRef>
-      <a:effectRef idx="0">
-        <a:scrgbClr r="0" g="0" b="0"/>
-      </a:effectRef>
-      <a:fontRef idx="minor">
-        <a:schemeClr val="lt1"/>
-      </a:fontRef>
-    </dgm:style>
-  </dgm:styleLbl>
-  <dgm:styleLbl name="node1">
-    <dgm:scene3d>
-      <a:camera prst="orthographicFront"/>
-      <a:lightRig rig="threePt" dir="t"/>
-    </dgm:scene3d>
-    <dgm:sp3d/>
-    <dgm:txPr/>
-    <dgm:style>
-      <a:lnRef idx="2">
-        <a:scrgbClr r="0" g="0" b="0"/>
-      </a:lnRef>
-      <a:fillRef idx="1">
-        <a:scrgbClr r="0" g="0" b="0"/>
-      </a:fillRef>
-      <a:effectRef idx="0">
-        <a:scrgbClr r="0" g="0" b="0"/>
-      </a:effectRef>
-      <a:fontRef idx="minor">
-        <a:schemeClr val="lt1"/>
-      </a:fontRef>
-    </dgm:style>
-  </dgm:styleLbl>
-  <dgm:styleLbl name="node2">
-    <dgm:scene3d>
-      <a:camera prst="orthographicFront"/>
-      <a:lightRig rig="threePt" dir="t"/>
-    </dgm:scene3d>
-    <dgm:sp3d/>
-    <dgm:txPr/>
-    <dgm:style>
-      <a:lnRef idx="2">
-        <a:scrgbClr r="0" g="0" b="0"/>
-      </a:lnRef>
-      <a:fillRef idx="1">
-        <a:scrgbClr r="0" g="0" b="0"/>
-      </a:fillRef>
-      <a:effectRef idx="0">
-        <a:scrgbClr r="0" g="0" b="0"/>
-      </a:effectRef>
-      <a:fontRef idx="minor">
-        <a:schemeClr val="lt1"/>
-      </a:fontRef>
-    </dgm:style>
-  </dgm:styleLbl>
-  <dgm:styleLbl name="node3">
-    <dgm:scene3d>
-      <a:camera prst="orthographicFront"/>
-      <a:lightRig rig="threePt" dir="t"/>
-    </dgm:scene3d>
-    <dgm:sp3d/>
-    <dgm:txPr/>
-    <dgm:style>
-      <a:lnRef idx="2">
-        <a:scrgbClr r="0" g="0" b="0"/>
-      </a:lnRef>
-      <a:fillRef idx="1">
-        <a:scrgbClr r="0" g="0" b="0"/>
-      </a:fillRef>
-      <a:effectRef idx="0">
-        <a:scrgbClr r="0" g="0" b="0"/>
-      </a:effectRef>
-      <a:fontRef idx="minor">
-        <a:schemeClr val="lt1"/>
-      </a:fontRef>
-    </dgm:style>
-  </dgm:styleLbl>
-  <dgm:styleLbl name="node4">
-    <dgm:scene3d>
-      <a:camera prst="orthographicFront"/>
-      <a:lightRig rig="threePt" dir="t"/>
-    </dgm:scene3d>
-    <dgm:sp3d/>
-    <dgm:txPr/>
-    <dgm:style>
-      <a:lnRef idx="2">
-        <a:scrgbClr r="0" g="0" b="0"/>
-      </a:lnRef>
-      <a:fillRef idx="1">
-        <a:scrgbClr r="0" g="0" b="0"/>
-      </a:fillRef>
-      <a:effectRef idx="0">
-        <a:scrgbClr r="0" g="0" b="0"/>
-      </a:effectRef>
-      <a:fontRef idx="minor">
-        <a:schemeClr val="lt1"/>
-      </a:fontRef>
-    </dgm:style>
-  </dgm:styleLbl>
-  <dgm:styleLbl name="fgImgPlace1">
-    <dgm:scene3d>
-      <a:camera prst="orthographicFront"/>
-      <a:lightRig rig="threePt" dir="t"/>
-    </dgm:scene3d>
-    <dgm:sp3d/>
-    <dgm:txPr/>
-    <dgm:style>
-      <a:lnRef idx="2">
-        <a:scrgbClr r="0" g="0" b="0"/>
-      </a:lnRef>
-      <a:fillRef idx="1">
-        <a:scrgbClr r="0" g="0" b="0"/>
-      </a:fillRef>
-      <a:effectRef idx="0">
-        <a:scrgbClr r="0" g="0" b="0"/>
-      </a:effectRef>
-      <a:fontRef idx="minor"/>
-    </dgm:style>
-  </dgm:styleLbl>
-  <dgm:styleLbl name="alignImgPlace1">
-    <dgm:scene3d>
-      <a:camera prst="orthographicFront"/>
-      <a:lightRig rig="threePt" dir="t"/>
-    </dgm:scene3d>
-    <dgm:sp3d/>
-    <dgm:txPr/>
-    <dgm:style>
-      <a:lnRef idx="2">
-        <a:scrgbClr r="0" g="0" b="0"/>
-      </a:lnRef>
-      <a:fillRef idx="1">
-        <a:scrgbClr r="0" g="0" b="0"/>
-      </a:fillRef>
-      <a:effectRef idx="0">
-        <a:scrgbClr r="0" g="0" b="0"/>
-      </a:effectRef>
-      <a:fontRef idx="minor"/>
-    </dgm:style>
-  </dgm:styleLbl>
-  <dgm:styleLbl name="bgImgPlace1">
-    <dgm:scene3d>
-      <a:camera prst="orthographicFront"/>
-      <a:lightRig rig="threePt" dir="t"/>
-    </dgm:scene3d>
-    <dgm:sp3d/>
-    <dgm:txPr/>
-    <dgm:style>
-      <a:lnRef idx="2">
-        <a:scrgbClr r="0" g="0" b="0"/>
-      </a:lnRef>
-      <a:fillRef idx="1">
-        <a:scrgbClr r="0" g="0" b="0"/>
-      </a:fillRef>
-      <a:effectRef idx="0">
-        <a:scrgbClr r="0" g="0" b="0"/>
-      </a:effectRef>
-      <a:fontRef idx="minor"/>
-    </dgm:style>
-  </dgm:styleLbl>
-  <dgm:styleLbl name="sibTrans2D1">
-    <dgm:scene3d>
-      <a:camera prst="orthographicFront"/>
-      <a:lightRig rig="threePt" dir="t"/>
-    </dgm:scene3d>
-    <dgm:sp3d/>
-    <dgm:txPr/>
-    <dgm:style>
-      <a:lnRef idx="0">
-        <a:scrgbClr r="0" g="0" b="0"/>
-      </a:lnRef>
-      <a:fillRef idx="1">
-        <a:scrgbClr r="0" g="0" b="0"/>
-      </a:fillRef>
-      <a:effectRef idx="0">
-        <a:scrgbClr r="0" g="0" b="0"/>
-      </a:effectRef>
-      <a:fontRef idx="minor">
-        <a:schemeClr val="lt1"/>
-      </a:fontRef>
-    </dgm:style>
-  </dgm:styleLbl>
-  <dgm:styleLbl name="fgSibTrans2D1">
-    <dgm:scene3d>
-      <a:camera prst="orthographicFront"/>
-      <a:lightRig rig="threePt" dir="t"/>
-    </dgm:scene3d>
-    <dgm:sp3d/>
-    <dgm:txPr/>
-    <dgm:style>
-      <a:lnRef idx="0">
-        <a:scrgbClr r="0" g="0" b="0"/>
-      </a:lnRef>
-      <a:fillRef idx="1">
-        <a:scrgbClr r="0" g="0" b="0"/>
-      </a:fillRef>
-      <a:effectRef idx="0">
-        <a:scrgbClr r="0" g="0" b="0"/>
-      </a:effectRef>
-      <a:fontRef idx="minor">
-        <a:schemeClr val="lt1"/>
-      </a:fontRef>
-    </dgm:style>
-  </dgm:styleLbl>
-  <dgm:styleLbl name="bgSibTrans2D1">
-    <dgm:scene3d>
-      <a:camera prst="orthographicFront"/>
-      <a:lightRig rig="threePt" dir="t"/>
-    </dgm:scene3d>
-    <dgm:sp3d/>
-    <dgm:txPr/>
-    <dgm:style>
-      <a:lnRef idx="0">
-        <a:scrgbClr r="0" g="0" b="0"/>
-      </a:lnRef>
-      <a:fillRef idx="1">
-        <a:scrgbClr r="0" g="0" b="0"/>
-      </a:fillRef>
-      <a:effectRef idx="0">
-        <a:scrgbClr r="0" g="0" b="0"/>
-      </a:effectRef>
-      <a:fontRef idx="minor">
-        <a:schemeClr val="lt1"/>
-      </a:fontRef>
-    </dgm:style>
-  </dgm:styleLbl>
-  <dgm:styleLbl name="sibTrans1D1">
-    <dgm:scene3d>
-      <a:camera prst="orthographicFront"/>
-      <a:lightRig rig="threePt" dir="t"/>
-    </dgm:scene3d>
-    <dgm:sp3d/>
-    <dgm:txPr/>
-    <dgm:style>
-      <a:lnRef idx="1">
-        <a:scrgbClr r="0" g="0" b="0"/>
-      </a:lnRef>
-      <a:fillRef idx="0">
-        <a:scrgbClr r="0" g="0" b="0"/>
-      </a:fillRef>
-      <a:effectRef idx="0">
-        <a:scrgbClr r="0" g="0" b="0"/>
-      </a:effectRef>
-      <a:fontRef idx="minor"/>
-    </dgm:style>
-  </dgm:styleLbl>
-  <dgm:styleLbl name="callout">
-    <dgm:scene3d>
-      <a:camera prst="orthographicFront"/>
-      <a:lightRig rig="threePt" dir="t"/>
-    </dgm:scene3d>
-    <dgm:sp3d/>
-    <dgm:txPr/>
-    <dgm:style>
-      <a:lnRef idx="2">
-        <a:scrgbClr r="0" g="0" b="0"/>
-      </a:lnRef>
-      <a:fillRef idx="1">
-        <a:scrgbClr r="0" g="0" b="0"/>
-      </a:fillRef>
-      <a:effectRef idx="0">
-        <a:scrgbClr r="0" g="0" b="0"/>
-      </a:effectRef>
-      <a:fontRef idx="minor"/>
-    </dgm:style>
-  </dgm:styleLbl>
-  <dgm:styleLbl name="asst0">
-    <dgm:scene3d>
-      <a:camera prst="orthographicFront"/>
-      <a:lightRig rig="threePt" dir="t"/>
-    </dgm:scene3d>
-    <dgm:sp3d/>
-    <dgm:txPr/>
-    <dgm:style>
-      <a:lnRef idx="2">
-        <a:scrgbClr r="0" g="0" b="0"/>
-      </a:lnRef>
-      <a:fillRef idx="1">
-        <a:scrgbClr r="0" g="0" b="0"/>
-      </a:fillRef>
-      <a:effectRef idx="0">
-        <a:scrgbClr r="0" g="0" b="0"/>
-      </a:effectRef>
-      <a:fontRef idx="minor">
-        <a:schemeClr val="lt1"/>
-      </a:fontRef>
-    </dgm:style>
-  </dgm:styleLbl>
-  <dgm:styleLbl name="asst1">
-    <dgm:scene3d>
-      <a:camera prst="orthographicFront"/>
-      <a:lightRig rig="threePt" dir="t"/>
-    </dgm:scene3d>
-    <dgm:sp3d/>
-    <dgm:txPr/>
-    <dgm:style>
-      <a:lnRef idx="2">
-        <a:scrgbClr r="0" g="0" b="0"/>
-      </a:lnRef>
-      <a:fillRef idx="1">
-        <a:scrgbClr r="0" g="0" b="0"/>
-      </a:fillRef>
-      <a:effectRef idx="0">
-        <a:scrgbClr r="0" g="0" b="0"/>
-      </a:effectRef>
-      <a:fontRef idx="minor">
-        <a:schemeClr val="lt1"/>
-      </a:fontRef>
-    </dgm:style>
-  </dgm:styleLbl>
-  <dgm:styleLbl name="asst2">
-    <dgm:scene3d>
-      <a:camera prst="orthographicFront"/>
-      <a:lightRig rig="threePt" dir="t"/>
-    </dgm:scene3d>
-    <dgm:sp3d/>
-    <dgm:txPr/>
-    <dgm:style>
-      <a:lnRef idx="2">
-        <a:scrgbClr r="0" g="0" b="0"/>
-      </a:lnRef>
-      <a:fillRef idx="1">
-        <a:scrgbClr r="0" g="0" b="0"/>
-      </a:fillRef>
-      <a:effectRef idx="0">
-        <a:scrgbClr r="0" g="0" b="0"/>
-      </a:effectRef>
-      <a:fontRef idx="minor">
-        <a:schemeClr val="lt1"/>
-      </a:fontRef>
-    </dgm:style>
-  </dgm:styleLbl>
-  <dgm:styleLbl name="asst3">
-    <dgm:scene3d>
-      <a:camera prst="orthographicFront"/>
-      <a:lightRig rig="threePt" dir="t"/>
-    </dgm:scene3d>
-    <dgm:sp3d/>
-    <dgm:txPr/>
-    <dgm:style>
-      <a:lnRef idx="2">
-        <a:scrgbClr r="0" g="0" b="0"/>
-      </a:lnRef>
-      <a:fillRef idx="1">
-        <a:scrgbClr r="0" g="0" b="0"/>
-      </a:fillRef>
-      <a:effectRef idx="0">
-        <a:scrgbClr r="0" g="0" b="0"/>
-      </a:effectRef>
-      <a:fontRef idx="minor">
-        <a:schemeClr val="lt1"/>
-      </a:fontRef>
-    </dgm:style>
-  </dgm:styleLbl>
-  <dgm:styleLbl name="asst4">
-    <dgm:scene3d>
-      <a:camera prst="orthographicFront"/>
-      <a:lightRig rig="threePt" dir="t"/>
-    </dgm:scene3d>
-    <dgm:sp3d/>
-    <dgm:txPr/>
-    <dgm:style>
-      <a:lnRef idx="2">
-        <a:scrgbClr r="0" g="0" b="0"/>
-      </a:lnRef>
-      <a:fillRef idx="1">
-        <a:scrgbClr r="0" g="0" b="0"/>
-      </a:fillRef>
-      <a:effectRef idx="0">
-        <a:scrgbClr r="0" g="0" b="0"/>
-      </a:effectRef>
-      <a:fontRef idx="minor">
-        <a:schemeClr val="lt1"/>
-      </a:fontRef>
-    </dgm:style>
-  </dgm:styleLbl>
-  <dgm:styleLbl name="parChTrans2D1">
-    <dgm:scene3d>
-      <a:camera prst="orthographicFront"/>
-      <a:lightRig rig="threePt" dir="t"/>
-    </dgm:scene3d>
-    <dgm:sp3d/>
-    <dgm:txPr/>
-    <dgm:style>
-      <a:lnRef idx="2">
-        <a:scrgbClr r="0" g="0" b="0"/>
-      </a:lnRef>
-      <a:fillRef idx="1">
-        <a:scrgbClr r="0" g="0" b="0"/>
-      </a:fillRef>
-      <a:effectRef idx="0">
-        <a:scrgbClr r="0" g="0" b="0"/>
-      </a:effectRef>
-      <a:fontRef idx="minor">
-        <a:schemeClr val="lt1"/>
-      </a:fontRef>
-    </dgm:style>
-  </dgm:styleLbl>
-  <dgm:styleLbl name="parChTrans2D2">
-    <dgm:scene3d>
-      <a:camera prst="orthographicFront"/>
-      <a:lightRig rig="threePt" dir="t"/>
-    </dgm:scene3d>
-    <dgm:sp3d/>
-    <dgm:txPr/>
-    <dgm:style>
-      <a:lnRef idx="2">
-        <a:scrgbClr r="0" g="0" b="0"/>
-      </a:lnRef>
-      <a:fillRef idx="1">
-        <a:scrgbClr r="0" g="0" b="0"/>
-      </a:fillRef>
-      <a:effectRef idx="0">
-        <a:scrgbClr r="0" g="0" b="0"/>
-      </a:effectRef>
-      <a:fontRef idx="minor">
-        <a:schemeClr val="lt1"/>
-      </a:fontRef>
-    </dgm:style>
-  </dgm:styleLbl>
-  <dgm:styleLbl name="parChTrans2D3">
-    <dgm:scene3d>
-      <a:camera prst="orthographicFront"/>
-      <a:lightRig rig="threePt" dir="t"/>
-    </dgm:scene3d>
-    <dgm:sp3d/>
-    <dgm:txPr/>
-    <dgm:style>
-      <a:lnRef idx="2">
-        <a:scrgbClr r="0" g="0" b="0"/>
-      </a:lnRef>
-      <a:fillRef idx="1">
-        <a:scrgbClr r="0" g="0" b="0"/>
-      </a:fillRef>
-      <a:effectRef idx="0">
-        <a:scrgbClr r="0" g="0" b="0"/>
-      </a:effectRef>
-      <a:fontRef idx="minor">
-        <a:schemeClr val="lt1"/>
-      </a:fontRef>
-    </dgm:style>
-  </dgm:styleLbl>
-  <dgm:styleLbl name="parChTrans2D4">
-    <dgm:scene3d>
-      <a:camera prst="orthographicFront"/>
-      <a:lightRig rig="threePt" dir="t"/>
-    </dgm:scene3d>
-    <dgm:sp3d/>
-    <dgm:txPr/>
-    <dgm:style>
-      <a:lnRef idx="2">
-        <a:scrgbClr r="0" g="0" b="0"/>
-      </a:lnRef>
-      <a:fillRef idx="1">
-        <a:scrgbClr r="0" g="0" b="0"/>
-      </a:fillRef>
-      <a:effectRef idx="0">
-        <a:scrgbClr r="0" g="0" b="0"/>
-      </a:effectRef>
-      <a:fontRef idx="minor">
-        <a:schemeClr val="lt1"/>
-      </a:fontRef>
-    </dgm:style>
-  </dgm:styleLbl>
-  <dgm:styleLbl name="parChTrans1D1">
-    <dgm:scene3d>
-      <a:camera prst="orthographicFront"/>
-      <a:lightRig rig="threePt" dir="t"/>
-    </dgm:scene3d>
-    <dgm:sp3d/>
-    <dgm:txPr/>
-    <dgm:style>
-      <a:lnRef idx="2">
-        <a:scrgbClr r="0" g="0" b="0"/>
-      </a:lnRef>
-      <a:fillRef idx="0">
-        <a:scrgbClr r="0" g="0" b="0"/>
-      </a:fillRef>
-      <a:effectRef idx="0">
-        <a:scrgbClr r="0" g="0" b="0"/>
-      </a:effectRef>
-      <a:fontRef idx="minor"/>
-    </dgm:style>
-  </dgm:styleLbl>
-  <dgm:styleLbl name="parChTrans1D2">
-    <dgm:scene3d>
-      <a:camera prst="orthographicFront"/>
-      <a:lightRig rig="threePt" dir="t"/>
-    </dgm:scene3d>
-    <dgm:sp3d/>
-    <dgm:txPr/>
-    <dgm:style>
-      <a:lnRef idx="2">
-        <a:scrgbClr r="0" g="0" b="0"/>
-      </a:lnRef>
-      <a:fillRef idx="0">
-        <a:scrgbClr r="0" g="0" b="0"/>
-      </a:fillRef>
-      <a:effectRef idx="0">
-        <a:scrgbClr r="0" g="0" b="0"/>
-      </a:effectRef>
-      <a:fontRef idx="minor"/>
-    </dgm:style>
-  </dgm:styleLbl>
-  <dgm:styleLbl name="parChTrans1D3">
-    <dgm:scene3d>
-      <a:camera prst="orthographicFront"/>
-      <a:lightRig rig="threePt" dir="t"/>
-    </dgm:scene3d>
-    <dgm:sp3d/>
-    <dgm:txPr/>
-    <dgm:style>
-      <a:lnRef idx="2">
-        <a:scrgbClr r="0" g="0" b="0"/>
-      </a:lnRef>
-      <a:fillRef idx="0">
-        <a:scrgbClr r="0" g="0" b="0"/>
-      </a:fillRef>
-      <a:effectRef idx="0">
-        <a:scrgbClr r="0" g="0" b="0"/>
-      </a:effectRef>
-      <a:fontRef idx="minor"/>
-    </dgm:style>
-  </dgm:styleLbl>
-  <dgm:styleLbl name="parChTrans1D4">
-    <dgm:scene3d>
-      <a:camera prst="orthographicFront"/>
-      <a:lightRig rig="threePt" dir="t"/>
-    </dgm:scene3d>
-    <dgm:sp3d/>
-    <dgm:txPr/>
-    <dgm:style>
-      <a:lnRef idx="2">
-        <a:scrgbClr r="0" g="0" b="0"/>
-      </a:lnRef>
-      <a:fillRef idx="0">
-        <a:scrgbClr r="0" g="0" b="0"/>
-      </a:fillRef>
-      <a:effectRef idx="0">
-        <a:scrgbClr r="0" g="0" b="0"/>
-      </a:effectRef>
-      <a:fontRef idx="minor"/>
-    </dgm:style>
-  </dgm:styleLbl>
-  <dgm:styleLbl name="fgAcc1">
-    <dgm:scene3d>
-      <a:camera prst="orthographicFront"/>
-      <a:lightRig rig="threePt" dir="t"/>
-    </dgm:scene3d>
-    <dgm:sp3d/>
-    <dgm:txPr/>
-    <dgm:style>
-      <a:lnRef idx="2">
-        <a:scrgbClr r="0" g="0" b="0"/>
-      </a:lnRef>
-      <a:fillRef idx="1">
-        <a:scrgbClr r="0" g="0" b="0"/>
-      </a:fillRef>
-      <a:effectRef idx="0">
-        <a:scrgbClr r="0" g="0" b="0"/>
-      </a:effectRef>
-      <a:fontRef idx="minor"/>
-    </dgm:style>
-  </dgm:styleLbl>
-  <dgm:styleLbl name="conFgAcc1">
-    <dgm:scene3d>
-      <a:camera prst="orthographicFront"/>
-      <a:lightRig rig="threePt" dir="t"/>
-    </dgm:scene3d>
-    <dgm:sp3d/>
-    <dgm:txPr/>
-    <dgm:style>
-      <a:lnRef idx="2">
-        <a:scrgbClr r="0" g="0" b="0"/>
-      </a:lnRef>
-      <a:fillRef idx="1">
-        <a:scrgbClr r="0" g="0" b="0"/>
-      </a:fillRef>
-      <a:effectRef idx="0">
-        <a:scrgbClr r="0" g="0" b="0"/>
-      </a:effectRef>
-      <a:fontRef idx="minor"/>
-    </dgm:style>
-  </dgm:styleLbl>
-  <dgm:styleLbl name="alignAcc1">
-    <dgm:scene3d>
-      <a:camera prst="orthographicFront"/>
-      <a:lightRig rig="threePt" dir="t"/>
-    </dgm:scene3d>
-    <dgm:sp3d/>
-    <dgm:txPr/>
-    <dgm:style>
-      <a:lnRef idx="2">
-        <a:scrgbClr r="0" g="0" b="0"/>
-      </a:lnRef>
-      <a:fillRef idx="1">
-        <a:scrgbClr r="0" g="0" b="0"/>
-      </a:fillRef>
-      <a:effectRef idx="0">
-        <a:scrgbClr r="0" g="0" b="0"/>
-      </a:effectRef>
-      <a:fontRef idx="minor"/>
-    </dgm:style>
-  </dgm:styleLbl>
-  <dgm:styleLbl name="trAlignAcc1">
-    <dgm:scene3d>
-      <a:camera prst="orthographicFront"/>
-      <a:lightRig rig="threePt" dir="t"/>
-    </dgm:scene3d>
-    <dgm:sp3d/>
-    <dgm:txPr/>
-    <dgm:style>
-      <a:lnRef idx="1">
-        <a:scrgbClr r="0" g="0" b="0"/>
-      </a:lnRef>
-      <a:fillRef idx="1">
-        <a:scrgbClr r="0" g="0" b="0"/>
-      </a:fillRef>
-      <a:effectRef idx="0">
-        <a:scrgbClr r="0" g="0" b="0"/>
-      </a:effectRef>
-      <a:fontRef idx="minor"/>
-    </dgm:style>
-  </dgm:styleLbl>
-  <dgm:styleLbl name="bgAcc1">
-    <dgm:scene3d>
-      <a:camera prst="orthographicFront"/>
-      <a:lightRig rig="threePt" dir="t"/>
-    </dgm:scene3d>
-    <dgm:sp3d/>
-    <dgm:txPr/>
-    <dgm:style>
-      <a:lnRef idx="2">
-        <a:scrgbClr r="0" g="0" b="0"/>
-      </a:lnRef>
-      <a:fillRef idx="1">
-        <a:scrgbClr r="0" g="0" b="0"/>
-      </a:fillRef>
-      <a:effectRef idx="0">
-        <a:scrgbClr r="0" g="0" b="0"/>
-      </a:effectRef>
-      <a:fontRef idx="minor"/>
-    </dgm:style>
-  </dgm:styleLbl>
-  <dgm:styleLbl name="solidFgAcc1">
-    <dgm:scene3d>
-      <a:camera prst="orthographicFront"/>
-      <a:lightRig rig="threePt" dir="t"/>
-    </dgm:scene3d>
-    <dgm:sp3d/>
-    <dgm:txPr/>
-    <dgm:style>
-      <a:lnRef idx="2">
-        <a:scrgbClr r="0" g="0" b="0"/>
-      </a:lnRef>
-      <a:fillRef idx="1">
-        <a:scrgbClr r="0" g="0" b="0"/>
-      </a:fillRef>
-      <a:effectRef idx="0">
-        <a:scrgbClr r="0" g="0" b="0"/>
-      </a:effectRef>
-      <a:fontRef idx="minor"/>
-    </dgm:style>
-  </dgm:styleLbl>
-  <dgm:styleLbl name="solidAlignAcc1">
-    <dgm:scene3d>
-      <a:camera prst="orthographicFront"/>
-      <a:lightRig rig="threePt" dir="t"/>
-    </dgm:scene3d>
-    <dgm:sp3d/>
-    <dgm:txPr/>
-    <dgm:style>
-      <a:lnRef idx="2">
-        <a:scrgbClr r="0" g="0" b="0"/>
-      </a:lnRef>
-      <a:fillRef idx="1">
-        <a:scrgbClr r="0" g="0" b="0"/>
-      </a:fillRef>
-      <a:effectRef idx="0">
-        <a:scrgbClr r="0" g="0" b="0"/>
-      </a:effectRef>
-      <a:fontRef idx="minor"/>
-    </dgm:style>
-  </dgm:styleLbl>
-  <dgm:styleLbl name="solidBgAcc1">
-    <dgm:scene3d>
-      <a:camera prst="orthographicFront"/>
-      <a:lightRig rig="threePt" dir="t"/>
-    </dgm:scene3d>
-    <dgm:sp3d/>
-    <dgm:txPr/>
-    <dgm:style>
-      <a:lnRef idx="2">
-        <a:scrgbClr r="0" g="0" b="0"/>
-      </a:lnRef>
-      <a:fillRef idx="1">
-        <a:scrgbClr r="0" g="0" b="0"/>
-      </a:fillRef>
-      <a:effectRef idx="0">
-        <a:scrgbClr r="0" g="0" b="0"/>
-      </a:effectRef>
-      <a:fontRef idx="minor"/>
-    </dgm:style>
-  </dgm:styleLbl>
-  <dgm:styleLbl name="fgAccFollowNode1">
-    <dgm:scene3d>
-      <a:camera prst="orthographicFront"/>
-      <a:lightRig rig="threePt" dir="t"/>
-    </dgm:scene3d>
-    <dgm:sp3d/>
-    <dgm:txPr/>
-    <dgm:style>
-      <a:lnRef idx="2">
-        <a:scrgbClr r="0" g="0" b="0"/>
-      </a:lnRef>
-      <a:fillRef idx="1">
-        <a:scrgbClr r="0" g="0" b="0"/>
-      </a:fillRef>
-      <a:effectRef idx="0">
-        <a:scrgbClr r="0" g="0" b="0"/>
-      </a:effectRef>
-      <a:fontRef idx="minor"/>
-    </dgm:style>
-  </dgm:styleLbl>
-  <dgm:styleLbl name="alignAccFollowNode1">
-    <dgm:scene3d>
-      <a:camera prst="orthographicFront"/>
-      <a:lightRig rig="threePt" dir="t"/>
-    </dgm:scene3d>
-    <dgm:sp3d/>
-    <dgm:txPr/>
-    <dgm:style>
-      <a:lnRef idx="2">
-        <a:scrgbClr r="0" g="0" b="0"/>
-      </a:lnRef>
-      <a:fillRef idx="1">
-        <a:scrgbClr r="0" g="0" b="0"/>
-      </a:fillRef>
-      <a:effectRef idx="0">
-        <a:scrgbClr r="0" g="0" b="0"/>
-      </a:effectRef>
-      <a:fontRef idx="minor"/>
-    </dgm:style>
-  </dgm:styleLbl>
-  <dgm:styleLbl name="bgAccFollowNode1">
-    <dgm:scene3d>
-      <a:camera prst="orthographicFront"/>
-      <a:lightRig rig="threePt" dir="t"/>
-    </dgm:scene3d>
-    <dgm:sp3d/>
-    <dgm:txPr/>
-    <dgm:style>
-      <a:lnRef idx="2">
-        <a:scrgbClr r="0" g="0" b="0"/>
-      </a:lnRef>
-      <a:fillRef idx="1">
-        <a:scrgbClr r="0" g="0" b="0"/>
-      </a:fillRef>
-      <a:effectRef idx="0">
-        <a:scrgbClr r="0" g="0" b="0"/>
-      </a:effectRef>
-      <a:fontRef idx="minor"/>
-    </dgm:style>
-  </dgm:styleLbl>
-  <dgm:styleLbl name="fgAcc0">
-    <dgm:scene3d>
-      <a:camera prst="orthographicFront"/>
-      <a:lightRig rig="threePt" dir="t"/>
-    </dgm:scene3d>
-    <dgm:sp3d/>
-    <dgm:txPr/>
-    <dgm:style>
-      <a:lnRef idx="2">
-        <a:scrgbClr r="0" g="0" b="0"/>
-      </a:lnRef>
-      <a:fillRef idx="1">
-        <a:scrgbClr r="0" g="0" b="0"/>
-      </a:fillRef>
-      <a:effectRef idx="0">
-        <a:scrgbClr r="0" g="0" b="0"/>
-      </a:effectRef>
-      <a:fontRef idx="minor"/>
-    </dgm:style>
-  </dgm:styleLbl>
-  <dgm:styleLbl name="fgAcc2">
-    <dgm:scene3d>
-      <a:camera prst="orthographicFront"/>
-      <a:lightRig rig="threePt" dir="t"/>
-    </dgm:scene3d>
-    <dgm:sp3d/>
-    <dgm:txPr/>
-    <dgm:style>
-      <a:lnRef idx="2">
-        <a:scrgbClr r="0" g="0" b="0"/>
-      </a:lnRef>
-      <a:fillRef idx="1">
-        <a:scrgbClr r="0" g="0" b="0"/>
-      </a:fillRef>
-      <a:effectRef idx="0">
-        <a:scrgbClr r="0" g="0" b="0"/>
-      </a:effectRef>
-      <a:fontRef idx="minor"/>
-    </dgm:style>
-  </dgm:styleLbl>
-  <dgm:styleLbl name="fgAcc3">
-    <dgm:scene3d>
-      <a:camera prst="orthographicFront"/>
-      <a:lightRig rig="threePt" dir="t"/>
-    </dgm:scene3d>
-    <dgm:sp3d/>
-    <dgm:txPr/>
-    <dgm:style>
-      <a:lnRef idx="2">
-        <a:scrgbClr r="0" g="0" b="0"/>
-      </a:lnRef>
-      <a:fillRef idx="1">
-        <a:scrgbClr r="0" g="0" b="0"/>
-      </a:fillRef>
-      <a:effectRef idx="0">
-        <a:scrgbClr r="0" g="0" b="0"/>
-      </a:effectRef>
-      <a:fontRef idx="minor"/>
-    </dgm:style>
-  </dgm:styleLbl>
-  <dgm:styleLbl name="fgAcc4">
-    <dgm:scene3d>
-      <a:camera prst="orthographicFront"/>
-      <a:lightRig rig="threePt" dir="t"/>
-    </dgm:scene3d>
-    <dgm:sp3d/>
-    <dgm:txPr/>
-    <dgm:style>
-      <a:lnRef idx="2">
-        <a:scrgbClr r="0" g="0" b="0"/>
-      </a:lnRef>
-      <a:fillRef idx="1">
-        <a:scrgbClr r="0" g="0" b="0"/>
-      </a:fillRef>
-      <a:effectRef idx="0">
-        <a:scrgbClr r="0" g="0" b="0"/>
-      </a:effectRef>
-      <a:fontRef idx="minor"/>
-    </dgm:style>
-  </dgm:styleLbl>
-  <dgm:styleLbl name="bgShp">
-    <dgm:scene3d>
-      <a:camera prst="orthographicFront"/>
-      <a:lightRig rig="threePt" dir="t"/>
-    </dgm:scene3d>
-    <dgm:sp3d/>
-    <dgm:txPr/>
-    <dgm:style>
-      <a:lnRef idx="0">
-        <a:scrgbClr r="0" g="0" b="0"/>
-      </a:lnRef>
-      <a:fillRef idx="1">
-        <a:scrgbClr r="0" g="0" b="0"/>
-      </a:fillRef>
-      <a:effectRef idx="0">
-        <a:scrgbClr r="0" g="0" b="0"/>
-      </a:effectRef>
-      <a:fontRef idx="minor"/>
-    </dgm:style>
-  </dgm:styleLbl>
-  <dgm:styleLbl name="dkBgShp">
-    <dgm:scene3d>
-      <a:camera prst="orthographicFront"/>
-      <a:lightRig rig="threePt" dir="t"/>
-    </dgm:scene3d>
-    <dgm:sp3d/>
-    <dgm:txPr/>
-    <dgm:style>
-      <a:lnRef idx="0">
-        <a:scrgbClr r="0" g="0" b="0"/>
-      </a:lnRef>
-      <a:fillRef idx="1">
-        <a:scrgbClr r="0" g="0" b="0"/>
-      </a:fillRef>
-      <a:effectRef idx="0">
-        <a:scrgbClr r="0" g="0" b="0"/>
-      </a:effectRef>
-      <a:fontRef idx="minor"/>
-    </dgm:style>
-  </dgm:styleLbl>
-  <dgm:styleLbl name="trBgShp">
-    <dgm:scene3d>
-      <a:camera prst="orthographicFront"/>
-      <a:lightRig rig="threePt" dir="t"/>
-    </dgm:scene3d>
-    <dgm:sp3d/>
-    <dgm:txPr/>
-    <dgm:style>
-      <a:lnRef idx="0">
-        <a:scrgbClr r="0" g="0" b="0"/>
-      </a:lnRef>
-      <a:fillRef idx="1">
-        <a:scrgbClr r="0" g="0" b="0"/>
-      </a:fillRef>
-      <a:effectRef idx="0">
-        <a:scrgbClr r="0" g="0" b="0"/>
-      </a:effectRef>
-      <a:fontRef idx="minor"/>
-    </dgm:style>
-  </dgm:styleLbl>
-  <dgm:styleLbl name="fgShp">
-    <dgm:scene3d>
-      <a:camera prst="orthographicFront"/>
-      <a:lightRig rig="threePt" dir="t"/>
-    </dgm:scene3d>
-    <dgm:sp3d/>
-    <dgm:txPr/>
-    <dgm:style>
-      <a:lnRef idx="2">
-        <a:scrgbClr r="0" g="0" b="0"/>
-      </a:lnRef>
-      <a:fillRef idx="1">
-        <a:scrgbClr r="0" g="0" b="0"/>
-      </a:fillRef>
-      <a:effectRef idx="0">
-        <a:scrgbClr r="0" g="0" b="0"/>
-      </a:effectRef>
-      <a:fontRef idx="minor"/>
-    </dgm:style>
-  </dgm:styleLbl>
-  <dgm:styleLbl name="revTx">
-    <dgm:scene3d>
-      <a:camera prst="orthographicFront"/>
-      <a:lightRig rig="threePt" dir="t"/>
-    </dgm:scene3d>
-    <dgm:sp3d/>
-    <dgm:txPr/>
-    <dgm:style>
-      <a:lnRef idx="0">
-        <a:scrgbClr r="0" g="0" b="0"/>
-      </a:lnRef>
-      <a:fillRef idx="0">
-        <a:scrgbClr r="0" g="0" b="0"/>
-      </a:fillRef>
-      <a:effectRef idx="0">
-        <a:scrgbClr r="0" g="0" b="0"/>
-      </a:effectRef>
-      <a:fontRef idx="minor"/>
-    </dgm:style>
-  </dgm:styleLbl>
-</dgm:styleDef>
-</file>
-
 <file path=ppt/notesMasters/notesMaster1.xml><?xml version="1.0" encoding="utf-8"?>
 <p:notesMaster xmlns:a="http://schemas.openxmlformats.org/drawingml/2006/main" xmlns:r="http://schemas.openxmlformats.org/officeDocument/2006/relationships" xmlns:p="http://schemas.openxmlformats.org/presentationml/2006/main">
   <p:cSld>
@@ -17961,7 +14723,7 @@
           <a:p>
             <a:fld id="{5D225DAC-D7F7-4CE3-B22F-689EBE1F0F09}" type="datetimeFigureOut">
               <a:rPr lang="en-US" smtClean="0"/>
-              <a:t>8/5/2025</a:t>
+              <a:t>8/11/2025</a:t>
             </a:fld>
             <a:endParaRPr lang="en-US"/>
           </a:p>
@@ -18976,9 +15738,123 @@
           <a:lstStyle/>
           <a:p>
             <a:r>
+              <a:rPr lang="en-US" b="1" dirty="0"/>
+              <a:t>Playing music</a:t>
+            </a:r>
+            <a:endParaRPr lang="en-US" dirty="0"/>
+          </a:p>
+          <a:p>
+            <a:r>
               <a:rPr lang="en-US" dirty="0"/>
-              <a:t>n operating system is the core software that makes your computer usable. Without it, you wouldn't be able to run programs, use files, or interact with hardware. Think of it as a bridge between you and the machine</a:t>
+              <a:t>You press play in a music app.</a:t>
             </a:r>
+          </a:p>
+          <a:p>
+            <a:r>
+              <a:rPr lang="en-US" dirty="0"/>
+              <a:t>The OS sends the audio data to the </a:t>
+            </a:r>
+            <a:r>
+              <a:rPr lang="en-US" b="1" dirty="0"/>
+              <a:t>sound card driver</a:t>
+            </a:r>
+            <a:r>
+              <a:rPr lang="en-US" dirty="0"/>
+              <a:t>.</a:t>
+            </a:r>
+          </a:p>
+          <a:p>
+            <a:r>
+              <a:rPr lang="en-US" dirty="0"/>
+              <a:t>The sound card converts it into sound you hear through speakers or headphones.</a:t>
+            </a:r>
+          </a:p>
+          <a:p>
+            <a:r>
+              <a:rPr lang="en-US" b="1" dirty="0"/>
+              <a:t>Browsing the internet</a:t>
+            </a:r>
+            <a:endParaRPr lang="en-US" dirty="0"/>
+          </a:p>
+          <a:p>
+            <a:r>
+              <a:rPr lang="en-US" dirty="0"/>
+              <a:t>You type a website in a browser.</a:t>
+            </a:r>
+          </a:p>
+          <a:p>
+            <a:r>
+              <a:rPr lang="en-US" dirty="0"/>
+              <a:t>The OS handles the </a:t>
+            </a:r>
+            <a:r>
+              <a:rPr lang="en-US" b="1" dirty="0"/>
+              <a:t>network drivers</a:t>
+            </a:r>
+            <a:r>
+              <a:rPr lang="en-US" dirty="0"/>
+              <a:t> to send and receive data from the internet.</a:t>
+            </a:r>
+          </a:p>
+          <a:p>
+            <a:r>
+              <a:rPr lang="en-US" dirty="0"/>
+              <a:t>The browser displays the page for you to see.</a:t>
+            </a:r>
+          </a:p>
+          <a:p>
+            <a:endParaRPr lang="en-US" dirty="0"/>
+          </a:p>
+          <a:p>
+            <a:r>
+              <a:rPr lang="en-US" dirty="0"/>
+              <a:t>When you click </a:t>
+            </a:r>
+            <a:r>
+              <a:rPr lang="en-US" b="1" dirty="0"/>
+              <a:t>"Print"</a:t>
+            </a:r>
+            <a:r>
+              <a:rPr lang="en-US" dirty="0"/>
+              <a:t> on your computer:</a:t>
+            </a:r>
+          </a:p>
+          <a:p>
+            <a:r>
+              <a:rPr lang="en-US" dirty="0"/>
+              <a:t>You (user) click a button in an app.</a:t>
+            </a:r>
+          </a:p>
+          <a:p>
+            <a:r>
+              <a:rPr lang="en-US" dirty="0"/>
+              <a:t>The OS takes that request and sends it to the </a:t>
+            </a:r>
+            <a:r>
+              <a:rPr lang="en-US" b="1" dirty="0"/>
+              <a:t>printer driver</a:t>
+            </a:r>
+            <a:r>
+              <a:rPr lang="en-US" dirty="0"/>
+              <a:t>.</a:t>
+            </a:r>
+          </a:p>
+          <a:p>
+            <a:r>
+              <a:rPr lang="en-US" dirty="0"/>
+              <a:t>The driver talks to the </a:t>
+            </a:r>
+            <a:r>
+              <a:rPr lang="en-US" b="1" dirty="0"/>
+              <a:t>printer hardware</a:t>
+            </a:r>
+            <a:r>
+              <a:rPr lang="en-US" dirty="0"/>
+              <a:t> to print the page.</a:t>
+            </a:r>
+          </a:p>
+          <a:p>
+            <a:endParaRPr lang="en-US" dirty="0"/>
           </a:p>
         </p:txBody>
       </p:sp>
@@ -19023,7 +15899,13 @@
   <p:cSld>
     <p:spTree>
       <p:nvGrpSpPr>
-        <p:cNvPr id="1" name=""/>
+        <p:cNvPr id="1" name="">
+          <a:extLst>
+            <a:ext uri="{FF2B5EF4-FFF2-40B4-BE49-F238E27FC236}">
+              <a16:creationId xmlns:a16="http://schemas.microsoft.com/office/drawing/2014/main" id="{04FD0934-FDC7-871B-940E-EF496B0917DB}"/>
+            </a:ext>
+          </a:extLst>
+        </p:cNvPr>
         <p:cNvGrpSpPr/>
         <p:nvPr/>
       </p:nvGrpSpPr>
@@ -19037,7 +15919,13 @@
       </p:grpSpPr>
       <p:sp>
         <p:nvSpPr>
-          <p:cNvPr id="2" name="Slide Image Placeholder 1"/>
+          <p:cNvPr id="2" name="Slide Image Placeholder 1">
+            <a:extLst>
+              <a:ext uri="{FF2B5EF4-FFF2-40B4-BE49-F238E27FC236}">
+                <a16:creationId xmlns:a16="http://schemas.microsoft.com/office/drawing/2014/main" id="{78C1E7D5-C46A-FFF4-07FB-FA3F58513505}"/>
+              </a:ext>
+            </a:extLst>
+          </p:cNvPr>
           <p:cNvSpPr>
             <a:spLocks noGrp="1" noRot="1" noChangeAspect="1"/>
           </p:cNvSpPr>
@@ -19049,7 +15937,13 @@
       </p:sp>
       <p:sp>
         <p:nvSpPr>
-          <p:cNvPr id="3" name="Notes Placeholder 2"/>
+          <p:cNvPr id="3" name="Notes Placeholder 2">
+            <a:extLst>
+              <a:ext uri="{FF2B5EF4-FFF2-40B4-BE49-F238E27FC236}">
+                <a16:creationId xmlns:a16="http://schemas.microsoft.com/office/drawing/2014/main" id="{8684432B-6704-EF0F-A096-26ECB0A0BA3E}"/>
+              </a:ext>
+            </a:extLst>
+          </p:cNvPr>
           <p:cNvSpPr>
             <a:spLocks noGrp="1"/>
           </p:cNvSpPr>
@@ -19062,16 +15956,46 @@
           <a:bodyPr/>
           <a:lstStyle/>
           <a:p>
+            <a:pPr marL="0" marR="0" lvl="0" indent="0" algn="l" defTabSz="914400" rtl="0" eaLnBrk="1" fontAlgn="auto" latinLnBrk="0" hangingPunct="1">
+              <a:lnSpc>
+                <a:spcPct val="100000"/>
+              </a:lnSpc>
+              <a:spcBef>
+                <a:spcPts val="0"/>
+              </a:spcBef>
+              <a:spcAft>
+                <a:spcPts val="0"/>
+              </a:spcAft>
+              <a:buClrTx/>
+              <a:buSzTx/>
+              <a:buFontTx/>
+              <a:buNone/>
+              <a:tabLst/>
+              <a:defRPr/>
+            </a:pPr>
             <a:r>
-              <a:rPr lang="en-US" dirty="0"/>
-              <a:t>The OS handles everything behind the scenes. It manages which program runs and when (Process Management), keeps track of memory usage, handles files, and manages devices like printers or keyboards. It also controls access to the system for security.</a:t>
+              <a:rPr lang="en-US" sz="1200" b="1" dirty="0"/>
+              <a:t>Acts as a program manager</a:t>
             </a:r>
+            <a:r>
+              <a:rPr lang="en-US" sz="1200" dirty="0"/>
+              <a:t> – Loads programs into memory, schedules CPU time, manages process execution, handles multitasking, and ensures programs do not interfere with each other. It also terminates processes when they finish or when needed, freeing resources for other tasks.</a:t>
+            </a:r>
+          </a:p>
+          <a:p>
+            <a:endParaRPr lang="en-US" dirty="0"/>
           </a:p>
         </p:txBody>
       </p:sp>
       <p:sp>
         <p:nvSpPr>
-          <p:cNvPr id="4" name="Slide Number Placeholder 3"/>
+          <p:cNvPr id="4" name="Slide Number Placeholder 3">
+            <a:extLst>
+              <a:ext uri="{FF2B5EF4-FFF2-40B4-BE49-F238E27FC236}">
+                <a16:creationId xmlns:a16="http://schemas.microsoft.com/office/drawing/2014/main" id="{98EE3743-D6C5-5732-05C4-0B919A5D68C3}"/>
+              </a:ext>
+            </a:extLst>
+          </p:cNvPr>
           <p:cNvSpPr>
             <a:spLocks noGrp="1"/>
           </p:cNvSpPr>
@@ -19095,7 +16019,7 @@
     </p:spTree>
     <p:extLst>
       <p:ext uri="{BB962C8B-B14F-4D97-AF65-F5344CB8AC3E}">
-        <p14:creationId xmlns:p14="http://schemas.microsoft.com/office/powerpoint/2010/main" val="2284939287"/>
+        <p14:creationId xmlns:p14="http://schemas.microsoft.com/office/powerpoint/2010/main" val="3428022929"/>
       </p:ext>
     </p:extLst>
   </p:cSld>
@@ -19150,18 +16074,63 @@
           <a:lstStyle/>
           <a:p>
             <a:r>
+              <a:rPr lang="en-US" b="1" dirty="0"/>
+              <a:t>1940s–1950s</a:t>
+            </a:r>
+            <a:r>
               <a:rPr lang="en-US" dirty="0"/>
-              <a:t>Operating Systems have evolved from simple batch systems in the 1950s to complex, graphical, and mobile OS today. Each era solved a different problem—first automation, then multitasking, then user-friendliness, and now mobility and the cloud.</a:t>
+              <a:t> – Computers ran one program at a time. The first OS appeared in 1956 to help automate tasks.</a:t>
             </a:r>
           </a:p>
           <a:p>
-            <a:endParaRPr lang="en-US" dirty="0"/>
+            <a:r>
+              <a:rPr lang="en-US" b="1" dirty="0"/>
+              <a:t>1960s</a:t>
+            </a:r>
+            <a:r>
+              <a:rPr lang="en-US" dirty="0"/>
+              <a:t> – Multiprogramming let computers run multiple programs at once. Timesharing let many users share one computer.</a:t>
+            </a:r>
           </a:p>
           <a:p>
-            <a:endParaRPr lang="en-US" dirty="0"/>
+            <a:r>
+              <a:rPr lang="en-US" b="1" dirty="0"/>
+              <a:t>1970s</a:t>
+            </a:r>
+            <a:r>
+              <a:rPr lang="en-US" dirty="0"/>
+              <a:t> – Unix made OS simpler and portable. Personal computers became popular.</a:t>
+            </a:r>
           </a:p>
           <a:p>
-            <a:endParaRPr lang="en-US" dirty="0"/>
+            <a:r>
+              <a:rPr lang="en-US" b="1" dirty="0"/>
+              <a:t>1980s</a:t>
+            </a:r>
+            <a:r>
+              <a:rPr lang="en-US" dirty="0"/>
+              <a:t> – Graphical interfaces (like Windows and Mac) and networking became common.</a:t>
+            </a:r>
+          </a:p>
+          <a:p>
+            <a:r>
+              <a:rPr lang="en-US" b="1" dirty="0"/>
+              <a:t>1990s</a:t>
+            </a:r>
+            <a:r>
+              <a:rPr lang="en-US" dirty="0"/>
+              <a:t> – Linux brought open-source OS. Windows and Mac improved GUIs and spread widely.</a:t>
+            </a:r>
+          </a:p>
+          <a:p>
+            <a:r>
+              <a:rPr lang="en-US" b="1" dirty="0"/>
+              <a:t>2000s–Present</a:t>
+            </a:r>
+            <a:r>
+              <a:rPr lang="en-US" dirty="0"/>
+              <a:t> – Mobile OS (iOS, Android) dominate. Cloud and virtualization changed how computers are used.</a:t>
+            </a:r>
           </a:p>
           <a:p>
             <a:endParaRPr lang="en-US" dirty="0"/>
@@ -19379,6 +16348,57 @@
         <p:txBody>
           <a:bodyPr/>
           <a:lstStyle/>
+          <a:p>
+            <a:r>
+              <a:rPr lang="en-US" dirty="0"/>
+              <a:t>A </a:t>
+            </a:r>
+            <a:r>
+              <a:rPr lang="en-US" b="1" dirty="0"/>
+              <a:t>server operating system</a:t>
+            </a:r>
+            <a:r>
+              <a:rPr lang="en-US" dirty="0"/>
+              <a:t> is special software that runs on a server to manage its hardware, software, and network so it can serve many users at the same time.</a:t>
+            </a:r>
+          </a:p>
+          <a:p>
+            <a:r>
+              <a:rPr lang="en-US" b="1" dirty="0"/>
+              <a:t>Main jobs:</a:t>
+            </a:r>
+            <a:endParaRPr lang="en-US" dirty="0"/>
+          </a:p>
+          <a:p>
+            <a:r>
+              <a:rPr lang="en-US" dirty="0"/>
+              <a:t>Accept requests from clients (computers, phones, apps) over a network.</a:t>
+            </a:r>
+          </a:p>
+          <a:p>
+            <a:r>
+              <a:rPr lang="en-US" dirty="0"/>
+              <a:t>Run services like websites, file sharing, databases, or email.</a:t>
+            </a:r>
+          </a:p>
+          <a:p>
+            <a:r>
+              <a:rPr lang="en-US" dirty="0"/>
+              <a:t>Manage server hardware (CPU, memory, storage, network).</a:t>
+            </a:r>
+          </a:p>
+          <a:p>
+            <a:r>
+              <a:rPr lang="en-US" dirty="0"/>
+              <a:t>Provide security, backups, and remote access.</a:t>
+            </a:r>
+          </a:p>
+          <a:p>
+            <a:r>
+              <a:rPr lang="en-US" dirty="0"/>
+              <a:t>Keep running 24/7 for constant availability.</a:t>
+            </a:r>
+          </a:p>
           <a:p>
             <a:endParaRPr lang="en-US" dirty="0"/>
           </a:p>
@@ -19929,7 +16949,7 @@
           <a:p>
             <a:fld id="{5BCAD085-E8A6-8845-BD4E-CB4CCA059FC4}" type="datetimeFigureOut">
               <a:rPr lang="en-US" smtClean="0"/>
-              <a:t>8/5/2025</a:t>
+              <a:t>8/11/2025</a:t>
             </a:fld>
             <a:endParaRPr lang="en-US"/>
           </a:p>
@@ -20097,7 +17117,7 @@
           <a:p>
             <a:fld id="{5BCAD085-E8A6-8845-BD4E-CB4CCA059FC4}" type="datetimeFigureOut">
               <a:rPr lang="en-US" smtClean="0"/>
-              <a:t>8/5/2025</a:t>
+              <a:t>8/11/2025</a:t>
             </a:fld>
             <a:endParaRPr lang="en-US"/>
           </a:p>
@@ -20275,7 +17295,7 @@
           <a:p>
             <a:fld id="{5BCAD085-E8A6-8845-BD4E-CB4CCA059FC4}" type="datetimeFigureOut">
               <a:rPr lang="en-US" smtClean="0"/>
-              <a:t>8/5/2025</a:t>
+              <a:t>8/11/2025</a:t>
             </a:fld>
             <a:endParaRPr lang="en-US"/>
           </a:p>
@@ -20443,7 +17463,7 @@
           <a:p>
             <a:fld id="{5BCAD085-E8A6-8845-BD4E-CB4CCA059FC4}" type="datetimeFigureOut">
               <a:rPr lang="en-US" smtClean="0"/>
-              <a:t>8/5/2025</a:t>
+              <a:t>8/11/2025</a:t>
             </a:fld>
             <a:endParaRPr lang="en-US"/>
           </a:p>
@@ -20688,7 +17708,7 @@
           <a:p>
             <a:fld id="{5BCAD085-E8A6-8845-BD4E-CB4CCA059FC4}" type="datetimeFigureOut">
               <a:rPr lang="en-US" smtClean="0"/>
-              <a:t>8/5/2025</a:t>
+              <a:t>8/11/2025</a:t>
             </a:fld>
             <a:endParaRPr lang="en-US"/>
           </a:p>
@@ -20973,7 +17993,7 @@
           <a:p>
             <a:fld id="{5BCAD085-E8A6-8845-BD4E-CB4CCA059FC4}" type="datetimeFigureOut">
               <a:rPr lang="en-US" smtClean="0"/>
-              <a:t>8/5/2025</a:t>
+              <a:t>8/11/2025</a:t>
             </a:fld>
             <a:endParaRPr lang="en-US"/>
           </a:p>
@@ -21392,7 +18412,7 @@
           <a:p>
             <a:fld id="{5BCAD085-E8A6-8845-BD4E-CB4CCA059FC4}" type="datetimeFigureOut">
               <a:rPr lang="en-US" smtClean="0"/>
-              <a:t>8/5/2025</a:t>
+              <a:t>8/11/2025</a:t>
             </a:fld>
             <a:endParaRPr lang="en-US"/>
           </a:p>
@@ -21509,7 +18529,7 @@
           <a:p>
             <a:fld id="{5BCAD085-E8A6-8845-BD4E-CB4CCA059FC4}" type="datetimeFigureOut">
               <a:rPr lang="en-US" smtClean="0"/>
-              <a:t>8/5/2025</a:t>
+              <a:t>8/11/2025</a:t>
             </a:fld>
             <a:endParaRPr lang="en-US"/>
           </a:p>
@@ -21604,7 +18624,7 @@
           <a:p>
             <a:fld id="{5BCAD085-E8A6-8845-BD4E-CB4CCA059FC4}" type="datetimeFigureOut">
               <a:rPr lang="en-US" smtClean="0"/>
-              <a:t>8/5/2025</a:t>
+              <a:t>8/11/2025</a:t>
             </a:fld>
             <a:endParaRPr lang="en-US"/>
           </a:p>
@@ -21879,7 +18899,7 @@
           <a:p>
             <a:fld id="{5BCAD085-E8A6-8845-BD4E-CB4CCA059FC4}" type="datetimeFigureOut">
               <a:rPr lang="en-US" smtClean="0"/>
-              <a:t>8/5/2025</a:t>
+              <a:t>8/11/2025</a:t>
             </a:fld>
             <a:endParaRPr lang="en-US"/>
           </a:p>
@@ -22131,7 +19151,7 @@
           <a:p>
             <a:fld id="{5BCAD085-E8A6-8845-BD4E-CB4CCA059FC4}" type="datetimeFigureOut">
               <a:rPr lang="en-US" smtClean="0"/>
-              <a:t>8/5/2025</a:t>
+              <a:t>8/11/2025</a:t>
             </a:fld>
             <a:endParaRPr lang="en-US"/>
           </a:p>
@@ -22342,7 +19362,7 @@
           <a:p>
             <a:fld id="{5BCAD085-E8A6-8845-BD4E-CB4CCA059FC4}" type="datetimeFigureOut">
               <a:rPr lang="en-US" smtClean="0"/>
-              <a:t>8/5/2025</a:t>
+              <a:t>8/11/2025</a:t>
             </a:fld>
             <a:endParaRPr lang="en-US"/>
           </a:p>
@@ -22811,40 +19831,6 @@
             <a:r>
               <a:rPr lang="en-US" dirty="0"/>
               <a:t>Introduction to Operating System</a:t>
-            </a:r>
-          </a:p>
-        </p:txBody>
-      </p:sp>
-      <p:sp>
-        <p:nvSpPr>
-          <p:cNvPr id="3" name="Subtitle 2"/>
-          <p:cNvSpPr>
-            <a:spLocks noGrp="1"/>
-          </p:cNvSpPr>
-          <p:nvPr>
-            <p:ph type="subTitle" idx="1"/>
-          </p:nvPr>
-        </p:nvSpPr>
-        <p:spPr>
-          <a:xfrm>
-            <a:off x="449706" y="4685288"/>
-            <a:ext cx="3128996" cy="1035781"/>
-          </a:xfrm>
-        </p:spPr>
-        <p:txBody>
-          <a:bodyPr>
-            <a:normAutofit/>
-          </a:bodyPr>
-          <a:lstStyle/>
-          <a:p>
-            <a:pPr algn="l">
-              <a:lnSpc>
-                <a:spcPct val="90000"/>
-              </a:lnSpc>
-            </a:pPr>
-            <a:r>
-              <a:rPr lang="en-US" sz="2200" dirty="0"/>
-              <a:t>Overview, History, Types, and Installation via VirtualBox</a:t>
             </a:r>
           </a:p>
         </p:txBody>
@@ -29011,7 +25997,13 @@
     </p:bg>
     <p:spTree>
       <p:nvGrpSpPr>
-        <p:cNvPr id="1" name=""/>
+        <p:cNvPr id="1" name="">
+          <a:extLst>
+            <a:ext uri="{FF2B5EF4-FFF2-40B4-BE49-F238E27FC236}">
+              <a16:creationId xmlns:a16="http://schemas.microsoft.com/office/drawing/2014/main" id="{4BE61FD2-0EFD-1A22-5FBA-268F97DE1755}"/>
+            </a:ext>
+          </a:extLst>
+        </p:cNvPr>
         <p:cNvGrpSpPr/>
         <p:nvPr/>
       </p:nvGrpSpPr>
@@ -29025,10 +26017,10 @@
       </p:grpSpPr>
       <p:sp useBgFill="1">
         <p:nvSpPr>
-          <p:cNvPr id="10" name="Rectangle 9">
+          <p:cNvPr id="18" name="Rectangle 17">
             <a:extLst>
               <a:ext uri="{FF2B5EF4-FFF2-40B4-BE49-F238E27FC236}">
-                <a16:creationId xmlns:a16="http://schemas.microsoft.com/office/drawing/2014/main" id="{2E442304-DDBD-4F7B-8017-36BCC863FB40}"/>
+                <a16:creationId xmlns:a16="http://schemas.microsoft.com/office/drawing/2014/main" id="{0D17C02C-8A73-39DC-79C1-7EB4E9D184B4}"/>
               </a:ext>
               <a:ext uri="{C183D7F6-B498-43B3-948B-1728B52AA6E4}">
                 <adec:decorative xmlns:adec="http://schemas.microsoft.com/office/drawing/2017/decorative" val="1"/>
@@ -29046,10 +26038,10 @@
             </p:extLst>
           </p:nvPr>
         </p:nvSpPr>
-        <p:spPr>
+        <p:spPr bwMode="white">
           <a:xfrm>
             <a:off x="0" y="0"/>
-            <a:ext cx="9141714" cy="6858000"/>
+            <a:ext cx="9144000" cy="6858000"/>
           </a:xfrm>
           <a:prstGeom prst="rect">
             <a:avLst/>
@@ -29076,7 +26068,101 @@
         </p:style>
         <p:txBody>
           <a:bodyPr rtlCol="0" anchor="ctr"/>
-          <a:lstStyle/>
+          <a:lstStyle>
+            <a:defPPr>
+              <a:defRPr lang="en-US"/>
+            </a:defPPr>
+            <a:lvl1pPr marL="0" algn="l" defTabSz="914400" rtl="0" eaLnBrk="1" latinLnBrk="0" hangingPunct="1">
+              <a:defRPr sz="1800" kern="1200">
+                <a:solidFill>
+                  <a:schemeClr val="lt1"/>
+                </a:solidFill>
+                <a:latin typeface="+mn-lt"/>
+                <a:ea typeface="+mn-ea"/>
+                <a:cs typeface="+mn-cs"/>
+              </a:defRPr>
+            </a:lvl1pPr>
+            <a:lvl2pPr marL="457200" algn="l" defTabSz="914400" rtl="0" eaLnBrk="1" latinLnBrk="0" hangingPunct="1">
+              <a:defRPr sz="1800" kern="1200">
+                <a:solidFill>
+                  <a:schemeClr val="lt1"/>
+                </a:solidFill>
+                <a:latin typeface="+mn-lt"/>
+                <a:ea typeface="+mn-ea"/>
+                <a:cs typeface="+mn-cs"/>
+              </a:defRPr>
+            </a:lvl2pPr>
+            <a:lvl3pPr marL="914400" algn="l" defTabSz="914400" rtl="0" eaLnBrk="1" latinLnBrk="0" hangingPunct="1">
+              <a:defRPr sz="1800" kern="1200">
+                <a:solidFill>
+                  <a:schemeClr val="lt1"/>
+                </a:solidFill>
+                <a:latin typeface="+mn-lt"/>
+                <a:ea typeface="+mn-ea"/>
+                <a:cs typeface="+mn-cs"/>
+              </a:defRPr>
+            </a:lvl3pPr>
+            <a:lvl4pPr marL="1371600" algn="l" defTabSz="914400" rtl="0" eaLnBrk="1" latinLnBrk="0" hangingPunct="1">
+              <a:defRPr sz="1800" kern="1200">
+                <a:solidFill>
+                  <a:schemeClr val="lt1"/>
+                </a:solidFill>
+                <a:latin typeface="+mn-lt"/>
+                <a:ea typeface="+mn-ea"/>
+                <a:cs typeface="+mn-cs"/>
+              </a:defRPr>
+            </a:lvl4pPr>
+            <a:lvl5pPr marL="1828800" algn="l" defTabSz="914400" rtl="0" eaLnBrk="1" latinLnBrk="0" hangingPunct="1">
+              <a:defRPr sz="1800" kern="1200">
+                <a:solidFill>
+                  <a:schemeClr val="lt1"/>
+                </a:solidFill>
+                <a:latin typeface="+mn-lt"/>
+                <a:ea typeface="+mn-ea"/>
+                <a:cs typeface="+mn-cs"/>
+              </a:defRPr>
+            </a:lvl5pPr>
+            <a:lvl6pPr marL="2286000" algn="l" defTabSz="914400" rtl="0" eaLnBrk="1" latinLnBrk="0" hangingPunct="1">
+              <a:defRPr sz="1800" kern="1200">
+                <a:solidFill>
+                  <a:schemeClr val="lt1"/>
+                </a:solidFill>
+                <a:latin typeface="+mn-lt"/>
+                <a:ea typeface="+mn-ea"/>
+                <a:cs typeface="+mn-cs"/>
+              </a:defRPr>
+            </a:lvl6pPr>
+            <a:lvl7pPr marL="2743200" algn="l" defTabSz="914400" rtl="0" eaLnBrk="1" latinLnBrk="0" hangingPunct="1">
+              <a:defRPr sz="1800" kern="1200">
+                <a:solidFill>
+                  <a:schemeClr val="lt1"/>
+                </a:solidFill>
+                <a:latin typeface="+mn-lt"/>
+                <a:ea typeface="+mn-ea"/>
+                <a:cs typeface="+mn-cs"/>
+              </a:defRPr>
+            </a:lvl7pPr>
+            <a:lvl8pPr marL="3200400" algn="l" defTabSz="914400" rtl="0" eaLnBrk="1" latinLnBrk="0" hangingPunct="1">
+              <a:defRPr sz="1800" kern="1200">
+                <a:solidFill>
+                  <a:schemeClr val="lt1"/>
+                </a:solidFill>
+                <a:latin typeface="+mn-lt"/>
+                <a:ea typeface="+mn-ea"/>
+                <a:cs typeface="+mn-cs"/>
+              </a:defRPr>
+            </a:lvl8pPr>
+            <a:lvl9pPr marL="3657600" algn="l" defTabSz="914400" rtl="0" eaLnBrk="1" latinLnBrk="0" hangingPunct="1">
+              <a:defRPr sz="1800" kern="1200">
+                <a:solidFill>
+                  <a:schemeClr val="lt1"/>
+                </a:solidFill>
+                <a:latin typeface="+mn-lt"/>
+                <a:ea typeface="+mn-ea"/>
+                <a:cs typeface="+mn-cs"/>
+              </a:defRPr>
+            </a:lvl9pPr>
+          </a:lstStyle>
           <a:p>
             <a:pPr algn="ctr"/>
             <a:endParaRPr lang="en-US"/>
@@ -29085,39 +26171,10 @@
       </p:sp>
       <p:sp>
         <p:nvSpPr>
-          <p:cNvPr id="2" name="Title 1"/>
-          <p:cNvSpPr>
-            <a:spLocks noGrp="1"/>
-          </p:cNvSpPr>
-          <p:nvPr>
-            <p:ph type="title"/>
-          </p:nvPr>
-        </p:nvSpPr>
-        <p:spPr>
-          <a:xfrm>
-            <a:off x="476250" y="640823"/>
-            <a:ext cx="2563994" cy="5583148"/>
-          </a:xfrm>
-        </p:spPr>
-        <p:txBody>
-          <a:bodyPr anchor="ctr">
-            <a:normAutofit/>
-          </a:bodyPr>
-          <a:lstStyle/>
-          <a:p>
-            <a:r>
-              <a:rPr lang="en-US" sz="4700"/>
-              <a:t>Key Functions of an OS</a:t>
-            </a:r>
-          </a:p>
-        </p:txBody>
-      </p:sp>
-      <p:sp>
-        <p:nvSpPr>
-          <p:cNvPr id="12" name="sketch line">
+          <p:cNvPr id="20" name="Arc 19">
             <a:extLst>
               <a:ext uri="{FF2B5EF4-FFF2-40B4-BE49-F238E27FC236}">
-                <a16:creationId xmlns:a16="http://schemas.microsoft.com/office/drawing/2014/main" id="{5E107275-3853-46FD-A241-DE4355A42675}"/>
+                <a16:creationId xmlns:a16="http://schemas.microsoft.com/office/drawing/2014/main" id="{3CA5B5A2-6835-9A5A-8716-EEFBC3143EB3}"/>
               </a:ext>
               <a:ext uri="{C183D7F6-B498-43B3-948B-1728B52AA6E4}">
                 <adec:decorative xmlns:adec="http://schemas.microsoft.com/office/drawing/2017/decorative" val="1"/>
@@ -29136,51 +26193,161 @@
           </p:nvPr>
         </p:nvSpPr>
         <p:spPr>
-          <a:xfrm rot="5400000">
-            <a:off x="544313" y="3465005"/>
-            <a:ext cx="5410200" cy="13716"/>
+          <a:xfrm rot="3967198" flipH="1">
+            <a:off x="6100024" y="863980"/>
+            <a:ext cx="2987899" cy="2240924"/>
+          </a:xfrm>
+          <a:prstGeom prst="arc">
+            <a:avLst>
+              <a:gd name="adj1" fmla="val 14441841"/>
+              <a:gd name="adj2" fmla="val 0"/>
+            </a:avLst>
+          </a:prstGeom>
+          <a:ln w="127000" cap="rnd">
+            <a:solidFill>
+              <a:schemeClr val="accent4"/>
+            </a:solidFill>
+            <a:prstDash val="dash"/>
+            <a:miter lim="800000"/>
+          </a:ln>
+        </p:spPr>
+        <p:style>
+          <a:lnRef idx="1">
+            <a:schemeClr val="accent1"/>
+          </a:lnRef>
+          <a:fillRef idx="0">
+            <a:schemeClr val="accent1"/>
+          </a:fillRef>
+          <a:effectRef idx="0">
+            <a:schemeClr val="accent1"/>
+          </a:effectRef>
+          <a:fontRef idx="minor">
+            <a:schemeClr val="tx1"/>
+          </a:fontRef>
+        </p:style>
+        <p:txBody>
+          <a:bodyPr rtlCol="0" anchor="ctr"/>
+          <a:lstStyle/>
+          <a:p>
+            <a:pPr marL="0" marR="0" lvl="0" indent="0" algn="ctr" defTabSz="914400" rtl="0" eaLnBrk="1" fontAlgn="auto" latinLnBrk="0" hangingPunct="1">
+              <a:lnSpc>
+                <a:spcPct val="100000"/>
+              </a:lnSpc>
+              <a:spcBef>
+                <a:spcPts val="0"/>
+              </a:spcBef>
+              <a:spcAft>
+                <a:spcPts val="0"/>
+              </a:spcAft>
+              <a:buClrTx/>
+              <a:buSzTx/>
+              <a:buFontTx/>
+              <a:buNone/>
+              <a:tabLst/>
+              <a:defRPr/>
+            </a:pPr>
+            <a:endParaRPr kumimoji="0" lang="en-US" sz="1800" b="0" i="0" u="none" strike="noStrike" kern="1200" cap="none" spc="0" normalizeH="0" baseline="0" noProof="0">
+              <a:ln>
+                <a:noFill/>
+              </a:ln>
+              <a:solidFill>
+                <a:srgbClr val="000000"/>
+              </a:solidFill>
+              <a:effectLst/>
+              <a:uLnTx/>
+              <a:uFillTx/>
+              <a:latin typeface="Calibri" panose="020F0502020204030204"/>
+              <a:ea typeface="+mn-ea"/>
+              <a:cs typeface="+mn-cs"/>
+            </a:endParaRPr>
+          </a:p>
+        </p:txBody>
+      </p:sp>
+      <p:sp>
+        <p:nvSpPr>
+          <p:cNvPr id="2" name="Title 1">
+            <a:extLst>
+              <a:ext uri="{FF2B5EF4-FFF2-40B4-BE49-F238E27FC236}">
+                <a16:creationId xmlns:a16="http://schemas.microsoft.com/office/drawing/2014/main" id="{BE4E2BD0-B657-AC26-8C74-4AD75AA385FA}"/>
+              </a:ext>
+            </a:extLst>
+          </p:cNvPr>
+          <p:cNvSpPr>
+            <a:spLocks noGrp="1"/>
+          </p:cNvSpPr>
+          <p:nvPr>
+            <p:ph type="title"/>
+          </p:nvPr>
+        </p:nvSpPr>
+        <p:spPr>
+          <a:xfrm>
+            <a:off x="-79303" y="479493"/>
+            <a:ext cx="8594654" cy="1325563"/>
+          </a:xfrm>
+        </p:spPr>
+        <p:txBody>
+          <a:bodyPr>
+            <a:normAutofit/>
+          </a:bodyPr>
+          <a:lstStyle/>
+          <a:p>
+            <a:pPr>
+              <a:lnSpc>
+                <a:spcPct val="90000"/>
+              </a:lnSpc>
+            </a:pPr>
+            <a:r>
+              <a:rPr lang="en-US" sz="3700" dirty="0"/>
+              <a:t>How Operating System Work</a:t>
+            </a:r>
+          </a:p>
+        </p:txBody>
+      </p:sp>
+      <p:sp>
+        <p:nvSpPr>
+          <p:cNvPr id="22" name="Freeform: Shape 21">
+            <a:extLst>
+              <a:ext uri="{FF2B5EF4-FFF2-40B4-BE49-F238E27FC236}">
+                <a16:creationId xmlns:a16="http://schemas.microsoft.com/office/drawing/2014/main" id="{B0C0EF39-DF0E-1CB4-ACB4-74C737753569}"/>
+              </a:ext>
+              <a:ext uri="{C183D7F6-B498-43B3-948B-1728B52AA6E4}">
+                <adec:decorative xmlns:adec="http://schemas.microsoft.com/office/drawing/2017/decorative" val="1"/>
+              </a:ext>
+            </a:extLst>
+          </p:cNvPr>
+          <p:cNvSpPr>
+            <a:spLocks noGrp="1" noRot="1" noChangeAspect="1" noMove="1" noResize="1" noEditPoints="1" noAdjustHandles="1" noChangeArrowheads="1" noChangeShapeType="1" noTextEdit="1"/>
+          </p:cNvSpPr>
+          <p:nvPr>
+            <p:extLst>
+              <p:ext uri="{386F3935-93C4-4BCD-93E2-E3B085C9AB24}">
+                <p16:designElem xmlns:p16="http://schemas.microsoft.com/office/powerpoint/2015/main" val="1"/>
+              </p:ext>
+            </p:extLst>
+          </p:nvPr>
+        </p:nvSpPr>
+        <p:spPr>
+          <a:xfrm flipH="1">
+            <a:off x="0" y="5486400"/>
+            <a:ext cx="2004647" cy="1371600"/>
           </a:xfrm>
           <a:custGeom>
             <a:avLst/>
             <a:gdLst>
-              <a:gd name="connsiteX0" fmla="*/ 0 w 5410200"/>
-              <a:gd name="connsiteY0" fmla="*/ 0 h 13716"/>
-              <a:gd name="connsiteX1" fmla="*/ 568071 w 5410200"/>
-              <a:gd name="connsiteY1" fmla="*/ 0 h 13716"/>
-              <a:gd name="connsiteX2" fmla="*/ 1298448 w 5410200"/>
-              <a:gd name="connsiteY2" fmla="*/ 0 h 13716"/>
-              <a:gd name="connsiteX3" fmla="*/ 1920621 w 5410200"/>
-              <a:gd name="connsiteY3" fmla="*/ 0 h 13716"/>
-              <a:gd name="connsiteX4" fmla="*/ 2488692 w 5410200"/>
-              <a:gd name="connsiteY4" fmla="*/ 0 h 13716"/>
-              <a:gd name="connsiteX5" fmla="*/ 3219069 w 5410200"/>
-              <a:gd name="connsiteY5" fmla="*/ 0 h 13716"/>
-              <a:gd name="connsiteX6" fmla="*/ 3895344 w 5410200"/>
-              <a:gd name="connsiteY6" fmla="*/ 0 h 13716"/>
-              <a:gd name="connsiteX7" fmla="*/ 4571619 w 5410200"/>
-              <a:gd name="connsiteY7" fmla="*/ 0 h 13716"/>
-              <a:gd name="connsiteX8" fmla="*/ 5410200 w 5410200"/>
-              <a:gd name="connsiteY8" fmla="*/ 0 h 13716"/>
-              <a:gd name="connsiteX9" fmla="*/ 5410200 w 5410200"/>
-              <a:gd name="connsiteY9" fmla="*/ 13716 h 13716"/>
-              <a:gd name="connsiteX10" fmla="*/ 4842129 w 5410200"/>
-              <a:gd name="connsiteY10" fmla="*/ 13716 h 13716"/>
-              <a:gd name="connsiteX11" fmla="*/ 4328160 w 5410200"/>
-              <a:gd name="connsiteY11" fmla="*/ 13716 h 13716"/>
-              <a:gd name="connsiteX12" fmla="*/ 3597783 w 5410200"/>
-              <a:gd name="connsiteY12" fmla="*/ 13716 h 13716"/>
-              <a:gd name="connsiteX13" fmla="*/ 3029712 w 5410200"/>
-              <a:gd name="connsiteY13" fmla="*/ 13716 h 13716"/>
-              <a:gd name="connsiteX14" fmla="*/ 2299335 w 5410200"/>
-              <a:gd name="connsiteY14" fmla="*/ 13716 h 13716"/>
-              <a:gd name="connsiteX15" fmla="*/ 1514856 w 5410200"/>
-              <a:gd name="connsiteY15" fmla="*/ 13716 h 13716"/>
-              <a:gd name="connsiteX16" fmla="*/ 892683 w 5410200"/>
-              <a:gd name="connsiteY16" fmla="*/ 13716 h 13716"/>
-              <a:gd name="connsiteX17" fmla="*/ 0 w 5410200"/>
-              <a:gd name="connsiteY17" fmla="*/ 13716 h 13716"/>
-              <a:gd name="connsiteX18" fmla="*/ 0 w 5410200"/>
-              <a:gd name="connsiteY18" fmla="*/ 0 h 13716"/>
+              <a:gd name="connsiteX0" fmla="*/ 1721734 w 2672863"/>
+              <a:gd name="connsiteY0" fmla="*/ 0 h 1371600"/>
+              <a:gd name="connsiteX1" fmla="*/ 2564444 w 2672863"/>
+              <a:gd name="connsiteY1" fmla="*/ 213382 h 1371600"/>
+              <a:gd name="connsiteX2" fmla="*/ 2672863 w 2672863"/>
+              <a:gd name="connsiteY2" fmla="*/ 279248 h 1371600"/>
+              <a:gd name="connsiteX3" fmla="*/ 2672863 w 2672863"/>
+              <a:gd name="connsiteY3" fmla="*/ 1371600 h 1371600"/>
+              <a:gd name="connsiteX4" fmla="*/ 0 w 2672863"/>
+              <a:gd name="connsiteY4" fmla="*/ 1371600 h 1371600"/>
+              <a:gd name="connsiteX5" fmla="*/ 33268 w 2672863"/>
+              <a:gd name="connsiteY5" fmla="*/ 1242216 h 1371600"/>
+              <a:gd name="connsiteX6" fmla="*/ 1721734 w 2672863"/>
+              <a:gd name="connsiteY6" fmla="*/ 0 h 1371600"/>
             </a:gdLst>
             <a:ahLst/>
             <a:cxnLst>
@@ -29205,259 +26372,44 @@
               <a:cxn ang="0">
                 <a:pos x="connsiteX6" y="connsiteY6"/>
               </a:cxn>
-              <a:cxn ang="0">
-                <a:pos x="connsiteX7" y="connsiteY7"/>
-              </a:cxn>
-              <a:cxn ang="0">
-                <a:pos x="connsiteX8" y="connsiteY8"/>
-              </a:cxn>
-              <a:cxn ang="0">
-                <a:pos x="connsiteX9" y="connsiteY9"/>
-              </a:cxn>
-              <a:cxn ang="0">
-                <a:pos x="connsiteX10" y="connsiteY10"/>
-              </a:cxn>
-              <a:cxn ang="0">
-                <a:pos x="connsiteX11" y="connsiteY11"/>
-              </a:cxn>
-              <a:cxn ang="0">
-                <a:pos x="connsiteX12" y="connsiteY12"/>
-              </a:cxn>
-              <a:cxn ang="0">
-                <a:pos x="connsiteX13" y="connsiteY13"/>
-              </a:cxn>
-              <a:cxn ang="0">
-                <a:pos x="connsiteX14" y="connsiteY14"/>
-              </a:cxn>
-              <a:cxn ang="0">
-                <a:pos x="connsiteX15" y="connsiteY15"/>
-              </a:cxn>
-              <a:cxn ang="0">
-                <a:pos x="connsiteX16" y="connsiteY16"/>
-              </a:cxn>
-              <a:cxn ang="0">
-                <a:pos x="connsiteX17" y="connsiteY17"/>
-              </a:cxn>
-              <a:cxn ang="0">
-                <a:pos x="connsiteX18" y="connsiteY18"/>
-              </a:cxn>
             </a:cxnLst>
             <a:rect l="l" t="t" r="r" b="b"/>
             <a:pathLst>
-              <a:path w="5410200" h="13716" fill="none" extrusionOk="0">
+              <a:path w="2672863" h="1371600">
                 <a:moveTo>
-                  <a:pt x="0" y="0"/>
+                  <a:pt x="1721734" y="0"/>
                 </a:moveTo>
                 <a:cubicBezTo>
-                  <a:pt x="163050" y="-18707"/>
-                  <a:pt x="319321" y="-16364"/>
-                  <a:pt x="568071" y="0"/>
+                  <a:pt x="2026863" y="0"/>
+                  <a:pt x="2313937" y="77299"/>
+                  <a:pt x="2564444" y="213382"/>
                 </a:cubicBezTo>
+                <a:lnTo>
+                  <a:pt x="2672863" y="279248"/>
+                </a:lnTo>
+                <a:lnTo>
+                  <a:pt x="2672863" y="1371600"/>
+                </a:lnTo>
+                <a:lnTo>
+                  <a:pt x="0" y="1371600"/>
+                </a:lnTo>
+                <a:lnTo>
+                  <a:pt x="33268" y="1242216"/>
+                </a:lnTo>
                 <a:cubicBezTo>
-                  <a:pt x="816821" y="16364"/>
-                  <a:pt x="1013224" y="-7268"/>
-                  <a:pt x="1298448" y="0"/>
-                </a:cubicBezTo>
-                <a:cubicBezTo>
-                  <a:pt x="1583672" y="7268"/>
-                  <a:pt x="1631711" y="-3367"/>
-                  <a:pt x="1920621" y="0"/>
-                </a:cubicBezTo>
-                <a:cubicBezTo>
-                  <a:pt x="2209531" y="3367"/>
-                  <a:pt x="2364420" y="-19184"/>
-                  <a:pt x="2488692" y="0"/>
-                </a:cubicBezTo>
-                <a:cubicBezTo>
-                  <a:pt x="2612964" y="19184"/>
-                  <a:pt x="3023298" y="-34627"/>
-                  <a:pt x="3219069" y="0"/>
-                </a:cubicBezTo>
-                <a:cubicBezTo>
-                  <a:pt x="3414840" y="34627"/>
-                  <a:pt x="3656810" y="24043"/>
-                  <a:pt x="3895344" y="0"/>
-                </a:cubicBezTo>
-                <a:cubicBezTo>
-                  <a:pt x="4133879" y="-24043"/>
-                  <a:pt x="4393984" y="-19577"/>
-                  <a:pt x="4571619" y="0"/>
-                </a:cubicBezTo>
-                <a:cubicBezTo>
-                  <a:pt x="4749255" y="19577"/>
-                  <a:pt x="5179928" y="-6281"/>
-                  <a:pt x="5410200" y="0"/>
-                </a:cubicBezTo>
-                <a:cubicBezTo>
-                  <a:pt x="5409587" y="2854"/>
-                  <a:pt x="5409791" y="9451"/>
-                  <a:pt x="5410200" y="13716"/>
-                </a:cubicBezTo>
-                <a:cubicBezTo>
-                  <a:pt x="5139060" y="2179"/>
-                  <a:pt x="5121593" y="26463"/>
-                  <a:pt x="4842129" y="13716"/>
-                </a:cubicBezTo>
-                <a:cubicBezTo>
-                  <a:pt x="4562665" y="969"/>
-                  <a:pt x="4448273" y="4915"/>
-                  <a:pt x="4328160" y="13716"/>
-                </a:cubicBezTo>
-                <a:cubicBezTo>
-                  <a:pt x="4208047" y="22517"/>
-                  <a:pt x="3760936" y="17995"/>
-                  <a:pt x="3597783" y="13716"/>
-                </a:cubicBezTo>
-                <a:cubicBezTo>
-                  <a:pt x="3434630" y="9437"/>
-                  <a:pt x="3299718" y="28641"/>
-                  <a:pt x="3029712" y="13716"/>
-                </a:cubicBezTo>
-                <a:cubicBezTo>
-                  <a:pt x="2759706" y="-1209"/>
-                  <a:pt x="2640159" y="22822"/>
-                  <a:pt x="2299335" y="13716"/>
-                </a:cubicBezTo>
-                <a:cubicBezTo>
-                  <a:pt x="1958511" y="4610"/>
-                  <a:pt x="1801186" y="24413"/>
-                  <a:pt x="1514856" y="13716"/>
-                </a:cubicBezTo>
-                <a:cubicBezTo>
-                  <a:pt x="1228526" y="3019"/>
-                  <a:pt x="1063509" y="-9877"/>
-                  <a:pt x="892683" y="13716"/>
-                </a:cubicBezTo>
-                <a:cubicBezTo>
-                  <a:pt x="721857" y="37309"/>
-                  <a:pt x="186945" y="-25469"/>
-                  <a:pt x="0" y="13716"/>
-                </a:cubicBezTo>
-                <a:cubicBezTo>
-                  <a:pt x="-342" y="9537"/>
-                  <a:pt x="-97" y="6817"/>
-                  <a:pt x="0" y="0"/>
-                </a:cubicBezTo>
-                <a:close/>
-              </a:path>
-              <a:path w="5410200" h="13716" stroke="0" extrusionOk="0">
-                <a:moveTo>
-                  <a:pt x="0" y="0"/>
-                </a:moveTo>
-                <a:cubicBezTo>
-                  <a:pt x="285096" y="-4925"/>
-                  <a:pt x="376456" y="22268"/>
-                  <a:pt x="622173" y="0"/>
-                </a:cubicBezTo>
-                <a:cubicBezTo>
-                  <a:pt x="867890" y="-22268"/>
-                  <a:pt x="1031392" y="7228"/>
-                  <a:pt x="1136142" y="0"/>
-                </a:cubicBezTo>
-                <a:cubicBezTo>
-                  <a:pt x="1240892" y="-7228"/>
-                  <a:pt x="1561853" y="9877"/>
-                  <a:pt x="1920621" y="0"/>
-                </a:cubicBezTo>
-                <a:cubicBezTo>
-                  <a:pt x="2279389" y="-9877"/>
-                  <a:pt x="2367255" y="19546"/>
-                  <a:pt x="2542794" y="0"/>
-                </a:cubicBezTo>
-                <a:cubicBezTo>
-                  <a:pt x="2718333" y="-19546"/>
-                  <a:pt x="2866732" y="-22226"/>
-                  <a:pt x="3164967" y="0"/>
-                </a:cubicBezTo>
-                <a:cubicBezTo>
-                  <a:pt x="3463202" y="22226"/>
-                  <a:pt x="3568055" y="-2765"/>
-                  <a:pt x="3949446" y="0"/>
-                </a:cubicBezTo>
-                <a:cubicBezTo>
-                  <a:pt x="4330837" y="2765"/>
-                  <a:pt x="4287895" y="10557"/>
-                  <a:pt x="4517517" y="0"/>
-                </a:cubicBezTo>
-                <a:cubicBezTo>
-                  <a:pt x="4747139" y="-10557"/>
-                  <a:pt x="5149588" y="8716"/>
-                  <a:pt x="5410200" y="0"/>
-                </a:cubicBezTo>
-                <a:cubicBezTo>
-                  <a:pt x="5410660" y="2787"/>
-                  <a:pt x="5410166" y="9748"/>
-                  <a:pt x="5410200" y="13716"/>
-                </a:cubicBezTo>
-                <a:cubicBezTo>
-                  <a:pt x="5163327" y="36922"/>
-                  <a:pt x="5008749" y="6121"/>
-                  <a:pt x="4842129" y="13716"/>
-                </a:cubicBezTo>
-                <a:cubicBezTo>
-                  <a:pt x="4675509" y="21311"/>
-                  <a:pt x="4433401" y="-5187"/>
-                  <a:pt x="4165854" y="13716"/>
-                </a:cubicBezTo>
-                <a:cubicBezTo>
-                  <a:pt x="3898308" y="32619"/>
-                  <a:pt x="3809032" y="-13282"/>
-                  <a:pt x="3543681" y="13716"/>
-                </a:cubicBezTo>
-                <a:cubicBezTo>
-                  <a:pt x="3278330" y="40714"/>
-                  <a:pt x="3073876" y="-20489"/>
-                  <a:pt x="2759202" y="13716"/>
-                </a:cubicBezTo>
-                <a:cubicBezTo>
-                  <a:pt x="2444528" y="47921"/>
-                  <a:pt x="2204144" y="-1200"/>
-                  <a:pt x="1974723" y="13716"/>
-                </a:cubicBezTo>
-                <a:cubicBezTo>
-                  <a:pt x="1745302" y="28632"/>
-                  <a:pt x="1602335" y="26918"/>
-                  <a:pt x="1406652" y="13716"/>
-                </a:cubicBezTo>
-                <a:cubicBezTo>
-                  <a:pt x="1210969" y="514"/>
-                  <a:pt x="923948" y="-1411"/>
-                  <a:pt x="730377" y="13716"/>
-                </a:cubicBezTo>
-                <a:cubicBezTo>
-                  <a:pt x="536806" y="28843"/>
-                  <a:pt x="336496" y="-4713"/>
-                  <a:pt x="0" y="13716"/>
-                </a:cubicBezTo>
-                <a:cubicBezTo>
-                  <a:pt x="-535" y="9547"/>
-                  <a:pt x="488" y="4515"/>
-                  <a:pt x="0" y="0"/>
+                  <a:pt x="257110" y="522539"/>
+                  <a:pt x="928399" y="0"/>
+                  <a:pt x="1721734" y="0"/>
                 </a:cubicBezTo>
                 <a:close/>
               </a:path>
             </a:pathLst>
           </a:custGeom>
           <a:solidFill>
-            <a:schemeClr val="accent2"/>
+            <a:schemeClr val="accent4"/>
           </a:solidFill>
-          <a:ln w="41275" cap="rnd">
-            <a:solidFill>
-              <a:schemeClr val="accent2"/>
-            </a:solidFill>
-            <a:round/>
-            <a:extLst>
-              <a:ext uri="{C807C97D-BFC1-408E-A445-0C87EB9F89A2}">
-                <ask:lineSketchStyleProps xmlns:ask="http://schemas.microsoft.com/office/drawing/2018/sketchyshapes" sd="1219033472">
-                  <a:prstGeom prst="rect">
-                    <a:avLst/>
-                  </a:prstGeom>
-                  <ask:type>
-                    <ask:lineSketchFreehand/>
-                  </ask:type>
-                </ask:lineSketchStyleProps>
-              </a:ext>
-            </a:extLst>
+          <a:ln>
+            <a:noFill/>
           </a:ln>
         </p:spPr>
         <p:style>
@@ -29477,7 +26429,9 @@
           </a:fontRef>
         </p:style>
         <p:txBody>
-          <a:bodyPr rtlCol="0" anchor="ctr"/>
+          <a:bodyPr wrap="square" rtlCol="0" anchor="ctr">
+            <a:noAutofit/>
+          </a:bodyPr>
           <a:lstStyle/>
           <a:p>
             <a:pPr algn="ctr"/>
@@ -29485,38 +26439,98 @@
           </a:p>
         </p:txBody>
       </p:sp>
-      <p:graphicFrame>
-        <p:nvGraphicFramePr>
-          <p:cNvPr id="5" name="Content Placeholder 2">
+      <p:sp>
+        <p:nvSpPr>
+          <p:cNvPr id="3" name="Content Placeholder 2">
             <a:extLst>
               <a:ext uri="{FF2B5EF4-FFF2-40B4-BE49-F238E27FC236}">
-                <a16:creationId xmlns:a16="http://schemas.microsoft.com/office/drawing/2014/main" id="{7923C5F1-A6EC-AA1F-5B31-A8A70E624181}"/>
+                <a16:creationId xmlns:a16="http://schemas.microsoft.com/office/drawing/2014/main" id="{4F5ED6A9-73FB-032A-12B5-D09A8B988085}"/>
               </a:ext>
             </a:extLst>
           </p:cNvPr>
-          <p:cNvGraphicFramePr>
-            <a:graphicFrameLocks noGrp="1"/>
-          </p:cNvGraphicFramePr>
+          <p:cNvSpPr>
+            <a:spLocks noGrp="1"/>
+          </p:cNvSpPr>
           <p:nvPr>
             <p:ph idx="1"/>
-            <p:extLst>
-              <p:ext uri="{D42A27DB-BD31-4B8C-83A1-F6EECF244321}">
-                <p14:modId xmlns:p14="http://schemas.microsoft.com/office/powerpoint/2010/main" val="998874953"/>
-              </p:ext>
-            </p:extLst>
           </p:nvPr>
-        </p:nvGraphicFramePr>
-        <p:xfrm>
-          <a:off x="3486013" y="640822"/>
-          <a:ext cx="5175384" cy="5536141"/>
-        </p:xfrm>
-        <a:graphic>
-          <a:graphicData uri="http://schemas.openxmlformats.org/drawingml/2006/diagram">
-            <dgm:relIds xmlns:dgm="http://schemas.openxmlformats.org/drawingml/2006/diagram" xmlns:r="http://schemas.openxmlformats.org/officeDocument/2006/relationships" r:dm="rId3" r:lo="rId4" r:qs="rId5" r:cs="rId6"/>
-          </a:graphicData>
-        </a:graphic>
-      </p:graphicFrame>
+        </p:nvSpPr>
+        <p:spPr>
+          <a:xfrm>
+            <a:off x="716057" y="1707831"/>
+            <a:ext cx="7721974" cy="4192520"/>
+          </a:xfrm>
+        </p:spPr>
+        <p:txBody>
+          <a:bodyPr>
+            <a:normAutofit fontScale="85000" lnSpcReduction="20000"/>
+          </a:bodyPr>
+          <a:lstStyle/>
+          <a:p>
+            <a:pPr marL="0" indent="0">
+              <a:buNone/>
+            </a:pPr>
+            <a:r>
+              <a:rPr lang="en-US" sz="2800" dirty="0"/>
+              <a:t>The operating system works in three main ways:</a:t>
+            </a:r>
+          </a:p>
+          <a:p>
+            <a:pPr marL="0" indent="0">
+              <a:buNone/>
+            </a:pPr>
+            <a:endParaRPr lang="en-US" sz="2800" dirty="0"/>
+          </a:p>
+          <a:p>
+            <a:pPr marL="514350" indent="-514350">
+              <a:buFont typeface="+mj-lt"/>
+              <a:buAutoNum type="arabicPeriod"/>
+            </a:pPr>
+            <a:r>
+              <a:rPr lang="en-US" sz="2800" b="1" dirty="0"/>
+              <a:t>Controls resources</a:t>
+            </a:r>
+            <a:r>
+              <a:rPr lang="en-US" sz="2800" dirty="0"/>
+              <a:t> – Manages hardware components like CPU, memory, storage, and I/O devices.</a:t>
+            </a:r>
+          </a:p>
+          <a:p>
+            <a:pPr marL="514350" indent="-514350">
+              <a:buFont typeface="+mj-lt"/>
+              <a:buAutoNum type="arabicPeriod"/>
+            </a:pPr>
+            <a:r>
+              <a:rPr lang="en-US" sz="2800" b="1" dirty="0"/>
+              <a:t>Provides an interface</a:t>
+            </a:r>
+            <a:r>
+              <a:rPr lang="en-US" sz="2800" dirty="0"/>
+              <a:t> – Offers a way for users and applications to interact with the computer (CLI or GUI).</a:t>
+            </a:r>
+          </a:p>
+          <a:p>
+            <a:pPr marL="514350" indent="-514350">
+              <a:buFont typeface="+mj-lt"/>
+              <a:buAutoNum type="arabicPeriod"/>
+            </a:pPr>
+            <a:r>
+              <a:rPr lang="en-US" sz="2800" b="1" dirty="0"/>
+              <a:t>Acts as a program manager</a:t>
+            </a:r>
+            <a:r>
+              <a:rPr lang="en-US" sz="2800" dirty="0"/>
+              <a:t> – Loads programs into memory, schedules CPU time, manages process execution, handles multitasking, and ensures programs do not interfere with each other. It also terminates processes when they finish or when needed, freeing resources for other tasks.</a:t>
+            </a:r>
+          </a:p>
+        </p:txBody>
+      </p:sp>
     </p:spTree>
+    <p:extLst>
+      <p:ext uri="{BB962C8B-B14F-4D97-AF65-F5344CB8AC3E}">
+        <p14:creationId xmlns:p14="http://schemas.microsoft.com/office/powerpoint/2010/main" val="4104261811"/>
+      </p:ext>
+    </p:extLst>
   </p:cSld>
   <p:clrMapOvr>
     <a:masterClrMapping/>
@@ -29651,7 +26665,7 @@
           <p:nvPr>
             <p:extLst>
               <p:ext uri="{D42A27DB-BD31-4B8C-83A1-F6EECF244321}">
-                <p14:modId xmlns:p14="http://schemas.microsoft.com/office/powerpoint/2010/main" val="945575711"/>
+                <p14:modId xmlns:p14="http://schemas.microsoft.com/office/powerpoint/2010/main" val="2060462795"/>
               </p:ext>
             </p:extLst>
           </p:nvPr>
